--- a/S2_Session2.pptx
+++ b/S2_Session2.pptx
@@ -5,7 +5,7 @@
     <p:sldMasterId id="2147483648" r:id="rId1"/>
   </p:sldMasterIdLst>
   <p:notesMasterIdLst>
-    <p:notesMasterId r:id="rId8"/>
+    <p:notesMasterId r:id="rId11"/>
   </p:notesMasterIdLst>
   <p:sldIdLst>
     <p:sldId id="266" r:id="rId2"/>
@@ -14,6 +14,9 @@
     <p:sldId id="261" r:id="rId5"/>
     <p:sldId id="263" r:id="rId6"/>
     <p:sldId id="293" r:id="rId7"/>
+    <p:sldId id="294" r:id="rId8"/>
+    <p:sldId id="295" r:id="rId9"/>
+    <p:sldId id="296" r:id="rId10"/>
   </p:sldIdLst>
   <p:sldSz cx="12192000" cy="6858000"/>
   <p:notesSz cx="6858000" cy="9144000"/>
@@ -569,6 +572,114 @@
     <p:extLst>
       <p:ext uri="{BB962C8B-B14F-4D97-AF65-F5344CB8AC3E}">
         <p14:creationId xmlns:p14="http://schemas.microsoft.com/office/powerpoint/2010/main" val="1863891896"/>
+      </p:ext>
+    </p:extLst>
+  </p:cSld>
+  <p:clrMapOvr>
+    <a:masterClrMapping/>
+  </p:clrMapOvr>
+</p:notes>
+</file>
+
+<file path=ppt/notesSlides/notesSlide2.xml><?xml version="1.0" encoding="utf-8"?>
+<p:notes xmlns:a="http://schemas.openxmlformats.org/drawingml/2006/main" xmlns:r="http://schemas.openxmlformats.org/officeDocument/2006/relationships" xmlns:p="http://schemas.openxmlformats.org/presentationml/2006/main">
+  <p:cSld>
+    <p:spTree>
+      <p:nvGrpSpPr>
+        <p:cNvPr id="1" name=""/>
+        <p:cNvGrpSpPr/>
+        <p:nvPr/>
+      </p:nvGrpSpPr>
+      <p:grpSpPr>
+        <a:xfrm>
+          <a:off x="0" y="0"/>
+          <a:ext cx="0" cy="0"/>
+          <a:chOff x="0" y="0"/>
+          <a:chExt cx="0" cy="0"/>
+        </a:xfrm>
+      </p:grpSpPr>
+      <p:sp>
+        <p:nvSpPr>
+          <p:cNvPr id="2" name="Slide Image Placeholder 1"/>
+          <p:cNvSpPr>
+            <a:spLocks noGrp="1" noRot="1" noChangeAspect="1"/>
+          </p:cNvSpPr>
+          <p:nvPr>
+            <p:ph type="sldImg"/>
+          </p:nvPr>
+        </p:nvSpPr>
+        <p:spPr/>
+      </p:sp>
+      <p:sp>
+        <p:nvSpPr>
+          <p:cNvPr id="3" name="Notes Placeholder 2"/>
+          <p:cNvSpPr>
+            <a:spLocks noGrp="1"/>
+          </p:cNvSpPr>
+          <p:nvPr>
+            <p:ph type="body" idx="1"/>
+          </p:nvPr>
+        </p:nvSpPr>
+        <p:spPr/>
+        <p:txBody>
+          <a:bodyPr/>
+          <a:lstStyle/>
+          <a:p>
+            <a:r>
+              <a:rPr lang="en-US" dirty="0"/>
+              <a:t>Artificial intelligence enables computers and machines to do human-like tasks without human intervention.</a:t>
+            </a:r>
+          </a:p>
+          <a:p>
+            <a:r>
+              <a:rPr lang="en-US" dirty="0"/>
+              <a:t>Machine learning is dedicated to a specific problem.</a:t>
+            </a:r>
+          </a:p>
+          <a:p>
+            <a:r>
+              <a:rPr lang="en-US" dirty="0"/>
+              <a:t>Data science has overlaps with both AI , and ML, but I can say its major difference with AI is that it needs human </a:t>
+            </a:r>
+            <a:r>
+              <a:rPr lang="en-US" dirty="0" err="1"/>
+              <a:t>interverntion</a:t>
+            </a:r>
+            <a:r>
+              <a:rPr lang="en-US" dirty="0"/>
+              <a:t>.</a:t>
+            </a:r>
+            <a:endParaRPr lang="LID4096" dirty="0"/>
+          </a:p>
+        </p:txBody>
+      </p:sp>
+      <p:sp>
+        <p:nvSpPr>
+          <p:cNvPr id="4" name="Slide Number Placeholder 3"/>
+          <p:cNvSpPr>
+            <a:spLocks noGrp="1"/>
+          </p:cNvSpPr>
+          <p:nvPr>
+            <p:ph type="sldNum" sz="quarter" idx="5"/>
+          </p:nvPr>
+        </p:nvSpPr>
+        <p:spPr/>
+        <p:txBody>
+          <a:bodyPr/>
+          <a:lstStyle/>
+          <a:p>
+            <a:fld id="{3F0B2C52-2B7D-49FF-90AE-F610055A16B6}" type="slidenum">
+              <a:rPr lang="LID4096" smtClean="0"/>
+              <a:t>7</a:t>
+            </a:fld>
+            <a:endParaRPr lang="LID4096"/>
+          </a:p>
+        </p:txBody>
+      </p:sp>
+    </p:spTree>
+    <p:extLst>
+      <p:ext uri="{BB962C8B-B14F-4D97-AF65-F5344CB8AC3E}">
+        <p14:creationId xmlns:p14="http://schemas.microsoft.com/office/powerpoint/2010/main" val="1716980402"/>
       </p:ext>
     </p:extLst>
   </p:cSld>
@@ -4342,7 +4453,13 @@
                             <a:rPr lang="en-US" b="0" i="1" smtClean="0">
                               <a:latin typeface="Cambria Math" panose="02040503050406030204" pitchFamily="18" charset="0"/>
                             </a:rPr>
-                            <m:t>𝑤𝑖𝑡h</m:t>
+                            <m:t>𝑤𝑖𝑡</m:t>
+                          </m:r>
+                          <m:r>
+                            <a:rPr lang="en-US" b="0" i="1" smtClean="0">
+                              <a:latin typeface="Cambria Math" panose="02040503050406030204" pitchFamily="18" charset="0"/>
+                            </a:rPr>
+                            <m:t>h</m:t>
                           </m:r>
                           <m:r>
                             <a:rPr lang="en-US" b="0" i="1" smtClean="0">
@@ -4385,7 +4502,19 @@
                             <a:rPr lang="en-US" b="0" i="1" smtClean="0">
                               <a:latin typeface="Cambria Math" panose="02040503050406030204" pitchFamily="18" charset="0"/>
                             </a:rPr>
-                            <m:t>6+2</m:t>
+                            <m:t>6</m:t>
+                          </m:r>
+                          <m:r>
+                            <a:rPr lang="en-US" b="0" i="1" smtClean="0">
+                              <a:latin typeface="Cambria Math" panose="02040503050406030204" pitchFamily="18" charset="0"/>
+                            </a:rPr>
+                            <m:t>+</m:t>
+                          </m:r>
+                          <m:r>
+                            <a:rPr lang="en-US" b="0" i="1" smtClean="0">
+                              <a:latin typeface="Cambria Math" panose="02040503050406030204" pitchFamily="18" charset="0"/>
+                            </a:rPr>
+                            <m:t>2</m:t>
                           </m:r>
                         </m:den>
                       </m:f>
@@ -4393,7 +4522,25 @@
                         <a:rPr lang="en-US" b="0" i="1" smtClean="0">
                           <a:latin typeface="Cambria Math" panose="02040503050406030204" pitchFamily="18" charset="0"/>
                         </a:rPr>
-                        <m:t>=0.75</m:t>
+                        <m:t>=</m:t>
+                      </m:r>
+                      <m:r>
+                        <a:rPr lang="en-US" b="0" i="1" smtClean="0">
+                          <a:latin typeface="Cambria Math" panose="02040503050406030204" pitchFamily="18" charset="0"/>
+                        </a:rPr>
+                        <m:t>0</m:t>
+                      </m:r>
+                      <m:r>
+                        <a:rPr lang="en-US" b="0" i="1" smtClean="0">
+                          <a:latin typeface="Cambria Math" panose="02040503050406030204" pitchFamily="18" charset="0"/>
+                        </a:rPr>
+                        <m:t>.</m:t>
+                      </m:r>
+                      <m:r>
+                        <a:rPr lang="en-US" b="0" i="1" smtClean="0">
+                          <a:latin typeface="Cambria Math" panose="02040503050406030204" pitchFamily="18" charset="0"/>
+                        </a:rPr>
+                        <m:t>75</m:t>
                       </m:r>
                     </m:oMath>
                   </m:oMathPara>
@@ -5722,7 +5869,25 @@
                             <a:rPr lang="en-US" b="0" i="1" smtClean="0">
                               <a:latin typeface="Cambria Math" panose="02040503050406030204" pitchFamily="18" charset="0"/>
                             </a:rPr>
-                            <m:t>h𝑒𝑎𝑙𝑡h𝑦</m:t>
+                            <m:t>h</m:t>
+                          </m:r>
+                          <m:r>
+                            <a:rPr lang="en-US" b="0" i="1" smtClean="0">
+                              <a:latin typeface="Cambria Math" panose="02040503050406030204" pitchFamily="18" charset="0"/>
+                            </a:rPr>
+                            <m:t>𝑒𝑎𝑙𝑡</m:t>
+                          </m:r>
+                          <m:r>
+                            <a:rPr lang="en-US" b="0" i="1" smtClean="0">
+                              <a:latin typeface="Cambria Math" panose="02040503050406030204" pitchFamily="18" charset="0"/>
+                            </a:rPr>
+                            <m:t>h</m:t>
+                          </m:r>
+                          <m:r>
+                            <a:rPr lang="en-US" b="0" i="1" smtClean="0">
+                              <a:latin typeface="Cambria Math" panose="02040503050406030204" pitchFamily="18" charset="0"/>
+                            </a:rPr>
+                            <m:t>𝑦</m:t>
                           </m:r>
                         </m:e>
                       </m:d>
@@ -5730,7 +5895,25 @@
                         <a:rPr lang="en-US" b="0" i="1" smtClean="0">
                           <a:latin typeface="Cambria Math" panose="02040503050406030204" pitchFamily="18" charset="0"/>
                         </a:rPr>
-                        <m:t>=0.01</m:t>
+                        <m:t>=</m:t>
+                      </m:r>
+                      <m:r>
+                        <a:rPr lang="en-US" b="0" i="1" smtClean="0">
+                          <a:latin typeface="Cambria Math" panose="02040503050406030204" pitchFamily="18" charset="0"/>
+                        </a:rPr>
+                        <m:t>0</m:t>
+                      </m:r>
+                      <m:r>
+                        <a:rPr lang="en-US" b="0" i="1" smtClean="0">
+                          <a:latin typeface="Cambria Math" panose="02040503050406030204" pitchFamily="18" charset="0"/>
+                        </a:rPr>
+                        <m:t>.</m:t>
+                      </m:r>
+                      <m:r>
+                        <a:rPr lang="en-US" b="0" i="1" smtClean="0">
+                          <a:latin typeface="Cambria Math" panose="02040503050406030204" pitchFamily="18" charset="0"/>
+                        </a:rPr>
+                        <m:t>01</m:t>
                       </m:r>
                     </m:oMath>
                   </m:oMathPara>
@@ -5814,7 +5997,25 @@
                       <a:rPr lang="en-US" b="0" i="1" smtClean="0">
                         <a:latin typeface="Cambria Math" panose="02040503050406030204" pitchFamily="18" charset="0"/>
                       </a:rPr>
-                      <m:t>h𝑒𝑎𝑙𝑡h𝑦</m:t>
+                      <m:t>h</m:t>
+                    </m:r>
+                    <m:r>
+                      <a:rPr lang="en-US" b="0" i="1" smtClean="0">
+                        <a:latin typeface="Cambria Math" panose="02040503050406030204" pitchFamily="18" charset="0"/>
+                      </a:rPr>
+                      <m:t>𝑒𝑎𝑙𝑡</m:t>
+                    </m:r>
+                    <m:r>
+                      <a:rPr lang="en-US" b="0" i="1" smtClean="0">
+                        <a:latin typeface="Cambria Math" panose="02040503050406030204" pitchFamily="18" charset="0"/>
+                      </a:rPr>
+                      <m:t>h</m:t>
+                    </m:r>
+                    <m:r>
+                      <a:rPr lang="en-US" b="0" i="1" smtClean="0">
+                        <a:latin typeface="Cambria Math" panose="02040503050406030204" pitchFamily="18" charset="0"/>
+                      </a:rPr>
+                      <m:t>𝑦</m:t>
                     </m:r>
                   </m:oMath>
                 </a14:m>
@@ -5862,7 +6063,25 @@
                         <a:rPr lang="en-US" b="0" i="1" smtClean="0">
                           <a:latin typeface="Cambria Math" panose="02040503050406030204" pitchFamily="18" charset="0"/>
                         </a:rPr>
-                        <m:t>=0.1</m:t>
+                        <m:t>=</m:t>
+                      </m:r>
+                      <m:r>
+                        <a:rPr lang="en-US" b="0" i="1" smtClean="0">
+                          <a:latin typeface="Cambria Math" panose="02040503050406030204" pitchFamily="18" charset="0"/>
+                        </a:rPr>
+                        <m:t>0</m:t>
+                      </m:r>
+                      <m:r>
+                        <a:rPr lang="en-US" b="0" i="1" smtClean="0">
+                          <a:latin typeface="Cambria Math" panose="02040503050406030204" pitchFamily="18" charset="0"/>
+                        </a:rPr>
+                        <m:t>.</m:t>
+                      </m:r>
+                      <m:r>
+                        <a:rPr lang="en-US" b="0" i="1" smtClean="0">
+                          <a:latin typeface="Cambria Math" panose="02040503050406030204" pitchFamily="18" charset="0"/>
+                        </a:rPr>
+                        <m:t>1</m:t>
                       </m:r>
                     </m:oMath>
                   </m:oMathPara>
@@ -5900,7 +6119,25 @@
                             <a:rPr lang="en-US" b="0" i="1" smtClean="0">
                               <a:latin typeface="Cambria Math" panose="02040503050406030204" pitchFamily="18" charset="0"/>
                             </a:rPr>
-                            <m:t>h𝑒𝑎𝑙𝑡h𝑦</m:t>
+                            <m:t>h</m:t>
+                          </m:r>
+                          <m:r>
+                            <a:rPr lang="en-US" b="0" i="1" smtClean="0">
+                              <a:latin typeface="Cambria Math" panose="02040503050406030204" pitchFamily="18" charset="0"/>
+                            </a:rPr>
+                            <m:t>𝑒𝑎𝑙𝑡</m:t>
+                          </m:r>
+                          <m:r>
+                            <a:rPr lang="en-US" b="0" i="1" smtClean="0">
+                              <a:latin typeface="Cambria Math" panose="02040503050406030204" pitchFamily="18" charset="0"/>
+                            </a:rPr>
+                            <m:t>h</m:t>
+                          </m:r>
+                          <m:r>
+                            <a:rPr lang="en-US" b="0" i="1" smtClean="0">
+                              <a:latin typeface="Cambria Math" panose="02040503050406030204" pitchFamily="18" charset="0"/>
+                            </a:rPr>
+                            <m:t>𝑦</m:t>
                           </m:r>
                         </m:e>
                       </m:d>
@@ -5908,7 +6145,19 @@
                         <a:rPr lang="en-US" b="0" i="1" smtClean="0">
                           <a:latin typeface="Cambria Math" panose="02040503050406030204" pitchFamily="18" charset="0"/>
                         </a:rPr>
-                        <m:t>=1−</m:t>
+                        <m:t>=</m:t>
+                      </m:r>
+                      <m:r>
+                        <a:rPr lang="en-US" b="0" i="1" smtClean="0">
+                          <a:latin typeface="Cambria Math" panose="02040503050406030204" pitchFamily="18" charset="0"/>
+                        </a:rPr>
+                        <m:t>1</m:t>
+                      </m:r>
+                      <m:r>
+                        <a:rPr lang="en-US" b="0" i="1" smtClean="0">
+                          <a:latin typeface="Cambria Math" panose="02040503050406030204" pitchFamily="18" charset="0"/>
+                        </a:rPr>
+                        <m:t>−</m:t>
                       </m:r>
                       <m:r>
                         <a:rPr lang="en-US" b="0" i="1" smtClean="0">
@@ -5937,7 +6186,25 @@
                         <a:rPr lang="en-US" b="0" i="1" smtClean="0">
                           <a:latin typeface="Cambria Math" panose="02040503050406030204" pitchFamily="18" charset="0"/>
                         </a:rPr>
-                        <m:t>=0.99</m:t>
+                        <m:t>=</m:t>
+                      </m:r>
+                      <m:r>
+                        <a:rPr lang="en-US" b="0" i="1" smtClean="0">
+                          <a:latin typeface="Cambria Math" panose="02040503050406030204" pitchFamily="18" charset="0"/>
+                        </a:rPr>
+                        <m:t>0</m:t>
+                      </m:r>
+                      <m:r>
+                        <a:rPr lang="en-US" b="0" i="1" smtClean="0">
+                          <a:latin typeface="Cambria Math" panose="02040503050406030204" pitchFamily="18" charset="0"/>
+                        </a:rPr>
+                        <m:t>.</m:t>
+                      </m:r>
+                      <m:r>
+                        <a:rPr lang="en-US" b="0" i="1" smtClean="0">
+                          <a:latin typeface="Cambria Math" panose="02040503050406030204" pitchFamily="18" charset="0"/>
+                        </a:rPr>
+                        <m:t>99</m:t>
                       </m:r>
                     </m:oMath>
                   </m:oMathPara>
@@ -6826,7 +7093,13 @@
                             <a:rPr lang="en-US" b="0" i="1" smtClean="0">
                               <a:latin typeface="Cambria Math" panose="02040503050406030204" pitchFamily="18" charset="0"/>
                             </a:rPr>
-                            <m:t>𝑤𝑖𝑡h</m:t>
+                            <m:t>𝑤𝑖𝑡</m:t>
+                          </m:r>
+                          <m:r>
+                            <a:rPr lang="en-US" b="0" i="1" smtClean="0">
+                              <a:latin typeface="Cambria Math" panose="02040503050406030204" pitchFamily="18" charset="0"/>
+                            </a:rPr>
+                            <m:t>h</m:t>
                           </m:r>
                           <m:r>
                             <a:rPr lang="en-US" b="0" i="1" smtClean="0">
@@ -6888,7 +7161,13 @@
                                 <a:rPr lang="en-US" b="0" i="1" smtClean="0">
                                   <a:latin typeface="Cambria Math" panose="02040503050406030204" pitchFamily="18" charset="0"/>
                                 </a:rPr>
-                                <m:t>𝑤𝑖𝑡h</m:t>
+                                <m:t>𝑤𝑖𝑡</m:t>
+                              </m:r>
+                              <m:r>
+                                <a:rPr lang="en-US" b="0" i="1" smtClean="0">
+                                  <a:latin typeface="Cambria Math" panose="02040503050406030204" pitchFamily="18" charset="0"/>
+                                </a:rPr>
+                                <m:t>h</m:t>
                               </m:r>
                               <m:r>
                                 <a:rPr lang="en-US" b="0" i="1" smtClean="0">
@@ -6972,7 +7251,13 @@
                             <a:rPr lang="en-US" b="0" i="1" smtClean="0">
                               <a:latin typeface="Cambria Math" panose="02040503050406030204" pitchFamily="18" charset="0"/>
                             </a:rPr>
-                            <m:t>𝑤𝑖𝑡h</m:t>
+                            <m:t>𝑤𝑖𝑡</m:t>
+                          </m:r>
+                          <m:r>
+                            <a:rPr lang="en-US" b="0" i="1" smtClean="0">
+                              <a:latin typeface="Cambria Math" panose="02040503050406030204" pitchFamily="18" charset="0"/>
+                            </a:rPr>
+                            <m:t>h</m:t>
                           </m:r>
                           <m:r>
                             <a:rPr lang="en-US" b="0" i="1" smtClean="0">
@@ -7025,7 +7310,43 @@
                             <a:rPr lang="en-US" b="0" i="1" smtClean="0">
                               <a:latin typeface="Cambria Math" panose="02040503050406030204" pitchFamily="18" charset="0"/>
                             </a:rPr>
-                            <m:t>0.999∗0.1</m:t>
+                            <m:t>0</m:t>
+                          </m:r>
+                          <m:r>
+                            <a:rPr lang="en-US" b="0" i="1" smtClean="0">
+                              <a:latin typeface="Cambria Math" panose="02040503050406030204" pitchFamily="18" charset="0"/>
+                            </a:rPr>
+                            <m:t>.</m:t>
+                          </m:r>
+                          <m:r>
+                            <a:rPr lang="en-US" b="0" i="1" smtClean="0">
+                              <a:latin typeface="Cambria Math" panose="02040503050406030204" pitchFamily="18" charset="0"/>
+                            </a:rPr>
+                            <m:t>999</m:t>
+                          </m:r>
+                          <m:r>
+                            <a:rPr lang="en-US" b="0" i="1" smtClean="0">
+                              <a:latin typeface="Cambria Math" panose="02040503050406030204" pitchFamily="18" charset="0"/>
+                            </a:rPr>
+                            <m:t>∗</m:t>
+                          </m:r>
+                          <m:r>
+                            <a:rPr lang="en-US" b="0" i="1" smtClean="0">
+                              <a:latin typeface="Cambria Math" panose="02040503050406030204" pitchFamily="18" charset="0"/>
+                            </a:rPr>
+                            <m:t>0</m:t>
+                          </m:r>
+                          <m:r>
+                            <a:rPr lang="en-US" b="0" i="1" smtClean="0">
+                              <a:latin typeface="Cambria Math" panose="02040503050406030204" pitchFamily="18" charset="0"/>
+                            </a:rPr>
+                            <m:t>.</m:t>
+                          </m:r>
+                          <m:r>
+                            <a:rPr lang="en-US" b="0" i="1" smtClean="0">
+                              <a:latin typeface="Cambria Math" panose="02040503050406030204" pitchFamily="18" charset="0"/>
+                            </a:rPr>
+                            <m:t>1</m:t>
                           </m:r>
                         </m:num>
                         <m:den>
@@ -7060,7 +7381,13 @@
                                 <a:rPr lang="en-US" i="1">
                                   <a:latin typeface="Cambria Math" panose="02040503050406030204" pitchFamily="18" charset="0"/>
                                 </a:rPr>
-                                <m:t>𝑤𝑖𝑡h</m:t>
+                                <m:t>𝑤𝑖𝑡</m:t>
+                              </m:r>
+                              <m:r>
+                                <a:rPr lang="en-US" i="1">
+                                  <a:latin typeface="Cambria Math" panose="02040503050406030204" pitchFamily="18" charset="0"/>
+                                </a:rPr>
+                                <m:t>h</m:t>
                               </m:r>
                               <m:r>
                                 <a:rPr lang="en-US" i="1">
@@ -7150,7 +7477,13 @@
                                 <a:rPr lang="en-US" b="0" i="1" smtClean="0">
                                   <a:latin typeface="Cambria Math" panose="02040503050406030204" pitchFamily="18" charset="0"/>
                                 </a:rPr>
-                                <m:t>𝑤𝑖𝑡h</m:t>
+                                <m:t>𝑤𝑖𝑡</m:t>
+                              </m:r>
+                              <m:r>
+                                <a:rPr lang="en-US" b="0" i="1" smtClean="0">
+                                  <a:latin typeface="Cambria Math" panose="02040503050406030204" pitchFamily="18" charset="0"/>
+                                </a:rPr>
+                                <m:t>h</m:t>
                               </m:r>
                               <m:r>
                                 <a:rPr lang="en-US" b="0" i="1" smtClean="0">
@@ -7170,7 +7503,25 @@
                                 <a:rPr lang="en-US" b="0" i="1" smtClean="0">
                                   <a:latin typeface="Cambria Math" panose="02040503050406030204" pitchFamily="18" charset="0"/>
                                 </a:rPr>
-                                <m:t>h𝑒𝑎𝑙𝑡h𝑦</m:t>
+                                <m:t>h</m:t>
+                              </m:r>
+                              <m:r>
+                                <a:rPr lang="en-US" b="0" i="1" smtClean="0">
+                                  <a:latin typeface="Cambria Math" panose="02040503050406030204" pitchFamily="18" charset="0"/>
+                                </a:rPr>
+                                <m:t>𝑒𝑎𝑙𝑡</m:t>
+                              </m:r>
+                              <m:r>
+                                <a:rPr lang="en-US" b="0" i="1" smtClean="0">
+                                  <a:latin typeface="Cambria Math" panose="02040503050406030204" pitchFamily="18" charset="0"/>
+                                </a:rPr>
+                                <m:t>h</m:t>
+                              </m:r>
+                              <m:r>
+                                <a:rPr lang="en-US" b="0" i="1" smtClean="0">
+                                  <a:latin typeface="Cambria Math" panose="02040503050406030204" pitchFamily="18" charset="0"/>
+                                </a:rPr>
+                                <m:t>𝑦</m:t>
                               </m:r>
                             </m:e>
                           </m:d>
@@ -7196,7 +7547,25 @@
                             <a:rPr lang="en-US" b="0" i="1" smtClean="0">
                               <a:latin typeface="Cambria Math" panose="02040503050406030204" pitchFamily="18" charset="0"/>
                             </a:rPr>
-                            <m:t>h𝑒𝑎𝑙𝑡h𝑦</m:t>
+                            <m:t>h</m:t>
+                          </m:r>
+                          <m:r>
+                            <a:rPr lang="en-US" b="0" i="1" smtClean="0">
+                              <a:latin typeface="Cambria Math" panose="02040503050406030204" pitchFamily="18" charset="0"/>
+                            </a:rPr>
+                            <m:t>𝑒𝑎𝑙𝑡</m:t>
+                          </m:r>
+                          <m:r>
+                            <a:rPr lang="en-US" b="0" i="1" smtClean="0">
+                              <a:latin typeface="Cambria Math" panose="02040503050406030204" pitchFamily="18" charset="0"/>
+                            </a:rPr>
+                            <m:t>h</m:t>
+                          </m:r>
+                          <m:r>
+                            <a:rPr lang="en-US" b="0" i="1" smtClean="0">
+                              <a:latin typeface="Cambria Math" panose="02040503050406030204" pitchFamily="18" charset="0"/>
+                            </a:rPr>
+                            <m:t>𝑦</m:t>
                           </m:r>
                           <m:r>
                             <a:rPr lang="en-US" b="0" i="1" smtClean="0">
@@ -7240,7 +7609,43 @@
                           <a:rPr lang="en-US" b="0" i="1" smtClean="0">
                             <a:latin typeface="Cambria Math" panose="02040503050406030204" pitchFamily="18" charset="0"/>
                           </a:rPr>
-                          <m:t>0.999∗0.1</m:t>
+                          <m:t>0</m:t>
+                        </m:r>
+                        <m:r>
+                          <a:rPr lang="en-US" b="0" i="1" smtClean="0">
+                            <a:latin typeface="Cambria Math" panose="02040503050406030204" pitchFamily="18" charset="0"/>
+                          </a:rPr>
+                          <m:t>.</m:t>
+                        </m:r>
+                        <m:r>
+                          <a:rPr lang="en-US" b="0" i="1" smtClean="0">
+                            <a:latin typeface="Cambria Math" panose="02040503050406030204" pitchFamily="18" charset="0"/>
+                          </a:rPr>
+                          <m:t>999</m:t>
+                        </m:r>
+                        <m:r>
+                          <a:rPr lang="en-US" b="0" i="1" smtClean="0">
+                            <a:latin typeface="Cambria Math" panose="02040503050406030204" pitchFamily="18" charset="0"/>
+                          </a:rPr>
+                          <m:t>∗</m:t>
+                        </m:r>
+                        <m:r>
+                          <a:rPr lang="en-US" b="0" i="1" smtClean="0">
+                            <a:latin typeface="Cambria Math" panose="02040503050406030204" pitchFamily="18" charset="0"/>
+                          </a:rPr>
+                          <m:t>0</m:t>
+                        </m:r>
+                        <m:r>
+                          <a:rPr lang="en-US" b="0" i="1" smtClean="0">
+                            <a:latin typeface="Cambria Math" panose="02040503050406030204" pitchFamily="18" charset="0"/>
+                          </a:rPr>
+                          <m:t>.</m:t>
+                        </m:r>
+                        <m:r>
+                          <a:rPr lang="en-US" b="0" i="1" smtClean="0">
+                            <a:latin typeface="Cambria Math" panose="02040503050406030204" pitchFamily="18" charset="0"/>
+                          </a:rPr>
+                          <m:t>1</m:t>
                         </m:r>
                       </m:num>
                       <m:den>
@@ -7248,7 +7653,91 @@
                           <a:rPr lang="en-US" b="0" i="1" smtClean="0">
                             <a:latin typeface="Cambria Math" panose="02040503050406030204" pitchFamily="18" charset="0"/>
                           </a:rPr>
-                          <m:t>0.999∗0.1+0.01∗0.99</m:t>
+                          <m:t>0</m:t>
+                        </m:r>
+                        <m:r>
+                          <a:rPr lang="en-US" b="0" i="1" smtClean="0">
+                            <a:latin typeface="Cambria Math" panose="02040503050406030204" pitchFamily="18" charset="0"/>
+                          </a:rPr>
+                          <m:t>.</m:t>
+                        </m:r>
+                        <m:r>
+                          <a:rPr lang="en-US" b="0" i="1" smtClean="0">
+                            <a:latin typeface="Cambria Math" panose="02040503050406030204" pitchFamily="18" charset="0"/>
+                          </a:rPr>
+                          <m:t>999</m:t>
+                        </m:r>
+                        <m:r>
+                          <a:rPr lang="en-US" b="0" i="1" smtClean="0">
+                            <a:latin typeface="Cambria Math" panose="02040503050406030204" pitchFamily="18" charset="0"/>
+                          </a:rPr>
+                          <m:t>∗</m:t>
+                        </m:r>
+                        <m:r>
+                          <a:rPr lang="en-US" b="0" i="1" smtClean="0">
+                            <a:latin typeface="Cambria Math" panose="02040503050406030204" pitchFamily="18" charset="0"/>
+                          </a:rPr>
+                          <m:t>0</m:t>
+                        </m:r>
+                        <m:r>
+                          <a:rPr lang="en-US" b="0" i="1" smtClean="0">
+                            <a:latin typeface="Cambria Math" panose="02040503050406030204" pitchFamily="18" charset="0"/>
+                          </a:rPr>
+                          <m:t>.</m:t>
+                        </m:r>
+                        <m:r>
+                          <a:rPr lang="en-US" b="0" i="1" smtClean="0">
+                            <a:latin typeface="Cambria Math" panose="02040503050406030204" pitchFamily="18" charset="0"/>
+                          </a:rPr>
+                          <m:t>1</m:t>
+                        </m:r>
+                        <m:r>
+                          <a:rPr lang="en-US" b="0" i="1" smtClean="0">
+                            <a:latin typeface="Cambria Math" panose="02040503050406030204" pitchFamily="18" charset="0"/>
+                          </a:rPr>
+                          <m:t>+</m:t>
+                        </m:r>
+                        <m:r>
+                          <a:rPr lang="en-US" b="0" i="1" smtClean="0">
+                            <a:latin typeface="Cambria Math" panose="02040503050406030204" pitchFamily="18" charset="0"/>
+                          </a:rPr>
+                          <m:t>0</m:t>
+                        </m:r>
+                        <m:r>
+                          <a:rPr lang="en-US" b="0" i="1" smtClean="0">
+                            <a:latin typeface="Cambria Math" panose="02040503050406030204" pitchFamily="18" charset="0"/>
+                          </a:rPr>
+                          <m:t>.</m:t>
+                        </m:r>
+                        <m:r>
+                          <a:rPr lang="en-US" b="0" i="1" smtClean="0">
+                            <a:latin typeface="Cambria Math" panose="02040503050406030204" pitchFamily="18" charset="0"/>
+                          </a:rPr>
+                          <m:t>01</m:t>
+                        </m:r>
+                        <m:r>
+                          <a:rPr lang="en-US" b="0" i="1" smtClean="0">
+                            <a:latin typeface="Cambria Math" panose="02040503050406030204" pitchFamily="18" charset="0"/>
+                          </a:rPr>
+                          <m:t>∗</m:t>
+                        </m:r>
+                        <m:r>
+                          <a:rPr lang="en-US" b="0" i="1" smtClean="0">
+                            <a:latin typeface="Cambria Math" panose="02040503050406030204" pitchFamily="18" charset="0"/>
+                          </a:rPr>
+                          <m:t>0</m:t>
+                        </m:r>
+                        <m:r>
+                          <a:rPr lang="en-US" b="0" i="1" smtClean="0">
+                            <a:latin typeface="Cambria Math" panose="02040503050406030204" pitchFamily="18" charset="0"/>
+                          </a:rPr>
+                          <m:t>.</m:t>
+                        </m:r>
+                        <m:r>
+                          <a:rPr lang="en-US" b="0" i="1" smtClean="0">
+                            <a:latin typeface="Cambria Math" panose="02040503050406030204" pitchFamily="18" charset="0"/>
+                          </a:rPr>
+                          <m:t>99</m:t>
                         </m:r>
                       </m:den>
                     </m:f>
@@ -11046,6 +11535,2086 @@
 </p:sld>
 </file>
 
+<file path=ppt/slides/slide7.xml><?xml version="1.0" encoding="utf-8"?>
+<p:sld xmlns:a="http://schemas.openxmlformats.org/drawingml/2006/main" xmlns:r="http://schemas.openxmlformats.org/officeDocument/2006/relationships" xmlns:p="http://schemas.openxmlformats.org/presentationml/2006/main">
+  <p:cSld>
+    <p:spTree>
+      <p:nvGrpSpPr>
+        <p:cNvPr id="1" name=""/>
+        <p:cNvGrpSpPr/>
+        <p:nvPr/>
+      </p:nvGrpSpPr>
+      <p:grpSpPr>
+        <a:xfrm>
+          <a:off x="0" y="0"/>
+          <a:ext cx="0" cy="0"/>
+          <a:chOff x="0" y="0"/>
+          <a:chExt cx="0" cy="0"/>
+        </a:xfrm>
+      </p:grpSpPr>
+      <p:sp>
+        <p:nvSpPr>
+          <p:cNvPr id="2" name="TextBox 1">
+            <a:extLst>
+              <a:ext uri="{FF2B5EF4-FFF2-40B4-BE49-F238E27FC236}">
+                <a16:creationId xmlns:a16="http://schemas.microsoft.com/office/drawing/2014/main" id="{E95331BF-DD6B-43D9-BBDF-3725FE50B1A1}"/>
+              </a:ext>
+            </a:extLst>
+          </p:cNvPr>
+          <p:cNvSpPr txBox="1"/>
+          <p:nvPr/>
+        </p:nvSpPr>
+        <p:spPr>
+          <a:xfrm>
+            <a:off x="861153" y="745468"/>
+            <a:ext cx="10687000" cy="954107"/>
+          </a:xfrm>
+          <a:prstGeom prst="rect">
+            <a:avLst/>
+          </a:prstGeom>
+          <a:noFill/>
+        </p:spPr>
+        <p:txBody>
+          <a:bodyPr wrap="square" rtlCol="0">
+            <a:spAutoFit/>
+          </a:bodyPr>
+          <a:lstStyle/>
+          <a:p>
+            <a:r>
+              <a:rPr lang="en-US" sz="2000" b="1" dirty="0"/>
+              <a:t>Logistic regression</a:t>
+            </a:r>
+          </a:p>
+          <a:p>
+            <a:endParaRPr lang="en-US" dirty="0"/>
+          </a:p>
+          <a:p>
+            <a:endParaRPr lang="LID4096" dirty="0"/>
+          </a:p>
+        </p:txBody>
+      </p:sp>
+      <p:sp>
+        <p:nvSpPr>
+          <p:cNvPr id="17" name="TextBox 16">
+            <a:extLst>
+              <a:ext uri="{FF2B5EF4-FFF2-40B4-BE49-F238E27FC236}">
+                <a16:creationId xmlns:a16="http://schemas.microsoft.com/office/drawing/2014/main" id="{E35636B0-48A5-4A97-BE3E-1FF84E38019E}"/>
+              </a:ext>
+            </a:extLst>
+          </p:cNvPr>
+          <p:cNvSpPr txBox="1"/>
+          <p:nvPr/>
+        </p:nvSpPr>
+        <p:spPr>
+          <a:xfrm>
+            <a:off x="861153" y="1079300"/>
+            <a:ext cx="9741877" cy="369332"/>
+          </a:xfrm>
+          <a:prstGeom prst="rect">
+            <a:avLst/>
+          </a:prstGeom>
+          <a:noFill/>
+        </p:spPr>
+        <p:txBody>
+          <a:bodyPr wrap="square" rtlCol="0">
+            <a:spAutoFit/>
+          </a:bodyPr>
+          <a:lstStyle/>
+          <a:p>
+            <a:r>
+              <a:rPr lang="en-US" dirty="0"/>
+              <a:t>Imagine that we have one feature (x), and y represents the labels, which are two categories.</a:t>
+            </a:r>
+          </a:p>
+        </p:txBody>
+      </p:sp>
+      <p:cxnSp>
+        <p:nvCxnSpPr>
+          <p:cNvPr id="10" name="Straight Arrow Connector 9">
+            <a:extLst>
+              <a:ext uri="{FF2B5EF4-FFF2-40B4-BE49-F238E27FC236}">
+                <a16:creationId xmlns:a16="http://schemas.microsoft.com/office/drawing/2014/main" id="{B0BF2E49-A98E-493C-A989-AF09D3AEB0EA}"/>
+              </a:ext>
+            </a:extLst>
+          </p:cNvPr>
+          <p:cNvCxnSpPr/>
+          <p:nvPr/>
+        </p:nvCxnSpPr>
+        <p:spPr>
+          <a:xfrm>
+            <a:off x="3855905" y="3535144"/>
+            <a:ext cx="4990641" cy="0"/>
+          </a:xfrm>
+          <a:prstGeom prst="straightConnector1">
+            <a:avLst/>
+          </a:prstGeom>
+          <a:ln>
+            <a:tailEnd type="triangle"/>
+          </a:ln>
+        </p:spPr>
+        <p:style>
+          <a:lnRef idx="3">
+            <a:schemeClr val="dk1"/>
+          </a:lnRef>
+          <a:fillRef idx="0">
+            <a:schemeClr val="dk1"/>
+          </a:fillRef>
+          <a:effectRef idx="2">
+            <a:schemeClr val="dk1"/>
+          </a:effectRef>
+          <a:fontRef idx="minor">
+            <a:schemeClr val="tx1"/>
+          </a:fontRef>
+        </p:style>
+      </p:cxnSp>
+      <p:cxnSp>
+        <p:nvCxnSpPr>
+          <p:cNvPr id="19" name="Straight Arrow Connector 18">
+            <a:extLst>
+              <a:ext uri="{FF2B5EF4-FFF2-40B4-BE49-F238E27FC236}">
+                <a16:creationId xmlns:a16="http://schemas.microsoft.com/office/drawing/2014/main" id="{03BFAD17-CC0B-41EF-B0B0-5FF7B6AC56AA}"/>
+              </a:ext>
+            </a:extLst>
+          </p:cNvPr>
+          <p:cNvCxnSpPr>
+            <a:cxnSpLocks/>
+          </p:cNvCxnSpPr>
+          <p:nvPr/>
+        </p:nvCxnSpPr>
+        <p:spPr>
+          <a:xfrm flipV="1">
+            <a:off x="3855905" y="1487755"/>
+            <a:ext cx="0" cy="2027231"/>
+          </a:xfrm>
+          <a:prstGeom prst="straightConnector1">
+            <a:avLst/>
+          </a:prstGeom>
+          <a:ln>
+            <a:tailEnd type="triangle"/>
+          </a:ln>
+        </p:spPr>
+        <p:style>
+          <a:lnRef idx="3">
+            <a:schemeClr val="dk1"/>
+          </a:lnRef>
+          <a:fillRef idx="0">
+            <a:schemeClr val="dk1"/>
+          </a:fillRef>
+          <a:effectRef idx="2">
+            <a:schemeClr val="dk1"/>
+          </a:effectRef>
+          <a:fontRef idx="minor">
+            <a:schemeClr val="tx1"/>
+          </a:fontRef>
+        </p:style>
+      </p:cxnSp>
+      <p:cxnSp>
+        <p:nvCxnSpPr>
+          <p:cNvPr id="21" name="Straight Connector 20">
+            <a:extLst>
+              <a:ext uri="{FF2B5EF4-FFF2-40B4-BE49-F238E27FC236}">
+                <a16:creationId xmlns:a16="http://schemas.microsoft.com/office/drawing/2014/main" id="{78D02F5B-4E09-4797-A3C9-FA37A46EA884}"/>
+              </a:ext>
+            </a:extLst>
+          </p:cNvPr>
+          <p:cNvCxnSpPr>
+            <a:cxnSpLocks/>
+          </p:cNvCxnSpPr>
+          <p:nvPr/>
+        </p:nvCxnSpPr>
+        <p:spPr>
+          <a:xfrm flipV="1">
+            <a:off x="5750806" y="1699575"/>
+            <a:ext cx="2302525" cy="1835569"/>
+          </a:xfrm>
+          <a:prstGeom prst="line">
+            <a:avLst/>
+          </a:prstGeom>
+        </p:spPr>
+        <p:style>
+          <a:lnRef idx="2">
+            <a:schemeClr val="accent1"/>
+          </a:lnRef>
+          <a:fillRef idx="0">
+            <a:schemeClr val="accent1"/>
+          </a:fillRef>
+          <a:effectRef idx="1">
+            <a:schemeClr val="accent1"/>
+          </a:effectRef>
+          <a:fontRef idx="minor">
+            <a:schemeClr val="tx1"/>
+          </a:fontRef>
+        </p:style>
+      </p:cxnSp>
+      <p:sp>
+        <p:nvSpPr>
+          <p:cNvPr id="22" name="TextBox 21">
+            <a:extLst>
+              <a:ext uri="{FF2B5EF4-FFF2-40B4-BE49-F238E27FC236}">
+                <a16:creationId xmlns:a16="http://schemas.microsoft.com/office/drawing/2014/main" id="{7802E77B-8A8E-4101-B188-93770E34A4AD}"/>
+              </a:ext>
+            </a:extLst>
+          </p:cNvPr>
+          <p:cNvSpPr txBox="1"/>
+          <p:nvPr/>
+        </p:nvSpPr>
+        <p:spPr>
+          <a:xfrm>
+            <a:off x="4748270" y="3236710"/>
+            <a:ext cx="2093205" cy="523220"/>
+          </a:xfrm>
+          <a:prstGeom prst="rect">
+            <a:avLst/>
+          </a:prstGeom>
+          <a:noFill/>
+        </p:spPr>
+        <p:txBody>
+          <a:bodyPr wrap="square" rtlCol="0">
+            <a:spAutoFit/>
+          </a:bodyPr>
+          <a:lstStyle/>
+          <a:p>
+            <a:r>
+              <a:rPr lang="en-US" sz="2800" dirty="0">
+                <a:solidFill>
+                  <a:srgbClr val="00B0F0"/>
+                </a:solidFill>
+              </a:rPr>
+              <a:t>+   +       +   +</a:t>
+            </a:r>
+            <a:endParaRPr lang="LID4096" sz="2800" dirty="0">
+              <a:solidFill>
+                <a:srgbClr val="00B0F0"/>
+              </a:solidFill>
+            </a:endParaRPr>
+          </a:p>
+        </p:txBody>
+      </p:sp>
+      <p:sp>
+        <p:nvSpPr>
+          <p:cNvPr id="23" name="TextBox 22">
+            <a:extLst>
+              <a:ext uri="{FF2B5EF4-FFF2-40B4-BE49-F238E27FC236}">
+                <a16:creationId xmlns:a16="http://schemas.microsoft.com/office/drawing/2014/main" id="{EEF29CE5-3495-4157-97C3-4B5587AD58BE}"/>
+              </a:ext>
+            </a:extLst>
+          </p:cNvPr>
+          <p:cNvSpPr txBox="1"/>
+          <p:nvPr/>
+        </p:nvSpPr>
+        <p:spPr>
+          <a:xfrm>
+            <a:off x="6674385" y="1721236"/>
+            <a:ext cx="2093205" cy="523220"/>
+          </a:xfrm>
+          <a:prstGeom prst="rect">
+            <a:avLst/>
+          </a:prstGeom>
+          <a:noFill/>
+        </p:spPr>
+        <p:txBody>
+          <a:bodyPr wrap="square" rtlCol="0">
+            <a:spAutoFit/>
+          </a:bodyPr>
+          <a:lstStyle/>
+          <a:p>
+            <a:r>
+              <a:rPr lang="en-US" sz="2800" dirty="0">
+                <a:solidFill>
+                  <a:srgbClr val="FF0000"/>
+                </a:solidFill>
+              </a:rPr>
+              <a:t>+   +   +   +   +</a:t>
+            </a:r>
+            <a:endParaRPr lang="LID4096" sz="2800" dirty="0">
+              <a:solidFill>
+                <a:srgbClr val="FF0000"/>
+              </a:solidFill>
+            </a:endParaRPr>
+          </a:p>
+        </p:txBody>
+      </p:sp>
+      <mc:AlternateContent xmlns:mc="http://schemas.openxmlformats.org/markup-compatibility/2006">
+        <mc:Choice xmlns:a14="http://schemas.microsoft.com/office/drawing/2010/main" Requires="a14">
+          <p:sp>
+            <p:nvSpPr>
+              <p:cNvPr id="24" name="TextBox 23">
+                <a:extLst>
+                  <a:ext uri="{FF2B5EF4-FFF2-40B4-BE49-F238E27FC236}">
+                    <a16:creationId xmlns:a16="http://schemas.microsoft.com/office/drawing/2014/main" id="{245B4C05-82CD-4A7D-AD97-0D976812BF85}"/>
+                  </a:ext>
+                </a:extLst>
+              </p:cNvPr>
+              <p:cNvSpPr txBox="1"/>
+              <p:nvPr/>
+            </p:nvSpPr>
+            <p:spPr>
+              <a:xfrm>
+                <a:off x="7160047" y="2622750"/>
+                <a:ext cx="1349857" cy="307777"/>
+              </a:xfrm>
+              <a:prstGeom prst="rect">
+                <a:avLst/>
+              </a:prstGeom>
+              <a:noFill/>
+            </p:spPr>
+            <p:txBody>
+              <a:bodyPr wrap="none" lIns="0" tIns="0" rIns="0" bIns="0" rtlCol="0">
+                <a:spAutoFit/>
+              </a:bodyPr>
+              <a:lstStyle/>
+              <a:p>
+                <a14:m>
+                  <m:oMathPara xmlns:m="http://schemas.openxmlformats.org/officeDocument/2006/math">
+                    <m:oMathParaPr>
+                      <m:jc m:val="centerGroup"/>
+                    </m:oMathParaPr>
+                    <m:oMath xmlns:m="http://schemas.openxmlformats.org/officeDocument/2006/math">
+                      <m:acc>
+                        <m:accPr>
+                          <m:chr m:val="̂"/>
+                          <m:ctrlPr>
+                            <a:rPr lang="en-US" sz="2000" i="1" smtClean="0">
+                              <a:latin typeface="Cambria Math" panose="02040503050406030204" pitchFamily="18" charset="0"/>
+                            </a:rPr>
+                          </m:ctrlPr>
+                        </m:accPr>
+                        <m:e>
+                          <m:r>
+                            <a:rPr lang="en-US" sz="2000" b="0" i="1" smtClean="0">
+                              <a:latin typeface="Cambria Math" panose="02040503050406030204" pitchFamily="18" charset="0"/>
+                            </a:rPr>
+                            <m:t>𝑦</m:t>
+                          </m:r>
+                        </m:e>
+                      </m:acc>
+                      <m:r>
+                        <a:rPr lang="en-US" sz="2000" b="0" i="1" smtClean="0">
+                          <a:latin typeface="Cambria Math" panose="02040503050406030204" pitchFamily="18" charset="0"/>
+                        </a:rPr>
+                        <m:t>=</m:t>
+                      </m:r>
+                      <m:r>
+                        <a:rPr lang="en-US" sz="2000" b="0" i="1" smtClean="0">
+                          <a:latin typeface="Cambria Math" panose="02040503050406030204" pitchFamily="18" charset="0"/>
+                        </a:rPr>
+                        <m:t>𝑚𝑥</m:t>
+                      </m:r>
+                      <m:r>
+                        <a:rPr lang="en-US" sz="2000" b="0" i="1" smtClean="0">
+                          <a:latin typeface="Cambria Math" panose="02040503050406030204" pitchFamily="18" charset="0"/>
+                        </a:rPr>
+                        <m:t>+</m:t>
+                      </m:r>
+                      <m:r>
+                        <a:rPr lang="en-US" sz="2000" b="0" i="1" smtClean="0">
+                          <a:latin typeface="Cambria Math" panose="02040503050406030204" pitchFamily="18" charset="0"/>
+                        </a:rPr>
+                        <m:t>𝑏</m:t>
+                      </m:r>
+                    </m:oMath>
+                  </m:oMathPara>
+                </a14:m>
+                <a:endParaRPr lang="LID4096" sz="2000" dirty="0"/>
+              </a:p>
+            </p:txBody>
+          </p:sp>
+        </mc:Choice>
+        <mc:Fallback>
+          <p:sp>
+            <p:nvSpPr>
+              <p:cNvPr id="24" name="TextBox 23">
+                <a:extLst>
+                  <a:ext uri="{FF2B5EF4-FFF2-40B4-BE49-F238E27FC236}">
+                    <a16:creationId xmlns:a16="http://schemas.microsoft.com/office/drawing/2014/main" id="{245B4C05-82CD-4A7D-AD97-0D976812BF85}"/>
+                  </a:ext>
+                </a:extLst>
+              </p:cNvPr>
+              <p:cNvSpPr txBox="1">
+                <a:spLocks noRot="1" noChangeAspect="1" noMove="1" noResize="1" noEditPoints="1" noAdjustHandles="1" noChangeArrowheads="1" noChangeShapeType="1" noTextEdit="1"/>
+              </p:cNvSpPr>
+              <p:nvPr/>
+            </p:nvSpPr>
+            <p:spPr>
+              <a:xfrm>
+                <a:off x="7160047" y="2622750"/>
+                <a:ext cx="1349857" cy="307777"/>
+              </a:xfrm>
+              <a:prstGeom prst="rect">
+                <a:avLst/>
+              </a:prstGeom>
+              <a:blipFill>
+                <a:blip r:embed="rId3"/>
+                <a:stretch>
+                  <a:fillRect l="-4072" t="-21569" r="-4072" b="-23529"/>
+                </a:stretch>
+              </a:blipFill>
+            </p:spPr>
+            <p:txBody>
+              <a:bodyPr/>
+              <a:lstStyle/>
+              <a:p>
+                <a:r>
+                  <a:rPr lang="LID4096">
+                    <a:noFill/>
+                  </a:rPr>
+                  <a:t> </a:t>
+                </a:r>
+              </a:p>
+            </p:txBody>
+          </p:sp>
+        </mc:Fallback>
+      </mc:AlternateContent>
+      <mc:AlternateContent xmlns:mc="http://schemas.openxmlformats.org/markup-compatibility/2006">
+        <mc:Choice xmlns:a14="http://schemas.microsoft.com/office/drawing/2010/main" Requires="a14">
+          <p:sp>
+            <p:nvSpPr>
+              <p:cNvPr id="25" name="TextBox 24">
+                <a:extLst>
+                  <a:ext uri="{FF2B5EF4-FFF2-40B4-BE49-F238E27FC236}">
+                    <a16:creationId xmlns:a16="http://schemas.microsoft.com/office/drawing/2014/main" id="{695DA000-65FE-4FFF-AA44-1B444A89A29E}"/>
+                  </a:ext>
+                </a:extLst>
+              </p:cNvPr>
+              <p:cNvSpPr txBox="1"/>
+              <p:nvPr/>
+            </p:nvSpPr>
+            <p:spPr>
+              <a:xfrm>
+                <a:off x="8846546" y="3535144"/>
+                <a:ext cx="201722" cy="307777"/>
+              </a:xfrm>
+              <a:prstGeom prst="rect">
+                <a:avLst/>
+              </a:prstGeom>
+              <a:noFill/>
+            </p:spPr>
+            <p:txBody>
+              <a:bodyPr wrap="none" lIns="0" tIns="0" rIns="0" bIns="0" rtlCol="0">
+                <a:spAutoFit/>
+              </a:bodyPr>
+              <a:lstStyle/>
+              <a:p>
+                <a14:m>
+                  <m:oMathPara xmlns:m="http://schemas.openxmlformats.org/officeDocument/2006/math">
+                    <m:oMathParaPr>
+                      <m:jc m:val="centerGroup"/>
+                    </m:oMathParaPr>
+                    <m:oMath xmlns:m="http://schemas.openxmlformats.org/officeDocument/2006/math">
+                      <m:r>
+                        <a:rPr lang="en-US" sz="2000" b="0" i="1" smtClean="0">
+                          <a:latin typeface="Cambria Math" panose="02040503050406030204" pitchFamily="18" charset="0"/>
+                        </a:rPr>
+                        <m:t>𝑥</m:t>
+                      </m:r>
+                    </m:oMath>
+                  </m:oMathPara>
+                </a14:m>
+                <a:endParaRPr lang="LID4096" sz="2000" dirty="0"/>
+              </a:p>
+            </p:txBody>
+          </p:sp>
+        </mc:Choice>
+        <mc:Fallback>
+          <p:sp>
+            <p:nvSpPr>
+              <p:cNvPr id="25" name="TextBox 24">
+                <a:extLst>
+                  <a:ext uri="{FF2B5EF4-FFF2-40B4-BE49-F238E27FC236}">
+                    <a16:creationId xmlns:a16="http://schemas.microsoft.com/office/drawing/2014/main" id="{695DA000-65FE-4FFF-AA44-1B444A89A29E}"/>
+                  </a:ext>
+                </a:extLst>
+              </p:cNvPr>
+              <p:cNvSpPr txBox="1">
+                <a:spLocks noRot="1" noChangeAspect="1" noMove="1" noResize="1" noEditPoints="1" noAdjustHandles="1" noChangeArrowheads="1" noChangeShapeType="1" noTextEdit="1"/>
+              </p:cNvSpPr>
+              <p:nvPr/>
+            </p:nvSpPr>
+            <p:spPr>
+              <a:xfrm>
+                <a:off x="8846546" y="3535144"/>
+                <a:ext cx="201722" cy="307777"/>
+              </a:xfrm>
+              <a:prstGeom prst="rect">
+                <a:avLst/>
+              </a:prstGeom>
+              <a:blipFill>
+                <a:blip r:embed="rId4"/>
+                <a:stretch>
+                  <a:fillRect l="-15152" r="-15152"/>
+                </a:stretch>
+              </a:blipFill>
+            </p:spPr>
+            <p:txBody>
+              <a:bodyPr/>
+              <a:lstStyle/>
+              <a:p>
+                <a:r>
+                  <a:rPr lang="LID4096">
+                    <a:noFill/>
+                  </a:rPr>
+                  <a:t> </a:t>
+                </a:r>
+              </a:p>
+            </p:txBody>
+          </p:sp>
+        </mc:Fallback>
+      </mc:AlternateContent>
+      <mc:AlternateContent xmlns:mc="http://schemas.openxmlformats.org/markup-compatibility/2006">
+        <mc:Choice xmlns:a14="http://schemas.microsoft.com/office/drawing/2010/main" Requires="a14">
+          <p:sp>
+            <p:nvSpPr>
+              <p:cNvPr id="26" name="TextBox 25">
+                <a:extLst>
+                  <a:ext uri="{FF2B5EF4-FFF2-40B4-BE49-F238E27FC236}">
+                    <a16:creationId xmlns:a16="http://schemas.microsoft.com/office/drawing/2014/main" id="{037FEC6F-E266-4DD7-BB92-4EF2A0033FF5}"/>
+                  </a:ext>
+                </a:extLst>
+              </p:cNvPr>
+              <p:cNvSpPr txBox="1"/>
+              <p:nvPr/>
+            </p:nvSpPr>
+            <p:spPr>
+              <a:xfrm>
+                <a:off x="3547433" y="1289466"/>
+                <a:ext cx="206339" cy="307777"/>
+              </a:xfrm>
+              <a:prstGeom prst="rect">
+                <a:avLst/>
+              </a:prstGeom>
+              <a:noFill/>
+            </p:spPr>
+            <p:txBody>
+              <a:bodyPr wrap="none" lIns="0" tIns="0" rIns="0" bIns="0" rtlCol="0">
+                <a:spAutoFit/>
+              </a:bodyPr>
+              <a:lstStyle/>
+              <a:p>
+                <a14:m>
+                  <m:oMathPara xmlns:m="http://schemas.openxmlformats.org/officeDocument/2006/math">
+                    <m:oMathParaPr>
+                      <m:jc m:val="centerGroup"/>
+                    </m:oMathParaPr>
+                    <m:oMath xmlns:m="http://schemas.openxmlformats.org/officeDocument/2006/math">
+                      <m:r>
+                        <a:rPr lang="en-US" sz="2000" b="0" i="1" smtClean="0">
+                          <a:latin typeface="Cambria Math" panose="02040503050406030204" pitchFamily="18" charset="0"/>
+                        </a:rPr>
+                        <m:t>𝑦</m:t>
+                      </m:r>
+                    </m:oMath>
+                  </m:oMathPara>
+                </a14:m>
+                <a:endParaRPr lang="LID4096" sz="2000" dirty="0"/>
+              </a:p>
+            </p:txBody>
+          </p:sp>
+        </mc:Choice>
+        <mc:Fallback>
+          <p:sp>
+            <p:nvSpPr>
+              <p:cNvPr id="26" name="TextBox 25">
+                <a:extLst>
+                  <a:ext uri="{FF2B5EF4-FFF2-40B4-BE49-F238E27FC236}">
+                    <a16:creationId xmlns:a16="http://schemas.microsoft.com/office/drawing/2014/main" id="{037FEC6F-E266-4DD7-BB92-4EF2A0033FF5}"/>
+                  </a:ext>
+                </a:extLst>
+              </p:cNvPr>
+              <p:cNvSpPr txBox="1">
+                <a:spLocks noRot="1" noChangeAspect="1" noMove="1" noResize="1" noEditPoints="1" noAdjustHandles="1" noChangeArrowheads="1" noChangeShapeType="1" noTextEdit="1"/>
+              </p:cNvSpPr>
+              <p:nvPr/>
+            </p:nvSpPr>
+            <p:spPr>
+              <a:xfrm>
+                <a:off x="3547433" y="1289466"/>
+                <a:ext cx="206339" cy="307777"/>
+              </a:xfrm>
+              <a:prstGeom prst="rect">
+                <a:avLst/>
+              </a:prstGeom>
+              <a:blipFill>
+                <a:blip r:embed="rId5"/>
+                <a:stretch>
+                  <a:fillRect l="-29412" r="-29412" b="-26000"/>
+                </a:stretch>
+              </a:blipFill>
+            </p:spPr>
+            <p:txBody>
+              <a:bodyPr/>
+              <a:lstStyle/>
+              <a:p>
+                <a:r>
+                  <a:rPr lang="LID4096">
+                    <a:noFill/>
+                  </a:rPr>
+                  <a:t> </a:t>
+                </a:r>
+              </a:p>
+            </p:txBody>
+          </p:sp>
+        </mc:Fallback>
+      </mc:AlternateContent>
+      <mc:AlternateContent xmlns:mc="http://schemas.openxmlformats.org/markup-compatibility/2006">
+        <mc:Choice xmlns:a14="http://schemas.microsoft.com/office/drawing/2010/main" Requires="a14">
+          <p:sp>
+            <p:nvSpPr>
+              <p:cNvPr id="28" name="TextBox 27">
+                <a:extLst>
+                  <a:ext uri="{FF2B5EF4-FFF2-40B4-BE49-F238E27FC236}">
+                    <a16:creationId xmlns:a16="http://schemas.microsoft.com/office/drawing/2014/main" id="{65440613-B04E-4D06-BFF0-51AB97EFF0EE}"/>
+                  </a:ext>
+                </a:extLst>
+              </p:cNvPr>
+              <p:cNvSpPr txBox="1"/>
+              <p:nvPr/>
+            </p:nvSpPr>
+            <p:spPr>
+              <a:xfrm>
+                <a:off x="883184" y="4174225"/>
+                <a:ext cx="11582401" cy="2245679"/>
+              </a:xfrm>
+              <a:prstGeom prst="rect">
+                <a:avLst/>
+              </a:prstGeom>
+              <a:noFill/>
+            </p:spPr>
+            <p:txBody>
+              <a:bodyPr wrap="square">
+                <a:spAutoFit/>
+              </a:bodyPr>
+              <a:lstStyle/>
+              <a:p>
+                <a:pPr marL="0" marR="0">
+                  <a:lnSpc>
+                    <a:spcPct val="107000"/>
+                  </a:lnSpc>
+                  <a:spcBef>
+                    <a:spcPts val="0"/>
+                  </a:spcBef>
+                  <a:spcAft>
+                    <a:spcPts val="800"/>
+                  </a:spcAft>
+                </a:pPr>
+                <a:r>
+                  <a:rPr lang="en-US" sz="1800" dirty="0">
+                    <a:effectLst/>
+                    <a:latin typeface="Calibri" panose="020F0502020204030204" pitchFamily="34" charset="0"/>
+                    <a:ea typeface="Calibri" panose="020F0502020204030204" pitchFamily="34" charset="0"/>
+                    <a:cs typeface="Arial" panose="020B0604020202020204" pitchFamily="34" charset="0"/>
+                  </a:rPr>
+                  <a:t>We can formulate the line like this:</a:t>
+                </a:r>
+              </a:p>
+              <a:p>
+                <a:pPr marL="0" marR="0">
+                  <a:lnSpc>
+                    <a:spcPct val="107000"/>
+                  </a:lnSpc>
+                  <a:spcBef>
+                    <a:spcPts val="0"/>
+                  </a:spcBef>
+                  <a:spcAft>
+                    <a:spcPts val="800"/>
+                  </a:spcAft>
+                </a:pPr>
+                <a14:m>
+                  <m:oMathPara xmlns:m="http://schemas.openxmlformats.org/officeDocument/2006/math">
+                    <m:oMathParaPr>
+                      <m:jc m:val="centerGroup"/>
+                    </m:oMathParaPr>
+                    <m:oMath xmlns:m="http://schemas.openxmlformats.org/officeDocument/2006/math">
+                      <m:r>
+                        <a:rPr lang="en-US" sz="1800" i="1">
+                          <a:effectLst/>
+                          <a:latin typeface="Cambria Math" panose="02040503050406030204" pitchFamily="18" charset="0"/>
+                          <a:ea typeface="Calibri" panose="020F0502020204030204" pitchFamily="34" charset="0"/>
+                          <a:cs typeface="Arial" panose="020B0604020202020204" pitchFamily="34" charset="0"/>
+                        </a:rPr>
+                        <m:t>𝑝</m:t>
+                      </m:r>
+                      <m:r>
+                        <a:rPr lang="en-US" sz="1800" i="1">
+                          <a:effectLst/>
+                          <a:latin typeface="Cambria Math" panose="02040503050406030204" pitchFamily="18" charset="0"/>
+                          <a:ea typeface="Calibri" panose="020F0502020204030204" pitchFamily="34" charset="0"/>
+                          <a:cs typeface="Arial" panose="020B0604020202020204" pitchFamily="34" charset="0"/>
+                        </a:rPr>
+                        <m:t>=</m:t>
+                      </m:r>
+                      <m:r>
+                        <a:rPr lang="en-US" sz="1800" i="1">
+                          <a:effectLst/>
+                          <a:latin typeface="Cambria Math" panose="02040503050406030204" pitchFamily="18" charset="0"/>
+                          <a:ea typeface="Calibri" panose="020F0502020204030204" pitchFamily="34" charset="0"/>
+                          <a:cs typeface="Arial" panose="020B0604020202020204" pitchFamily="34" charset="0"/>
+                        </a:rPr>
+                        <m:t>𝑚𝑥</m:t>
+                      </m:r>
+                      <m:r>
+                        <a:rPr lang="en-US" sz="1800" i="1">
+                          <a:effectLst/>
+                          <a:latin typeface="Cambria Math" panose="02040503050406030204" pitchFamily="18" charset="0"/>
+                          <a:ea typeface="Calibri" panose="020F0502020204030204" pitchFamily="34" charset="0"/>
+                          <a:cs typeface="Arial" panose="020B0604020202020204" pitchFamily="34" charset="0"/>
+                        </a:rPr>
+                        <m:t>+</m:t>
+                      </m:r>
+                      <m:r>
+                        <a:rPr lang="en-US" sz="1800" i="1">
+                          <a:effectLst/>
+                          <a:latin typeface="Cambria Math" panose="02040503050406030204" pitchFamily="18" charset="0"/>
+                          <a:ea typeface="Calibri" panose="020F0502020204030204" pitchFamily="34" charset="0"/>
+                          <a:cs typeface="Arial" panose="020B0604020202020204" pitchFamily="34" charset="0"/>
+                        </a:rPr>
+                        <m:t>𝑏</m:t>
+                      </m:r>
+                    </m:oMath>
+                  </m:oMathPara>
+                </a14:m>
+                <a:endParaRPr lang="en-US" sz="1800" dirty="0">
+                  <a:effectLst/>
+                  <a:latin typeface="Calibri" panose="020F0502020204030204" pitchFamily="34" charset="0"/>
+                  <a:ea typeface="Calibri" panose="020F0502020204030204" pitchFamily="34" charset="0"/>
+                  <a:cs typeface="Arial" panose="020B0604020202020204" pitchFamily="34" charset="0"/>
+                </a:endParaRPr>
+              </a:p>
+              <a:p>
+                <a:pPr marL="0" marR="0">
+                  <a:lnSpc>
+                    <a:spcPct val="107000"/>
+                  </a:lnSpc>
+                  <a:spcBef>
+                    <a:spcPts val="0"/>
+                  </a:spcBef>
+                  <a:spcAft>
+                    <a:spcPts val="800"/>
+                  </a:spcAft>
+                </a:pPr>
+                <a:r>
+                  <a:rPr lang="en-US" sz="1800" dirty="0">
+                    <a:effectLst/>
+                    <a:latin typeface="Calibri" panose="020F0502020204030204" pitchFamily="34" charset="0"/>
+                    <a:ea typeface="Times New Roman" panose="02020603050405020304" pitchFamily="18" charset="0"/>
+                    <a:cs typeface="Arial" panose="020B0604020202020204" pitchFamily="34" charset="0"/>
+                  </a:rPr>
+                  <a:t>There is a problem in this formula. We know that </a:t>
+                </a:r>
+                <a14:m>
+                  <m:oMath xmlns:m="http://schemas.openxmlformats.org/officeDocument/2006/math">
+                    <m:r>
+                      <a:rPr lang="en-US" sz="1800" i="1">
+                        <a:effectLst/>
+                        <a:latin typeface="Cambria Math" panose="02040503050406030204" pitchFamily="18" charset="0"/>
+                        <a:ea typeface="Calibri" panose="020F0502020204030204" pitchFamily="34" charset="0"/>
+                        <a:cs typeface="Arial" panose="020B0604020202020204" pitchFamily="34" charset="0"/>
+                      </a:rPr>
+                      <m:t>𝑚𝑥</m:t>
+                    </m:r>
+                    <m:r>
+                      <a:rPr lang="en-US" sz="1800" i="1">
+                        <a:effectLst/>
+                        <a:latin typeface="Cambria Math" panose="02040503050406030204" pitchFamily="18" charset="0"/>
+                        <a:ea typeface="Calibri" panose="020F0502020204030204" pitchFamily="34" charset="0"/>
+                        <a:cs typeface="Arial" panose="020B0604020202020204" pitchFamily="34" charset="0"/>
+                      </a:rPr>
+                      <m:t>+</m:t>
+                    </m:r>
+                    <m:r>
+                      <a:rPr lang="en-US" sz="1800" i="1">
+                        <a:effectLst/>
+                        <a:latin typeface="Cambria Math" panose="02040503050406030204" pitchFamily="18" charset="0"/>
+                        <a:ea typeface="Calibri" panose="020F0502020204030204" pitchFamily="34" charset="0"/>
+                        <a:cs typeface="Arial" panose="020B0604020202020204" pitchFamily="34" charset="0"/>
+                      </a:rPr>
+                      <m:t>𝑏</m:t>
+                    </m:r>
+                  </m:oMath>
+                </a14:m>
+                <a:r>
+                  <a:rPr lang="en-US" sz="1800" dirty="0">
+                    <a:effectLst/>
+                    <a:latin typeface="Calibri" panose="020F0502020204030204" pitchFamily="34" charset="0"/>
+                    <a:ea typeface="Times New Roman" panose="02020603050405020304" pitchFamily="18" charset="0"/>
+                    <a:cs typeface="Arial" panose="020B0604020202020204" pitchFamily="34" charset="0"/>
+                  </a:rPr>
+                  <a:t> can be any value between </a:t>
+                </a:r>
+                <a14:m>
+                  <m:oMath xmlns:m="http://schemas.openxmlformats.org/officeDocument/2006/math">
+                    <m:r>
+                      <a:rPr lang="en-US" sz="1800" i="1">
+                        <a:effectLst/>
+                        <a:latin typeface="Cambria Math" panose="02040503050406030204" pitchFamily="18" charset="0"/>
+                        <a:ea typeface="Times New Roman" panose="02020603050405020304" pitchFamily="18" charset="0"/>
+                        <a:cs typeface="Arial" panose="020B0604020202020204" pitchFamily="34" charset="0"/>
+                      </a:rPr>
+                      <m:t>−</m:t>
+                    </m:r>
+                    <m:r>
+                      <a:rPr lang="en-US" sz="1800" i="1">
+                        <a:effectLst/>
+                        <a:latin typeface="Cambria Math" panose="02040503050406030204" pitchFamily="18" charset="0"/>
+                        <a:ea typeface="Times New Roman" panose="02020603050405020304" pitchFamily="18" charset="0"/>
+                        <a:cs typeface="Arial" panose="020B0604020202020204" pitchFamily="34" charset="0"/>
+                      </a:rPr>
+                      <m:t>∞</m:t>
+                    </m:r>
+                  </m:oMath>
+                </a14:m>
+                <a:r>
+                  <a:rPr lang="en-US" sz="1800" dirty="0">
+                    <a:effectLst/>
+                    <a:latin typeface="Calibri" panose="020F0502020204030204" pitchFamily="34" charset="0"/>
+                    <a:ea typeface="Times New Roman" panose="02020603050405020304" pitchFamily="18" charset="0"/>
+                    <a:cs typeface="Arial" panose="020B0604020202020204" pitchFamily="34" charset="0"/>
+                  </a:rPr>
+                  <a:t> and </a:t>
+                </a:r>
+                <a14:m>
+                  <m:oMath xmlns:m="http://schemas.openxmlformats.org/officeDocument/2006/math">
+                    <m:r>
+                      <a:rPr lang="en-US" sz="1800" i="1">
+                        <a:effectLst/>
+                        <a:latin typeface="Cambria Math" panose="02040503050406030204" pitchFamily="18" charset="0"/>
+                        <a:ea typeface="Times New Roman" panose="02020603050405020304" pitchFamily="18" charset="0"/>
+                        <a:cs typeface="Arial" panose="020B0604020202020204" pitchFamily="34" charset="0"/>
+                      </a:rPr>
+                      <m:t>+</m:t>
+                    </m:r>
+                    <m:r>
+                      <a:rPr lang="en-US" sz="1800" i="1">
+                        <a:effectLst/>
+                        <a:latin typeface="Cambria Math" panose="02040503050406030204" pitchFamily="18" charset="0"/>
+                        <a:ea typeface="Times New Roman" panose="02020603050405020304" pitchFamily="18" charset="0"/>
+                        <a:cs typeface="Arial" panose="020B0604020202020204" pitchFamily="34" charset="0"/>
+                      </a:rPr>
+                      <m:t>∞</m:t>
+                    </m:r>
+                  </m:oMath>
+                </a14:m>
+                <a:r>
+                  <a:rPr lang="en-US" sz="1800" dirty="0">
+                    <a:effectLst/>
+                    <a:latin typeface="Calibri" panose="020F0502020204030204" pitchFamily="34" charset="0"/>
+                    <a:ea typeface="Times New Roman" panose="02020603050405020304" pitchFamily="18" charset="0"/>
+                    <a:cs typeface="Arial" panose="020B0604020202020204" pitchFamily="34" charset="0"/>
+                  </a:rPr>
+                  <a:t>. However, the probability (p) can just take the values between 0 and 1. To solve this, we change the formula to:</a:t>
+                </a:r>
+                <a:endParaRPr lang="en-US" sz="1800" dirty="0">
+                  <a:effectLst/>
+                  <a:latin typeface="Calibri" panose="020F0502020204030204" pitchFamily="34" charset="0"/>
+                  <a:ea typeface="Calibri" panose="020F0502020204030204" pitchFamily="34" charset="0"/>
+                  <a:cs typeface="Arial" panose="020B0604020202020204" pitchFamily="34" charset="0"/>
+                </a:endParaRPr>
+              </a:p>
+              <a:p>
+                <a:pPr marL="0" marR="0">
+                  <a:lnSpc>
+                    <a:spcPct val="107000"/>
+                  </a:lnSpc>
+                  <a:spcBef>
+                    <a:spcPts val="0"/>
+                  </a:spcBef>
+                  <a:spcAft>
+                    <a:spcPts val="800"/>
+                  </a:spcAft>
+                </a:pPr>
+                <a14:m>
+                  <m:oMathPara xmlns:m="http://schemas.openxmlformats.org/officeDocument/2006/math">
+                    <m:oMathParaPr>
+                      <m:jc m:val="centerGroup"/>
+                    </m:oMathParaPr>
+                    <m:oMath xmlns:m="http://schemas.openxmlformats.org/officeDocument/2006/math">
+                      <m:f>
+                        <m:fPr>
+                          <m:ctrlPr>
+                            <a:rPr lang="fa-IR" sz="1800" i="1">
+                              <a:effectLst/>
+                              <a:latin typeface="Cambria Math" panose="02040503050406030204" pitchFamily="18" charset="0"/>
+                              <a:ea typeface="Calibri" panose="020F0502020204030204" pitchFamily="34" charset="0"/>
+                              <a:cs typeface="Arial" panose="020B0604020202020204" pitchFamily="34" charset="0"/>
+                            </a:rPr>
+                          </m:ctrlPr>
+                        </m:fPr>
+                        <m:num>
+                          <m:r>
+                            <a:rPr lang="fa-IR" sz="1800" i="1">
+                              <a:effectLst/>
+                              <a:latin typeface="Cambria Math" panose="02040503050406030204" pitchFamily="18" charset="0"/>
+                              <a:ea typeface="Calibri" panose="020F0502020204030204" pitchFamily="34" charset="0"/>
+                              <a:cs typeface="Arial" panose="020B0604020202020204" pitchFamily="34" charset="0"/>
+                            </a:rPr>
+                            <m:t>𝑝</m:t>
+                          </m:r>
+                        </m:num>
+                        <m:den>
+                          <m:r>
+                            <a:rPr lang="fa-IR" sz="1800" i="1">
+                              <a:effectLst/>
+                              <a:latin typeface="Cambria Math" panose="02040503050406030204" pitchFamily="18" charset="0"/>
+                              <a:ea typeface="Calibri" panose="020F0502020204030204" pitchFamily="34" charset="0"/>
+                              <a:cs typeface="Arial" panose="020B0604020202020204" pitchFamily="34" charset="0"/>
+                            </a:rPr>
+                            <m:t>1</m:t>
+                          </m:r>
+                          <m:r>
+                            <a:rPr lang="fa-IR" sz="1800" i="1">
+                              <a:effectLst/>
+                              <a:latin typeface="Cambria Math" panose="02040503050406030204" pitchFamily="18" charset="0"/>
+                              <a:ea typeface="Calibri" panose="020F0502020204030204" pitchFamily="34" charset="0"/>
+                              <a:cs typeface="Arial" panose="020B0604020202020204" pitchFamily="34" charset="0"/>
+                            </a:rPr>
+                            <m:t>−</m:t>
+                          </m:r>
+                          <m:r>
+                            <a:rPr lang="fa-IR" sz="1800" i="1">
+                              <a:effectLst/>
+                              <a:latin typeface="Cambria Math" panose="02040503050406030204" pitchFamily="18" charset="0"/>
+                              <a:ea typeface="Calibri" panose="020F0502020204030204" pitchFamily="34" charset="0"/>
+                              <a:cs typeface="Arial" panose="020B0604020202020204" pitchFamily="34" charset="0"/>
+                            </a:rPr>
+                            <m:t>𝑝</m:t>
+                          </m:r>
+                        </m:den>
+                      </m:f>
+                      <m:r>
+                        <a:rPr lang="fa-IR" sz="1800" i="1">
+                          <a:effectLst/>
+                          <a:latin typeface="Cambria Math" panose="02040503050406030204" pitchFamily="18" charset="0"/>
+                          <a:ea typeface="Calibri" panose="020F0502020204030204" pitchFamily="34" charset="0"/>
+                          <a:cs typeface="Arial" panose="020B0604020202020204" pitchFamily="34" charset="0"/>
+                        </a:rPr>
+                        <m:t>=</m:t>
+                      </m:r>
+                      <m:r>
+                        <a:rPr lang="fa-IR" sz="1800" i="1">
+                          <a:effectLst/>
+                          <a:latin typeface="Cambria Math" panose="02040503050406030204" pitchFamily="18" charset="0"/>
+                          <a:ea typeface="Calibri" panose="020F0502020204030204" pitchFamily="34" charset="0"/>
+                          <a:cs typeface="Arial" panose="020B0604020202020204" pitchFamily="34" charset="0"/>
+                        </a:rPr>
+                        <m:t>𝑚𝑥</m:t>
+                      </m:r>
+                      <m:r>
+                        <a:rPr lang="fa-IR" sz="1800" i="1">
+                          <a:effectLst/>
+                          <a:latin typeface="Cambria Math" panose="02040503050406030204" pitchFamily="18" charset="0"/>
+                          <a:ea typeface="Calibri" panose="020F0502020204030204" pitchFamily="34" charset="0"/>
+                          <a:cs typeface="Arial" panose="020B0604020202020204" pitchFamily="34" charset="0"/>
+                        </a:rPr>
+                        <m:t>+</m:t>
+                      </m:r>
+                      <m:r>
+                        <a:rPr lang="fa-IR" sz="1800" i="1">
+                          <a:effectLst/>
+                          <a:latin typeface="Cambria Math" panose="02040503050406030204" pitchFamily="18" charset="0"/>
+                          <a:ea typeface="Calibri" panose="020F0502020204030204" pitchFamily="34" charset="0"/>
+                          <a:cs typeface="Arial" panose="020B0604020202020204" pitchFamily="34" charset="0"/>
+                        </a:rPr>
+                        <m:t>𝑏</m:t>
+                      </m:r>
+                    </m:oMath>
+                  </m:oMathPara>
+                </a14:m>
+                <a:endParaRPr lang="fa-IR" sz="1800" dirty="0">
+                  <a:effectLst/>
+                  <a:latin typeface="Calibri" panose="020F0502020204030204" pitchFamily="34" charset="0"/>
+                  <a:ea typeface="Calibri" panose="020F0502020204030204" pitchFamily="34" charset="0"/>
+                  <a:cs typeface="Arial" panose="020B0604020202020204" pitchFamily="34" charset="0"/>
+                </a:endParaRPr>
+              </a:p>
+            </p:txBody>
+          </p:sp>
+        </mc:Choice>
+        <mc:Fallback>
+          <p:sp>
+            <p:nvSpPr>
+              <p:cNvPr id="28" name="TextBox 27">
+                <a:extLst>
+                  <a:ext uri="{FF2B5EF4-FFF2-40B4-BE49-F238E27FC236}">
+                    <a16:creationId xmlns:a16="http://schemas.microsoft.com/office/drawing/2014/main" id="{65440613-B04E-4D06-BFF0-51AB97EFF0EE}"/>
+                  </a:ext>
+                </a:extLst>
+              </p:cNvPr>
+              <p:cNvSpPr txBox="1">
+                <a:spLocks noRot="1" noChangeAspect="1" noMove="1" noResize="1" noEditPoints="1" noAdjustHandles="1" noChangeArrowheads="1" noChangeShapeType="1" noTextEdit="1"/>
+              </p:cNvSpPr>
+              <p:nvPr/>
+            </p:nvSpPr>
+            <p:spPr>
+              <a:xfrm>
+                <a:off x="883184" y="4174225"/>
+                <a:ext cx="11582401" cy="2245679"/>
+              </a:xfrm>
+              <a:prstGeom prst="rect">
+                <a:avLst/>
+              </a:prstGeom>
+              <a:blipFill>
+                <a:blip r:embed="rId6"/>
+                <a:stretch>
+                  <a:fillRect l="-474" t="-1359"/>
+                </a:stretch>
+              </a:blipFill>
+            </p:spPr>
+            <p:txBody>
+              <a:bodyPr/>
+              <a:lstStyle/>
+              <a:p>
+                <a:r>
+                  <a:rPr lang="LID4096">
+                    <a:noFill/>
+                  </a:rPr>
+                  <a:t> </a:t>
+                </a:r>
+              </a:p>
+            </p:txBody>
+          </p:sp>
+        </mc:Fallback>
+      </mc:AlternateContent>
+    </p:spTree>
+    <p:extLst>
+      <p:ext uri="{BB962C8B-B14F-4D97-AF65-F5344CB8AC3E}">
+        <p14:creationId xmlns:p14="http://schemas.microsoft.com/office/powerpoint/2010/main" val="3903910837"/>
+      </p:ext>
+    </p:extLst>
+  </p:cSld>
+  <p:clrMapOvr>
+    <a:masterClrMapping/>
+  </p:clrMapOvr>
+  <p:timing>
+    <p:tnLst>
+      <p:par>
+        <p:cTn id="1" dur="indefinite" restart="never" nodeType="tmRoot">
+          <p:childTnLst>
+            <p:seq concurrent="1" nextAc="seek">
+              <p:cTn id="2" dur="indefinite" nodeType="mainSeq">
+                <p:childTnLst>
+                  <p:par>
+                    <p:cTn id="3" fill="hold">
+                      <p:stCondLst>
+                        <p:cond delay="indefinite"/>
+                      </p:stCondLst>
+                      <p:childTnLst>
+                        <p:par>
+                          <p:cTn id="4" fill="hold">
+                            <p:stCondLst>
+                              <p:cond delay="0"/>
+                            </p:stCondLst>
+                            <p:childTnLst>
+                              <p:par>
+                                <p:cTn id="5" presetID="1" presetClass="entr" presetSubtype="0" fill="hold" nodeType="clickEffect">
+                                  <p:stCondLst>
+                                    <p:cond delay="0"/>
+                                  </p:stCondLst>
+                                  <p:childTnLst>
+                                    <p:set>
+                                      <p:cBhvr>
+                                        <p:cTn id="6" dur="1" fill="hold">
+                                          <p:stCondLst>
+                                            <p:cond delay="0"/>
+                                          </p:stCondLst>
+                                        </p:cTn>
+                                        <p:tgtEl>
+                                          <p:spTgt spid="28">
+                                            <p:txEl>
+                                              <p:pRg st="0" end="0"/>
+                                            </p:txEl>
+                                          </p:spTgt>
+                                        </p:tgtEl>
+                                        <p:attrNameLst>
+                                          <p:attrName>style.visibility</p:attrName>
+                                        </p:attrNameLst>
+                                      </p:cBhvr>
+                                      <p:to>
+                                        <p:strVal val="visible"/>
+                                      </p:to>
+                                    </p:set>
+                                  </p:childTnLst>
+                                </p:cTn>
+                              </p:par>
+                              <p:par>
+                                <p:cTn id="7" presetID="1" presetClass="entr" presetSubtype="0" fill="hold" nodeType="withEffect">
+                                  <p:stCondLst>
+                                    <p:cond delay="0"/>
+                                  </p:stCondLst>
+                                  <p:childTnLst>
+                                    <p:set>
+                                      <p:cBhvr>
+                                        <p:cTn id="8" dur="1" fill="hold">
+                                          <p:stCondLst>
+                                            <p:cond delay="0"/>
+                                          </p:stCondLst>
+                                        </p:cTn>
+                                        <p:tgtEl>
+                                          <p:spTgt spid="28">
+                                            <p:txEl>
+                                              <p:pRg st="1" end="1"/>
+                                            </p:txEl>
+                                          </p:spTgt>
+                                        </p:tgtEl>
+                                        <p:attrNameLst>
+                                          <p:attrName>style.visibility</p:attrName>
+                                        </p:attrNameLst>
+                                      </p:cBhvr>
+                                      <p:to>
+                                        <p:strVal val="visible"/>
+                                      </p:to>
+                                    </p:set>
+                                  </p:childTnLst>
+                                </p:cTn>
+                              </p:par>
+                            </p:childTnLst>
+                          </p:cTn>
+                        </p:par>
+                      </p:childTnLst>
+                    </p:cTn>
+                  </p:par>
+                  <p:par>
+                    <p:cTn id="9" fill="hold">
+                      <p:stCondLst>
+                        <p:cond delay="indefinite"/>
+                      </p:stCondLst>
+                      <p:childTnLst>
+                        <p:par>
+                          <p:cTn id="10" fill="hold">
+                            <p:stCondLst>
+                              <p:cond delay="0"/>
+                            </p:stCondLst>
+                            <p:childTnLst>
+                              <p:par>
+                                <p:cTn id="11" presetID="1" presetClass="entr" presetSubtype="0" fill="hold" nodeType="clickEffect">
+                                  <p:stCondLst>
+                                    <p:cond delay="0"/>
+                                  </p:stCondLst>
+                                  <p:childTnLst>
+                                    <p:set>
+                                      <p:cBhvr>
+                                        <p:cTn id="12" dur="1" fill="hold">
+                                          <p:stCondLst>
+                                            <p:cond delay="0"/>
+                                          </p:stCondLst>
+                                        </p:cTn>
+                                        <p:tgtEl>
+                                          <p:spTgt spid="28">
+                                            <p:txEl>
+                                              <p:pRg st="2" end="2"/>
+                                            </p:txEl>
+                                          </p:spTgt>
+                                        </p:tgtEl>
+                                        <p:attrNameLst>
+                                          <p:attrName>style.visibility</p:attrName>
+                                        </p:attrNameLst>
+                                      </p:cBhvr>
+                                      <p:to>
+                                        <p:strVal val="visible"/>
+                                      </p:to>
+                                    </p:set>
+                                  </p:childTnLst>
+                                </p:cTn>
+                              </p:par>
+                              <p:par>
+                                <p:cTn id="13" presetID="1" presetClass="entr" presetSubtype="0" fill="hold" nodeType="withEffect">
+                                  <p:stCondLst>
+                                    <p:cond delay="0"/>
+                                  </p:stCondLst>
+                                  <p:childTnLst>
+                                    <p:set>
+                                      <p:cBhvr>
+                                        <p:cTn id="14" dur="1" fill="hold">
+                                          <p:stCondLst>
+                                            <p:cond delay="0"/>
+                                          </p:stCondLst>
+                                        </p:cTn>
+                                        <p:tgtEl>
+                                          <p:spTgt spid="28">
+                                            <p:txEl>
+                                              <p:pRg st="3" end="3"/>
+                                            </p:txEl>
+                                          </p:spTgt>
+                                        </p:tgtEl>
+                                        <p:attrNameLst>
+                                          <p:attrName>style.visibility</p:attrName>
+                                        </p:attrNameLst>
+                                      </p:cBhvr>
+                                      <p:to>
+                                        <p:strVal val="visible"/>
+                                      </p:to>
+                                    </p:set>
+                                  </p:childTnLst>
+                                </p:cTn>
+                              </p:par>
+                            </p:childTnLst>
+                          </p:cTn>
+                        </p:par>
+                      </p:childTnLst>
+                    </p:cTn>
+                  </p:par>
+                </p:childTnLst>
+              </p:cTn>
+              <p:prevCondLst>
+                <p:cond evt="onPrev" delay="0">
+                  <p:tgtEl>
+                    <p:sldTgt/>
+                  </p:tgtEl>
+                </p:cond>
+              </p:prevCondLst>
+              <p:nextCondLst>
+                <p:cond evt="onNext" delay="0">
+                  <p:tgtEl>
+                    <p:sldTgt/>
+                  </p:tgtEl>
+                </p:cond>
+              </p:nextCondLst>
+            </p:seq>
+          </p:childTnLst>
+        </p:cTn>
+      </p:par>
+    </p:tnLst>
+  </p:timing>
+</p:sld>
+</file>
+
+<file path=ppt/slides/slide8.xml><?xml version="1.0" encoding="utf-8"?>
+<p:sld xmlns:a="http://schemas.openxmlformats.org/drawingml/2006/main" xmlns:r="http://schemas.openxmlformats.org/officeDocument/2006/relationships" xmlns:p="http://schemas.openxmlformats.org/presentationml/2006/main">
+  <p:cSld>
+    <p:spTree>
+      <p:nvGrpSpPr>
+        <p:cNvPr id="1" name=""/>
+        <p:cNvGrpSpPr/>
+        <p:nvPr/>
+      </p:nvGrpSpPr>
+      <p:grpSpPr>
+        <a:xfrm>
+          <a:off x="0" y="0"/>
+          <a:ext cx="0" cy="0"/>
+          <a:chOff x="0" y="0"/>
+          <a:chExt cx="0" cy="0"/>
+        </a:xfrm>
+      </p:grpSpPr>
+      <mc:AlternateContent xmlns:mc="http://schemas.openxmlformats.org/markup-compatibility/2006">
+        <mc:Choice xmlns:a14="http://schemas.microsoft.com/office/drawing/2010/main" Requires="a14">
+          <p:sp>
+            <p:nvSpPr>
+              <p:cNvPr id="6" name="TextBox 5">
+                <a:extLst>
+                  <a:ext uri="{FF2B5EF4-FFF2-40B4-BE49-F238E27FC236}">
+                    <a16:creationId xmlns:a16="http://schemas.microsoft.com/office/drawing/2014/main" id="{77C38D5A-72F7-460D-929A-9CF83E315543}"/>
+                  </a:ext>
+                </a:extLst>
+              </p:cNvPr>
+              <p:cNvSpPr txBox="1"/>
+              <p:nvPr/>
+            </p:nvSpPr>
+            <p:spPr>
+              <a:xfrm>
+                <a:off x="923191" y="670567"/>
+                <a:ext cx="9741877" cy="4471224"/>
+              </a:xfrm>
+              <a:prstGeom prst="rect">
+                <a:avLst/>
+              </a:prstGeom>
+              <a:noFill/>
+            </p:spPr>
+            <p:txBody>
+              <a:bodyPr wrap="square" rtlCol="0">
+                <a:spAutoFit/>
+              </a:bodyPr>
+              <a:lstStyle/>
+              <a:p>
+                <a:pPr>
+                  <a:lnSpc>
+                    <a:spcPct val="150000"/>
+                  </a:lnSpc>
+                </a:pPr>
+                <a:r>
+                  <a:rPr lang="en-US" dirty="0"/>
+                  <a:t>This problem is solved, but there is still another problem. </a:t>
+                </a:r>
+                <a14:m>
+                  <m:oMath xmlns:m="http://schemas.openxmlformats.org/officeDocument/2006/math">
+                    <m:r>
+                      <a:rPr lang="en-US" i="1"/>
+                      <m:t>𝑚𝑥</m:t>
+                    </m:r>
+                    <m:r>
+                      <a:rPr lang="en-US" i="1"/>
+                      <m:t>+</m:t>
+                    </m:r>
+                    <m:r>
+                      <a:rPr lang="en-US" i="1"/>
+                      <m:t>𝑏</m:t>
+                    </m:r>
+                  </m:oMath>
+                </a14:m>
+                <a:r>
+                  <a:rPr lang="en-US" dirty="0"/>
+                  <a:t> can take negative values too. However, the probability can’t be negative. We solve this by changing the formula to:</a:t>
+                </a:r>
+              </a:p>
+              <a:p>
+                <a:pPr>
+                  <a:lnSpc>
+                    <a:spcPct val="150000"/>
+                  </a:lnSpc>
+                </a:pPr>
+                <a14:m>
+                  <m:oMathPara xmlns:m="http://schemas.openxmlformats.org/officeDocument/2006/math">
+                    <m:oMathParaPr>
+                      <m:jc m:val="centerGroup"/>
+                    </m:oMathParaPr>
+                    <m:oMath xmlns:m="http://schemas.openxmlformats.org/officeDocument/2006/math">
+                      <m:func>
+                        <m:funcPr>
+                          <m:ctrlPr>
+                            <a:rPr lang="fa-IR" i="1"/>
+                          </m:ctrlPr>
+                        </m:funcPr>
+                        <m:fName>
+                          <m:r>
+                            <m:rPr>
+                              <m:sty m:val="p"/>
+                            </m:rPr>
+                            <a:rPr lang="en-US"/>
+                            <m:t>ln</m:t>
+                          </m:r>
+                        </m:fName>
+                        <m:e>
+                          <m:d>
+                            <m:dPr>
+                              <m:ctrlPr>
+                                <a:rPr lang="fa-IR" i="1"/>
+                              </m:ctrlPr>
+                            </m:dPr>
+                            <m:e>
+                              <m:f>
+                                <m:fPr>
+                                  <m:ctrlPr>
+                                    <a:rPr lang="fa-IR" i="1"/>
+                                  </m:ctrlPr>
+                                </m:fPr>
+                                <m:num>
+                                  <m:r>
+                                    <a:rPr lang="fa-IR" i="1"/>
+                                    <m:t>𝑝</m:t>
+                                  </m:r>
+                                </m:num>
+                                <m:den>
+                                  <m:r>
+                                    <a:rPr lang="fa-IR" i="1"/>
+                                    <m:t>1</m:t>
+                                  </m:r>
+                                  <m:r>
+                                    <a:rPr lang="fa-IR" i="1"/>
+                                    <m:t>−</m:t>
+                                  </m:r>
+                                  <m:r>
+                                    <a:rPr lang="fa-IR" i="1"/>
+                                    <m:t>𝑝</m:t>
+                                  </m:r>
+                                </m:den>
+                              </m:f>
+                            </m:e>
+                          </m:d>
+                        </m:e>
+                      </m:func>
+                      <m:r>
+                        <a:rPr lang="fa-IR" i="1"/>
+                        <m:t>=</m:t>
+                      </m:r>
+                      <m:r>
+                        <a:rPr lang="fa-IR" i="1"/>
+                        <m:t>𝑚𝑥</m:t>
+                      </m:r>
+                      <m:r>
+                        <a:rPr lang="fa-IR" i="1"/>
+                        <m:t>+</m:t>
+                      </m:r>
+                      <m:r>
+                        <a:rPr lang="fa-IR" i="1"/>
+                        <m:t>𝑏</m:t>
+                      </m:r>
+                    </m:oMath>
+                  </m:oMathPara>
+                </a14:m>
+                <a:endParaRPr lang="fa-IR" dirty="0"/>
+              </a:p>
+              <a:p>
+                <a:pPr>
+                  <a:lnSpc>
+                    <a:spcPct val="150000"/>
+                  </a:lnSpc>
+                </a:pPr>
+                <a14:m>
+                  <m:oMathPara xmlns:m="http://schemas.openxmlformats.org/officeDocument/2006/math">
+                    <m:oMathParaPr>
+                      <m:jc m:val="centerGroup"/>
+                    </m:oMathParaPr>
+                    <m:oMath xmlns:m="http://schemas.openxmlformats.org/officeDocument/2006/math">
+                      <m:f>
+                        <m:fPr>
+                          <m:ctrlPr>
+                            <a:rPr lang="fa-IR" i="1"/>
+                          </m:ctrlPr>
+                        </m:fPr>
+                        <m:num>
+                          <m:r>
+                            <a:rPr lang="fa-IR" i="1"/>
+                            <m:t>𝑝</m:t>
+                          </m:r>
+                        </m:num>
+                        <m:den>
+                          <m:r>
+                            <a:rPr lang="fa-IR" i="1"/>
+                            <m:t>1</m:t>
+                          </m:r>
+                          <m:r>
+                            <a:rPr lang="fa-IR" i="1"/>
+                            <m:t>−</m:t>
+                          </m:r>
+                          <m:r>
+                            <a:rPr lang="fa-IR" i="1"/>
+                            <m:t>𝑝</m:t>
+                          </m:r>
+                        </m:den>
+                      </m:f>
+                      <m:r>
+                        <a:rPr lang="fa-IR" i="1"/>
+                        <m:t>=</m:t>
+                      </m:r>
+                      <m:sSup>
+                        <m:sSupPr>
+                          <m:ctrlPr>
+                            <a:rPr lang="fa-IR" i="1"/>
+                          </m:ctrlPr>
+                        </m:sSupPr>
+                        <m:e>
+                          <m:r>
+                            <m:rPr>
+                              <m:sty m:val="p"/>
+                            </m:rPr>
+                            <a:rPr lang="en-US"/>
+                            <m:t>e</m:t>
+                          </m:r>
+                        </m:e>
+                        <m:sup>
+                          <m:r>
+                            <m:rPr>
+                              <m:sty m:val="p"/>
+                            </m:rPr>
+                            <a:rPr lang="en-US"/>
+                            <m:t>mx</m:t>
+                          </m:r>
+                          <m:r>
+                            <a:rPr lang="en-US"/>
+                            <m:t>+</m:t>
+                          </m:r>
+                          <m:r>
+                            <m:rPr>
+                              <m:sty m:val="p"/>
+                            </m:rPr>
+                            <a:rPr lang="en-US"/>
+                            <m:t>b</m:t>
+                          </m:r>
+                        </m:sup>
+                      </m:sSup>
+                    </m:oMath>
+                  </m:oMathPara>
+                </a14:m>
+                <a:endParaRPr lang="fa-IR" dirty="0"/>
+              </a:p>
+              <a:p>
+                <a:pPr>
+                  <a:lnSpc>
+                    <a:spcPct val="150000"/>
+                  </a:lnSpc>
+                </a:pPr>
+                <a14:m>
+                  <m:oMathPara xmlns:m="http://schemas.openxmlformats.org/officeDocument/2006/math">
+                    <m:oMathParaPr>
+                      <m:jc m:val="centerGroup"/>
+                    </m:oMathParaPr>
+                    <m:oMath xmlns:m="http://schemas.openxmlformats.org/officeDocument/2006/math">
+                      <m:r>
+                        <a:rPr lang="fa-IR" i="1"/>
+                        <m:t>𝑝</m:t>
+                      </m:r>
+                      <m:r>
+                        <a:rPr lang="fa-IR" i="1"/>
+                        <m:t>=</m:t>
+                      </m:r>
+                      <m:f>
+                        <m:fPr>
+                          <m:ctrlPr>
+                            <a:rPr lang="fa-IR" i="1"/>
+                          </m:ctrlPr>
+                        </m:fPr>
+                        <m:num>
+                          <m:sSup>
+                            <m:sSupPr>
+                              <m:ctrlPr>
+                                <a:rPr lang="fa-IR" i="1"/>
+                              </m:ctrlPr>
+                            </m:sSupPr>
+                            <m:e>
+                              <m:r>
+                                <a:rPr lang="fa-IR" i="1"/>
+                                <m:t>𝑒</m:t>
+                              </m:r>
+                            </m:e>
+                            <m:sup>
+                              <m:r>
+                                <a:rPr lang="fa-IR" i="1"/>
+                                <m:t>𝑚𝑥</m:t>
+                              </m:r>
+                              <m:r>
+                                <a:rPr lang="fa-IR" i="1"/>
+                                <m:t>+</m:t>
+                              </m:r>
+                              <m:r>
+                                <a:rPr lang="fa-IR" i="1"/>
+                                <m:t>𝑏</m:t>
+                              </m:r>
+                            </m:sup>
+                          </m:sSup>
+                        </m:num>
+                        <m:den>
+                          <m:r>
+                            <a:rPr lang="fa-IR" i="1"/>
+                            <m:t>1</m:t>
+                          </m:r>
+                          <m:r>
+                            <a:rPr lang="fa-IR" i="1"/>
+                            <m:t>+</m:t>
+                          </m:r>
+                          <m:sSup>
+                            <m:sSupPr>
+                              <m:ctrlPr>
+                                <a:rPr lang="fa-IR" i="1"/>
+                              </m:ctrlPr>
+                            </m:sSupPr>
+                            <m:e>
+                              <m:r>
+                                <a:rPr lang="fa-IR" i="1"/>
+                                <m:t>𝑒</m:t>
+                              </m:r>
+                            </m:e>
+                            <m:sup>
+                              <m:r>
+                                <a:rPr lang="fa-IR" i="1"/>
+                                <m:t>𝑚𝑥</m:t>
+                              </m:r>
+                              <m:r>
+                                <a:rPr lang="fa-IR" i="1"/>
+                                <m:t>+</m:t>
+                              </m:r>
+                              <m:r>
+                                <a:rPr lang="fa-IR" i="1"/>
+                                <m:t>𝑏</m:t>
+                              </m:r>
+                            </m:sup>
+                          </m:sSup>
+                        </m:den>
+                      </m:f>
+                      <m:r>
+                        <a:rPr lang="fa-IR" i="1"/>
+                        <m:t>=</m:t>
+                      </m:r>
+                      <m:f>
+                        <m:fPr>
+                          <m:ctrlPr>
+                            <a:rPr lang="fa-IR" i="1"/>
+                          </m:ctrlPr>
+                        </m:fPr>
+                        <m:num>
+                          <m:r>
+                            <a:rPr lang="fa-IR" i="1"/>
+                            <m:t>1</m:t>
+                          </m:r>
+                        </m:num>
+                        <m:den>
+                          <m:r>
+                            <a:rPr lang="fa-IR" i="1"/>
+                            <m:t>1</m:t>
+                          </m:r>
+                          <m:r>
+                            <a:rPr lang="fa-IR" i="1"/>
+                            <m:t>+</m:t>
+                          </m:r>
+                          <m:sSup>
+                            <m:sSupPr>
+                              <m:ctrlPr>
+                                <a:rPr lang="fa-IR" i="1"/>
+                              </m:ctrlPr>
+                            </m:sSupPr>
+                            <m:e>
+                              <m:r>
+                                <a:rPr lang="fa-IR" i="1"/>
+                                <m:t>𝑒</m:t>
+                              </m:r>
+                            </m:e>
+                            <m:sup>
+                              <m:r>
+                                <a:rPr lang="fa-IR" i="1"/>
+                                <m:t>−</m:t>
+                              </m:r>
+                              <m:d>
+                                <m:dPr>
+                                  <m:ctrlPr>
+                                    <a:rPr lang="fa-IR" i="1"/>
+                                  </m:ctrlPr>
+                                </m:dPr>
+                                <m:e>
+                                  <m:r>
+                                    <a:rPr lang="fa-IR" i="1"/>
+                                    <m:t>𝑚𝑥</m:t>
+                                  </m:r>
+                                  <m:r>
+                                    <a:rPr lang="fa-IR" i="1"/>
+                                    <m:t>+</m:t>
+                                  </m:r>
+                                  <m:r>
+                                    <a:rPr lang="fa-IR" i="1"/>
+                                    <m:t>𝑏</m:t>
+                                  </m:r>
+                                </m:e>
+                              </m:d>
+                            </m:sup>
+                          </m:sSup>
+                        </m:den>
+                      </m:f>
+                    </m:oMath>
+                  </m:oMathPara>
+                </a14:m>
+                <a:endParaRPr lang="fa-IR" dirty="0"/>
+              </a:p>
+              <a:p>
+                <a:pPr>
+                  <a:lnSpc>
+                    <a:spcPct val="150000"/>
+                  </a:lnSpc>
+                </a:pPr>
+                <a:r>
+                  <a:rPr lang="fa-IR" dirty="0"/>
+                  <a:t> </a:t>
+                </a:r>
+              </a:p>
+              <a:p>
+                <a:pPr>
+                  <a:lnSpc>
+                    <a:spcPct val="150000"/>
+                  </a:lnSpc>
+                </a:pPr>
+                <a:r>
+                  <a:rPr lang="en-US" dirty="0"/>
+                  <a:t>Now, this last formula looks like Sigmoid function: </a:t>
+                </a:r>
+                <a14:m>
+                  <m:oMath xmlns:m="http://schemas.openxmlformats.org/officeDocument/2006/math">
+                    <m:r>
+                      <a:rPr lang="en-US" i="1"/>
+                      <m:t>𝑆</m:t>
+                    </m:r>
+                    <m:d>
+                      <m:dPr>
+                        <m:ctrlPr>
+                          <a:rPr lang="fa-IR" i="1"/>
+                        </m:ctrlPr>
+                      </m:dPr>
+                      <m:e>
+                        <m:r>
+                          <a:rPr lang="fa-IR" i="1"/>
+                          <m:t>𝑥</m:t>
+                        </m:r>
+                      </m:e>
+                    </m:d>
+                    <m:r>
+                      <a:rPr lang="fa-IR" i="1"/>
+                      <m:t>=</m:t>
+                    </m:r>
+                    <m:f>
+                      <m:fPr>
+                        <m:ctrlPr>
+                          <a:rPr lang="fa-IR" i="1"/>
+                        </m:ctrlPr>
+                      </m:fPr>
+                      <m:num>
+                        <m:r>
+                          <a:rPr lang="fa-IR" i="1"/>
+                          <m:t>1</m:t>
+                        </m:r>
+                      </m:num>
+                      <m:den>
+                        <m:r>
+                          <a:rPr lang="fa-IR" i="1"/>
+                          <m:t>1</m:t>
+                        </m:r>
+                        <m:r>
+                          <a:rPr lang="fa-IR" i="1"/>
+                          <m:t>+</m:t>
+                        </m:r>
+                        <m:sSup>
+                          <m:sSupPr>
+                            <m:ctrlPr>
+                              <a:rPr lang="fa-IR" i="1"/>
+                            </m:ctrlPr>
+                          </m:sSupPr>
+                          <m:e>
+                            <m:r>
+                              <a:rPr lang="fa-IR" i="1"/>
+                              <m:t>𝑒</m:t>
+                            </m:r>
+                          </m:e>
+                          <m:sup>
+                            <m:r>
+                              <a:rPr lang="fa-IR" i="1"/>
+                              <m:t>−</m:t>
+                            </m:r>
+                            <m:r>
+                              <a:rPr lang="fa-IR" i="1"/>
+                              <m:t>𝑥</m:t>
+                            </m:r>
+                          </m:sup>
+                        </m:sSup>
+                      </m:den>
+                    </m:f>
+                  </m:oMath>
+                </a14:m>
+                <a:endParaRPr lang="fa-IR" dirty="0"/>
+              </a:p>
+            </p:txBody>
+          </p:sp>
+        </mc:Choice>
+        <mc:Fallback>
+          <p:sp>
+            <p:nvSpPr>
+              <p:cNvPr id="6" name="TextBox 5">
+                <a:extLst>
+                  <a:ext uri="{FF2B5EF4-FFF2-40B4-BE49-F238E27FC236}">
+                    <a16:creationId xmlns:a16="http://schemas.microsoft.com/office/drawing/2014/main" id="{77C38D5A-72F7-460D-929A-9CF83E315543}"/>
+                  </a:ext>
+                </a:extLst>
+              </p:cNvPr>
+              <p:cNvSpPr txBox="1">
+                <a:spLocks noRot="1" noChangeAspect="1" noMove="1" noResize="1" noEditPoints="1" noAdjustHandles="1" noChangeArrowheads="1" noChangeShapeType="1" noTextEdit="1"/>
+              </p:cNvSpPr>
+              <p:nvPr/>
+            </p:nvSpPr>
+            <p:spPr>
+              <a:xfrm>
+                <a:off x="923191" y="670567"/>
+                <a:ext cx="9741877" cy="4471224"/>
+              </a:xfrm>
+              <a:prstGeom prst="rect">
+                <a:avLst/>
+              </a:prstGeom>
+              <a:blipFill>
+                <a:blip r:embed="rId2"/>
+                <a:stretch>
+                  <a:fillRect l="-563"/>
+                </a:stretch>
+              </a:blipFill>
+            </p:spPr>
+            <p:txBody>
+              <a:bodyPr/>
+              <a:lstStyle/>
+              <a:p>
+                <a:r>
+                  <a:rPr lang="LID4096">
+                    <a:noFill/>
+                  </a:rPr>
+                  <a:t> </a:t>
+                </a:r>
+              </a:p>
+            </p:txBody>
+          </p:sp>
+        </mc:Fallback>
+      </mc:AlternateContent>
+      <p:pic>
+        <p:nvPicPr>
+          <p:cNvPr id="3" name="Picture 2">
+            <a:extLst>
+              <a:ext uri="{FF2B5EF4-FFF2-40B4-BE49-F238E27FC236}">
+                <a16:creationId xmlns:a16="http://schemas.microsoft.com/office/drawing/2014/main" id="{C0CEDBD2-2F9D-44B8-9D46-A503CE7BECC4}"/>
+              </a:ext>
+            </a:extLst>
+          </p:cNvPr>
+          <p:cNvPicPr>
+            <a:picLocks noChangeAspect="1"/>
+          </p:cNvPicPr>
+          <p:nvPr/>
+        </p:nvPicPr>
+        <p:blipFill>
+          <a:blip r:embed="rId3"/>
+          <a:stretch>
+            <a:fillRect/>
+          </a:stretch>
+        </p:blipFill>
+        <p:spPr>
+          <a:xfrm>
+            <a:off x="8063723" y="4152720"/>
+            <a:ext cx="3812459" cy="2541639"/>
+          </a:xfrm>
+          <a:prstGeom prst="rect">
+            <a:avLst/>
+          </a:prstGeom>
+        </p:spPr>
+      </p:pic>
+    </p:spTree>
+    <p:extLst>
+      <p:ext uri="{BB962C8B-B14F-4D97-AF65-F5344CB8AC3E}">
+        <p14:creationId xmlns:p14="http://schemas.microsoft.com/office/powerpoint/2010/main" val="244240159"/>
+      </p:ext>
+    </p:extLst>
+  </p:cSld>
+  <p:clrMapOvr>
+    <a:masterClrMapping/>
+  </p:clrMapOvr>
+  <p:timing>
+    <p:tnLst>
+      <p:par>
+        <p:cTn id="1" dur="indefinite" restart="never" nodeType="tmRoot">
+          <p:childTnLst>
+            <p:seq concurrent="1" nextAc="seek">
+              <p:cTn id="2" dur="indefinite" nodeType="mainSeq">
+                <p:childTnLst>
+                  <p:par>
+                    <p:cTn id="3" fill="hold">
+                      <p:stCondLst>
+                        <p:cond delay="indefinite"/>
+                      </p:stCondLst>
+                      <p:childTnLst>
+                        <p:par>
+                          <p:cTn id="4" fill="hold">
+                            <p:stCondLst>
+                              <p:cond delay="0"/>
+                            </p:stCondLst>
+                            <p:childTnLst>
+                              <p:par>
+                                <p:cTn id="5" presetID="1" presetClass="entr" presetSubtype="0" fill="hold" nodeType="clickEffect">
+                                  <p:stCondLst>
+                                    <p:cond delay="0"/>
+                                  </p:stCondLst>
+                                  <p:childTnLst>
+                                    <p:set>
+                                      <p:cBhvr>
+                                        <p:cTn id="6" dur="1" fill="hold">
+                                          <p:stCondLst>
+                                            <p:cond delay="0"/>
+                                          </p:stCondLst>
+                                        </p:cTn>
+                                        <p:tgtEl>
+                                          <p:spTgt spid="6">
+                                            <p:txEl>
+                                              <p:charRg st="285" end="359"/>
+                                            </p:txEl>
+                                          </p:spTgt>
+                                        </p:tgtEl>
+                                        <p:attrNameLst>
+                                          <p:attrName>style.visibility</p:attrName>
+                                        </p:attrNameLst>
+                                      </p:cBhvr>
+                                      <p:to>
+                                        <p:strVal val="visible"/>
+                                      </p:to>
+                                    </p:set>
+                                  </p:childTnLst>
+                                </p:cTn>
+                              </p:par>
+                            </p:childTnLst>
+                          </p:cTn>
+                        </p:par>
+                      </p:childTnLst>
+                    </p:cTn>
+                  </p:par>
+                  <p:par>
+                    <p:cTn id="7" fill="hold">
+                      <p:stCondLst>
+                        <p:cond delay="indefinite"/>
+                      </p:stCondLst>
+                      <p:childTnLst>
+                        <p:par>
+                          <p:cTn id="8" fill="hold">
+                            <p:stCondLst>
+                              <p:cond delay="0"/>
+                            </p:stCondLst>
+                            <p:childTnLst>
+                              <p:par>
+                                <p:cTn id="9" presetID="1" presetClass="entr" presetSubtype="0" fill="hold" nodeType="clickEffect">
+                                  <p:stCondLst>
+                                    <p:cond delay="0"/>
+                                  </p:stCondLst>
+                                  <p:childTnLst>
+                                    <p:set>
+                                      <p:cBhvr>
+                                        <p:cTn id="10" dur="1" fill="hold">
+                                          <p:stCondLst>
+                                            <p:cond delay="0"/>
+                                          </p:stCondLst>
+                                        </p:cTn>
+                                        <p:tgtEl>
+                                          <p:spTgt spid="3"/>
+                                        </p:tgtEl>
+                                        <p:attrNameLst>
+                                          <p:attrName>style.visibility</p:attrName>
+                                        </p:attrNameLst>
+                                      </p:cBhvr>
+                                      <p:to>
+                                        <p:strVal val="visible"/>
+                                      </p:to>
+                                    </p:set>
+                                  </p:childTnLst>
+                                </p:cTn>
+                              </p:par>
+                            </p:childTnLst>
+                          </p:cTn>
+                        </p:par>
+                      </p:childTnLst>
+                    </p:cTn>
+                  </p:par>
+                </p:childTnLst>
+              </p:cTn>
+              <p:prevCondLst>
+                <p:cond evt="onPrev" delay="0">
+                  <p:tgtEl>
+                    <p:sldTgt/>
+                  </p:tgtEl>
+                </p:cond>
+              </p:prevCondLst>
+              <p:nextCondLst>
+                <p:cond evt="onNext" delay="0">
+                  <p:tgtEl>
+                    <p:sldTgt/>
+                  </p:tgtEl>
+                </p:cond>
+              </p:nextCondLst>
+            </p:seq>
+          </p:childTnLst>
+        </p:cTn>
+      </p:par>
+    </p:tnLst>
+  </p:timing>
+</p:sld>
+</file>
+
+<file path=ppt/slides/slide9.xml><?xml version="1.0" encoding="utf-8"?>
+<p:sld xmlns:a="http://schemas.openxmlformats.org/drawingml/2006/main" xmlns:r="http://schemas.openxmlformats.org/officeDocument/2006/relationships" xmlns:p="http://schemas.openxmlformats.org/presentationml/2006/main">
+  <p:cSld>
+    <p:spTree>
+      <p:nvGrpSpPr>
+        <p:cNvPr id="1" name=""/>
+        <p:cNvGrpSpPr/>
+        <p:nvPr/>
+      </p:nvGrpSpPr>
+      <p:grpSpPr>
+        <a:xfrm>
+          <a:off x="0" y="0"/>
+          <a:ext cx="0" cy="0"/>
+          <a:chOff x="0" y="0"/>
+          <a:chExt cx="0" cy="0"/>
+        </a:xfrm>
+      </p:grpSpPr>
+      <p:pic>
+        <p:nvPicPr>
+          <p:cNvPr id="3" name="Picture 2">
+            <a:extLst>
+              <a:ext uri="{FF2B5EF4-FFF2-40B4-BE49-F238E27FC236}">
+                <a16:creationId xmlns:a16="http://schemas.microsoft.com/office/drawing/2014/main" id="{D39775E5-F542-4040-B935-665A6B6B7F04}"/>
+              </a:ext>
+            </a:extLst>
+          </p:cNvPr>
+          <p:cNvPicPr>
+            <a:picLocks noChangeAspect="1"/>
+          </p:cNvPicPr>
+          <p:nvPr/>
+        </p:nvPicPr>
+        <p:blipFill>
+          <a:blip r:embed="rId2"/>
+          <a:stretch>
+            <a:fillRect/>
+          </a:stretch>
+        </p:blipFill>
+        <p:spPr>
+          <a:xfrm>
+            <a:off x="3811214" y="642541"/>
+            <a:ext cx="4723809" cy="3149206"/>
+          </a:xfrm>
+          <a:prstGeom prst="rect">
+            <a:avLst/>
+          </a:prstGeom>
+        </p:spPr>
+      </p:pic>
+      <p:sp>
+        <p:nvSpPr>
+          <p:cNvPr id="5" name="TextBox 4">
+            <a:extLst>
+              <a:ext uri="{FF2B5EF4-FFF2-40B4-BE49-F238E27FC236}">
+                <a16:creationId xmlns:a16="http://schemas.microsoft.com/office/drawing/2014/main" id="{591BDE35-BF74-4924-BBB5-9356CBD409D2}"/>
+              </a:ext>
+            </a:extLst>
+          </p:cNvPr>
+          <p:cNvSpPr txBox="1"/>
+          <p:nvPr/>
+        </p:nvSpPr>
+        <p:spPr>
+          <a:xfrm>
+            <a:off x="1120966" y="4071335"/>
+            <a:ext cx="10358609" cy="880369"/>
+          </a:xfrm>
+          <a:prstGeom prst="rect">
+            <a:avLst/>
+          </a:prstGeom>
+          <a:noFill/>
+        </p:spPr>
+        <p:txBody>
+          <a:bodyPr wrap="square">
+            <a:spAutoFit/>
+          </a:bodyPr>
+          <a:lstStyle/>
+          <a:p>
+            <a:pPr marL="0" marR="0">
+              <a:lnSpc>
+                <a:spcPct val="150000"/>
+              </a:lnSpc>
+              <a:spcBef>
+                <a:spcPts val="0"/>
+              </a:spcBef>
+              <a:spcAft>
+                <a:spcPts val="800"/>
+              </a:spcAft>
+            </a:pPr>
+            <a:r>
+              <a:rPr lang="en-US" sz="1800" b="1" dirty="0">
+                <a:effectLst/>
+                <a:latin typeface="Calibri" panose="020F0502020204030204" pitchFamily="34" charset="0"/>
+                <a:ea typeface="Times New Roman" panose="02020603050405020304" pitchFamily="18" charset="0"/>
+                <a:cs typeface="Arial" panose="020B0604020202020204" pitchFamily="34" charset="0"/>
+              </a:rPr>
+              <a:t>If we only have one feature (x) in our classification, we call it “logistic regression”, otherwise, when we have several features, we call it multiple regression.</a:t>
+            </a:r>
+            <a:endParaRPr lang="en-US" sz="1800" b="1" dirty="0">
+              <a:effectLst/>
+              <a:latin typeface="Calibri" panose="020F0502020204030204" pitchFamily="34" charset="0"/>
+              <a:ea typeface="Calibri" panose="020F0502020204030204" pitchFamily="34" charset="0"/>
+              <a:cs typeface="Arial" panose="020B0604020202020204" pitchFamily="34" charset="0"/>
+            </a:endParaRPr>
+          </a:p>
+        </p:txBody>
+      </p:sp>
+    </p:spTree>
+    <p:extLst>
+      <p:ext uri="{BB962C8B-B14F-4D97-AF65-F5344CB8AC3E}">
+        <p14:creationId xmlns:p14="http://schemas.microsoft.com/office/powerpoint/2010/main" val="3776316582"/>
+      </p:ext>
+    </p:extLst>
+  </p:cSld>
+  <p:clrMapOvr>
+    <a:masterClrMapping/>
+  </p:clrMapOvr>
+</p:sld>
+</file>
+
 <file path=ppt/theme/theme1.xml><?xml version="1.0" encoding="utf-8"?>
 <a:theme xmlns:a="http://schemas.openxmlformats.org/drawingml/2006/main" name="Office Theme">
   <a:themeElements>

--- a/S2_Session2.pptx
+++ b/S2_Session2.pptx
@@ -5,7 +5,7 @@
     <p:sldMasterId id="2147483648" r:id="rId1"/>
   </p:sldMasterIdLst>
   <p:notesMasterIdLst>
-    <p:notesMasterId r:id="rId11"/>
+    <p:notesMasterId r:id="rId14"/>
   </p:notesMasterIdLst>
   <p:sldIdLst>
     <p:sldId id="266" r:id="rId2"/>
@@ -17,6 +17,9 @@
     <p:sldId id="294" r:id="rId8"/>
     <p:sldId id="295" r:id="rId9"/>
     <p:sldId id="296" r:id="rId10"/>
+    <p:sldId id="297" r:id="rId11"/>
+    <p:sldId id="298" r:id="rId12"/>
+    <p:sldId id="299" r:id="rId13"/>
   </p:sldIdLst>
   <p:sldSz cx="12192000" cy="6858000"/>
   <p:notesSz cx="6858000" cy="9144000"/>
@@ -680,6 +683,114 @@
     <p:extLst>
       <p:ext uri="{BB962C8B-B14F-4D97-AF65-F5344CB8AC3E}">
         <p14:creationId xmlns:p14="http://schemas.microsoft.com/office/powerpoint/2010/main" val="1716980402"/>
+      </p:ext>
+    </p:extLst>
+  </p:cSld>
+  <p:clrMapOvr>
+    <a:masterClrMapping/>
+  </p:clrMapOvr>
+</p:notes>
+</file>
+
+<file path=ppt/notesSlides/notesSlide3.xml><?xml version="1.0" encoding="utf-8"?>
+<p:notes xmlns:a="http://schemas.openxmlformats.org/drawingml/2006/main" xmlns:r="http://schemas.openxmlformats.org/officeDocument/2006/relationships" xmlns:p="http://schemas.openxmlformats.org/presentationml/2006/main">
+  <p:cSld>
+    <p:spTree>
+      <p:nvGrpSpPr>
+        <p:cNvPr id="1" name=""/>
+        <p:cNvGrpSpPr/>
+        <p:nvPr/>
+      </p:nvGrpSpPr>
+      <p:grpSpPr>
+        <a:xfrm>
+          <a:off x="0" y="0"/>
+          <a:ext cx="0" cy="0"/>
+          <a:chOff x="0" y="0"/>
+          <a:chExt cx="0" cy="0"/>
+        </a:xfrm>
+      </p:grpSpPr>
+      <p:sp>
+        <p:nvSpPr>
+          <p:cNvPr id="2" name="Slide Image Placeholder 1"/>
+          <p:cNvSpPr>
+            <a:spLocks noGrp="1" noRot="1" noChangeAspect="1"/>
+          </p:cNvSpPr>
+          <p:nvPr>
+            <p:ph type="sldImg"/>
+          </p:nvPr>
+        </p:nvSpPr>
+        <p:spPr/>
+      </p:sp>
+      <p:sp>
+        <p:nvSpPr>
+          <p:cNvPr id="3" name="Notes Placeholder 2"/>
+          <p:cNvSpPr>
+            <a:spLocks noGrp="1"/>
+          </p:cNvSpPr>
+          <p:nvPr>
+            <p:ph type="body" idx="1"/>
+          </p:nvPr>
+        </p:nvSpPr>
+        <p:spPr/>
+        <p:txBody>
+          <a:bodyPr/>
+          <a:lstStyle/>
+          <a:p>
+            <a:r>
+              <a:rPr lang="en-US" dirty="0"/>
+              <a:t>Artificial intelligence enables computers and machines to do human-like tasks without human intervention.</a:t>
+            </a:r>
+          </a:p>
+          <a:p>
+            <a:r>
+              <a:rPr lang="en-US" dirty="0"/>
+              <a:t>Machine learning is dedicated to a specific problem.</a:t>
+            </a:r>
+          </a:p>
+          <a:p>
+            <a:r>
+              <a:rPr lang="en-US" dirty="0"/>
+              <a:t>Data science has overlaps with both AI , and ML, but I can say its major difference with AI is that it needs human </a:t>
+            </a:r>
+            <a:r>
+              <a:rPr lang="en-US" dirty="0" err="1"/>
+              <a:t>interverntion</a:t>
+            </a:r>
+            <a:r>
+              <a:rPr lang="en-US" dirty="0"/>
+              <a:t>.</a:t>
+            </a:r>
+            <a:endParaRPr lang="LID4096" dirty="0"/>
+          </a:p>
+        </p:txBody>
+      </p:sp>
+      <p:sp>
+        <p:nvSpPr>
+          <p:cNvPr id="4" name="Slide Number Placeholder 3"/>
+          <p:cNvSpPr>
+            <a:spLocks noGrp="1"/>
+          </p:cNvSpPr>
+          <p:nvPr>
+            <p:ph type="sldNum" sz="quarter" idx="5"/>
+          </p:nvPr>
+        </p:nvSpPr>
+        <p:spPr/>
+        <p:txBody>
+          <a:bodyPr/>
+          <a:lstStyle/>
+          <a:p>
+            <a:fld id="{3F0B2C52-2B7D-49FF-90AE-F610055A16B6}" type="slidenum">
+              <a:rPr lang="LID4096" smtClean="0"/>
+              <a:t>10</a:t>
+            </a:fld>
+            <a:endParaRPr lang="LID4096"/>
+          </a:p>
+        </p:txBody>
+      </p:sp>
+    </p:spTree>
+    <p:extLst>
+      <p:ext uri="{BB962C8B-B14F-4D97-AF65-F5344CB8AC3E}">
+        <p14:creationId xmlns:p14="http://schemas.microsoft.com/office/powerpoint/2010/main" val="3334737812"/>
       </p:ext>
     </p:extLst>
   </p:cSld>
@@ -4012,6 +4123,3989 @@
 </p:sld>
 </file>
 
+<file path=ppt/slides/slide10.xml><?xml version="1.0" encoding="utf-8"?>
+<p:sld xmlns:a="http://schemas.openxmlformats.org/drawingml/2006/main" xmlns:r="http://schemas.openxmlformats.org/officeDocument/2006/relationships" xmlns:p="http://schemas.openxmlformats.org/presentationml/2006/main">
+  <p:cSld>
+    <p:spTree>
+      <p:nvGrpSpPr>
+        <p:cNvPr id="1" name=""/>
+        <p:cNvGrpSpPr/>
+        <p:nvPr/>
+      </p:nvGrpSpPr>
+      <p:grpSpPr>
+        <a:xfrm>
+          <a:off x="0" y="0"/>
+          <a:ext cx="0" cy="0"/>
+          <a:chOff x="0" y="0"/>
+          <a:chExt cx="0" cy="0"/>
+        </a:xfrm>
+      </p:grpSpPr>
+      <p:sp>
+        <p:nvSpPr>
+          <p:cNvPr id="2" name="TextBox 1">
+            <a:extLst>
+              <a:ext uri="{FF2B5EF4-FFF2-40B4-BE49-F238E27FC236}">
+                <a16:creationId xmlns:a16="http://schemas.microsoft.com/office/drawing/2014/main" id="{E95331BF-DD6B-43D9-BBDF-3725FE50B1A1}"/>
+              </a:ext>
+            </a:extLst>
+          </p:cNvPr>
+          <p:cNvSpPr txBox="1"/>
+          <p:nvPr/>
+        </p:nvSpPr>
+        <p:spPr>
+          <a:xfrm>
+            <a:off x="861153" y="745468"/>
+            <a:ext cx="10687000" cy="954107"/>
+          </a:xfrm>
+          <a:prstGeom prst="rect">
+            <a:avLst/>
+          </a:prstGeom>
+          <a:noFill/>
+        </p:spPr>
+        <p:txBody>
+          <a:bodyPr wrap="square" rtlCol="0">
+            <a:spAutoFit/>
+          </a:bodyPr>
+          <a:lstStyle/>
+          <a:p>
+            <a:r>
+              <a:rPr lang="en-US" sz="2000" b="1" dirty="0"/>
+              <a:t>Support Vector Machines (SVM)</a:t>
+            </a:r>
+          </a:p>
+          <a:p>
+            <a:endParaRPr lang="en-US" dirty="0"/>
+          </a:p>
+          <a:p>
+            <a:endParaRPr lang="LID4096" dirty="0"/>
+          </a:p>
+        </p:txBody>
+      </p:sp>
+      <mc:AlternateContent xmlns:mc="http://schemas.openxmlformats.org/markup-compatibility/2006">
+        <mc:Choice xmlns:a14="http://schemas.microsoft.com/office/drawing/2010/main" Requires="a14">
+          <p:sp>
+            <p:nvSpPr>
+              <p:cNvPr id="17" name="TextBox 16">
+                <a:extLst>
+                  <a:ext uri="{FF2B5EF4-FFF2-40B4-BE49-F238E27FC236}">
+                    <a16:creationId xmlns:a16="http://schemas.microsoft.com/office/drawing/2014/main" id="{E35636B0-48A5-4A97-BE3E-1FF84E38019E}"/>
+                  </a:ext>
+                </a:extLst>
+              </p:cNvPr>
+              <p:cNvSpPr txBox="1"/>
+              <p:nvPr/>
+            </p:nvSpPr>
+            <p:spPr>
+              <a:xfrm>
+                <a:off x="861153" y="1079300"/>
+                <a:ext cx="10221815" cy="880369"/>
+              </a:xfrm>
+              <a:prstGeom prst="rect">
+                <a:avLst/>
+              </a:prstGeom>
+              <a:noFill/>
+            </p:spPr>
+            <p:txBody>
+              <a:bodyPr wrap="square" rtlCol="0">
+                <a:spAutoFit/>
+              </a:bodyPr>
+              <a:lstStyle/>
+              <a:p>
+                <a:pPr marL="0" marR="0">
+                  <a:lnSpc>
+                    <a:spcPct val="150000"/>
+                  </a:lnSpc>
+                  <a:spcBef>
+                    <a:spcPts val="0"/>
+                  </a:spcBef>
+                  <a:spcAft>
+                    <a:spcPts val="800"/>
+                  </a:spcAft>
+                </a:pPr>
+                <a:r>
+                  <a:rPr lang="en-US" sz="1800" dirty="0">
+                    <a:effectLst/>
+                    <a:latin typeface="Calibri" panose="020F0502020204030204" pitchFamily="34" charset="0"/>
+                    <a:ea typeface="Calibri" panose="020F0502020204030204" pitchFamily="34" charset="0"/>
+                    <a:cs typeface="Arial" panose="020B0604020202020204" pitchFamily="34" charset="0"/>
+                  </a:rPr>
+                  <a:t>Imagine that we have two features (</a:t>
+                </a:r>
+                <a14:m>
+                  <m:oMath xmlns:m="http://schemas.openxmlformats.org/officeDocument/2006/math">
+                    <m:sSub>
+                      <m:sSubPr>
+                        <m:ctrlPr>
+                          <a:rPr lang="fa-IR" sz="1800" i="1">
+                            <a:effectLst/>
+                            <a:latin typeface="Cambria Math" panose="02040503050406030204" pitchFamily="18" charset="0"/>
+                            <a:ea typeface="Calibri" panose="020F0502020204030204" pitchFamily="34" charset="0"/>
+                            <a:cs typeface="Arial" panose="020B0604020202020204" pitchFamily="34" charset="0"/>
+                          </a:rPr>
+                        </m:ctrlPr>
+                      </m:sSubPr>
+                      <m:e>
+                        <m:r>
+                          <a:rPr lang="fa-IR" sz="1800" i="1">
+                            <a:effectLst/>
+                            <a:latin typeface="Cambria Math" panose="02040503050406030204" pitchFamily="18" charset="0"/>
+                            <a:ea typeface="Calibri" panose="020F0502020204030204" pitchFamily="34" charset="0"/>
+                            <a:cs typeface="Arial" panose="020B0604020202020204" pitchFamily="34" charset="0"/>
+                          </a:rPr>
+                          <m:t>𝑥</m:t>
+                        </m:r>
+                      </m:e>
+                      <m:sub>
+                        <m:r>
+                          <a:rPr lang="fa-IR" sz="1800" i="1">
+                            <a:effectLst/>
+                            <a:latin typeface="Cambria Math" panose="02040503050406030204" pitchFamily="18" charset="0"/>
+                            <a:ea typeface="Calibri" panose="020F0502020204030204" pitchFamily="34" charset="0"/>
+                            <a:cs typeface="Arial" panose="020B0604020202020204" pitchFamily="34" charset="0"/>
+                          </a:rPr>
+                          <m:t>0</m:t>
+                        </m:r>
+                      </m:sub>
+                    </m:sSub>
+                  </m:oMath>
+                </a14:m>
+                <a:r>
+                  <a:rPr lang="fa-IR" sz="1800" dirty="0">
+                    <a:effectLst/>
+                    <a:latin typeface="Calibri" panose="020F0502020204030204" pitchFamily="34" charset="0"/>
+                    <a:ea typeface="Times New Roman" panose="02020603050405020304" pitchFamily="18" charset="0"/>
+                    <a:cs typeface="Arial" panose="020B0604020202020204" pitchFamily="34" charset="0"/>
+                  </a:rPr>
+                  <a:t> </a:t>
+                </a:r>
+                <a:r>
+                  <a:rPr lang="en-US" sz="1800" dirty="0">
+                    <a:effectLst/>
+                    <a:latin typeface="Calibri" panose="020F0502020204030204" pitchFamily="34" charset="0"/>
+                    <a:ea typeface="Times New Roman" panose="02020603050405020304" pitchFamily="18" charset="0"/>
+                    <a:cs typeface="Arial" panose="020B0604020202020204" pitchFamily="34" charset="0"/>
+                  </a:rPr>
+                  <a:t>and </a:t>
+                </a:r>
+                <a14:m>
+                  <m:oMath xmlns:m="http://schemas.openxmlformats.org/officeDocument/2006/math">
+                    <m:sSub>
+                      <m:sSubPr>
+                        <m:ctrlPr>
+                          <a:rPr lang="fa-IR" sz="1800" i="1">
+                            <a:effectLst/>
+                            <a:latin typeface="Cambria Math" panose="02040503050406030204" pitchFamily="18" charset="0"/>
+                            <a:ea typeface="Times New Roman" panose="02020603050405020304" pitchFamily="18" charset="0"/>
+                            <a:cs typeface="Arial" panose="020B0604020202020204" pitchFamily="34" charset="0"/>
+                          </a:rPr>
+                        </m:ctrlPr>
+                      </m:sSubPr>
+                      <m:e>
+                        <m:r>
+                          <a:rPr lang="fa-IR" sz="1800" i="1">
+                            <a:effectLst/>
+                            <a:latin typeface="Cambria Math" panose="02040503050406030204" pitchFamily="18" charset="0"/>
+                            <a:ea typeface="Times New Roman" panose="02020603050405020304" pitchFamily="18" charset="0"/>
+                            <a:cs typeface="Arial" panose="020B0604020202020204" pitchFamily="34" charset="0"/>
+                          </a:rPr>
+                          <m:t>𝑥</m:t>
+                        </m:r>
+                      </m:e>
+                      <m:sub>
+                        <m:r>
+                          <a:rPr lang="fa-IR" sz="1800" i="1">
+                            <a:effectLst/>
+                            <a:latin typeface="Cambria Math" panose="02040503050406030204" pitchFamily="18" charset="0"/>
+                            <a:ea typeface="Times New Roman" panose="02020603050405020304" pitchFamily="18" charset="0"/>
+                            <a:cs typeface="Arial" panose="020B0604020202020204" pitchFamily="34" charset="0"/>
+                          </a:rPr>
+                          <m:t>1</m:t>
+                        </m:r>
+                      </m:sub>
+                    </m:sSub>
+                  </m:oMath>
+                </a14:m>
+                <a:r>
+                  <a:rPr lang="fa-IR" sz="1800" dirty="0">
+                    <a:effectLst/>
+                    <a:latin typeface="Calibri" panose="020F0502020204030204" pitchFamily="34" charset="0"/>
+                    <a:ea typeface="Times New Roman" panose="02020603050405020304" pitchFamily="18" charset="0"/>
+                    <a:cs typeface="Arial" panose="020B0604020202020204" pitchFamily="34" charset="0"/>
+                  </a:rPr>
+                  <a:t>). </a:t>
+                </a:r>
+                <a:r>
+                  <a:rPr lang="en-US" sz="1800" dirty="0">
+                    <a:effectLst/>
+                    <a:latin typeface="Calibri" panose="020F0502020204030204" pitchFamily="34" charset="0"/>
+                    <a:ea typeface="Times New Roman" panose="02020603050405020304" pitchFamily="18" charset="0"/>
+                    <a:cs typeface="Arial" panose="020B0604020202020204" pitchFamily="34" charset="0"/>
+                  </a:rPr>
+                  <a:t>The goal of SVM is to find a line that can best divide our data into two classes based on these features.</a:t>
+                </a:r>
+                <a:endParaRPr lang="en-US" sz="1800" dirty="0">
+                  <a:effectLst/>
+                  <a:latin typeface="Calibri" panose="020F0502020204030204" pitchFamily="34" charset="0"/>
+                  <a:ea typeface="Calibri" panose="020F0502020204030204" pitchFamily="34" charset="0"/>
+                  <a:cs typeface="Arial" panose="020B0604020202020204" pitchFamily="34" charset="0"/>
+                </a:endParaRPr>
+              </a:p>
+            </p:txBody>
+          </p:sp>
+        </mc:Choice>
+        <mc:Fallback>
+          <p:sp>
+            <p:nvSpPr>
+              <p:cNvPr id="17" name="TextBox 16">
+                <a:extLst>
+                  <a:ext uri="{FF2B5EF4-FFF2-40B4-BE49-F238E27FC236}">
+                    <a16:creationId xmlns:a16="http://schemas.microsoft.com/office/drawing/2014/main" id="{E35636B0-48A5-4A97-BE3E-1FF84E38019E}"/>
+                  </a:ext>
+                </a:extLst>
+              </p:cNvPr>
+              <p:cNvSpPr txBox="1">
+                <a:spLocks noRot="1" noChangeAspect="1" noMove="1" noResize="1" noEditPoints="1" noAdjustHandles="1" noChangeArrowheads="1" noChangeShapeType="1" noTextEdit="1"/>
+              </p:cNvSpPr>
+              <p:nvPr/>
+            </p:nvSpPr>
+            <p:spPr>
+              <a:xfrm>
+                <a:off x="861153" y="1079300"/>
+                <a:ext cx="10221815" cy="880369"/>
+              </a:xfrm>
+              <a:prstGeom prst="rect">
+                <a:avLst/>
+              </a:prstGeom>
+              <a:blipFill>
+                <a:blip r:embed="rId3"/>
+                <a:stretch>
+                  <a:fillRect l="-477" b="-10417"/>
+                </a:stretch>
+              </a:blipFill>
+            </p:spPr>
+            <p:txBody>
+              <a:bodyPr/>
+              <a:lstStyle/>
+              <a:p>
+                <a:r>
+                  <a:rPr lang="LID4096">
+                    <a:noFill/>
+                  </a:rPr>
+                  <a:t> </a:t>
+                </a:r>
+              </a:p>
+            </p:txBody>
+          </p:sp>
+        </mc:Fallback>
+      </mc:AlternateContent>
+      <p:cxnSp>
+        <p:nvCxnSpPr>
+          <p:cNvPr id="10" name="Straight Arrow Connector 9">
+            <a:extLst>
+              <a:ext uri="{FF2B5EF4-FFF2-40B4-BE49-F238E27FC236}">
+                <a16:creationId xmlns:a16="http://schemas.microsoft.com/office/drawing/2014/main" id="{B0BF2E49-A98E-493C-A989-AF09D3AEB0EA}"/>
+              </a:ext>
+            </a:extLst>
+          </p:cNvPr>
+          <p:cNvCxnSpPr/>
+          <p:nvPr/>
+        </p:nvCxnSpPr>
+        <p:spPr>
+          <a:xfrm>
+            <a:off x="3855905" y="4350400"/>
+            <a:ext cx="4990641" cy="0"/>
+          </a:xfrm>
+          <a:prstGeom prst="straightConnector1">
+            <a:avLst/>
+          </a:prstGeom>
+          <a:ln>
+            <a:tailEnd type="triangle"/>
+          </a:ln>
+        </p:spPr>
+        <p:style>
+          <a:lnRef idx="3">
+            <a:schemeClr val="dk1"/>
+          </a:lnRef>
+          <a:fillRef idx="0">
+            <a:schemeClr val="dk1"/>
+          </a:fillRef>
+          <a:effectRef idx="2">
+            <a:schemeClr val="dk1"/>
+          </a:effectRef>
+          <a:fontRef idx="minor">
+            <a:schemeClr val="tx1"/>
+          </a:fontRef>
+        </p:style>
+      </p:cxnSp>
+      <p:cxnSp>
+        <p:nvCxnSpPr>
+          <p:cNvPr id="19" name="Straight Arrow Connector 18">
+            <a:extLst>
+              <a:ext uri="{FF2B5EF4-FFF2-40B4-BE49-F238E27FC236}">
+                <a16:creationId xmlns:a16="http://schemas.microsoft.com/office/drawing/2014/main" id="{03BFAD17-CC0B-41EF-B0B0-5FF7B6AC56AA}"/>
+              </a:ext>
+            </a:extLst>
+          </p:cNvPr>
+          <p:cNvCxnSpPr>
+            <a:cxnSpLocks/>
+          </p:cNvCxnSpPr>
+          <p:nvPr/>
+        </p:nvCxnSpPr>
+        <p:spPr>
+          <a:xfrm flipV="1">
+            <a:off x="3855905" y="2303011"/>
+            <a:ext cx="0" cy="2027231"/>
+          </a:xfrm>
+          <a:prstGeom prst="straightConnector1">
+            <a:avLst/>
+          </a:prstGeom>
+          <a:ln>
+            <a:tailEnd type="triangle"/>
+          </a:ln>
+        </p:spPr>
+        <p:style>
+          <a:lnRef idx="3">
+            <a:schemeClr val="dk1"/>
+          </a:lnRef>
+          <a:fillRef idx="0">
+            <a:schemeClr val="dk1"/>
+          </a:fillRef>
+          <a:effectRef idx="2">
+            <a:schemeClr val="dk1"/>
+          </a:effectRef>
+          <a:fontRef idx="minor">
+            <a:schemeClr val="tx1"/>
+          </a:fontRef>
+        </p:style>
+      </p:cxnSp>
+      <p:cxnSp>
+        <p:nvCxnSpPr>
+          <p:cNvPr id="21" name="Straight Connector 20">
+            <a:extLst>
+              <a:ext uri="{FF2B5EF4-FFF2-40B4-BE49-F238E27FC236}">
+                <a16:creationId xmlns:a16="http://schemas.microsoft.com/office/drawing/2014/main" id="{78D02F5B-4E09-4797-A3C9-FA37A46EA884}"/>
+              </a:ext>
+            </a:extLst>
+          </p:cNvPr>
+          <p:cNvCxnSpPr>
+            <a:cxnSpLocks/>
+          </p:cNvCxnSpPr>
+          <p:nvPr/>
+        </p:nvCxnSpPr>
+        <p:spPr>
+          <a:xfrm flipH="1" flipV="1">
+            <a:off x="5972060" y="2220734"/>
+            <a:ext cx="1645027" cy="2560589"/>
+          </a:xfrm>
+          <a:prstGeom prst="line">
+            <a:avLst/>
+          </a:prstGeom>
+        </p:spPr>
+        <p:style>
+          <a:lnRef idx="2">
+            <a:schemeClr val="accent1"/>
+          </a:lnRef>
+          <a:fillRef idx="0">
+            <a:schemeClr val="accent1"/>
+          </a:fillRef>
+          <a:effectRef idx="1">
+            <a:schemeClr val="accent1"/>
+          </a:effectRef>
+          <a:fontRef idx="minor">
+            <a:schemeClr val="tx1"/>
+          </a:fontRef>
+        </p:style>
+      </p:cxnSp>
+      <p:sp>
+        <p:nvSpPr>
+          <p:cNvPr id="22" name="TextBox 21">
+            <a:extLst>
+              <a:ext uri="{FF2B5EF4-FFF2-40B4-BE49-F238E27FC236}">
+                <a16:creationId xmlns:a16="http://schemas.microsoft.com/office/drawing/2014/main" id="{7802E77B-8A8E-4101-B188-93770E34A4AD}"/>
+              </a:ext>
+            </a:extLst>
+          </p:cNvPr>
+          <p:cNvSpPr txBox="1"/>
+          <p:nvPr/>
+        </p:nvSpPr>
+        <p:spPr>
+          <a:xfrm>
+            <a:off x="4742601" y="3621641"/>
+            <a:ext cx="495758" cy="523220"/>
+          </a:xfrm>
+          <a:prstGeom prst="rect">
+            <a:avLst/>
+          </a:prstGeom>
+          <a:noFill/>
+        </p:spPr>
+        <p:txBody>
+          <a:bodyPr wrap="square" rtlCol="0">
+            <a:spAutoFit/>
+          </a:bodyPr>
+          <a:lstStyle/>
+          <a:p>
+            <a:pPr algn="ctr"/>
+            <a:r>
+              <a:rPr lang="en-US" sz="2800" dirty="0">
+                <a:solidFill>
+                  <a:srgbClr val="00B0F0"/>
+                </a:solidFill>
+              </a:rPr>
+              <a:t>+</a:t>
+            </a:r>
+            <a:endParaRPr lang="LID4096" sz="2800" dirty="0">
+              <a:solidFill>
+                <a:srgbClr val="00B0F0"/>
+              </a:solidFill>
+            </a:endParaRPr>
+          </a:p>
+        </p:txBody>
+      </p:sp>
+      <p:sp>
+        <p:nvSpPr>
+          <p:cNvPr id="23" name="TextBox 22">
+            <a:extLst>
+              <a:ext uri="{FF2B5EF4-FFF2-40B4-BE49-F238E27FC236}">
+                <a16:creationId xmlns:a16="http://schemas.microsoft.com/office/drawing/2014/main" id="{EEF29CE5-3495-4157-97C3-4B5587AD58BE}"/>
+              </a:ext>
+            </a:extLst>
+          </p:cNvPr>
+          <p:cNvSpPr txBox="1"/>
+          <p:nvPr/>
+        </p:nvSpPr>
+        <p:spPr>
+          <a:xfrm>
+            <a:off x="6674385" y="2536492"/>
+            <a:ext cx="431495" cy="523220"/>
+          </a:xfrm>
+          <a:prstGeom prst="rect">
+            <a:avLst/>
+          </a:prstGeom>
+          <a:noFill/>
+        </p:spPr>
+        <p:txBody>
+          <a:bodyPr wrap="square" rtlCol="0">
+            <a:spAutoFit/>
+          </a:bodyPr>
+          <a:lstStyle/>
+          <a:p>
+            <a:pPr algn="ctr"/>
+            <a:r>
+              <a:rPr lang="en-US" sz="2800" dirty="0">
+                <a:solidFill>
+                  <a:srgbClr val="FF0000"/>
+                </a:solidFill>
+              </a:rPr>
+              <a:t>+</a:t>
+            </a:r>
+            <a:endParaRPr lang="LID4096" sz="2800" dirty="0">
+              <a:solidFill>
+                <a:srgbClr val="FF0000"/>
+              </a:solidFill>
+            </a:endParaRPr>
+          </a:p>
+        </p:txBody>
+      </p:sp>
+      <mc:AlternateContent xmlns:mc="http://schemas.openxmlformats.org/markup-compatibility/2006">
+        <mc:Choice xmlns:a14="http://schemas.microsoft.com/office/drawing/2010/main" Requires="a14">
+          <p:sp>
+            <p:nvSpPr>
+              <p:cNvPr id="25" name="TextBox 24">
+                <a:extLst>
+                  <a:ext uri="{FF2B5EF4-FFF2-40B4-BE49-F238E27FC236}">
+                    <a16:creationId xmlns:a16="http://schemas.microsoft.com/office/drawing/2014/main" id="{695DA000-65FE-4FFF-AA44-1B444A89A29E}"/>
+                  </a:ext>
+                </a:extLst>
+              </p:cNvPr>
+              <p:cNvSpPr txBox="1"/>
+              <p:nvPr/>
+            </p:nvSpPr>
+            <p:spPr>
+              <a:xfrm>
+                <a:off x="8846546" y="4350400"/>
+                <a:ext cx="305148" cy="307777"/>
+              </a:xfrm>
+              <a:prstGeom prst="rect">
+                <a:avLst/>
+              </a:prstGeom>
+              <a:noFill/>
+            </p:spPr>
+            <p:txBody>
+              <a:bodyPr wrap="none" lIns="0" tIns="0" rIns="0" bIns="0" rtlCol="0">
+                <a:spAutoFit/>
+              </a:bodyPr>
+              <a:lstStyle/>
+              <a:p>
+                <a:pPr/>
+                <a14:m>
+                  <m:oMathPara xmlns:m="http://schemas.openxmlformats.org/officeDocument/2006/math">
+                    <m:oMathParaPr>
+                      <m:jc m:val="centerGroup"/>
+                    </m:oMathParaPr>
+                    <m:oMath xmlns:m="http://schemas.openxmlformats.org/officeDocument/2006/math">
+                      <m:sSub>
+                        <m:sSubPr>
+                          <m:ctrlPr>
+                            <a:rPr lang="en-US" sz="2000" b="0" i="1" smtClean="0">
+                              <a:latin typeface="Cambria Math" panose="02040503050406030204" pitchFamily="18" charset="0"/>
+                            </a:rPr>
+                          </m:ctrlPr>
+                        </m:sSubPr>
+                        <m:e>
+                          <m:r>
+                            <a:rPr lang="en-US" sz="2000" b="0" i="1" smtClean="0">
+                              <a:latin typeface="Cambria Math" panose="02040503050406030204" pitchFamily="18" charset="0"/>
+                            </a:rPr>
+                            <m:t>𝑥</m:t>
+                          </m:r>
+                        </m:e>
+                        <m:sub>
+                          <m:r>
+                            <a:rPr lang="en-US" sz="2000" b="0" i="1" smtClean="0">
+                              <a:latin typeface="Cambria Math" panose="02040503050406030204" pitchFamily="18" charset="0"/>
+                            </a:rPr>
+                            <m:t>1</m:t>
+                          </m:r>
+                        </m:sub>
+                      </m:sSub>
+                    </m:oMath>
+                  </m:oMathPara>
+                </a14:m>
+                <a:endParaRPr lang="LID4096" sz="2000" dirty="0"/>
+              </a:p>
+            </p:txBody>
+          </p:sp>
+        </mc:Choice>
+        <mc:Fallback>
+          <p:sp>
+            <p:nvSpPr>
+              <p:cNvPr id="25" name="TextBox 24">
+                <a:extLst>
+                  <a:ext uri="{FF2B5EF4-FFF2-40B4-BE49-F238E27FC236}">
+                    <a16:creationId xmlns:a16="http://schemas.microsoft.com/office/drawing/2014/main" id="{695DA000-65FE-4FFF-AA44-1B444A89A29E}"/>
+                  </a:ext>
+                </a:extLst>
+              </p:cNvPr>
+              <p:cNvSpPr txBox="1">
+                <a:spLocks noRot="1" noChangeAspect="1" noMove="1" noResize="1" noEditPoints="1" noAdjustHandles="1" noChangeArrowheads="1" noChangeShapeType="1" noTextEdit="1"/>
+              </p:cNvSpPr>
+              <p:nvPr/>
+            </p:nvSpPr>
+            <p:spPr>
+              <a:xfrm>
+                <a:off x="8846546" y="4350400"/>
+                <a:ext cx="305148" cy="307777"/>
+              </a:xfrm>
+              <a:prstGeom prst="rect">
+                <a:avLst/>
+              </a:prstGeom>
+              <a:blipFill>
+                <a:blip r:embed="rId4"/>
+                <a:stretch>
+                  <a:fillRect l="-10000" r="-8000" b="-16000"/>
+                </a:stretch>
+              </a:blipFill>
+            </p:spPr>
+            <p:txBody>
+              <a:bodyPr/>
+              <a:lstStyle/>
+              <a:p>
+                <a:r>
+                  <a:rPr lang="LID4096">
+                    <a:noFill/>
+                  </a:rPr>
+                  <a:t> </a:t>
+                </a:r>
+              </a:p>
+            </p:txBody>
+          </p:sp>
+        </mc:Fallback>
+      </mc:AlternateContent>
+      <mc:AlternateContent xmlns:mc="http://schemas.openxmlformats.org/markup-compatibility/2006">
+        <mc:Choice xmlns:a14="http://schemas.microsoft.com/office/drawing/2010/main" Requires="a14">
+          <p:sp>
+            <p:nvSpPr>
+              <p:cNvPr id="26" name="TextBox 25">
+                <a:extLst>
+                  <a:ext uri="{FF2B5EF4-FFF2-40B4-BE49-F238E27FC236}">
+                    <a16:creationId xmlns:a16="http://schemas.microsoft.com/office/drawing/2014/main" id="{037FEC6F-E266-4DD7-BB92-4EF2A0033FF5}"/>
+                  </a:ext>
+                </a:extLst>
+              </p:cNvPr>
+              <p:cNvSpPr txBox="1"/>
+              <p:nvPr/>
+            </p:nvSpPr>
+            <p:spPr>
+              <a:xfrm>
+                <a:off x="3547433" y="2104722"/>
+                <a:ext cx="311111" cy="307777"/>
+              </a:xfrm>
+              <a:prstGeom prst="rect">
+                <a:avLst/>
+              </a:prstGeom>
+              <a:noFill/>
+            </p:spPr>
+            <p:txBody>
+              <a:bodyPr wrap="none" lIns="0" tIns="0" rIns="0" bIns="0" rtlCol="0">
+                <a:spAutoFit/>
+              </a:bodyPr>
+              <a:lstStyle/>
+              <a:p>
+                <a:pPr/>
+                <a14:m>
+                  <m:oMathPara xmlns:m="http://schemas.openxmlformats.org/officeDocument/2006/math">
+                    <m:oMathParaPr>
+                      <m:jc m:val="centerGroup"/>
+                    </m:oMathParaPr>
+                    <m:oMath xmlns:m="http://schemas.openxmlformats.org/officeDocument/2006/math">
+                      <m:sSub>
+                        <m:sSubPr>
+                          <m:ctrlPr>
+                            <a:rPr lang="en-US" sz="2000" b="0" i="1" smtClean="0">
+                              <a:latin typeface="Cambria Math" panose="02040503050406030204" pitchFamily="18" charset="0"/>
+                            </a:rPr>
+                          </m:ctrlPr>
+                        </m:sSubPr>
+                        <m:e>
+                          <m:r>
+                            <a:rPr lang="en-US" sz="2000" b="0" i="1" smtClean="0">
+                              <a:latin typeface="Cambria Math" panose="02040503050406030204" pitchFamily="18" charset="0"/>
+                            </a:rPr>
+                            <m:t>𝑥</m:t>
+                          </m:r>
+                        </m:e>
+                        <m:sub>
+                          <m:r>
+                            <a:rPr lang="en-US" sz="2000" b="0" i="1" smtClean="0">
+                              <a:latin typeface="Cambria Math" panose="02040503050406030204" pitchFamily="18" charset="0"/>
+                            </a:rPr>
+                            <m:t>2</m:t>
+                          </m:r>
+                        </m:sub>
+                      </m:sSub>
+                    </m:oMath>
+                  </m:oMathPara>
+                </a14:m>
+                <a:endParaRPr lang="LID4096" sz="2000" dirty="0"/>
+              </a:p>
+            </p:txBody>
+          </p:sp>
+        </mc:Choice>
+        <mc:Fallback>
+          <p:sp>
+            <p:nvSpPr>
+              <p:cNvPr id="26" name="TextBox 25">
+                <a:extLst>
+                  <a:ext uri="{FF2B5EF4-FFF2-40B4-BE49-F238E27FC236}">
+                    <a16:creationId xmlns:a16="http://schemas.microsoft.com/office/drawing/2014/main" id="{037FEC6F-E266-4DD7-BB92-4EF2A0033FF5}"/>
+                  </a:ext>
+                </a:extLst>
+              </p:cNvPr>
+              <p:cNvSpPr txBox="1">
+                <a:spLocks noRot="1" noChangeAspect="1" noMove="1" noResize="1" noEditPoints="1" noAdjustHandles="1" noChangeArrowheads="1" noChangeShapeType="1" noTextEdit="1"/>
+              </p:cNvSpPr>
+              <p:nvPr/>
+            </p:nvSpPr>
+            <p:spPr>
+              <a:xfrm>
+                <a:off x="3547433" y="2104722"/>
+                <a:ext cx="311111" cy="307777"/>
+              </a:xfrm>
+              <a:prstGeom prst="rect">
+                <a:avLst/>
+              </a:prstGeom>
+              <a:blipFill>
+                <a:blip r:embed="rId5"/>
+                <a:stretch>
+                  <a:fillRect l="-11765" r="-7843" b="-15686"/>
+                </a:stretch>
+              </a:blipFill>
+            </p:spPr>
+            <p:txBody>
+              <a:bodyPr/>
+              <a:lstStyle/>
+              <a:p>
+                <a:r>
+                  <a:rPr lang="LID4096">
+                    <a:noFill/>
+                  </a:rPr>
+                  <a:t> </a:t>
+                </a:r>
+              </a:p>
+            </p:txBody>
+          </p:sp>
+        </mc:Fallback>
+      </mc:AlternateContent>
+      <p:sp>
+        <p:nvSpPr>
+          <p:cNvPr id="28" name="TextBox 27">
+            <a:extLst>
+              <a:ext uri="{FF2B5EF4-FFF2-40B4-BE49-F238E27FC236}">
+                <a16:creationId xmlns:a16="http://schemas.microsoft.com/office/drawing/2014/main" id="{65440613-B04E-4D06-BFF0-51AB97EFF0EE}"/>
+              </a:ext>
+            </a:extLst>
+          </p:cNvPr>
+          <p:cNvSpPr txBox="1"/>
+          <p:nvPr/>
+        </p:nvSpPr>
+        <p:spPr>
+          <a:xfrm>
+            <a:off x="861153" y="5000482"/>
+            <a:ext cx="11582401" cy="880369"/>
+          </a:xfrm>
+          <a:prstGeom prst="rect">
+            <a:avLst/>
+          </a:prstGeom>
+          <a:noFill/>
+        </p:spPr>
+        <p:txBody>
+          <a:bodyPr wrap="square">
+            <a:spAutoFit/>
+          </a:bodyPr>
+          <a:lstStyle/>
+          <a:p>
+            <a:pPr>
+              <a:lnSpc>
+                <a:spcPct val="150000"/>
+              </a:lnSpc>
+            </a:pPr>
+            <a:r>
+              <a:rPr lang="en-US" dirty="0"/>
+              <a:t>If we have more than two features, the classifier will be a plane instead of a line, and we call it hyperplane.</a:t>
+            </a:r>
+          </a:p>
+          <a:p>
+            <a:pPr>
+              <a:lnSpc>
+                <a:spcPct val="150000"/>
+              </a:lnSpc>
+            </a:pPr>
+            <a:r>
+              <a:rPr lang="en-US" dirty="0"/>
+              <a:t>The problem with SVM is that it is not robust against outliers. Even one single outlier can totally change the classifier.</a:t>
+            </a:r>
+          </a:p>
+        </p:txBody>
+      </p:sp>
+      <p:sp>
+        <p:nvSpPr>
+          <p:cNvPr id="18" name="TextBox 17">
+            <a:extLst>
+              <a:ext uri="{FF2B5EF4-FFF2-40B4-BE49-F238E27FC236}">
+                <a16:creationId xmlns:a16="http://schemas.microsoft.com/office/drawing/2014/main" id="{C33A6776-4B4A-4C01-B4B4-7AAFFF6F06AD}"/>
+              </a:ext>
+            </a:extLst>
+          </p:cNvPr>
+          <p:cNvSpPr txBox="1"/>
+          <p:nvPr/>
+        </p:nvSpPr>
+        <p:spPr>
+          <a:xfrm>
+            <a:off x="7163559" y="1995931"/>
+            <a:ext cx="431495" cy="523220"/>
+          </a:xfrm>
+          <a:prstGeom prst="rect">
+            <a:avLst/>
+          </a:prstGeom>
+          <a:noFill/>
+        </p:spPr>
+        <p:txBody>
+          <a:bodyPr wrap="square" rtlCol="0">
+            <a:spAutoFit/>
+          </a:bodyPr>
+          <a:lstStyle/>
+          <a:p>
+            <a:pPr algn="ctr"/>
+            <a:r>
+              <a:rPr lang="en-US" sz="2800" dirty="0">
+                <a:solidFill>
+                  <a:srgbClr val="FF0000"/>
+                </a:solidFill>
+              </a:rPr>
+              <a:t>+</a:t>
+            </a:r>
+            <a:endParaRPr lang="LID4096" sz="2800" dirty="0">
+              <a:solidFill>
+                <a:srgbClr val="FF0000"/>
+              </a:solidFill>
+            </a:endParaRPr>
+          </a:p>
+        </p:txBody>
+      </p:sp>
+      <p:sp>
+        <p:nvSpPr>
+          <p:cNvPr id="20" name="TextBox 19">
+            <a:extLst>
+              <a:ext uri="{FF2B5EF4-FFF2-40B4-BE49-F238E27FC236}">
+                <a16:creationId xmlns:a16="http://schemas.microsoft.com/office/drawing/2014/main" id="{EF33445B-6585-4D07-95A7-BF820A807848}"/>
+              </a:ext>
+            </a:extLst>
+          </p:cNvPr>
+          <p:cNvSpPr txBox="1"/>
+          <p:nvPr/>
+        </p:nvSpPr>
+        <p:spPr>
+          <a:xfrm>
+            <a:off x="7931986" y="2080272"/>
+            <a:ext cx="431495" cy="523220"/>
+          </a:xfrm>
+          <a:prstGeom prst="rect">
+            <a:avLst/>
+          </a:prstGeom>
+          <a:noFill/>
+        </p:spPr>
+        <p:txBody>
+          <a:bodyPr wrap="square" rtlCol="0">
+            <a:spAutoFit/>
+          </a:bodyPr>
+          <a:lstStyle/>
+          <a:p>
+            <a:pPr algn="ctr"/>
+            <a:r>
+              <a:rPr lang="en-US" sz="2800" dirty="0">
+                <a:solidFill>
+                  <a:srgbClr val="FF0000"/>
+                </a:solidFill>
+              </a:rPr>
+              <a:t>+</a:t>
+            </a:r>
+            <a:endParaRPr lang="LID4096" sz="2800" dirty="0">
+              <a:solidFill>
+                <a:srgbClr val="FF0000"/>
+              </a:solidFill>
+            </a:endParaRPr>
+          </a:p>
+        </p:txBody>
+      </p:sp>
+      <p:sp>
+        <p:nvSpPr>
+          <p:cNvPr id="27" name="TextBox 26">
+            <a:extLst>
+              <a:ext uri="{FF2B5EF4-FFF2-40B4-BE49-F238E27FC236}">
+                <a16:creationId xmlns:a16="http://schemas.microsoft.com/office/drawing/2014/main" id="{0B92C23D-ABAF-4026-B896-3F8C54CE79E8}"/>
+              </a:ext>
+            </a:extLst>
+          </p:cNvPr>
+          <p:cNvSpPr txBox="1"/>
+          <p:nvPr/>
+        </p:nvSpPr>
+        <p:spPr>
+          <a:xfrm>
+            <a:off x="7219641" y="3088768"/>
+            <a:ext cx="431495" cy="523220"/>
+          </a:xfrm>
+          <a:prstGeom prst="rect">
+            <a:avLst/>
+          </a:prstGeom>
+          <a:noFill/>
+        </p:spPr>
+        <p:txBody>
+          <a:bodyPr wrap="square" rtlCol="0">
+            <a:spAutoFit/>
+          </a:bodyPr>
+          <a:lstStyle/>
+          <a:p>
+            <a:pPr algn="ctr"/>
+            <a:r>
+              <a:rPr lang="en-US" sz="2800" dirty="0">
+                <a:solidFill>
+                  <a:srgbClr val="FF0000"/>
+                </a:solidFill>
+              </a:rPr>
+              <a:t>+</a:t>
+            </a:r>
+            <a:endParaRPr lang="LID4096" sz="2800" dirty="0">
+              <a:solidFill>
+                <a:srgbClr val="FF0000"/>
+              </a:solidFill>
+            </a:endParaRPr>
+          </a:p>
+        </p:txBody>
+      </p:sp>
+      <p:sp>
+        <p:nvSpPr>
+          <p:cNvPr id="29" name="TextBox 28">
+            <a:extLst>
+              <a:ext uri="{FF2B5EF4-FFF2-40B4-BE49-F238E27FC236}">
+                <a16:creationId xmlns:a16="http://schemas.microsoft.com/office/drawing/2014/main" id="{BC668354-D877-4857-AF1A-8DA57FB6F587}"/>
+              </a:ext>
+            </a:extLst>
+          </p:cNvPr>
+          <p:cNvSpPr txBox="1"/>
+          <p:nvPr/>
+        </p:nvSpPr>
+        <p:spPr>
+          <a:xfrm>
+            <a:off x="7420779" y="2500737"/>
+            <a:ext cx="431495" cy="523220"/>
+          </a:xfrm>
+          <a:prstGeom prst="rect">
+            <a:avLst/>
+          </a:prstGeom>
+          <a:noFill/>
+        </p:spPr>
+        <p:txBody>
+          <a:bodyPr wrap="square" rtlCol="0">
+            <a:spAutoFit/>
+          </a:bodyPr>
+          <a:lstStyle/>
+          <a:p>
+            <a:pPr algn="ctr"/>
+            <a:r>
+              <a:rPr lang="en-US" sz="2800" dirty="0">
+                <a:solidFill>
+                  <a:srgbClr val="FF0000"/>
+                </a:solidFill>
+              </a:rPr>
+              <a:t>+</a:t>
+            </a:r>
+            <a:endParaRPr lang="LID4096" sz="2800" dirty="0">
+              <a:solidFill>
+                <a:srgbClr val="FF0000"/>
+              </a:solidFill>
+            </a:endParaRPr>
+          </a:p>
+        </p:txBody>
+      </p:sp>
+      <p:sp>
+        <p:nvSpPr>
+          <p:cNvPr id="30" name="TextBox 29">
+            <a:extLst>
+              <a:ext uri="{FF2B5EF4-FFF2-40B4-BE49-F238E27FC236}">
+                <a16:creationId xmlns:a16="http://schemas.microsoft.com/office/drawing/2014/main" id="{5619C82B-C3C9-42A5-8F74-21AFDFE1447D}"/>
+              </a:ext>
+            </a:extLst>
+          </p:cNvPr>
+          <p:cNvSpPr txBox="1"/>
+          <p:nvPr/>
+        </p:nvSpPr>
+        <p:spPr>
+          <a:xfrm>
+            <a:off x="8137713" y="2764257"/>
+            <a:ext cx="431495" cy="523220"/>
+          </a:xfrm>
+          <a:prstGeom prst="rect">
+            <a:avLst/>
+          </a:prstGeom>
+          <a:noFill/>
+        </p:spPr>
+        <p:txBody>
+          <a:bodyPr wrap="square" rtlCol="0">
+            <a:spAutoFit/>
+          </a:bodyPr>
+          <a:lstStyle/>
+          <a:p>
+            <a:pPr algn="ctr"/>
+            <a:r>
+              <a:rPr lang="en-US" sz="2800" dirty="0">
+                <a:solidFill>
+                  <a:srgbClr val="FF0000"/>
+                </a:solidFill>
+              </a:rPr>
+              <a:t>+</a:t>
+            </a:r>
+            <a:endParaRPr lang="LID4096" sz="2800" dirty="0">
+              <a:solidFill>
+                <a:srgbClr val="FF0000"/>
+              </a:solidFill>
+            </a:endParaRPr>
+          </a:p>
+        </p:txBody>
+      </p:sp>
+      <p:sp>
+        <p:nvSpPr>
+          <p:cNvPr id="32" name="TextBox 31">
+            <a:extLst>
+              <a:ext uri="{FF2B5EF4-FFF2-40B4-BE49-F238E27FC236}">
+                <a16:creationId xmlns:a16="http://schemas.microsoft.com/office/drawing/2014/main" id="{8B542B22-D4E9-4E09-9891-BC9EF9AE20EB}"/>
+              </a:ext>
+            </a:extLst>
+          </p:cNvPr>
+          <p:cNvSpPr txBox="1"/>
+          <p:nvPr/>
+        </p:nvSpPr>
+        <p:spPr>
+          <a:xfrm>
+            <a:off x="5203555" y="3684341"/>
+            <a:ext cx="495758" cy="523220"/>
+          </a:xfrm>
+          <a:prstGeom prst="rect">
+            <a:avLst/>
+          </a:prstGeom>
+          <a:noFill/>
+        </p:spPr>
+        <p:txBody>
+          <a:bodyPr wrap="square" rtlCol="0">
+            <a:spAutoFit/>
+          </a:bodyPr>
+          <a:lstStyle/>
+          <a:p>
+            <a:pPr algn="ctr"/>
+            <a:r>
+              <a:rPr lang="en-US" sz="2800" dirty="0">
+                <a:solidFill>
+                  <a:srgbClr val="00B0F0"/>
+                </a:solidFill>
+              </a:rPr>
+              <a:t>+</a:t>
+            </a:r>
+            <a:endParaRPr lang="LID4096" sz="2800" dirty="0">
+              <a:solidFill>
+                <a:srgbClr val="00B0F0"/>
+              </a:solidFill>
+            </a:endParaRPr>
+          </a:p>
+        </p:txBody>
+      </p:sp>
+      <p:sp>
+        <p:nvSpPr>
+          <p:cNvPr id="33" name="TextBox 32">
+            <a:extLst>
+              <a:ext uri="{FF2B5EF4-FFF2-40B4-BE49-F238E27FC236}">
+                <a16:creationId xmlns:a16="http://schemas.microsoft.com/office/drawing/2014/main" id="{8B58C12E-A573-4186-B0DE-F5E40769C72F}"/>
+              </a:ext>
+            </a:extLst>
+          </p:cNvPr>
+          <p:cNvSpPr txBox="1"/>
+          <p:nvPr/>
+        </p:nvSpPr>
+        <p:spPr>
+          <a:xfrm>
+            <a:off x="5488994" y="3279892"/>
+            <a:ext cx="495758" cy="523220"/>
+          </a:xfrm>
+          <a:prstGeom prst="rect">
+            <a:avLst/>
+          </a:prstGeom>
+          <a:noFill/>
+        </p:spPr>
+        <p:txBody>
+          <a:bodyPr wrap="square" rtlCol="0">
+            <a:spAutoFit/>
+          </a:bodyPr>
+          <a:lstStyle/>
+          <a:p>
+            <a:pPr algn="ctr"/>
+            <a:r>
+              <a:rPr lang="en-US" sz="2800" dirty="0">
+                <a:solidFill>
+                  <a:srgbClr val="00B0F0"/>
+                </a:solidFill>
+              </a:rPr>
+              <a:t>+</a:t>
+            </a:r>
+            <a:endParaRPr lang="LID4096" sz="2800" dirty="0">
+              <a:solidFill>
+                <a:srgbClr val="00B0F0"/>
+              </a:solidFill>
+            </a:endParaRPr>
+          </a:p>
+        </p:txBody>
+      </p:sp>
+      <p:sp>
+        <p:nvSpPr>
+          <p:cNvPr id="34" name="TextBox 33">
+            <a:extLst>
+              <a:ext uri="{FF2B5EF4-FFF2-40B4-BE49-F238E27FC236}">
+                <a16:creationId xmlns:a16="http://schemas.microsoft.com/office/drawing/2014/main" id="{ABEF16CA-E4BA-4380-94BF-4154634B14A4}"/>
+              </a:ext>
+            </a:extLst>
+          </p:cNvPr>
+          <p:cNvSpPr txBox="1"/>
+          <p:nvPr/>
+        </p:nvSpPr>
+        <p:spPr>
+          <a:xfrm>
+            <a:off x="5355037" y="2451329"/>
+            <a:ext cx="495758" cy="523220"/>
+          </a:xfrm>
+          <a:prstGeom prst="rect">
+            <a:avLst/>
+          </a:prstGeom>
+          <a:noFill/>
+        </p:spPr>
+        <p:txBody>
+          <a:bodyPr wrap="square" rtlCol="0">
+            <a:spAutoFit/>
+          </a:bodyPr>
+          <a:lstStyle/>
+          <a:p>
+            <a:pPr algn="ctr"/>
+            <a:r>
+              <a:rPr lang="en-US" sz="2800" dirty="0">
+                <a:solidFill>
+                  <a:srgbClr val="00B0F0"/>
+                </a:solidFill>
+              </a:rPr>
+              <a:t>+</a:t>
+            </a:r>
+            <a:endParaRPr lang="LID4096" sz="2800" dirty="0">
+              <a:solidFill>
+                <a:srgbClr val="00B0F0"/>
+              </a:solidFill>
+            </a:endParaRPr>
+          </a:p>
+        </p:txBody>
+      </p:sp>
+      <p:sp>
+        <p:nvSpPr>
+          <p:cNvPr id="35" name="TextBox 34">
+            <a:extLst>
+              <a:ext uri="{FF2B5EF4-FFF2-40B4-BE49-F238E27FC236}">
+                <a16:creationId xmlns:a16="http://schemas.microsoft.com/office/drawing/2014/main" id="{4DD4E4CA-AE0D-4EDD-BE25-4C7A680B9ADE}"/>
+              </a:ext>
+            </a:extLst>
+          </p:cNvPr>
+          <p:cNvSpPr txBox="1"/>
+          <p:nvPr/>
+        </p:nvSpPr>
+        <p:spPr>
+          <a:xfrm>
+            <a:off x="4808867" y="2979286"/>
+            <a:ext cx="495758" cy="523220"/>
+          </a:xfrm>
+          <a:prstGeom prst="rect">
+            <a:avLst/>
+          </a:prstGeom>
+          <a:noFill/>
+        </p:spPr>
+        <p:txBody>
+          <a:bodyPr wrap="square" rtlCol="0">
+            <a:spAutoFit/>
+          </a:bodyPr>
+          <a:lstStyle/>
+          <a:p>
+            <a:pPr algn="ctr"/>
+            <a:r>
+              <a:rPr lang="en-US" sz="2800" dirty="0">
+                <a:solidFill>
+                  <a:srgbClr val="00B0F0"/>
+                </a:solidFill>
+              </a:rPr>
+              <a:t>+</a:t>
+            </a:r>
+            <a:endParaRPr lang="LID4096" sz="2800" dirty="0">
+              <a:solidFill>
+                <a:srgbClr val="00B0F0"/>
+              </a:solidFill>
+            </a:endParaRPr>
+          </a:p>
+        </p:txBody>
+      </p:sp>
+    </p:spTree>
+    <p:extLst>
+      <p:ext uri="{BB962C8B-B14F-4D97-AF65-F5344CB8AC3E}">
+        <p14:creationId xmlns:p14="http://schemas.microsoft.com/office/powerpoint/2010/main" val="1946328037"/>
+      </p:ext>
+    </p:extLst>
+  </p:cSld>
+  <p:clrMapOvr>
+    <a:masterClrMapping/>
+  </p:clrMapOvr>
+  <p:timing>
+    <p:tnLst>
+      <p:par>
+        <p:cTn id="1" dur="indefinite" restart="never" nodeType="tmRoot">
+          <p:childTnLst>
+            <p:seq concurrent="1" nextAc="seek">
+              <p:cTn id="2" dur="indefinite" nodeType="mainSeq">
+                <p:childTnLst>
+                  <p:par>
+                    <p:cTn id="3" fill="hold">
+                      <p:stCondLst>
+                        <p:cond delay="indefinite"/>
+                      </p:stCondLst>
+                      <p:childTnLst>
+                        <p:par>
+                          <p:cTn id="4" fill="hold">
+                            <p:stCondLst>
+                              <p:cond delay="0"/>
+                            </p:stCondLst>
+                            <p:childTnLst>
+                              <p:par>
+                                <p:cTn id="5" presetID="1" presetClass="entr" presetSubtype="0" fill="hold" nodeType="clickEffect">
+                                  <p:stCondLst>
+                                    <p:cond delay="0"/>
+                                  </p:stCondLst>
+                                  <p:childTnLst>
+                                    <p:set>
+                                      <p:cBhvr>
+                                        <p:cTn id="6" dur="1" fill="hold">
+                                          <p:stCondLst>
+                                            <p:cond delay="0"/>
+                                          </p:stCondLst>
+                                        </p:cTn>
+                                        <p:tgtEl>
+                                          <p:spTgt spid="28">
+                                            <p:txEl>
+                                              <p:pRg st="0" end="0"/>
+                                            </p:txEl>
+                                          </p:spTgt>
+                                        </p:tgtEl>
+                                        <p:attrNameLst>
+                                          <p:attrName>style.visibility</p:attrName>
+                                        </p:attrNameLst>
+                                      </p:cBhvr>
+                                      <p:to>
+                                        <p:strVal val="visible"/>
+                                      </p:to>
+                                    </p:set>
+                                  </p:childTnLst>
+                                </p:cTn>
+                              </p:par>
+                            </p:childTnLst>
+                          </p:cTn>
+                        </p:par>
+                      </p:childTnLst>
+                    </p:cTn>
+                  </p:par>
+                  <p:par>
+                    <p:cTn id="7" fill="hold">
+                      <p:stCondLst>
+                        <p:cond delay="indefinite"/>
+                      </p:stCondLst>
+                      <p:childTnLst>
+                        <p:par>
+                          <p:cTn id="8" fill="hold">
+                            <p:stCondLst>
+                              <p:cond delay="0"/>
+                            </p:stCondLst>
+                            <p:childTnLst>
+                              <p:par>
+                                <p:cTn id="9" presetID="1" presetClass="entr" presetSubtype="0" fill="hold" nodeType="clickEffect">
+                                  <p:stCondLst>
+                                    <p:cond delay="0"/>
+                                  </p:stCondLst>
+                                  <p:childTnLst>
+                                    <p:set>
+                                      <p:cBhvr>
+                                        <p:cTn id="10" dur="1" fill="hold">
+                                          <p:stCondLst>
+                                            <p:cond delay="0"/>
+                                          </p:stCondLst>
+                                        </p:cTn>
+                                        <p:tgtEl>
+                                          <p:spTgt spid="28">
+                                            <p:txEl>
+                                              <p:pRg st="1" end="1"/>
+                                            </p:txEl>
+                                          </p:spTgt>
+                                        </p:tgtEl>
+                                        <p:attrNameLst>
+                                          <p:attrName>style.visibility</p:attrName>
+                                        </p:attrNameLst>
+                                      </p:cBhvr>
+                                      <p:to>
+                                        <p:strVal val="visible"/>
+                                      </p:to>
+                                    </p:set>
+                                  </p:childTnLst>
+                                </p:cTn>
+                              </p:par>
+                            </p:childTnLst>
+                          </p:cTn>
+                        </p:par>
+                      </p:childTnLst>
+                    </p:cTn>
+                  </p:par>
+                </p:childTnLst>
+              </p:cTn>
+              <p:prevCondLst>
+                <p:cond evt="onPrev" delay="0">
+                  <p:tgtEl>
+                    <p:sldTgt/>
+                  </p:tgtEl>
+                </p:cond>
+              </p:prevCondLst>
+              <p:nextCondLst>
+                <p:cond evt="onNext" delay="0">
+                  <p:tgtEl>
+                    <p:sldTgt/>
+                  </p:tgtEl>
+                </p:cond>
+              </p:nextCondLst>
+            </p:seq>
+          </p:childTnLst>
+        </p:cTn>
+      </p:par>
+    </p:tnLst>
+  </p:timing>
+</p:sld>
+</file>
+
+<file path=ppt/slides/slide11.xml><?xml version="1.0" encoding="utf-8"?>
+<p:sld xmlns:a="http://schemas.openxmlformats.org/drawingml/2006/main" xmlns:r="http://schemas.openxmlformats.org/officeDocument/2006/relationships" xmlns:p="http://schemas.openxmlformats.org/presentationml/2006/main">
+  <p:cSld>
+    <p:spTree>
+      <p:nvGrpSpPr>
+        <p:cNvPr id="1" name=""/>
+        <p:cNvGrpSpPr/>
+        <p:nvPr/>
+      </p:nvGrpSpPr>
+      <p:grpSpPr>
+        <a:xfrm>
+          <a:off x="0" y="0"/>
+          <a:ext cx="0" cy="0"/>
+          <a:chOff x="0" y="0"/>
+          <a:chExt cx="0" cy="0"/>
+        </a:xfrm>
+      </p:grpSpPr>
+      <p:cxnSp>
+        <p:nvCxnSpPr>
+          <p:cNvPr id="2" name="Straight Arrow Connector 1">
+            <a:extLst>
+              <a:ext uri="{FF2B5EF4-FFF2-40B4-BE49-F238E27FC236}">
+                <a16:creationId xmlns:a16="http://schemas.microsoft.com/office/drawing/2014/main" id="{C2CFE598-558F-4620-9DE2-8E69249E001A}"/>
+              </a:ext>
+            </a:extLst>
+          </p:cNvPr>
+          <p:cNvCxnSpPr/>
+          <p:nvPr/>
+        </p:nvCxnSpPr>
+        <p:spPr>
+          <a:xfrm>
+            <a:off x="2148291" y="4813108"/>
+            <a:ext cx="4990641" cy="0"/>
+          </a:xfrm>
+          <a:prstGeom prst="straightConnector1">
+            <a:avLst/>
+          </a:prstGeom>
+          <a:ln>
+            <a:tailEnd type="triangle"/>
+          </a:ln>
+        </p:spPr>
+        <p:style>
+          <a:lnRef idx="3">
+            <a:schemeClr val="dk1"/>
+          </a:lnRef>
+          <a:fillRef idx="0">
+            <a:schemeClr val="dk1"/>
+          </a:fillRef>
+          <a:effectRef idx="2">
+            <a:schemeClr val="dk1"/>
+          </a:effectRef>
+          <a:fontRef idx="minor">
+            <a:schemeClr val="tx1"/>
+          </a:fontRef>
+        </p:style>
+      </p:cxnSp>
+      <p:cxnSp>
+        <p:nvCxnSpPr>
+          <p:cNvPr id="3" name="Straight Arrow Connector 2">
+            <a:extLst>
+              <a:ext uri="{FF2B5EF4-FFF2-40B4-BE49-F238E27FC236}">
+                <a16:creationId xmlns:a16="http://schemas.microsoft.com/office/drawing/2014/main" id="{7A300484-D34D-4F69-945B-A419A3E766C2}"/>
+              </a:ext>
+            </a:extLst>
+          </p:cNvPr>
+          <p:cNvCxnSpPr>
+            <a:cxnSpLocks/>
+          </p:cNvCxnSpPr>
+          <p:nvPr/>
+        </p:nvCxnSpPr>
+        <p:spPr>
+          <a:xfrm flipV="1">
+            <a:off x="2148291" y="2765719"/>
+            <a:ext cx="0" cy="2027231"/>
+          </a:xfrm>
+          <a:prstGeom prst="straightConnector1">
+            <a:avLst/>
+          </a:prstGeom>
+          <a:ln>
+            <a:tailEnd type="triangle"/>
+          </a:ln>
+        </p:spPr>
+        <p:style>
+          <a:lnRef idx="3">
+            <a:schemeClr val="dk1"/>
+          </a:lnRef>
+          <a:fillRef idx="0">
+            <a:schemeClr val="dk1"/>
+          </a:fillRef>
+          <a:effectRef idx="2">
+            <a:schemeClr val="dk1"/>
+          </a:effectRef>
+          <a:fontRef idx="minor">
+            <a:schemeClr val="tx1"/>
+          </a:fontRef>
+        </p:style>
+      </p:cxnSp>
+      <p:cxnSp>
+        <p:nvCxnSpPr>
+          <p:cNvPr id="4" name="Straight Connector 3">
+            <a:extLst>
+              <a:ext uri="{FF2B5EF4-FFF2-40B4-BE49-F238E27FC236}">
+                <a16:creationId xmlns:a16="http://schemas.microsoft.com/office/drawing/2014/main" id="{E5BFC3C6-DBB7-41F8-83A7-3A005BED2899}"/>
+              </a:ext>
+            </a:extLst>
+          </p:cNvPr>
+          <p:cNvCxnSpPr>
+            <a:cxnSpLocks/>
+          </p:cNvCxnSpPr>
+          <p:nvPr/>
+        </p:nvCxnSpPr>
+        <p:spPr>
+          <a:xfrm flipV="1">
+            <a:off x="5096142" y="1366091"/>
+            <a:ext cx="1042300" cy="3833871"/>
+          </a:xfrm>
+          <a:prstGeom prst="line">
+            <a:avLst/>
+          </a:prstGeom>
+        </p:spPr>
+        <p:style>
+          <a:lnRef idx="2">
+            <a:schemeClr val="accent1"/>
+          </a:lnRef>
+          <a:fillRef idx="0">
+            <a:schemeClr val="accent1"/>
+          </a:fillRef>
+          <a:effectRef idx="1">
+            <a:schemeClr val="accent1"/>
+          </a:effectRef>
+          <a:fontRef idx="minor">
+            <a:schemeClr val="tx1"/>
+          </a:fontRef>
+        </p:style>
+      </p:cxnSp>
+      <p:sp>
+        <p:nvSpPr>
+          <p:cNvPr id="5" name="TextBox 4">
+            <a:extLst>
+              <a:ext uri="{FF2B5EF4-FFF2-40B4-BE49-F238E27FC236}">
+                <a16:creationId xmlns:a16="http://schemas.microsoft.com/office/drawing/2014/main" id="{D116813D-9A63-4271-AD76-22F0C4330CDF}"/>
+              </a:ext>
+            </a:extLst>
+          </p:cNvPr>
+          <p:cNvSpPr txBox="1"/>
+          <p:nvPr/>
+        </p:nvSpPr>
+        <p:spPr>
+          <a:xfrm>
+            <a:off x="3034987" y="4084349"/>
+            <a:ext cx="495758" cy="523220"/>
+          </a:xfrm>
+          <a:prstGeom prst="rect">
+            <a:avLst/>
+          </a:prstGeom>
+          <a:noFill/>
+        </p:spPr>
+        <p:txBody>
+          <a:bodyPr wrap="square" rtlCol="0">
+            <a:spAutoFit/>
+          </a:bodyPr>
+          <a:lstStyle/>
+          <a:p>
+            <a:pPr algn="ctr"/>
+            <a:r>
+              <a:rPr lang="en-US" sz="2800" dirty="0">
+                <a:solidFill>
+                  <a:srgbClr val="00B0F0"/>
+                </a:solidFill>
+              </a:rPr>
+              <a:t>+</a:t>
+            </a:r>
+            <a:endParaRPr lang="LID4096" sz="2800" dirty="0">
+              <a:solidFill>
+                <a:srgbClr val="00B0F0"/>
+              </a:solidFill>
+            </a:endParaRPr>
+          </a:p>
+        </p:txBody>
+      </p:sp>
+      <p:sp>
+        <p:nvSpPr>
+          <p:cNvPr id="6" name="TextBox 5">
+            <a:extLst>
+              <a:ext uri="{FF2B5EF4-FFF2-40B4-BE49-F238E27FC236}">
+                <a16:creationId xmlns:a16="http://schemas.microsoft.com/office/drawing/2014/main" id="{8AEFEB4D-B8F2-4AA2-A89D-A2418796D945}"/>
+              </a:ext>
+            </a:extLst>
+          </p:cNvPr>
+          <p:cNvSpPr txBox="1"/>
+          <p:nvPr/>
+        </p:nvSpPr>
+        <p:spPr>
+          <a:xfrm>
+            <a:off x="4966771" y="2999200"/>
+            <a:ext cx="431495" cy="523220"/>
+          </a:xfrm>
+          <a:prstGeom prst="rect">
+            <a:avLst/>
+          </a:prstGeom>
+          <a:noFill/>
+        </p:spPr>
+        <p:txBody>
+          <a:bodyPr wrap="square" rtlCol="0">
+            <a:spAutoFit/>
+          </a:bodyPr>
+          <a:lstStyle/>
+          <a:p>
+            <a:pPr algn="ctr"/>
+            <a:r>
+              <a:rPr lang="en-US" sz="2800" dirty="0">
+                <a:solidFill>
+                  <a:srgbClr val="FF0000"/>
+                </a:solidFill>
+              </a:rPr>
+              <a:t>+</a:t>
+            </a:r>
+            <a:endParaRPr lang="LID4096" sz="2800" dirty="0">
+              <a:solidFill>
+                <a:srgbClr val="FF0000"/>
+              </a:solidFill>
+            </a:endParaRPr>
+          </a:p>
+        </p:txBody>
+      </p:sp>
+      <mc:AlternateContent xmlns:mc="http://schemas.openxmlformats.org/markup-compatibility/2006">
+        <mc:Choice xmlns:a14="http://schemas.microsoft.com/office/drawing/2010/main" Requires="a14">
+          <p:sp>
+            <p:nvSpPr>
+              <p:cNvPr id="7" name="TextBox 6">
+                <a:extLst>
+                  <a:ext uri="{FF2B5EF4-FFF2-40B4-BE49-F238E27FC236}">
+                    <a16:creationId xmlns:a16="http://schemas.microsoft.com/office/drawing/2014/main" id="{D3D28539-2BE0-4D80-9854-90017E0376A6}"/>
+                  </a:ext>
+                </a:extLst>
+              </p:cNvPr>
+              <p:cNvSpPr txBox="1"/>
+              <p:nvPr/>
+            </p:nvSpPr>
+            <p:spPr>
+              <a:xfrm>
+                <a:off x="7138932" y="4813108"/>
+                <a:ext cx="305148" cy="307777"/>
+              </a:xfrm>
+              <a:prstGeom prst="rect">
+                <a:avLst/>
+              </a:prstGeom>
+              <a:noFill/>
+            </p:spPr>
+            <p:txBody>
+              <a:bodyPr wrap="none" lIns="0" tIns="0" rIns="0" bIns="0" rtlCol="0">
+                <a:spAutoFit/>
+              </a:bodyPr>
+              <a:lstStyle/>
+              <a:p>
+                <a:pPr/>
+                <a14:m>
+                  <m:oMathPara xmlns:m="http://schemas.openxmlformats.org/officeDocument/2006/math">
+                    <m:oMathParaPr>
+                      <m:jc m:val="centerGroup"/>
+                    </m:oMathParaPr>
+                    <m:oMath xmlns:m="http://schemas.openxmlformats.org/officeDocument/2006/math">
+                      <m:sSub>
+                        <m:sSubPr>
+                          <m:ctrlPr>
+                            <a:rPr lang="en-US" sz="2000" b="0" i="1" smtClean="0">
+                              <a:latin typeface="Cambria Math" panose="02040503050406030204" pitchFamily="18" charset="0"/>
+                            </a:rPr>
+                          </m:ctrlPr>
+                        </m:sSubPr>
+                        <m:e>
+                          <m:r>
+                            <a:rPr lang="en-US" sz="2000" b="0" i="1" smtClean="0">
+                              <a:latin typeface="Cambria Math" panose="02040503050406030204" pitchFamily="18" charset="0"/>
+                            </a:rPr>
+                            <m:t>𝑥</m:t>
+                          </m:r>
+                        </m:e>
+                        <m:sub>
+                          <m:r>
+                            <a:rPr lang="en-US" sz="2000" b="0" i="1" smtClean="0">
+                              <a:latin typeface="Cambria Math" panose="02040503050406030204" pitchFamily="18" charset="0"/>
+                            </a:rPr>
+                            <m:t>1</m:t>
+                          </m:r>
+                        </m:sub>
+                      </m:sSub>
+                    </m:oMath>
+                  </m:oMathPara>
+                </a14:m>
+                <a:endParaRPr lang="LID4096" sz="2000" dirty="0"/>
+              </a:p>
+            </p:txBody>
+          </p:sp>
+        </mc:Choice>
+        <mc:Fallback>
+          <p:sp>
+            <p:nvSpPr>
+              <p:cNvPr id="7" name="TextBox 6">
+                <a:extLst>
+                  <a:ext uri="{FF2B5EF4-FFF2-40B4-BE49-F238E27FC236}">
+                    <a16:creationId xmlns:a16="http://schemas.microsoft.com/office/drawing/2014/main" id="{D3D28539-2BE0-4D80-9854-90017E0376A6}"/>
+                  </a:ext>
+                </a:extLst>
+              </p:cNvPr>
+              <p:cNvSpPr txBox="1">
+                <a:spLocks noRot="1" noChangeAspect="1" noMove="1" noResize="1" noEditPoints="1" noAdjustHandles="1" noChangeArrowheads="1" noChangeShapeType="1" noTextEdit="1"/>
+              </p:cNvSpPr>
+              <p:nvPr/>
+            </p:nvSpPr>
+            <p:spPr>
+              <a:xfrm>
+                <a:off x="7138932" y="4813108"/>
+                <a:ext cx="305148" cy="307777"/>
+              </a:xfrm>
+              <a:prstGeom prst="rect">
+                <a:avLst/>
+              </a:prstGeom>
+              <a:blipFill>
+                <a:blip r:embed="rId2"/>
+                <a:stretch>
+                  <a:fillRect l="-10000" r="-8000" b="-16000"/>
+                </a:stretch>
+              </a:blipFill>
+            </p:spPr>
+            <p:txBody>
+              <a:bodyPr/>
+              <a:lstStyle/>
+              <a:p>
+                <a:r>
+                  <a:rPr lang="LID4096">
+                    <a:noFill/>
+                  </a:rPr>
+                  <a:t> </a:t>
+                </a:r>
+              </a:p>
+            </p:txBody>
+          </p:sp>
+        </mc:Fallback>
+      </mc:AlternateContent>
+      <mc:AlternateContent xmlns:mc="http://schemas.openxmlformats.org/markup-compatibility/2006">
+        <mc:Choice xmlns:a14="http://schemas.microsoft.com/office/drawing/2010/main" Requires="a14">
+          <p:sp>
+            <p:nvSpPr>
+              <p:cNvPr id="8" name="TextBox 7">
+                <a:extLst>
+                  <a:ext uri="{FF2B5EF4-FFF2-40B4-BE49-F238E27FC236}">
+                    <a16:creationId xmlns:a16="http://schemas.microsoft.com/office/drawing/2014/main" id="{AA2FAB65-C7C8-40B9-8A60-330892C379A5}"/>
+                  </a:ext>
+                </a:extLst>
+              </p:cNvPr>
+              <p:cNvSpPr txBox="1"/>
+              <p:nvPr/>
+            </p:nvSpPr>
+            <p:spPr>
+              <a:xfrm>
+                <a:off x="1839819" y="2567430"/>
+                <a:ext cx="311111" cy="307777"/>
+              </a:xfrm>
+              <a:prstGeom prst="rect">
+                <a:avLst/>
+              </a:prstGeom>
+              <a:noFill/>
+            </p:spPr>
+            <p:txBody>
+              <a:bodyPr wrap="none" lIns="0" tIns="0" rIns="0" bIns="0" rtlCol="0">
+                <a:spAutoFit/>
+              </a:bodyPr>
+              <a:lstStyle/>
+              <a:p>
+                <a:pPr/>
+                <a14:m>
+                  <m:oMathPara xmlns:m="http://schemas.openxmlformats.org/officeDocument/2006/math">
+                    <m:oMathParaPr>
+                      <m:jc m:val="centerGroup"/>
+                    </m:oMathParaPr>
+                    <m:oMath xmlns:m="http://schemas.openxmlformats.org/officeDocument/2006/math">
+                      <m:sSub>
+                        <m:sSubPr>
+                          <m:ctrlPr>
+                            <a:rPr lang="en-US" sz="2000" b="0" i="1" smtClean="0">
+                              <a:latin typeface="Cambria Math" panose="02040503050406030204" pitchFamily="18" charset="0"/>
+                            </a:rPr>
+                          </m:ctrlPr>
+                        </m:sSubPr>
+                        <m:e>
+                          <m:r>
+                            <a:rPr lang="en-US" sz="2000" b="0" i="1" smtClean="0">
+                              <a:latin typeface="Cambria Math" panose="02040503050406030204" pitchFamily="18" charset="0"/>
+                            </a:rPr>
+                            <m:t>𝑥</m:t>
+                          </m:r>
+                        </m:e>
+                        <m:sub>
+                          <m:r>
+                            <a:rPr lang="en-US" sz="2000" b="0" i="1" smtClean="0">
+                              <a:latin typeface="Cambria Math" panose="02040503050406030204" pitchFamily="18" charset="0"/>
+                            </a:rPr>
+                            <m:t>2</m:t>
+                          </m:r>
+                        </m:sub>
+                      </m:sSub>
+                    </m:oMath>
+                  </m:oMathPara>
+                </a14:m>
+                <a:endParaRPr lang="LID4096" sz="2000" dirty="0"/>
+              </a:p>
+            </p:txBody>
+          </p:sp>
+        </mc:Choice>
+        <mc:Fallback>
+          <p:sp>
+            <p:nvSpPr>
+              <p:cNvPr id="8" name="TextBox 7">
+                <a:extLst>
+                  <a:ext uri="{FF2B5EF4-FFF2-40B4-BE49-F238E27FC236}">
+                    <a16:creationId xmlns:a16="http://schemas.microsoft.com/office/drawing/2014/main" id="{AA2FAB65-C7C8-40B9-8A60-330892C379A5}"/>
+                  </a:ext>
+                </a:extLst>
+              </p:cNvPr>
+              <p:cNvSpPr txBox="1">
+                <a:spLocks noRot="1" noChangeAspect="1" noMove="1" noResize="1" noEditPoints="1" noAdjustHandles="1" noChangeArrowheads="1" noChangeShapeType="1" noTextEdit="1"/>
+              </p:cNvSpPr>
+              <p:nvPr/>
+            </p:nvSpPr>
+            <p:spPr>
+              <a:xfrm>
+                <a:off x="1839819" y="2567430"/>
+                <a:ext cx="311111" cy="307777"/>
+              </a:xfrm>
+              <a:prstGeom prst="rect">
+                <a:avLst/>
+              </a:prstGeom>
+              <a:blipFill>
+                <a:blip r:embed="rId3"/>
+                <a:stretch>
+                  <a:fillRect l="-11765" r="-7843" b="-15686"/>
+                </a:stretch>
+              </a:blipFill>
+            </p:spPr>
+            <p:txBody>
+              <a:bodyPr/>
+              <a:lstStyle/>
+              <a:p>
+                <a:r>
+                  <a:rPr lang="LID4096">
+                    <a:noFill/>
+                  </a:rPr>
+                  <a:t> </a:t>
+                </a:r>
+              </a:p>
+            </p:txBody>
+          </p:sp>
+        </mc:Fallback>
+      </mc:AlternateContent>
+      <p:sp>
+        <p:nvSpPr>
+          <p:cNvPr id="9" name="TextBox 8">
+            <a:extLst>
+              <a:ext uri="{FF2B5EF4-FFF2-40B4-BE49-F238E27FC236}">
+                <a16:creationId xmlns:a16="http://schemas.microsoft.com/office/drawing/2014/main" id="{78EB92CC-F921-4B3E-A49D-C3FC7EFD035B}"/>
+              </a:ext>
+            </a:extLst>
+          </p:cNvPr>
+          <p:cNvSpPr txBox="1"/>
+          <p:nvPr/>
+        </p:nvSpPr>
+        <p:spPr>
+          <a:xfrm>
+            <a:off x="5455945" y="2458639"/>
+            <a:ext cx="431495" cy="523220"/>
+          </a:xfrm>
+          <a:prstGeom prst="rect">
+            <a:avLst/>
+          </a:prstGeom>
+          <a:noFill/>
+        </p:spPr>
+        <p:txBody>
+          <a:bodyPr wrap="square" rtlCol="0">
+            <a:spAutoFit/>
+          </a:bodyPr>
+          <a:lstStyle/>
+          <a:p>
+            <a:pPr algn="ctr"/>
+            <a:r>
+              <a:rPr lang="en-US" sz="2800" dirty="0">
+                <a:solidFill>
+                  <a:srgbClr val="FF0000"/>
+                </a:solidFill>
+              </a:rPr>
+              <a:t>+</a:t>
+            </a:r>
+            <a:endParaRPr lang="LID4096" sz="2800" dirty="0">
+              <a:solidFill>
+                <a:srgbClr val="FF0000"/>
+              </a:solidFill>
+            </a:endParaRPr>
+          </a:p>
+        </p:txBody>
+      </p:sp>
+      <p:sp>
+        <p:nvSpPr>
+          <p:cNvPr id="10" name="TextBox 9">
+            <a:extLst>
+              <a:ext uri="{FF2B5EF4-FFF2-40B4-BE49-F238E27FC236}">
+                <a16:creationId xmlns:a16="http://schemas.microsoft.com/office/drawing/2014/main" id="{16025F60-70F6-4724-BA78-81A2D6DF75A4}"/>
+              </a:ext>
+            </a:extLst>
+          </p:cNvPr>
+          <p:cNvSpPr txBox="1"/>
+          <p:nvPr/>
+        </p:nvSpPr>
+        <p:spPr>
+          <a:xfrm>
+            <a:off x="6224372" y="2542980"/>
+            <a:ext cx="431495" cy="523220"/>
+          </a:xfrm>
+          <a:prstGeom prst="rect">
+            <a:avLst/>
+          </a:prstGeom>
+          <a:noFill/>
+        </p:spPr>
+        <p:txBody>
+          <a:bodyPr wrap="square" rtlCol="0">
+            <a:spAutoFit/>
+          </a:bodyPr>
+          <a:lstStyle/>
+          <a:p>
+            <a:pPr algn="ctr"/>
+            <a:r>
+              <a:rPr lang="en-US" sz="2800" dirty="0">
+                <a:solidFill>
+                  <a:srgbClr val="FF0000"/>
+                </a:solidFill>
+              </a:rPr>
+              <a:t>+</a:t>
+            </a:r>
+            <a:endParaRPr lang="LID4096" sz="2800" dirty="0">
+              <a:solidFill>
+                <a:srgbClr val="FF0000"/>
+              </a:solidFill>
+            </a:endParaRPr>
+          </a:p>
+        </p:txBody>
+      </p:sp>
+      <p:sp>
+        <p:nvSpPr>
+          <p:cNvPr id="11" name="TextBox 10">
+            <a:extLst>
+              <a:ext uri="{FF2B5EF4-FFF2-40B4-BE49-F238E27FC236}">
+                <a16:creationId xmlns:a16="http://schemas.microsoft.com/office/drawing/2014/main" id="{C8B95FEF-92F3-42D6-80F5-29777814EBE9}"/>
+              </a:ext>
+            </a:extLst>
+          </p:cNvPr>
+          <p:cNvSpPr txBox="1"/>
+          <p:nvPr/>
+        </p:nvSpPr>
+        <p:spPr>
+          <a:xfrm>
+            <a:off x="5512027" y="3551476"/>
+            <a:ext cx="431495" cy="523220"/>
+          </a:xfrm>
+          <a:prstGeom prst="rect">
+            <a:avLst/>
+          </a:prstGeom>
+          <a:noFill/>
+        </p:spPr>
+        <p:txBody>
+          <a:bodyPr wrap="square" rtlCol="0">
+            <a:spAutoFit/>
+          </a:bodyPr>
+          <a:lstStyle/>
+          <a:p>
+            <a:pPr algn="ctr"/>
+            <a:r>
+              <a:rPr lang="en-US" sz="2800" dirty="0">
+                <a:solidFill>
+                  <a:srgbClr val="FF0000"/>
+                </a:solidFill>
+              </a:rPr>
+              <a:t>+</a:t>
+            </a:r>
+            <a:endParaRPr lang="LID4096" sz="2800" dirty="0">
+              <a:solidFill>
+                <a:srgbClr val="FF0000"/>
+              </a:solidFill>
+            </a:endParaRPr>
+          </a:p>
+        </p:txBody>
+      </p:sp>
+      <p:sp>
+        <p:nvSpPr>
+          <p:cNvPr id="12" name="TextBox 11">
+            <a:extLst>
+              <a:ext uri="{FF2B5EF4-FFF2-40B4-BE49-F238E27FC236}">
+                <a16:creationId xmlns:a16="http://schemas.microsoft.com/office/drawing/2014/main" id="{E71B3DDD-9131-40B1-9EC2-4C77BAACC312}"/>
+              </a:ext>
+            </a:extLst>
+          </p:cNvPr>
+          <p:cNvSpPr txBox="1"/>
+          <p:nvPr/>
+        </p:nvSpPr>
+        <p:spPr>
+          <a:xfrm>
+            <a:off x="5713165" y="2963445"/>
+            <a:ext cx="431495" cy="523220"/>
+          </a:xfrm>
+          <a:prstGeom prst="rect">
+            <a:avLst/>
+          </a:prstGeom>
+          <a:noFill/>
+        </p:spPr>
+        <p:txBody>
+          <a:bodyPr wrap="square" rtlCol="0">
+            <a:spAutoFit/>
+          </a:bodyPr>
+          <a:lstStyle/>
+          <a:p>
+            <a:pPr algn="ctr"/>
+            <a:r>
+              <a:rPr lang="en-US" sz="2800" dirty="0">
+                <a:solidFill>
+                  <a:srgbClr val="FF0000"/>
+                </a:solidFill>
+              </a:rPr>
+              <a:t>+</a:t>
+            </a:r>
+            <a:endParaRPr lang="LID4096" sz="2800" dirty="0">
+              <a:solidFill>
+                <a:srgbClr val="FF0000"/>
+              </a:solidFill>
+            </a:endParaRPr>
+          </a:p>
+        </p:txBody>
+      </p:sp>
+      <p:sp>
+        <p:nvSpPr>
+          <p:cNvPr id="13" name="TextBox 12">
+            <a:extLst>
+              <a:ext uri="{FF2B5EF4-FFF2-40B4-BE49-F238E27FC236}">
+                <a16:creationId xmlns:a16="http://schemas.microsoft.com/office/drawing/2014/main" id="{9BB8AD07-0DC2-4B11-A05E-7D74F2678E8B}"/>
+              </a:ext>
+            </a:extLst>
+          </p:cNvPr>
+          <p:cNvSpPr txBox="1"/>
+          <p:nvPr/>
+        </p:nvSpPr>
+        <p:spPr>
+          <a:xfrm>
+            <a:off x="6430099" y="3226965"/>
+            <a:ext cx="431495" cy="523220"/>
+          </a:xfrm>
+          <a:prstGeom prst="rect">
+            <a:avLst/>
+          </a:prstGeom>
+          <a:noFill/>
+        </p:spPr>
+        <p:txBody>
+          <a:bodyPr wrap="square" rtlCol="0">
+            <a:spAutoFit/>
+          </a:bodyPr>
+          <a:lstStyle/>
+          <a:p>
+            <a:pPr algn="ctr"/>
+            <a:r>
+              <a:rPr lang="en-US" sz="2800" dirty="0">
+                <a:solidFill>
+                  <a:srgbClr val="FF0000"/>
+                </a:solidFill>
+              </a:rPr>
+              <a:t>+</a:t>
+            </a:r>
+            <a:endParaRPr lang="LID4096" sz="2800" dirty="0">
+              <a:solidFill>
+                <a:srgbClr val="FF0000"/>
+              </a:solidFill>
+            </a:endParaRPr>
+          </a:p>
+        </p:txBody>
+      </p:sp>
+      <p:sp>
+        <p:nvSpPr>
+          <p:cNvPr id="14" name="TextBox 13">
+            <a:extLst>
+              <a:ext uri="{FF2B5EF4-FFF2-40B4-BE49-F238E27FC236}">
+                <a16:creationId xmlns:a16="http://schemas.microsoft.com/office/drawing/2014/main" id="{F1A6B2DA-A3FA-4CA2-9226-2B641CA445FE}"/>
+              </a:ext>
+            </a:extLst>
+          </p:cNvPr>
+          <p:cNvSpPr txBox="1"/>
+          <p:nvPr/>
+        </p:nvSpPr>
+        <p:spPr>
+          <a:xfrm>
+            <a:off x="3495941" y="4147049"/>
+            <a:ext cx="495758" cy="523220"/>
+          </a:xfrm>
+          <a:prstGeom prst="rect">
+            <a:avLst/>
+          </a:prstGeom>
+          <a:noFill/>
+        </p:spPr>
+        <p:txBody>
+          <a:bodyPr wrap="square" rtlCol="0">
+            <a:spAutoFit/>
+          </a:bodyPr>
+          <a:lstStyle/>
+          <a:p>
+            <a:pPr algn="ctr"/>
+            <a:r>
+              <a:rPr lang="en-US" sz="2800" dirty="0">
+                <a:solidFill>
+                  <a:srgbClr val="00B0F0"/>
+                </a:solidFill>
+              </a:rPr>
+              <a:t>+</a:t>
+            </a:r>
+            <a:endParaRPr lang="LID4096" sz="2800" dirty="0">
+              <a:solidFill>
+                <a:srgbClr val="00B0F0"/>
+              </a:solidFill>
+            </a:endParaRPr>
+          </a:p>
+        </p:txBody>
+      </p:sp>
+      <p:sp>
+        <p:nvSpPr>
+          <p:cNvPr id="15" name="TextBox 14">
+            <a:extLst>
+              <a:ext uri="{FF2B5EF4-FFF2-40B4-BE49-F238E27FC236}">
+                <a16:creationId xmlns:a16="http://schemas.microsoft.com/office/drawing/2014/main" id="{AE106441-428F-41A8-A48B-6FB8CCBC3517}"/>
+              </a:ext>
+            </a:extLst>
+          </p:cNvPr>
+          <p:cNvSpPr txBox="1"/>
+          <p:nvPr/>
+        </p:nvSpPr>
+        <p:spPr>
+          <a:xfrm>
+            <a:off x="3781380" y="3742600"/>
+            <a:ext cx="495758" cy="523220"/>
+          </a:xfrm>
+          <a:prstGeom prst="rect">
+            <a:avLst/>
+          </a:prstGeom>
+          <a:noFill/>
+        </p:spPr>
+        <p:txBody>
+          <a:bodyPr wrap="square" rtlCol="0">
+            <a:spAutoFit/>
+          </a:bodyPr>
+          <a:lstStyle/>
+          <a:p>
+            <a:pPr algn="ctr"/>
+            <a:r>
+              <a:rPr lang="en-US" sz="2800" dirty="0">
+                <a:solidFill>
+                  <a:srgbClr val="00B0F0"/>
+                </a:solidFill>
+              </a:rPr>
+              <a:t>+</a:t>
+            </a:r>
+            <a:endParaRPr lang="LID4096" sz="2800" dirty="0">
+              <a:solidFill>
+                <a:srgbClr val="00B0F0"/>
+              </a:solidFill>
+            </a:endParaRPr>
+          </a:p>
+        </p:txBody>
+      </p:sp>
+      <p:sp>
+        <p:nvSpPr>
+          <p:cNvPr id="16" name="TextBox 15">
+            <a:extLst>
+              <a:ext uri="{FF2B5EF4-FFF2-40B4-BE49-F238E27FC236}">
+                <a16:creationId xmlns:a16="http://schemas.microsoft.com/office/drawing/2014/main" id="{1C4F6821-2EE8-4D1E-8FFA-97F77B19F5A3}"/>
+              </a:ext>
+            </a:extLst>
+          </p:cNvPr>
+          <p:cNvSpPr txBox="1"/>
+          <p:nvPr/>
+        </p:nvSpPr>
+        <p:spPr>
+          <a:xfrm>
+            <a:off x="3647423" y="2914037"/>
+            <a:ext cx="495758" cy="523220"/>
+          </a:xfrm>
+          <a:prstGeom prst="rect">
+            <a:avLst/>
+          </a:prstGeom>
+          <a:noFill/>
+        </p:spPr>
+        <p:txBody>
+          <a:bodyPr wrap="square" rtlCol="0">
+            <a:spAutoFit/>
+          </a:bodyPr>
+          <a:lstStyle/>
+          <a:p>
+            <a:pPr algn="ctr"/>
+            <a:r>
+              <a:rPr lang="en-US" sz="2800" dirty="0">
+                <a:solidFill>
+                  <a:srgbClr val="00B0F0"/>
+                </a:solidFill>
+              </a:rPr>
+              <a:t>+</a:t>
+            </a:r>
+            <a:endParaRPr lang="LID4096" sz="2800" dirty="0">
+              <a:solidFill>
+                <a:srgbClr val="00B0F0"/>
+              </a:solidFill>
+            </a:endParaRPr>
+          </a:p>
+        </p:txBody>
+      </p:sp>
+      <p:sp>
+        <p:nvSpPr>
+          <p:cNvPr id="17" name="TextBox 16">
+            <a:extLst>
+              <a:ext uri="{FF2B5EF4-FFF2-40B4-BE49-F238E27FC236}">
+                <a16:creationId xmlns:a16="http://schemas.microsoft.com/office/drawing/2014/main" id="{499780D0-FDC6-4A7E-B4B8-3F60623E87FC}"/>
+              </a:ext>
+            </a:extLst>
+          </p:cNvPr>
+          <p:cNvSpPr txBox="1"/>
+          <p:nvPr/>
+        </p:nvSpPr>
+        <p:spPr>
+          <a:xfrm>
+            <a:off x="3101253" y="3441994"/>
+            <a:ext cx="495758" cy="523220"/>
+          </a:xfrm>
+          <a:prstGeom prst="rect">
+            <a:avLst/>
+          </a:prstGeom>
+          <a:noFill/>
+        </p:spPr>
+        <p:txBody>
+          <a:bodyPr wrap="square" rtlCol="0">
+            <a:spAutoFit/>
+          </a:bodyPr>
+          <a:lstStyle/>
+          <a:p>
+            <a:pPr algn="ctr"/>
+            <a:r>
+              <a:rPr lang="en-US" sz="2800" dirty="0">
+                <a:solidFill>
+                  <a:srgbClr val="00B0F0"/>
+                </a:solidFill>
+              </a:rPr>
+              <a:t>+</a:t>
+            </a:r>
+            <a:endParaRPr lang="LID4096" sz="2800" dirty="0">
+              <a:solidFill>
+                <a:srgbClr val="00B0F0"/>
+              </a:solidFill>
+            </a:endParaRPr>
+          </a:p>
+        </p:txBody>
+      </p:sp>
+      <p:sp>
+        <p:nvSpPr>
+          <p:cNvPr id="18" name="TextBox 17">
+            <a:extLst>
+              <a:ext uri="{FF2B5EF4-FFF2-40B4-BE49-F238E27FC236}">
+                <a16:creationId xmlns:a16="http://schemas.microsoft.com/office/drawing/2014/main" id="{706213BF-DF7B-4021-9FEF-81122BBF93FB}"/>
+              </a:ext>
+            </a:extLst>
+          </p:cNvPr>
+          <p:cNvSpPr txBox="1"/>
+          <p:nvPr/>
+        </p:nvSpPr>
+        <p:spPr>
+          <a:xfrm>
+            <a:off x="11473988" y="3623829"/>
+            <a:ext cx="431495" cy="523220"/>
+          </a:xfrm>
+          <a:prstGeom prst="rect">
+            <a:avLst/>
+          </a:prstGeom>
+          <a:noFill/>
+        </p:spPr>
+        <p:txBody>
+          <a:bodyPr wrap="square" rtlCol="0">
+            <a:spAutoFit/>
+          </a:bodyPr>
+          <a:lstStyle/>
+          <a:p>
+            <a:pPr algn="ctr"/>
+            <a:r>
+              <a:rPr lang="en-US" sz="2800" dirty="0">
+                <a:solidFill>
+                  <a:srgbClr val="FF0000"/>
+                </a:solidFill>
+              </a:rPr>
+              <a:t>+</a:t>
+            </a:r>
+            <a:endParaRPr lang="LID4096" sz="2800" dirty="0">
+              <a:solidFill>
+                <a:srgbClr val="FF0000"/>
+              </a:solidFill>
+            </a:endParaRPr>
+          </a:p>
+        </p:txBody>
+      </p:sp>
+    </p:spTree>
+    <p:extLst>
+      <p:ext uri="{BB962C8B-B14F-4D97-AF65-F5344CB8AC3E}">
+        <p14:creationId xmlns:p14="http://schemas.microsoft.com/office/powerpoint/2010/main" val="4269593806"/>
+      </p:ext>
+    </p:extLst>
+  </p:cSld>
+  <p:clrMapOvr>
+    <a:masterClrMapping/>
+  </p:clrMapOvr>
+</p:sld>
+</file>
+
+<file path=ppt/slides/slide12.xml><?xml version="1.0" encoding="utf-8"?>
+<p:sld xmlns:a="http://schemas.openxmlformats.org/drawingml/2006/main" xmlns:r="http://schemas.openxmlformats.org/officeDocument/2006/relationships" xmlns:p="http://schemas.openxmlformats.org/presentationml/2006/main">
+  <p:cSld>
+    <p:spTree>
+      <p:nvGrpSpPr>
+        <p:cNvPr id="1" name=""/>
+        <p:cNvGrpSpPr/>
+        <p:nvPr/>
+      </p:nvGrpSpPr>
+      <p:grpSpPr>
+        <a:xfrm>
+          <a:off x="0" y="0"/>
+          <a:ext cx="0" cy="0"/>
+          <a:chOff x="0" y="0"/>
+          <a:chExt cx="0" cy="0"/>
+        </a:xfrm>
+      </p:grpSpPr>
+      <p:sp>
+        <p:nvSpPr>
+          <p:cNvPr id="7" name="TextBox 6">
+            <a:extLst>
+              <a:ext uri="{FF2B5EF4-FFF2-40B4-BE49-F238E27FC236}">
+                <a16:creationId xmlns:a16="http://schemas.microsoft.com/office/drawing/2014/main" id="{D4D2D990-93DD-4841-8031-CE33718E3C01}"/>
+              </a:ext>
+            </a:extLst>
+          </p:cNvPr>
+          <p:cNvSpPr txBox="1"/>
+          <p:nvPr/>
+        </p:nvSpPr>
+        <p:spPr>
+          <a:xfrm>
+            <a:off x="861153" y="1079300"/>
+            <a:ext cx="10221815" cy="1570751"/>
+          </a:xfrm>
+          <a:prstGeom prst="rect">
+            <a:avLst/>
+          </a:prstGeom>
+          <a:noFill/>
+        </p:spPr>
+        <p:txBody>
+          <a:bodyPr wrap="square" rtlCol="0">
+            <a:spAutoFit/>
+          </a:bodyPr>
+          <a:lstStyle/>
+          <a:p>
+            <a:pPr lvl="0" eaLnBrk="0" fontAlgn="base" hangingPunct="0">
+              <a:lnSpc>
+                <a:spcPct val="150000"/>
+              </a:lnSpc>
+              <a:spcBef>
+                <a:spcPct val="0"/>
+              </a:spcBef>
+              <a:spcAft>
+                <a:spcPct val="0"/>
+              </a:spcAft>
+            </a:pPr>
+            <a:r>
+              <a:rPr lang="en-US" altLang="LID4096" dirty="0">
+                <a:latin typeface="Calibri" panose="020F0502020204030204" pitchFamily="34" charset="0"/>
+                <a:ea typeface="Calibri" panose="020F0502020204030204" pitchFamily="34" charset="0"/>
+                <a:cs typeface="Arial" panose="020B0604020202020204" pitchFamily="34" charset="0"/>
+              </a:rPr>
+              <a:t>There is another problem with SVM, that I am going to explain in the following example. Imagine that we just have one feature (one-dimensional), and our data looks like this:</a:t>
+            </a:r>
+            <a:endParaRPr lang="en-US" altLang="LID4096" sz="1100" dirty="0"/>
+          </a:p>
+          <a:p>
+            <a:pPr lvl="0" eaLnBrk="0" fontAlgn="base" hangingPunct="0">
+              <a:lnSpc>
+                <a:spcPct val="150000"/>
+              </a:lnSpc>
+              <a:spcBef>
+                <a:spcPct val="0"/>
+              </a:spcBef>
+              <a:spcAft>
+                <a:spcPct val="0"/>
+              </a:spcAft>
+            </a:pPr>
+            <a:endParaRPr lang="en-US" altLang="LID4096" sz="3200" dirty="0">
+              <a:latin typeface="Arial" panose="020B0604020202020204" pitchFamily="34" charset="0"/>
+            </a:endParaRPr>
+          </a:p>
+        </p:txBody>
+      </p:sp>
+      <p:cxnSp>
+        <p:nvCxnSpPr>
+          <p:cNvPr id="6" name="Straight Arrow Connector 5">
+            <a:extLst>
+              <a:ext uri="{FF2B5EF4-FFF2-40B4-BE49-F238E27FC236}">
+                <a16:creationId xmlns:a16="http://schemas.microsoft.com/office/drawing/2014/main" id="{CE236826-76FA-41BD-A93C-2A842708E505}"/>
+              </a:ext>
+            </a:extLst>
+          </p:cNvPr>
+          <p:cNvCxnSpPr/>
+          <p:nvPr/>
+        </p:nvCxnSpPr>
+        <p:spPr>
+          <a:xfrm>
+            <a:off x="3194892" y="2423711"/>
+            <a:ext cx="5695720" cy="0"/>
+          </a:xfrm>
+          <a:prstGeom prst="straightConnector1">
+            <a:avLst/>
+          </a:prstGeom>
+          <a:ln>
+            <a:headEnd type="triangle"/>
+            <a:tailEnd type="triangle"/>
+          </a:ln>
+        </p:spPr>
+        <p:style>
+          <a:lnRef idx="3">
+            <a:schemeClr val="dk1"/>
+          </a:lnRef>
+          <a:fillRef idx="0">
+            <a:schemeClr val="dk1"/>
+          </a:fillRef>
+          <a:effectRef idx="2">
+            <a:schemeClr val="dk1"/>
+          </a:effectRef>
+          <a:fontRef idx="minor">
+            <a:schemeClr val="tx1"/>
+          </a:fontRef>
+        </p:style>
+      </p:cxnSp>
+      <p:sp>
+        <p:nvSpPr>
+          <p:cNvPr id="10" name="TextBox 9">
+            <a:extLst>
+              <a:ext uri="{FF2B5EF4-FFF2-40B4-BE49-F238E27FC236}">
+                <a16:creationId xmlns:a16="http://schemas.microsoft.com/office/drawing/2014/main" id="{405D0A68-1AC4-4E9B-9758-DD24499E69D8}"/>
+              </a:ext>
+            </a:extLst>
+          </p:cNvPr>
+          <p:cNvSpPr txBox="1"/>
+          <p:nvPr/>
+        </p:nvSpPr>
+        <p:spPr>
+          <a:xfrm>
+            <a:off x="7131506" y="2116198"/>
+            <a:ext cx="899790" cy="523220"/>
+          </a:xfrm>
+          <a:prstGeom prst="rect">
+            <a:avLst/>
+          </a:prstGeom>
+          <a:noFill/>
+        </p:spPr>
+        <p:txBody>
+          <a:bodyPr wrap="square" rtlCol="0">
+            <a:spAutoFit/>
+          </a:bodyPr>
+          <a:lstStyle/>
+          <a:p>
+            <a:pPr algn="ctr"/>
+            <a:r>
+              <a:rPr lang="en-US" sz="2800" dirty="0">
+                <a:solidFill>
+                  <a:srgbClr val="FF0000"/>
+                </a:solidFill>
+              </a:rPr>
+              <a:t>+   +</a:t>
+            </a:r>
+            <a:endParaRPr lang="LID4096" sz="2800" dirty="0">
+              <a:solidFill>
+                <a:srgbClr val="FF0000"/>
+              </a:solidFill>
+            </a:endParaRPr>
+          </a:p>
+        </p:txBody>
+      </p:sp>
+      <p:sp>
+        <p:nvSpPr>
+          <p:cNvPr id="11" name="TextBox 10">
+            <a:extLst>
+              <a:ext uri="{FF2B5EF4-FFF2-40B4-BE49-F238E27FC236}">
+                <a16:creationId xmlns:a16="http://schemas.microsoft.com/office/drawing/2014/main" id="{E75B382E-64C7-4018-B844-73054A10018E}"/>
+              </a:ext>
+            </a:extLst>
+          </p:cNvPr>
+          <p:cNvSpPr txBox="1"/>
+          <p:nvPr/>
+        </p:nvSpPr>
+        <p:spPr>
+          <a:xfrm>
+            <a:off x="5488348" y="2115705"/>
+            <a:ext cx="2532581" cy="523220"/>
+          </a:xfrm>
+          <a:prstGeom prst="rect">
+            <a:avLst/>
+          </a:prstGeom>
+          <a:noFill/>
+        </p:spPr>
+        <p:txBody>
+          <a:bodyPr wrap="square" rtlCol="0">
+            <a:spAutoFit/>
+          </a:bodyPr>
+          <a:lstStyle/>
+          <a:p>
+            <a:pPr algn="ctr"/>
+            <a:r>
+              <a:rPr lang="en-US" sz="2800" dirty="0">
+                <a:solidFill>
+                  <a:srgbClr val="00B0F0"/>
+                </a:solidFill>
+              </a:rPr>
+              <a:t>+   +   +   </a:t>
+            </a:r>
+            <a:endParaRPr lang="LID4096" sz="2800" dirty="0">
+              <a:solidFill>
+                <a:srgbClr val="00B0F0"/>
+              </a:solidFill>
+            </a:endParaRPr>
+          </a:p>
+        </p:txBody>
+      </p:sp>
+      <p:sp>
+        <p:nvSpPr>
+          <p:cNvPr id="12" name="TextBox 11">
+            <a:extLst>
+              <a:ext uri="{FF2B5EF4-FFF2-40B4-BE49-F238E27FC236}">
+                <a16:creationId xmlns:a16="http://schemas.microsoft.com/office/drawing/2014/main" id="{F55EAF23-610B-4B75-B29A-4A3A7C8B0EAA}"/>
+              </a:ext>
+            </a:extLst>
+          </p:cNvPr>
+          <p:cNvSpPr txBox="1"/>
+          <p:nvPr/>
+        </p:nvSpPr>
+        <p:spPr>
+          <a:xfrm>
+            <a:off x="5202555" y="2115321"/>
+            <a:ext cx="1157770" cy="523220"/>
+          </a:xfrm>
+          <a:prstGeom prst="rect">
+            <a:avLst/>
+          </a:prstGeom>
+          <a:noFill/>
+        </p:spPr>
+        <p:txBody>
+          <a:bodyPr wrap="square" rtlCol="0">
+            <a:spAutoFit/>
+          </a:bodyPr>
+          <a:lstStyle/>
+          <a:p>
+            <a:pPr algn="ctr"/>
+            <a:r>
+              <a:rPr lang="en-US" sz="2800" dirty="0">
+                <a:solidFill>
+                  <a:srgbClr val="FF0000"/>
+                </a:solidFill>
+              </a:rPr>
+              <a:t>+   + +</a:t>
+            </a:r>
+            <a:endParaRPr lang="LID4096" sz="2800" dirty="0">
+              <a:solidFill>
+                <a:srgbClr val="FF0000"/>
+              </a:solidFill>
+            </a:endParaRPr>
+          </a:p>
+        </p:txBody>
+      </p:sp>
+      <mc:AlternateContent xmlns:mc="http://schemas.openxmlformats.org/markup-compatibility/2006">
+        <mc:Choice xmlns:a14="http://schemas.microsoft.com/office/drawing/2010/main" Requires="a14">
+          <p:sp>
+            <p:nvSpPr>
+              <p:cNvPr id="14" name="TextBox 13">
+                <a:extLst>
+                  <a:ext uri="{FF2B5EF4-FFF2-40B4-BE49-F238E27FC236}">
+                    <a16:creationId xmlns:a16="http://schemas.microsoft.com/office/drawing/2014/main" id="{65888CFE-D77E-4FFD-8B1C-B8F9474BE7BD}"/>
+                  </a:ext>
+                </a:extLst>
+              </p:cNvPr>
+              <p:cNvSpPr txBox="1"/>
+              <p:nvPr/>
+            </p:nvSpPr>
+            <p:spPr>
+              <a:xfrm>
+                <a:off x="873966" y="2615622"/>
+                <a:ext cx="10221815" cy="5018361"/>
+              </a:xfrm>
+              <a:prstGeom prst="rect">
+                <a:avLst/>
+              </a:prstGeom>
+              <a:noFill/>
+            </p:spPr>
+            <p:txBody>
+              <a:bodyPr wrap="square" rtlCol="0">
+                <a:spAutoFit/>
+              </a:bodyPr>
+              <a:lstStyle/>
+              <a:p>
+                <a:pPr marL="0" marR="0" lvl="0" indent="0" algn="l" defTabSz="914400" rtl="0" eaLnBrk="0" fontAlgn="base" latinLnBrk="0" hangingPunct="0">
+                  <a:lnSpc>
+                    <a:spcPct val="150000"/>
+                  </a:lnSpc>
+                  <a:spcBef>
+                    <a:spcPct val="0"/>
+                  </a:spcBef>
+                  <a:spcAft>
+                    <a:spcPct val="0"/>
+                  </a:spcAft>
+                  <a:buClrTx/>
+                  <a:buSzTx/>
+                  <a:buFontTx/>
+                  <a:buNone/>
+                  <a:tabLst/>
+                </a:pPr>
+                <a:r>
+                  <a:rPr kumimoji="0" lang="en-US" altLang="LID4096" sz="1800" b="0" i="0" u="none" strike="noStrike" cap="none" normalizeH="0" baseline="0" dirty="0">
+                    <a:ln>
+                      <a:noFill/>
+                    </a:ln>
+                    <a:solidFill>
+                      <a:schemeClr val="tx1"/>
+                    </a:solidFill>
+                    <a:effectLst/>
+                    <a:latin typeface="Calibri" panose="020F0502020204030204" pitchFamily="34" charset="0"/>
+                    <a:ea typeface="Calibri" panose="020F0502020204030204" pitchFamily="34" charset="0"/>
+                    <a:cs typeface="Arial" panose="020B0604020202020204" pitchFamily="34" charset="0"/>
+                  </a:rPr>
+                  <a:t>How are we supposed to separate the two classes using one line?</a:t>
+                </a:r>
+                <a:endParaRPr kumimoji="0" lang="en-US" altLang="LID4096" sz="1100" b="0" i="0" u="none" strike="noStrike" cap="none" normalizeH="0" baseline="0" dirty="0">
+                  <a:ln>
+                    <a:noFill/>
+                  </a:ln>
+                  <a:solidFill>
+                    <a:schemeClr val="tx1"/>
+                  </a:solidFill>
+                  <a:effectLst/>
+                </a:endParaRPr>
+              </a:p>
+              <a:p>
+                <a:pPr lvl="0" eaLnBrk="0" fontAlgn="base" hangingPunct="0">
+                  <a:lnSpc>
+                    <a:spcPct val="150000"/>
+                  </a:lnSpc>
+                  <a:spcBef>
+                    <a:spcPct val="0"/>
+                  </a:spcBef>
+                  <a:spcAft>
+                    <a:spcPct val="0"/>
+                  </a:spcAft>
+                </a:pPr>
+                <a:r>
+                  <a:rPr kumimoji="0" lang="en-US" altLang="LID4096" sz="1800" b="0" i="0" u="none" strike="noStrike" cap="none" normalizeH="0" baseline="0" dirty="0">
+                    <a:ln>
+                      <a:noFill/>
+                    </a:ln>
+                    <a:solidFill>
+                      <a:schemeClr val="tx1"/>
+                    </a:solidFill>
+                    <a:effectLst/>
+                    <a:latin typeface="Calibri" panose="020F0502020204030204" pitchFamily="34" charset="0"/>
+                    <a:ea typeface="Calibri" panose="020F0502020204030204" pitchFamily="34" charset="0"/>
+                    <a:cs typeface="Arial" panose="020B0604020202020204" pitchFamily="34" charset="0"/>
+                  </a:rPr>
+                  <a:t>Well, we use projection. In the following plot, the horizontal axis is our original feature (</a:t>
+                </a:r>
+                <a14:m>
+                  <m:oMath xmlns:m="http://schemas.openxmlformats.org/officeDocument/2006/math">
+                    <m:sSub>
+                      <m:sSubPr>
+                        <m:ctrlPr>
+                          <a:rPr kumimoji="0" lang="en-US" altLang="LID4096" sz="1800" b="0" i="1" u="none" strike="noStrike" cap="none" normalizeH="0" baseline="0" smtClean="0">
+                            <a:ln>
+                              <a:noFill/>
+                            </a:ln>
+                            <a:solidFill>
+                              <a:schemeClr val="tx1"/>
+                            </a:solidFill>
+                            <a:effectLst/>
+                            <a:latin typeface="Cambria Math" panose="02040503050406030204" pitchFamily="18" charset="0"/>
+                            <a:ea typeface="Calibri" panose="020F0502020204030204" pitchFamily="34" charset="0"/>
+                            <a:cs typeface="Arial" panose="020B0604020202020204" pitchFamily="34" charset="0"/>
+                          </a:rPr>
+                        </m:ctrlPr>
+                      </m:sSubPr>
+                      <m:e>
+                        <m:r>
+                          <a:rPr kumimoji="0" lang="en-US" altLang="LID4096" sz="1800" b="0" i="1" u="none" strike="noStrike" cap="none" normalizeH="0" baseline="0" smtClean="0">
+                            <a:ln>
+                              <a:noFill/>
+                            </a:ln>
+                            <a:solidFill>
+                              <a:schemeClr val="tx1"/>
+                            </a:solidFill>
+                            <a:effectLst/>
+                            <a:latin typeface="Cambria Math" panose="02040503050406030204" pitchFamily="18" charset="0"/>
+                            <a:ea typeface="Calibri" panose="020F0502020204030204" pitchFamily="34" charset="0"/>
+                            <a:cs typeface="Arial" panose="020B0604020202020204" pitchFamily="34" charset="0"/>
+                          </a:rPr>
+                          <m:t>𝑥</m:t>
+                        </m:r>
+                      </m:e>
+                      <m:sub>
+                        <m:r>
+                          <a:rPr kumimoji="0" lang="en-US" altLang="LID4096" sz="1800" b="0" i="1" u="none" strike="noStrike" cap="none" normalizeH="0" baseline="0" smtClean="0">
+                            <a:ln>
+                              <a:noFill/>
+                            </a:ln>
+                            <a:solidFill>
+                              <a:schemeClr val="tx1"/>
+                            </a:solidFill>
+                            <a:effectLst/>
+                            <a:latin typeface="Cambria Math" panose="02040503050406030204" pitchFamily="18" charset="0"/>
+                            <a:ea typeface="Calibri" panose="020F0502020204030204" pitchFamily="34" charset="0"/>
+                            <a:cs typeface="Arial" panose="020B0604020202020204" pitchFamily="34" charset="0"/>
+                          </a:rPr>
+                          <m:t>0</m:t>
+                        </m:r>
+                      </m:sub>
+                    </m:sSub>
+                  </m:oMath>
+                </a14:m>
+                <a:r>
+                  <a:rPr kumimoji="0" lang="en-US" altLang="LID4096" sz="1800" b="0" i="0" u="none" strike="noStrike" cap="none" normalizeH="0" baseline="0" dirty="0">
+                    <a:ln>
+                      <a:noFill/>
+                    </a:ln>
+                    <a:solidFill>
+                      <a:schemeClr val="tx1"/>
+                    </a:solidFill>
+                    <a:effectLst/>
+                    <a:latin typeface="Calibri" panose="020F0502020204030204" pitchFamily="34" charset="0"/>
+                    <a:ea typeface="Times New Roman" panose="02020603050405020304" pitchFamily="18" charset="0"/>
+                    <a:cs typeface="Arial" panose="020B0604020202020204" pitchFamily="34" charset="0"/>
+                  </a:rPr>
+                  <a:t>), and we make up another feature called (</a:t>
+                </a:r>
+                <a14:m>
+                  <m:oMath xmlns:m="http://schemas.openxmlformats.org/officeDocument/2006/math">
+                    <m:sSub>
+                      <m:sSubPr>
+                        <m:ctrlPr>
+                          <a:rPr lang="en-US" altLang="LID4096" i="1">
+                            <a:latin typeface="Cambria Math" panose="02040503050406030204" pitchFamily="18" charset="0"/>
+                            <a:ea typeface="Calibri" panose="020F0502020204030204" pitchFamily="34" charset="0"/>
+                            <a:cs typeface="Arial" panose="020B0604020202020204" pitchFamily="34" charset="0"/>
+                          </a:rPr>
+                        </m:ctrlPr>
+                      </m:sSubPr>
+                      <m:e>
+                        <m:r>
+                          <a:rPr lang="en-US" altLang="LID4096" i="1">
+                            <a:latin typeface="Cambria Math" panose="02040503050406030204" pitchFamily="18" charset="0"/>
+                            <a:ea typeface="Calibri" panose="020F0502020204030204" pitchFamily="34" charset="0"/>
+                            <a:cs typeface="Arial" panose="020B0604020202020204" pitchFamily="34" charset="0"/>
+                          </a:rPr>
+                          <m:t>𝑥</m:t>
+                        </m:r>
+                      </m:e>
+                      <m:sub>
+                        <m:r>
+                          <a:rPr lang="en-US" altLang="LID4096" b="0" i="1" smtClean="0">
+                            <a:latin typeface="Cambria Math" panose="02040503050406030204" pitchFamily="18" charset="0"/>
+                            <a:ea typeface="Calibri" panose="020F0502020204030204" pitchFamily="34" charset="0"/>
+                            <a:cs typeface="Arial" panose="020B0604020202020204" pitchFamily="34" charset="0"/>
+                          </a:rPr>
+                          <m:t>1</m:t>
+                        </m:r>
+                      </m:sub>
+                    </m:sSub>
+                  </m:oMath>
+                </a14:m>
+                <a:r>
+                  <a:rPr kumimoji="0" lang="en-US" altLang="LID4096" sz="1800" b="0" i="0" u="none" strike="noStrike" cap="none" normalizeH="0" baseline="0" dirty="0">
+                    <a:ln>
+                      <a:noFill/>
+                    </a:ln>
+                    <a:solidFill>
+                      <a:schemeClr val="tx1"/>
+                    </a:solidFill>
+                    <a:effectLst/>
+                    <a:latin typeface="Calibri" panose="020F0502020204030204" pitchFamily="34" charset="0"/>
+                    <a:ea typeface="Times New Roman" panose="02020603050405020304" pitchFamily="18" charset="0"/>
+                    <a:cs typeface="Arial" panose="020B0604020202020204" pitchFamily="34" charset="0"/>
+                  </a:rPr>
+                  <a:t>) which is </a:t>
+                </a:r>
+                <a14:m>
+                  <m:oMath xmlns:m="http://schemas.openxmlformats.org/officeDocument/2006/math">
+                    <m:sSubSup>
+                      <m:sSubSupPr>
+                        <m:ctrlPr>
+                          <a:rPr kumimoji="0" lang="en-US" altLang="LID4096" sz="1800" b="0" i="1" u="none" strike="noStrike" cap="none" normalizeH="0" baseline="0" smtClean="0">
+                            <a:ln>
+                              <a:noFill/>
+                            </a:ln>
+                            <a:solidFill>
+                              <a:schemeClr val="tx1"/>
+                            </a:solidFill>
+                            <a:effectLst/>
+                            <a:latin typeface="Cambria Math" panose="02040503050406030204" pitchFamily="18" charset="0"/>
+                            <a:cs typeface="Arial" panose="020B0604020202020204" pitchFamily="34" charset="0"/>
+                          </a:rPr>
+                        </m:ctrlPr>
+                      </m:sSubSupPr>
+                      <m:e>
+                        <m:r>
+                          <a:rPr kumimoji="0" lang="en-US" altLang="LID4096" sz="1800" b="0" i="1" u="none" strike="noStrike" cap="none" normalizeH="0" baseline="0" smtClean="0">
+                            <a:ln>
+                              <a:noFill/>
+                            </a:ln>
+                            <a:solidFill>
+                              <a:schemeClr val="tx1"/>
+                            </a:solidFill>
+                            <a:effectLst/>
+                            <a:latin typeface="Cambria Math" panose="02040503050406030204" pitchFamily="18" charset="0"/>
+                            <a:cs typeface="Arial" panose="020B0604020202020204" pitchFamily="34" charset="0"/>
+                          </a:rPr>
+                          <m:t>𝑥</m:t>
+                        </m:r>
+                      </m:e>
+                      <m:sub>
+                        <m:r>
+                          <a:rPr kumimoji="0" lang="en-US" altLang="LID4096" sz="1800" b="0" i="1" u="none" strike="noStrike" cap="none" normalizeH="0" baseline="0" smtClean="0">
+                            <a:ln>
+                              <a:noFill/>
+                            </a:ln>
+                            <a:solidFill>
+                              <a:schemeClr val="tx1"/>
+                            </a:solidFill>
+                            <a:effectLst/>
+                            <a:latin typeface="Cambria Math" panose="02040503050406030204" pitchFamily="18" charset="0"/>
+                            <a:cs typeface="Arial" panose="020B0604020202020204" pitchFamily="34" charset="0"/>
+                          </a:rPr>
+                          <m:t>0</m:t>
+                        </m:r>
+                      </m:sub>
+                      <m:sup>
+                        <m:r>
+                          <a:rPr kumimoji="0" lang="en-US" altLang="LID4096" sz="1800" b="0" i="1" u="none" strike="noStrike" cap="none" normalizeH="0" baseline="0" smtClean="0">
+                            <a:ln>
+                              <a:noFill/>
+                            </a:ln>
+                            <a:solidFill>
+                              <a:schemeClr val="tx1"/>
+                            </a:solidFill>
+                            <a:effectLst/>
+                            <a:latin typeface="Cambria Math" panose="02040503050406030204" pitchFamily="18" charset="0"/>
+                            <a:cs typeface="Arial" panose="020B0604020202020204" pitchFamily="34" charset="0"/>
+                          </a:rPr>
+                          <m:t>2</m:t>
+                        </m:r>
+                      </m:sup>
+                    </m:sSubSup>
+                  </m:oMath>
+                </a14:m>
+                <a:r>
+                  <a:rPr kumimoji="0" lang="en-US" altLang="LID4096" sz="1800" b="0" i="0" u="none" strike="noStrike" cap="none" normalizeH="0" baseline="0" dirty="0">
+                    <a:ln>
+                      <a:noFill/>
+                    </a:ln>
+                    <a:solidFill>
+                      <a:schemeClr val="tx1"/>
+                    </a:solidFill>
+                    <a:effectLst/>
+                    <a:latin typeface="Calibri" panose="020F0502020204030204" pitchFamily="34" charset="0"/>
+                    <a:ea typeface="Times New Roman" panose="02020603050405020304" pitchFamily="18" charset="0"/>
+                    <a:cs typeface="Arial" panose="020B0604020202020204" pitchFamily="34" charset="0"/>
+                  </a:rPr>
+                  <a:t>. It gives us a plot like the following plot:</a:t>
+                </a:r>
+              </a:p>
+              <a:p>
+                <a:pPr lvl="0" eaLnBrk="0" fontAlgn="base" hangingPunct="0">
+                  <a:lnSpc>
+                    <a:spcPct val="150000"/>
+                  </a:lnSpc>
+                  <a:spcBef>
+                    <a:spcPct val="0"/>
+                  </a:spcBef>
+                  <a:spcAft>
+                    <a:spcPct val="0"/>
+                  </a:spcAft>
+                </a:pPr>
+                <a:endParaRPr lang="en-US" altLang="LID4096" dirty="0">
+                  <a:latin typeface="Calibri" panose="020F0502020204030204" pitchFamily="34" charset="0"/>
+                  <a:cs typeface="Arial" panose="020B0604020202020204" pitchFamily="34" charset="0"/>
+                </a:endParaRPr>
+              </a:p>
+              <a:p>
+                <a:pPr lvl="0" eaLnBrk="0" fontAlgn="base" hangingPunct="0">
+                  <a:lnSpc>
+                    <a:spcPct val="150000"/>
+                  </a:lnSpc>
+                  <a:spcBef>
+                    <a:spcPct val="0"/>
+                  </a:spcBef>
+                  <a:spcAft>
+                    <a:spcPct val="0"/>
+                  </a:spcAft>
+                </a:pPr>
+                <a:endParaRPr kumimoji="0" lang="en-US" altLang="LID4096" sz="1100" b="0" i="0" u="none" strike="noStrike" cap="none" normalizeH="0" baseline="0" dirty="0">
+                  <a:ln>
+                    <a:noFill/>
+                  </a:ln>
+                  <a:solidFill>
+                    <a:schemeClr val="tx1"/>
+                  </a:solidFill>
+                  <a:effectLst/>
+                  <a:latin typeface="Calibri" panose="020F0502020204030204" pitchFamily="34" charset="0"/>
+                  <a:cs typeface="Arial" panose="020B0604020202020204" pitchFamily="34" charset="0"/>
+                </a:endParaRPr>
+              </a:p>
+              <a:p>
+                <a:pPr lvl="0" eaLnBrk="0" fontAlgn="base" hangingPunct="0">
+                  <a:lnSpc>
+                    <a:spcPct val="150000"/>
+                  </a:lnSpc>
+                  <a:spcBef>
+                    <a:spcPct val="0"/>
+                  </a:spcBef>
+                  <a:spcAft>
+                    <a:spcPct val="0"/>
+                  </a:spcAft>
+                </a:pPr>
+                <a:endParaRPr lang="en-US" altLang="LID4096" sz="1100" dirty="0">
+                  <a:latin typeface="Calibri" panose="020F0502020204030204" pitchFamily="34" charset="0"/>
+                  <a:cs typeface="Arial" panose="020B0604020202020204" pitchFamily="34" charset="0"/>
+                </a:endParaRPr>
+              </a:p>
+              <a:p>
+                <a:pPr lvl="0" eaLnBrk="0" fontAlgn="base" hangingPunct="0">
+                  <a:lnSpc>
+                    <a:spcPct val="150000"/>
+                  </a:lnSpc>
+                  <a:spcBef>
+                    <a:spcPct val="0"/>
+                  </a:spcBef>
+                  <a:spcAft>
+                    <a:spcPct val="0"/>
+                  </a:spcAft>
+                </a:pPr>
+                <a:endParaRPr kumimoji="0" lang="en-US" altLang="LID4096" sz="1100" b="0" i="0" u="none" strike="noStrike" cap="none" normalizeH="0" baseline="0" dirty="0">
+                  <a:ln>
+                    <a:noFill/>
+                  </a:ln>
+                  <a:solidFill>
+                    <a:schemeClr val="tx1"/>
+                  </a:solidFill>
+                  <a:effectLst/>
+                  <a:latin typeface="Calibri" panose="020F0502020204030204" pitchFamily="34" charset="0"/>
+                  <a:cs typeface="Arial" panose="020B0604020202020204" pitchFamily="34" charset="0"/>
+                </a:endParaRPr>
+              </a:p>
+              <a:p>
+                <a:pPr lvl="0" eaLnBrk="0" fontAlgn="base" hangingPunct="0">
+                  <a:lnSpc>
+                    <a:spcPct val="150000"/>
+                  </a:lnSpc>
+                  <a:spcBef>
+                    <a:spcPct val="0"/>
+                  </a:spcBef>
+                  <a:spcAft>
+                    <a:spcPct val="0"/>
+                  </a:spcAft>
+                </a:pPr>
+                <a:endParaRPr lang="en-US" altLang="LID4096" sz="1100" dirty="0">
+                  <a:latin typeface="Calibri" panose="020F0502020204030204" pitchFamily="34" charset="0"/>
+                  <a:cs typeface="Arial" panose="020B0604020202020204" pitchFamily="34" charset="0"/>
+                </a:endParaRPr>
+              </a:p>
+              <a:p>
+                <a:pPr lvl="0" eaLnBrk="0" fontAlgn="base" hangingPunct="0">
+                  <a:lnSpc>
+                    <a:spcPct val="150000"/>
+                  </a:lnSpc>
+                  <a:spcBef>
+                    <a:spcPct val="0"/>
+                  </a:spcBef>
+                  <a:spcAft>
+                    <a:spcPct val="0"/>
+                  </a:spcAft>
+                </a:pPr>
+                <a:endParaRPr kumimoji="0" lang="en-US" altLang="LID4096" sz="1100" b="0" i="0" u="none" strike="noStrike" cap="none" normalizeH="0" baseline="0" dirty="0">
+                  <a:ln>
+                    <a:noFill/>
+                  </a:ln>
+                  <a:solidFill>
+                    <a:schemeClr val="tx1"/>
+                  </a:solidFill>
+                  <a:effectLst/>
+                  <a:latin typeface="Calibri" panose="020F0502020204030204" pitchFamily="34" charset="0"/>
+                  <a:cs typeface="Arial" panose="020B0604020202020204" pitchFamily="34" charset="0"/>
+                </a:endParaRPr>
+              </a:p>
+              <a:p>
+                <a:pPr lvl="0" eaLnBrk="0" fontAlgn="base" hangingPunct="0">
+                  <a:lnSpc>
+                    <a:spcPct val="150000"/>
+                  </a:lnSpc>
+                  <a:spcBef>
+                    <a:spcPct val="0"/>
+                  </a:spcBef>
+                  <a:spcAft>
+                    <a:spcPct val="0"/>
+                  </a:spcAft>
+                </a:pPr>
+                <a:endParaRPr lang="en-US" altLang="LID4096" sz="1100" dirty="0">
+                  <a:latin typeface="Calibri" panose="020F0502020204030204" pitchFamily="34" charset="0"/>
+                  <a:cs typeface="Arial" panose="020B0604020202020204" pitchFamily="34" charset="0"/>
+                </a:endParaRPr>
+              </a:p>
+              <a:p>
+                <a:pPr lvl="0" eaLnBrk="0" fontAlgn="base" hangingPunct="0">
+                  <a:lnSpc>
+                    <a:spcPct val="150000"/>
+                  </a:lnSpc>
+                  <a:spcBef>
+                    <a:spcPct val="0"/>
+                  </a:spcBef>
+                  <a:spcAft>
+                    <a:spcPct val="0"/>
+                  </a:spcAft>
+                </a:pPr>
+                <a:endParaRPr lang="en-US" altLang="LID4096" dirty="0">
+                  <a:latin typeface="Calibri" panose="020F0502020204030204" pitchFamily="34" charset="0"/>
+                  <a:ea typeface="Calibri" panose="020F0502020204030204" pitchFamily="34" charset="0"/>
+                  <a:cs typeface="Arial" panose="020B0604020202020204" pitchFamily="34" charset="0"/>
+                </a:endParaRPr>
+              </a:p>
+              <a:p>
+                <a:pPr eaLnBrk="0" fontAlgn="base" hangingPunct="0">
+                  <a:lnSpc>
+                    <a:spcPct val="150000"/>
+                  </a:lnSpc>
+                  <a:spcBef>
+                    <a:spcPct val="0"/>
+                  </a:spcBef>
+                  <a:spcAft>
+                    <a:spcPct val="0"/>
+                  </a:spcAft>
+                </a:pPr>
+                <a:r>
+                  <a:rPr lang="en-US" altLang="LID4096" dirty="0">
+                    <a:latin typeface="Calibri" panose="020F0502020204030204" pitchFamily="34" charset="0"/>
+                    <a:ea typeface="Calibri" panose="020F0502020204030204" pitchFamily="34" charset="0"/>
+                    <a:cs typeface="Arial" panose="020B0604020202020204" pitchFamily="34" charset="0"/>
+                  </a:rPr>
+                  <a:t>This process (making up a new feature that helps us to classify the data better) is called “</a:t>
+                </a:r>
+                <a:r>
+                  <a:rPr lang="en-US" altLang="LID4096" dirty="0" err="1">
+                    <a:latin typeface="Calibri" panose="020F0502020204030204" pitchFamily="34" charset="0"/>
+                    <a:ea typeface="Calibri" panose="020F0502020204030204" pitchFamily="34" charset="0"/>
+                    <a:cs typeface="Arial" panose="020B0604020202020204" pitchFamily="34" charset="0"/>
+                  </a:rPr>
+                  <a:t>Kerne</a:t>
+                </a:r>
+                <a:r>
+                  <a:rPr lang="en-US" altLang="LID4096" dirty="0">
+                    <a:latin typeface="Calibri" panose="020F0502020204030204" pitchFamily="34" charset="0"/>
+                    <a:ea typeface="Calibri" panose="020F0502020204030204" pitchFamily="34" charset="0"/>
+                    <a:cs typeface="Arial" panose="020B0604020202020204" pitchFamily="34" charset="0"/>
+                  </a:rPr>
+                  <a:t> trick”.</a:t>
+                </a:r>
+              </a:p>
+              <a:p>
+                <a:pPr lvl="0" eaLnBrk="0" fontAlgn="base" hangingPunct="0">
+                  <a:lnSpc>
+                    <a:spcPct val="150000"/>
+                  </a:lnSpc>
+                  <a:spcBef>
+                    <a:spcPct val="0"/>
+                  </a:spcBef>
+                  <a:spcAft>
+                    <a:spcPct val="0"/>
+                  </a:spcAft>
+                </a:pPr>
+                <a:endParaRPr kumimoji="0" lang="en-US" altLang="LID4096" sz="1100" b="0" i="0" u="none" strike="noStrike" cap="none" normalizeH="0" baseline="0" dirty="0">
+                  <a:ln>
+                    <a:noFill/>
+                  </a:ln>
+                  <a:solidFill>
+                    <a:schemeClr val="tx1"/>
+                  </a:solidFill>
+                  <a:effectLst/>
+                </a:endParaRPr>
+              </a:p>
+              <a:p>
+                <a:pPr lvl="0" eaLnBrk="0" fontAlgn="base" hangingPunct="0">
+                  <a:lnSpc>
+                    <a:spcPct val="150000"/>
+                  </a:lnSpc>
+                  <a:spcBef>
+                    <a:spcPct val="0"/>
+                  </a:spcBef>
+                  <a:spcAft>
+                    <a:spcPct val="0"/>
+                  </a:spcAft>
+                </a:pPr>
+                <a:endParaRPr lang="en-US" altLang="LID4096" sz="3200" dirty="0">
+                  <a:latin typeface="Arial" panose="020B0604020202020204" pitchFamily="34" charset="0"/>
+                </a:endParaRPr>
+              </a:p>
+            </p:txBody>
+          </p:sp>
+        </mc:Choice>
+        <mc:Fallback>
+          <p:sp>
+            <p:nvSpPr>
+              <p:cNvPr id="14" name="TextBox 13">
+                <a:extLst>
+                  <a:ext uri="{FF2B5EF4-FFF2-40B4-BE49-F238E27FC236}">
+                    <a16:creationId xmlns:a16="http://schemas.microsoft.com/office/drawing/2014/main" id="{65888CFE-D77E-4FFD-8B1C-B8F9474BE7BD}"/>
+                  </a:ext>
+                </a:extLst>
+              </p:cNvPr>
+              <p:cNvSpPr txBox="1">
+                <a:spLocks noRot="1" noChangeAspect="1" noMove="1" noResize="1" noEditPoints="1" noAdjustHandles="1" noChangeArrowheads="1" noChangeShapeType="1" noTextEdit="1"/>
+              </p:cNvSpPr>
+              <p:nvPr/>
+            </p:nvSpPr>
+            <p:spPr>
+              <a:xfrm>
+                <a:off x="873966" y="2615622"/>
+                <a:ext cx="10221815" cy="5018361"/>
+              </a:xfrm>
+              <a:prstGeom prst="rect">
+                <a:avLst/>
+              </a:prstGeom>
+              <a:blipFill>
+                <a:blip r:embed="rId2"/>
+                <a:stretch>
+                  <a:fillRect l="-477"/>
+                </a:stretch>
+              </a:blipFill>
+            </p:spPr>
+            <p:txBody>
+              <a:bodyPr/>
+              <a:lstStyle/>
+              <a:p>
+                <a:r>
+                  <a:rPr lang="LID4096">
+                    <a:noFill/>
+                  </a:rPr>
+                  <a:t> </a:t>
+                </a:r>
+              </a:p>
+            </p:txBody>
+          </p:sp>
+        </mc:Fallback>
+      </mc:AlternateContent>
+      <p:cxnSp>
+        <p:nvCxnSpPr>
+          <p:cNvPr id="19" name="Straight Arrow Connector 18">
+            <a:extLst>
+              <a:ext uri="{FF2B5EF4-FFF2-40B4-BE49-F238E27FC236}">
+                <a16:creationId xmlns:a16="http://schemas.microsoft.com/office/drawing/2014/main" id="{D7A3EC34-FE2F-467F-B430-BFC515885F2B}"/>
+              </a:ext>
+            </a:extLst>
+          </p:cNvPr>
+          <p:cNvCxnSpPr/>
+          <p:nvPr/>
+        </p:nvCxnSpPr>
+        <p:spPr>
+          <a:xfrm>
+            <a:off x="3164897" y="5706507"/>
+            <a:ext cx="5695720" cy="0"/>
+          </a:xfrm>
+          <a:prstGeom prst="straightConnector1">
+            <a:avLst/>
+          </a:prstGeom>
+          <a:ln>
+            <a:headEnd type="triangle"/>
+            <a:tailEnd type="triangle"/>
+          </a:ln>
+        </p:spPr>
+        <p:style>
+          <a:lnRef idx="3">
+            <a:schemeClr val="dk1"/>
+          </a:lnRef>
+          <a:fillRef idx="0">
+            <a:schemeClr val="dk1"/>
+          </a:fillRef>
+          <a:effectRef idx="2">
+            <a:schemeClr val="dk1"/>
+          </a:effectRef>
+          <a:fontRef idx="minor">
+            <a:schemeClr val="tx1"/>
+          </a:fontRef>
+        </p:style>
+      </p:cxnSp>
+      <p:sp>
+        <p:nvSpPr>
+          <p:cNvPr id="21" name="TextBox 20">
+            <a:extLst>
+              <a:ext uri="{FF2B5EF4-FFF2-40B4-BE49-F238E27FC236}">
+                <a16:creationId xmlns:a16="http://schemas.microsoft.com/office/drawing/2014/main" id="{7FF9FCB7-5DBE-4569-A961-1979A7BC4E14}"/>
+              </a:ext>
+            </a:extLst>
+          </p:cNvPr>
+          <p:cNvSpPr txBox="1"/>
+          <p:nvPr/>
+        </p:nvSpPr>
+        <p:spPr>
+          <a:xfrm>
+            <a:off x="5458353" y="5398501"/>
+            <a:ext cx="2532581" cy="523220"/>
+          </a:xfrm>
+          <a:prstGeom prst="rect">
+            <a:avLst/>
+          </a:prstGeom>
+          <a:noFill/>
+        </p:spPr>
+        <p:txBody>
+          <a:bodyPr wrap="square" rtlCol="0">
+            <a:spAutoFit/>
+          </a:bodyPr>
+          <a:lstStyle/>
+          <a:p>
+            <a:pPr algn="ctr"/>
+            <a:r>
+              <a:rPr lang="en-US" sz="2800" dirty="0">
+                <a:solidFill>
+                  <a:srgbClr val="00B0F0"/>
+                </a:solidFill>
+              </a:rPr>
+              <a:t>+</a:t>
+            </a:r>
+            <a:endParaRPr lang="LID4096" sz="2800" dirty="0">
+              <a:solidFill>
+                <a:srgbClr val="00B0F0"/>
+              </a:solidFill>
+            </a:endParaRPr>
+          </a:p>
+        </p:txBody>
+      </p:sp>
+      <p:cxnSp>
+        <p:nvCxnSpPr>
+          <p:cNvPr id="9" name="Straight Arrow Connector 8">
+            <a:extLst>
+              <a:ext uri="{FF2B5EF4-FFF2-40B4-BE49-F238E27FC236}">
+                <a16:creationId xmlns:a16="http://schemas.microsoft.com/office/drawing/2014/main" id="{D2DC7154-CE3E-4653-AB5D-9AC8F8D044A8}"/>
+              </a:ext>
+            </a:extLst>
+          </p:cNvPr>
+          <p:cNvCxnSpPr>
+            <a:cxnSpLocks/>
+          </p:cNvCxnSpPr>
+          <p:nvPr/>
+        </p:nvCxnSpPr>
+        <p:spPr>
+          <a:xfrm flipV="1">
+            <a:off x="6777652" y="4318658"/>
+            <a:ext cx="10367" cy="1544618"/>
+          </a:xfrm>
+          <a:prstGeom prst="straightConnector1">
+            <a:avLst/>
+          </a:prstGeom>
+          <a:ln>
+            <a:tailEnd type="triangle"/>
+          </a:ln>
+        </p:spPr>
+        <p:style>
+          <a:lnRef idx="3">
+            <a:schemeClr val="dk1"/>
+          </a:lnRef>
+          <a:fillRef idx="0">
+            <a:schemeClr val="dk1"/>
+          </a:fillRef>
+          <a:effectRef idx="2">
+            <a:schemeClr val="dk1"/>
+          </a:effectRef>
+          <a:fontRef idx="minor">
+            <a:schemeClr val="tx1"/>
+          </a:fontRef>
+        </p:style>
+      </p:cxnSp>
+      <p:sp>
+        <p:nvSpPr>
+          <p:cNvPr id="27" name="TextBox 26">
+            <a:extLst>
+              <a:ext uri="{FF2B5EF4-FFF2-40B4-BE49-F238E27FC236}">
+                <a16:creationId xmlns:a16="http://schemas.microsoft.com/office/drawing/2014/main" id="{8825C7AB-C315-4E6B-917B-77C0691DED05}"/>
+              </a:ext>
+            </a:extLst>
+          </p:cNvPr>
+          <p:cNvSpPr txBox="1"/>
+          <p:nvPr/>
+        </p:nvSpPr>
+        <p:spPr>
+          <a:xfrm>
+            <a:off x="6930755" y="5032224"/>
+            <a:ext cx="440943" cy="523220"/>
+          </a:xfrm>
+          <a:prstGeom prst="rect">
+            <a:avLst/>
+          </a:prstGeom>
+          <a:noFill/>
+        </p:spPr>
+        <p:txBody>
+          <a:bodyPr wrap="square" rtlCol="0">
+            <a:spAutoFit/>
+          </a:bodyPr>
+          <a:lstStyle/>
+          <a:p>
+            <a:pPr algn="ctr"/>
+            <a:r>
+              <a:rPr lang="en-US" sz="2800" dirty="0">
+                <a:solidFill>
+                  <a:srgbClr val="00B0F0"/>
+                </a:solidFill>
+              </a:rPr>
+              <a:t>+</a:t>
+            </a:r>
+            <a:endParaRPr lang="LID4096" sz="2800" dirty="0">
+              <a:solidFill>
+                <a:srgbClr val="00B0F0"/>
+              </a:solidFill>
+            </a:endParaRPr>
+          </a:p>
+        </p:txBody>
+      </p:sp>
+      <p:sp>
+        <p:nvSpPr>
+          <p:cNvPr id="28" name="TextBox 27">
+            <a:extLst>
+              <a:ext uri="{FF2B5EF4-FFF2-40B4-BE49-F238E27FC236}">
+                <a16:creationId xmlns:a16="http://schemas.microsoft.com/office/drawing/2014/main" id="{0CF90041-6D5B-4469-BE22-C73E7FB06BFA}"/>
+              </a:ext>
+            </a:extLst>
+          </p:cNvPr>
+          <p:cNvSpPr txBox="1"/>
+          <p:nvPr/>
+        </p:nvSpPr>
+        <p:spPr>
+          <a:xfrm>
+            <a:off x="5972060" y="4931760"/>
+            <a:ext cx="440943" cy="523220"/>
+          </a:xfrm>
+          <a:prstGeom prst="rect">
+            <a:avLst/>
+          </a:prstGeom>
+          <a:noFill/>
+        </p:spPr>
+        <p:txBody>
+          <a:bodyPr wrap="square" rtlCol="0">
+            <a:spAutoFit/>
+          </a:bodyPr>
+          <a:lstStyle/>
+          <a:p>
+            <a:pPr algn="ctr"/>
+            <a:r>
+              <a:rPr lang="en-US" sz="2800" dirty="0">
+                <a:solidFill>
+                  <a:srgbClr val="00B0F0"/>
+                </a:solidFill>
+              </a:rPr>
+              <a:t>+</a:t>
+            </a:r>
+            <a:endParaRPr lang="LID4096" sz="2800" dirty="0">
+              <a:solidFill>
+                <a:srgbClr val="00B0F0"/>
+              </a:solidFill>
+            </a:endParaRPr>
+          </a:p>
+        </p:txBody>
+      </p:sp>
+      <p:sp>
+        <p:nvSpPr>
+          <p:cNvPr id="29" name="TextBox 28">
+            <a:extLst>
+              <a:ext uri="{FF2B5EF4-FFF2-40B4-BE49-F238E27FC236}">
+                <a16:creationId xmlns:a16="http://schemas.microsoft.com/office/drawing/2014/main" id="{31FAA051-BDAB-4D2B-A522-CAC4C6B24A96}"/>
+              </a:ext>
+            </a:extLst>
+          </p:cNvPr>
+          <p:cNvSpPr txBox="1"/>
+          <p:nvPr/>
+        </p:nvSpPr>
+        <p:spPr>
+          <a:xfrm>
+            <a:off x="7043866" y="4670150"/>
+            <a:ext cx="589562" cy="523220"/>
+          </a:xfrm>
+          <a:prstGeom prst="rect">
+            <a:avLst/>
+          </a:prstGeom>
+          <a:noFill/>
+        </p:spPr>
+        <p:txBody>
+          <a:bodyPr wrap="square" rtlCol="0">
+            <a:spAutoFit/>
+          </a:bodyPr>
+          <a:lstStyle/>
+          <a:p>
+            <a:pPr algn="ctr"/>
+            <a:r>
+              <a:rPr lang="en-US" sz="2800" dirty="0">
+                <a:solidFill>
+                  <a:srgbClr val="FF0000"/>
+                </a:solidFill>
+              </a:rPr>
+              <a:t>+</a:t>
+            </a:r>
+            <a:endParaRPr lang="LID4096" sz="2800" dirty="0">
+              <a:solidFill>
+                <a:srgbClr val="FF0000"/>
+              </a:solidFill>
+            </a:endParaRPr>
+          </a:p>
+        </p:txBody>
+      </p:sp>
+      <p:sp>
+        <p:nvSpPr>
+          <p:cNvPr id="30" name="TextBox 29">
+            <a:extLst>
+              <a:ext uri="{FF2B5EF4-FFF2-40B4-BE49-F238E27FC236}">
+                <a16:creationId xmlns:a16="http://schemas.microsoft.com/office/drawing/2014/main" id="{8478C75A-E87C-4C52-B69C-0958B30EF848}"/>
+              </a:ext>
+            </a:extLst>
+          </p:cNvPr>
+          <p:cNvSpPr txBox="1"/>
+          <p:nvPr/>
+        </p:nvSpPr>
+        <p:spPr>
+          <a:xfrm>
+            <a:off x="7451758" y="4462608"/>
+            <a:ext cx="589562" cy="523220"/>
+          </a:xfrm>
+          <a:prstGeom prst="rect">
+            <a:avLst/>
+          </a:prstGeom>
+          <a:noFill/>
+        </p:spPr>
+        <p:txBody>
+          <a:bodyPr wrap="square" rtlCol="0">
+            <a:spAutoFit/>
+          </a:bodyPr>
+          <a:lstStyle/>
+          <a:p>
+            <a:pPr algn="ctr"/>
+            <a:r>
+              <a:rPr lang="en-US" sz="2800" dirty="0">
+                <a:solidFill>
+                  <a:srgbClr val="FF0000"/>
+                </a:solidFill>
+              </a:rPr>
+              <a:t>+</a:t>
+            </a:r>
+            <a:endParaRPr lang="LID4096" sz="2800" dirty="0">
+              <a:solidFill>
+                <a:srgbClr val="FF0000"/>
+              </a:solidFill>
+            </a:endParaRPr>
+          </a:p>
+        </p:txBody>
+      </p:sp>
+      <p:sp>
+        <p:nvSpPr>
+          <p:cNvPr id="31" name="TextBox 30">
+            <a:extLst>
+              <a:ext uri="{FF2B5EF4-FFF2-40B4-BE49-F238E27FC236}">
+                <a16:creationId xmlns:a16="http://schemas.microsoft.com/office/drawing/2014/main" id="{312E96EF-5F5D-48CC-B017-63D404C87445}"/>
+              </a:ext>
+            </a:extLst>
+          </p:cNvPr>
+          <p:cNvSpPr txBox="1"/>
+          <p:nvPr/>
+        </p:nvSpPr>
+        <p:spPr>
+          <a:xfrm>
+            <a:off x="5765386" y="4659191"/>
+            <a:ext cx="589562" cy="523220"/>
+          </a:xfrm>
+          <a:prstGeom prst="rect">
+            <a:avLst/>
+          </a:prstGeom>
+          <a:noFill/>
+        </p:spPr>
+        <p:txBody>
+          <a:bodyPr wrap="square" rtlCol="0">
+            <a:spAutoFit/>
+          </a:bodyPr>
+          <a:lstStyle/>
+          <a:p>
+            <a:pPr algn="ctr"/>
+            <a:r>
+              <a:rPr lang="en-US" sz="2800" dirty="0">
+                <a:solidFill>
+                  <a:srgbClr val="FF0000"/>
+                </a:solidFill>
+              </a:rPr>
+              <a:t>+</a:t>
+            </a:r>
+            <a:endParaRPr lang="LID4096" sz="2800" dirty="0">
+              <a:solidFill>
+                <a:srgbClr val="FF0000"/>
+              </a:solidFill>
+            </a:endParaRPr>
+          </a:p>
+        </p:txBody>
+      </p:sp>
+      <p:sp>
+        <p:nvSpPr>
+          <p:cNvPr id="32" name="TextBox 31">
+            <a:extLst>
+              <a:ext uri="{FF2B5EF4-FFF2-40B4-BE49-F238E27FC236}">
+                <a16:creationId xmlns:a16="http://schemas.microsoft.com/office/drawing/2014/main" id="{96ADAB62-3AE3-4DCB-8B9A-DB0C1910439D}"/>
+              </a:ext>
+            </a:extLst>
+          </p:cNvPr>
+          <p:cNvSpPr txBox="1"/>
+          <p:nvPr/>
+        </p:nvSpPr>
+        <p:spPr>
+          <a:xfrm>
+            <a:off x="5549838" y="4462608"/>
+            <a:ext cx="589562" cy="523220"/>
+          </a:xfrm>
+          <a:prstGeom prst="rect">
+            <a:avLst/>
+          </a:prstGeom>
+          <a:noFill/>
+        </p:spPr>
+        <p:txBody>
+          <a:bodyPr wrap="square" rtlCol="0">
+            <a:spAutoFit/>
+          </a:bodyPr>
+          <a:lstStyle/>
+          <a:p>
+            <a:pPr algn="ctr"/>
+            <a:r>
+              <a:rPr lang="en-US" sz="2800" dirty="0">
+                <a:solidFill>
+                  <a:srgbClr val="FF0000"/>
+                </a:solidFill>
+              </a:rPr>
+              <a:t>+</a:t>
+            </a:r>
+            <a:endParaRPr lang="LID4096" sz="2800" dirty="0">
+              <a:solidFill>
+                <a:srgbClr val="FF0000"/>
+              </a:solidFill>
+            </a:endParaRPr>
+          </a:p>
+        </p:txBody>
+      </p:sp>
+      <p:sp>
+        <p:nvSpPr>
+          <p:cNvPr id="33" name="TextBox 32">
+            <a:extLst>
+              <a:ext uri="{FF2B5EF4-FFF2-40B4-BE49-F238E27FC236}">
+                <a16:creationId xmlns:a16="http://schemas.microsoft.com/office/drawing/2014/main" id="{CACB0CEE-BED0-4D06-A7E7-6121406E9058}"/>
+              </a:ext>
+            </a:extLst>
+          </p:cNvPr>
+          <p:cNvSpPr txBox="1"/>
+          <p:nvPr/>
+        </p:nvSpPr>
+        <p:spPr>
+          <a:xfrm>
+            <a:off x="5127134" y="4374819"/>
+            <a:ext cx="589562" cy="523220"/>
+          </a:xfrm>
+          <a:prstGeom prst="rect">
+            <a:avLst/>
+          </a:prstGeom>
+          <a:noFill/>
+        </p:spPr>
+        <p:txBody>
+          <a:bodyPr wrap="square" rtlCol="0">
+            <a:spAutoFit/>
+          </a:bodyPr>
+          <a:lstStyle/>
+          <a:p>
+            <a:pPr algn="ctr"/>
+            <a:r>
+              <a:rPr lang="en-US" sz="2800" dirty="0">
+                <a:solidFill>
+                  <a:srgbClr val="FF0000"/>
+                </a:solidFill>
+              </a:rPr>
+              <a:t>+</a:t>
+            </a:r>
+            <a:endParaRPr lang="LID4096" sz="2800" dirty="0">
+              <a:solidFill>
+                <a:srgbClr val="FF0000"/>
+              </a:solidFill>
+            </a:endParaRPr>
+          </a:p>
+        </p:txBody>
+      </p:sp>
+    </p:spTree>
+    <p:extLst>
+      <p:ext uri="{BB962C8B-B14F-4D97-AF65-F5344CB8AC3E}">
+        <p14:creationId xmlns:p14="http://schemas.microsoft.com/office/powerpoint/2010/main" val="2242987496"/>
+      </p:ext>
+    </p:extLst>
+  </p:cSld>
+  <p:clrMapOvr>
+    <a:masterClrMapping/>
+  </p:clrMapOvr>
+  <p:timing>
+    <p:tnLst>
+      <p:par>
+        <p:cTn id="1" dur="indefinite" restart="never" nodeType="tmRoot">
+          <p:childTnLst>
+            <p:seq concurrent="1" nextAc="seek">
+              <p:cTn id="2" dur="indefinite" nodeType="mainSeq">
+                <p:childTnLst>
+                  <p:par>
+                    <p:cTn id="3" fill="hold">
+                      <p:stCondLst>
+                        <p:cond delay="indefinite"/>
+                      </p:stCondLst>
+                      <p:childTnLst>
+                        <p:par>
+                          <p:cTn id="4" fill="hold">
+                            <p:stCondLst>
+                              <p:cond delay="0"/>
+                            </p:stCondLst>
+                            <p:childTnLst>
+                              <p:par>
+                                <p:cTn id="5" presetID="1" presetClass="entr" presetSubtype="0" fill="hold" nodeType="clickEffect">
+                                  <p:stCondLst>
+                                    <p:cond delay="0"/>
+                                  </p:stCondLst>
+                                  <p:childTnLst>
+                                    <p:set>
+                                      <p:cBhvr>
+                                        <p:cTn id="6" dur="1" fill="hold">
+                                          <p:stCondLst>
+                                            <p:cond delay="0"/>
+                                          </p:stCondLst>
+                                        </p:cTn>
+                                        <p:tgtEl>
+                                          <p:spTgt spid="14">
+                                            <p:txEl>
+                                              <p:pRg st="0" end="0"/>
+                                            </p:txEl>
+                                          </p:spTgt>
+                                        </p:tgtEl>
+                                        <p:attrNameLst>
+                                          <p:attrName>style.visibility</p:attrName>
+                                        </p:attrNameLst>
+                                      </p:cBhvr>
+                                      <p:to>
+                                        <p:strVal val="visible"/>
+                                      </p:to>
+                                    </p:set>
+                                  </p:childTnLst>
+                                </p:cTn>
+                              </p:par>
+                            </p:childTnLst>
+                          </p:cTn>
+                        </p:par>
+                      </p:childTnLst>
+                    </p:cTn>
+                  </p:par>
+                  <p:par>
+                    <p:cTn id="7" fill="hold">
+                      <p:stCondLst>
+                        <p:cond delay="indefinite"/>
+                      </p:stCondLst>
+                      <p:childTnLst>
+                        <p:par>
+                          <p:cTn id="8" fill="hold">
+                            <p:stCondLst>
+                              <p:cond delay="0"/>
+                            </p:stCondLst>
+                            <p:childTnLst>
+                              <p:par>
+                                <p:cTn id="9" presetID="1" presetClass="entr" presetSubtype="0" fill="hold" nodeType="clickEffect">
+                                  <p:stCondLst>
+                                    <p:cond delay="0"/>
+                                  </p:stCondLst>
+                                  <p:childTnLst>
+                                    <p:set>
+                                      <p:cBhvr>
+                                        <p:cTn id="10" dur="1" fill="hold">
+                                          <p:stCondLst>
+                                            <p:cond delay="0"/>
+                                          </p:stCondLst>
+                                        </p:cTn>
+                                        <p:tgtEl>
+                                          <p:spTgt spid="14">
+                                            <p:txEl>
+                                              <p:pRg st="1" end="1"/>
+                                            </p:txEl>
+                                          </p:spTgt>
+                                        </p:tgtEl>
+                                        <p:attrNameLst>
+                                          <p:attrName>style.visibility</p:attrName>
+                                        </p:attrNameLst>
+                                      </p:cBhvr>
+                                      <p:to>
+                                        <p:strVal val="visible"/>
+                                      </p:to>
+                                    </p:set>
+                                  </p:childTnLst>
+                                </p:cTn>
+                              </p:par>
+                              <p:par>
+                                <p:cTn id="11" presetID="1" presetClass="entr" presetSubtype="0" fill="hold" nodeType="withEffect">
+                                  <p:stCondLst>
+                                    <p:cond delay="0"/>
+                                  </p:stCondLst>
+                                  <p:childTnLst>
+                                    <p:set>
+                                      <p:cBhvr>
+                                        <p:cTn id="12" dur="1" fill="hold">
+                                          <p:stCondLst>
+                                            <p:cond delay="0"/>
+                                          </p:stCondLst>
+                                        </p:cTn>
+                                        <p:tgtEl>
+                                          <p:spTgt spid="19"/>
+                                        </p:tgtEl>
+                                        <p:attrNameLst>
+                                          <p:attrName>style.visibility</p:attrName>
+                                        </p:attrNameLst>
+                                      </p:cBhvr>
+                                      <p:to>
+                                        <p:strVal val="visible"/>
+                                      </p:to>
+                                    </p:set>
+                                  </p:childTnLst>
+                                </p:cTn>
+                              </p:par>
+                              <p:par>
+                                <p:cTn id="13" presetID="1" presetClass="entr" presetSubtype="0" fill="hold" grpId="0" nodeType="withEffect">
+                                  <p:stCondLst>
+                                    <p:cond delay="0"/>
+                                  </p:stCondLst>
+                                  <p:childTnLst>
+                                    <p:set>
+                                      <p:cBhvr>
+                                        <p:cTn id="14" dur="1" fill="hold">
+                                          <p:stCondLst>
+                                            <p:cond delay="0"/>
+                                          </p:stCondLst>
+                                        </p:cTn>
+                                        <p:tgtEl>
+                                          <p:spTgt spid="21"/>
+                                        </p:tgtEl>
+                                        <p:attrNameLst>
+                                          <p:attrName>style.visibility</p:attrName>
+                                        </p:attrNameLst>
+                                      </p:cBhvr>
+                                      <p:to>
+                                        <p:strVal val="visible"/>
+                                      </p:to>
+                                    </p:set>
+                                  </p:childTnLst>
+                                </p:cTn>
+                              </p:par>
+                              <p:par>
+                                <p:cTn id="15" presetID="1" presetClass="entr" presetSubtype="0" fill="hold" nodeType="withEffect">
+                                  <p:stCondLst>
+                                    <p:cond delay="0"/>
+                                  </p:stCondLst>
+                                  <p:childTnLst>
+                                    <p:set>
+                                      <p:cBhvr>
+                                        <p:cTn id="16" dur="1" fill="hold">
+                                          <p:stCondLst>
+                                            <p:cond delay="0"/>
+                                          </p:stCondLst>
+                                        </p:cTn>
+                                        <p:tgtEl>
+                                          <p:spTgt spid="9"/>
+                                        </p:tgtEl>
+                                        <p:attrNameLst>
+                                          <p:attrName>style.visibility</p:attrName>
+                                        </p:attrNameLst>
+                                      </p:cBhvr>
+                                      <p:to>
+                                        <p:strVal val="visible"/>
+                                      </p:to>
+                                    </p:set>
+                                  </p:childTnLst>
+                                </p:cTn>
+                              </p:par>
+                              <p:par>
+                                <p:cTn id="17" presetID="1" presetClass="entr" presetSubtype="0" fill="hold" grpId="0" nodeType="withEffect">
+                                  <p:stCondLst>
+                                    <p:cond delay="0"/>
+                                  </p:stCondLst>
+                                  <p:childTnLst>
+                                    <p:set>
+                                      <p:cBhvr>
+                                        <p:cTn id="18" dur="1" fill="hold">
+                                          <p:stCondLst>
+                                            <p:cond delay="0"/>
+                                          </p:stCondLst>
+                                        </p:cTn>
+                                        <p:tgtEl>
+                                          <p:spTgt spid="27"/>
+                                        </p:tgtEl>
+                                        <p:attrNameLst>
+                                          <p:attrName>style.visibility</p:attrName>
+                                        </p:attrNameLst>
+                                      </p:cBhvr>
+                                      <p:to>
+                                        <p:strVal val="visible"/>
+                                      </p:to>
+                                    </p:set>
+                                  </p:childTnLst>
+                                </p:cTn>
+                              </p:par>
+                              <p:par>
+                                <p:cTn id="19" presetID="1" presetClass="entr" presetSubtype="0" fill="hold" grpId="0" nodeType="withEffect">
+                                  <p:stCondLst>
+                                    <p:cond delay="0"/>
+                                  </p:stCondLst>
+                                  <p:childTnLst>
+                                    <p:set>
+                                      <p:cBhvr>
+                                        <p:cTn id="20" dur="1" fill="hold">
+                                          <p:stCondLst>
+                                            <p:cond delay="0"/>
+                                          </p:stCondLst>
+                                        </p:cTn>
+                                        <p:tgtEl>
+                                          <p:spTgt spid="28"/>
+                                        </p:tgtEl>
+                                        <p:attrNameLst>
+                                          <p:attrName>style.visibility</p:attrName>
+                                        </p:attrNameLst>
+                                      </p:cBhvr>
+                                      <p:to>
+                                        <p:strVal val="visible"/>
+                                      </p:to>
+                                    </p:set>
+                                  </p:childTnLst>
+                                </p:cTn>
+                              </p:par>
+                              <p:par>
+                                <p:cTn id="21" presetID="1" presetClass="entr" presetSubtype="0" fill="hold" grpId="0" nodeType="withEffect">
+                                  <p:stCondLst>
+                                    <p:cond delay="0"/>
+                                  </p:stCondLst>
+                                  <p:childTnLst>
+                                    <p:set>
+                                      <p:cBhvr>
+                                        <p:cTn id="22" dur="1" fill="hold">
+                                          <p:stCondLst>
+                                            <p:cond delay="0"/>
+                                          </p:stCondLst>
+                                        </p:cTn>
+                                        <p:tgtEl>
+                                          <p:spTgt spid="29"/>
+                                        </p:tgtEl>
+                                        <p:attrNameLst>
+                                          <p:attrName>style.visibility</p:attrName>
+                                        </p:attrNameLst>
+                                      </p:cBhvr>
+                                      <p:to>
+                                        <p:strVal val="visible"/>
+                                      </p:to>
+                                    </p:set>
+                                  </p:childTnLst>
+                                </p:cTn>
+                              </p:par>
+                              <p:par>
+                                <p:cTn id="23" presetID="1" presetClass="entr" presetSubtype="0" fill="hold" grpId="0" nodeType="withEffect">
+                                  <p:stCondLst>
+                                    <p:cond delay="0"/>
+                                  </p:stCondLst>
+                                  <p:childTnLst>
+                                    <p:set>
+                                      <p:cBhvr>
+                                        <p:cTn id="24" dur="1" fill="hold">
+                                          <p:stCondLst>
+                                            <p:cond delay="0"/>
+                                          </p:stCondLst>
+                                        </p:cTn>
+                                        <p:tgtEl>
+                                          <p:spTgt spid="30"/>
+                                        </p:tgtEl>
+                                        <p:attrNameLst>
+                                          <p:attrName>style.visibility</p:attrName>
+                                        </p:attrNameLst>
+                                      </p:cBhvr>
+                                      <p:to>
+                                        <p:strVal val="visible"/>
+                                      </p:to>
+                                    </p:set>
+                                  </p:childTnLst>
+                                </p:cTn>
+                              </p:par>
+                              <p:par>
+                                <p:cTn id="25" presetID="1" presetClass="entr" presetSubtype="0" fill="hold" grpId="0" nodeType="withEffect">
+                                  <p:stCondLst>
+                                    <p:cond delay="0"/>
+                                  </p:stCondLst>
+                                  <p:childTnLst>
+                                    <p:set>
+                                      <p:cBhvr>
+                                        <p:cTn id="26" dur="1" fill="hold">
+                                          <p:stCondLst>
+                                            <p:cond delay="0"/>
+                                          </p:stCondLst>
+                                        </p:cTn>
+                                        <p:tgtEl>
+                                          <p:spTgt spid="31"/>
+                                        </p:tgtEl>
+                                        <p:attrNameLst>
+                                          <p:attrName>style.visibility</p:attrName>
+                                        </p:attrNameLst>
+                                      </p:cBhvr>
+                                      <p:to>
+                                        <p:strVal val="visible"/>
+                                      </p:to>
+                                    </p:set>
+                                  </p:childTnLst>
+                                </p:cTn>
+                              </p:par>
+                              <p:par>
+                                <p:cTn id="27" presetID="1" presetClass="entr" presetSubtype="0" fill="hold" grpId="0" nodeType="withEffect">
+                                  <p:stCondLst>
+                                    <p:cond delay="0"/>
+                                  </p:stCondLst>
+                                  <p:childTnLst>
+                                    <p:set>
+                                      <p:cBhvr>
+                                        <p:cTn id="28" dur="1" fill="hold">
+                                          <p:stCondLst>
+                                            <p:cond delay="0"/>
+                                          </p:stCondLst>
+                                        </p:cTn>
+                                        <p:tgtEl>
+                                          <p:spTgt spid="32"/>
+                                        </p:tgtEl>
+                                        <p:attrNameLst>
+                                          <p:attrName>style.visibility</p:attrName>
+                                        </p:attrNameLst>
+                                      </p:cBhvr>
+                                      <p:to>
+                                        <p:strVal val="visible"/>
+                                      </p:to>
+                                    </p:set>
+                                  </p:childTnLst>
+                                </p:cTn>
+                              </p:par>
+                              <p:par>
+                                <p:cTn id="29" presetID="1" presetClass="entr" presetSubtype="0" fill="hold" grpId="0" nodeType="withEffect">
+                                  <p:stCondLst>
+                                    <p:cond delay="0"/>
+                                  </p:stCondLst>
+                                  <p:childTnLst>
+                                    <p:set>
+                                      <p:cBhvr>
+                                        <p:cTn id="30" dur="1" fill="hold">
+                                          <p:stCondLst>
+                                            <p:cond delay="0"/>
+                                          </p:stCondLst>
+                                        </p:cTn>
+                                        <p:tgtEl>
+                                          <p:spTgt spid="33"/>
+                                        </p:tgtEl>
+                                        <p:attrNameLst>
+                                          <p:attrName>style.visibility</p:attrName>
+                                        </p:attrNameLst>
+                                      </p:cBhvr>
+                                      <p:to>
+                                        <p:strVal val="visible"/>
+                                      </p:to>
+                                    </p:set>
+                                  </p:childTnLst>
+                                </p:cTn>
+                              </p:par>
+                            </p:childTnLst>
+                          </p:cTn>
+                        </p:par>
+                      </p:childTnLst>
+                    </p:cTn>
+                  </p:par>
+                  <p:par>
+                    <p:cTn id="31" fill="hold">
+                      <p:stCondLst>
+                        <p:cond delay="indefinite"/>
+                      </p:stCondLst>
+                      <p:childTnLst>
+                        <p:par>
+                          <p:cTn id="32" fill="hold">
+                            <p:stCondLst>
+                              <p:cond delay="0"/>
+                            </p:stCondLst>
+                            <p:childTnLst>
+                              <p:par>
+                                <p:cTn id="33" presetID="1" presetClass="entr" presetSubtype="0" fill="hold" nodeType="clickEffect">
+                                  <p:stCondLst>
+                                    <p:cond delay="0"/>
+                                  </p:stCondLst>
+                                  <p:childTnLst>
+                                    <p:set>
+                                      <p:cBhvr>
+                                        <p:cTn id="34" dur="1" fill="hold">
+                                          <p:stCondLst>
+                                            <p:cond delay="0"/>
+                                          </p:stCondLst>
+                                        </p:cTn>
+                                        <p:tgtEl>
+                                          <p:spTgt spid="14">
+                                            <p:txEl>
+                                              <p:pRg st="10" end="10"/>
+                                            </p:txEl>
+                                          </p:spTgt>
+                                        </p:tgtEl>
+                                        <p:attrNameLst>
+                                          <p:attrName>style.visibility</p:attrName>
+                                        </p:attrNameLst>
+                                      </p:cBhvr>
+                                      <p:to>
+                                        <p:strVal val="visible"/>
+                                      </p:to>
+                                    </p:set>
+                                  </p:childTnLst>
+                                </p:cTn>
+                              </p:par>
+                            </p:childTnLst>
+                          </p:cTn>
+                        </p:par>
+                      </p:childTnLst>
+                    </p:cTn>
+                  </p:par>
+                </p:childTnLst>
+              </p:cTn>
+              <p:prevCondLst>
+                <p:cond evt="onPrev" delay="0">
+                  <p:tgtEl>
+                    <p:sldTgt/>
+                  </p:tgtEl>
+                </p:cond>
+              </p:prevCondLst>
+              <p:nextCondLst>
+                <p:cond evt="onNext" delay="0">
+                  <p:tgtEl>
+                    <p:sldTgt/>
+                  </p:tgtEl>
+                </p:cond>
+              </p:nextCondLst>
+            </p:seq>
+          </p:childTnLst>
+        </p:cTn>
+      </p:par>
+    </p:tnLst>
+    <p:bldLst>
+      <p:bldP spid="21" grpId="0"/>
+      <p:bldP spid="27" grpId="0"/>
+      <p:bldP spid="28" grpId="0"/>
+      <p:bldP spid="29" grpId="0"/>
+      <p:bldP spid="30" grpId="0"/>
+      <p:bldP spid="31" grpId="0"/>
+      <p:bldP spid="32" grpId="0"/>
+      <p:bldP spid="33" grpId="0"/>
+    </p:bldLst>
+  </p:timing>
+</p:sld>
+</file>
+
 <file path=ppt/slides/slide2.xml><?xml version="1.0" encoding="utf-8"?>
 <p:sld xmlns:a="http://schemas.openxmlformats.org/drawingml/2006/main" xmlns:r="http://schemas.openxmlformats.org/officeDocument/2006/relationships" xmlns:p="http://schemas.openxmlformats.org/presentationml/2006/main">
   <p:cSld>
@@ -4378,8 +8472,8 @@
           </a:p>
         </p:txBody>
       </p:sp>
-      <mc:AlternateContent xmlns:mc="http://schemas.openxmlformats.org/markup-compatibility/2006">
-        <mc:Choice xmlns:a14="http://schemas.microsoft.com/office/drawing/2010/main" Requires="a14">
+      <mc:AlternateContent xmlns:mc="http://schemas.openxmlformats.org/markup-compatibility/2006" xmlns:a14="http://schemas.microsoft.com/office/drawing/2010/main">
+        <mc:Choice Requires="a14">
           <p:sp>
             <p:nvSpPr>
               <p:cNvPr id="6" name="TextBox 5">
@@ -4408,6 +8502,7 @@
               </a:bodyPr>
               <a:lstStyle/>
               <a:p>
+                <a:pPr/>
                 <a14:m>
                   <m:oMathPara xmlns:m="http://schemas.openxmlformats.org/officeDocument/2006/math">
                     <m:oMathParaPr>
@@ -4453,13 +8548,7 @@
                             <a:rPr lang="en-US" b="0" i="1" smtClean="0">
                               <a:latin typeface="Cambria Math" panose="02040503050406030204" pitchFamily="18" charset="0"/>
                             </a:rPr>
-                            <m:t>𝑤𝑖𝑡</m:t>
-                          </m:r>
-                          <m:r>
-                            <a:rPr lang="en-US" b="0" i="1" smtClean="0">
-                              <a:latin typeface="Cambria Math" panose="02040503050406030204" pitchFamily="18" charset="0"/>
-                            </a:rPr>
-                            <m:t>h</m:t>
+                            <m:t>𝑤𝑖𝑡h</m:t>
                           </m:r>
                           <m:r>
                             <a:rPr lang="en-US" b="0" i="1" smtClean="0">
@@ -4502,19 +8591,7 @@
                             <a:rPr lang="en-US" b="0" i="1" smtClean="0">
                               <a:latin typeface="Cambria Math" panose="02040503050406030204" pitchFamily="18" charset="0"/>
                             </a:rPr>
-                            <m:t>6</m:t>
-                          </m:r>
-                          <m:r>
-                            <a:rPr lang="en-US" b="0" i="1" smtClean="0">
-                              <a:latin typeface="Cambria Math" panose="02040503050406030204" pitchFamily="18" charset="0"/>
-                            </a:rPr>
-                            <m:t>+</m:t>
-                          </m:r>
-                          <m:r>
-                            <a:rPr lang="en-US" b="0" i="1" smtClean="0">
-                              <a:latin typeface="Cambria Math" panose="02040503050406030204" pitchFamily="18" charset="0"/>
-                            </a:rPr>
-                            <m:t>2</m:t>
+                            <m:t>6+2</m:t>
                           </m:r>
                         </m:den>
                       </m:f>
@@ -4522,25 +8599,7 @@
                         <a:rPr lang="en-US" b="0" i="1" smtClean="0">
                           <a:latin typeface="Cambria Math" panose="02040503050406030204" pitchFamily="18" charset="0"/>
                         </a:rPr>
-                        <m:t>=</m:t>
-                      </m:r>
-                      <m:r>
-                        <a:rPr lang="en-US" b="0" i="1" smtClean="0">
-                          <a:latin typeface="Cambria Math" panose="02040503050406030204" pitchFamily="18" charset="0"/>
-                        </a:rPr>
-                        <m:t>0</m:t>
-                      </m:r>
-                      <m:r>
-                        <a:rPr lang="en-US" b="0" i="1" smtClean="0">
-                          <a:latin typeface="Cambria Math" panose="02040503050406030204" pitchFamily="18" charset="0"/>
-                        </a:rPr>
-                        <m:t>.</m:t>
-                      </m:r>
-                      <m:r>
-                        <a:rPr lang="en-US" b="0" i="1" smtClean="0">
-                          <a:latin typeface="Cambria Math" panose="02040503050406030204" pitchFamily="18" charset="0"/>
-                        </a:rPr>
-                        <m:t>75</m:t>
+                        <m:t>=0.75</m:t>
                       </m:r>
                     </m:oMath>
                   </m:oMathPara>
@@ -4550,7 +8609,7 @@
             </p:txBody>
           </p:sp>
         </mc:Choice>
-        <mc:Fallback>
+        <mc:Fallback xmlns="">
           <p:sp>
             <p:nvSpPr>
               <p:cNvPr id="6" name="TextBox 5">
@@ -4595,8 +8654,8 @@
           </p:sp>
         </mc:Fallback>
       </mc:AlternateContent>
-      <mc:AlternateContent xmlns:mc="http://schemas.openxmlformats.org/markup-compatibility/2006">
-        <mc:Choice xmlns:a14="http://schemas.microsoft.com/office/drawing/2010/main" Requires="a14">
+      <mc:AlternateContent xmlns:mc="http://schemas.openxmlformats.org/markup-compatibility/2006" xmlns:a14="http://schemas.microsoft.com/office/drawing/2010/main">
+        <mc:Choice Requires="a14">
           <p:sp>
             <p:nvSpPr>
               <p:cNvPr id="8" name="TextBox 7">
@@ -4796,7 +8855,7 @@
             </p:txBody>
           </p:sp>
         </mc:Choice>
-        <mc:Fallback>
+        <mc:Fallback xmlns="">
           <p:sp>
             <p:nvSpPr>
               <p:cNvPr id="8" name="TextBox 7">
@@ -5737,8 +9796,8 @@
           <a:chExt cx="0" cy="0"/>
         </a:xfrm>
       </p:grpSpPr>
-      <mc:AlternateContent xmlns:mc="http://schemas.openxmlformats.org/markup-compatibility/2006">
-        <mc:Choice xmlns:a14="http://schemas.microsoft.com/office/drawing/2010/main" Requires="a14">
+      <mc:AlternateContent xmlns:mc="http://schemas.openxmlformats.org/markup-compatibility/2006" xmlns:a14="http://schemas.microsoft.com/office/drawing/2010/main">
+        <mc:Choice Requires="a14">
           <p:sp>
             <p:nvSpPr>
               <p:cNvPr id="2" name="TextBox 1">
@@ -5869,25 +9928,7 @@
                             <a:rPr lang="en-US" b="0" i="1" smtClean="0">
                               <a:latin typeface="Cambria Math" panose="02040503050406030204" pitchFamily="18" charset="0"/>
                             </a:rPr>
-                            <m:t>h</m:t>
-                          </m:r>
-                          <m:r>
-                            <a:rPr lang="en-US" b="0" i="1" smtClean="0">
-                              <a:latin typeface="Cambria Math" panose="02040503050406030204" pitchFamily="18" charset="0"/>
-                            </a:rPr>
-                            <m:t>𝑒𝑎𝑙𝑡</m:t>
-                          </m:r>
-                          <m:r>
-                            <a:rPr lang="en-US" b="0" i="1" smtClean="0">
-                              <a:latin typeface="Cambria Math" panose="02040503050406030204" pitchFamily="18" charset="0"/>
-                            </a:rPr>
-                            <m:t>h</m:t>
-                          </m:r>
-                          <m:r>
-                            <a:rPr lang="en-US" b="0" i="1" smtClean="0">
-                              <a:latin typeface="Cambria Math" panose="02040503050406030204" pitchFamily="18" charset="0"/>
-                            </a:rPr>
-                            <m:t>𝑦</m:t>
+                            <m:t>h𝑒𝑎𝑙𝑡h𝑦</m:t>
                           </m:r>
                         </m:e>
                       </m:d>
@@ -5895,25 +9936,7 @@
                         <a:rPr lang="en-US" b="0" i="1" smtClean="0">
                           <a:latin typeface="Cambria Math" panose="02040503050406030204" pitchFamily="18" charset="0"/>
                         </a:rPr>
-                        <m:t>=</m:t>
-                      </m:r>
-                      <m:r>
-                        <a:rPr lang="en-US" b="0" i="1" smtClean="0">
-                          <a:latin typeface="Cambria Math" panose="02040503050406030204" pitchFamily="18" charset="0"/>
-                        </a:rPr>
-                        <m:t>0</m:t>
-                      </m:r>
-                      <m:r>
-                        <a:rPr lang="en-US" b="0" i="1" smtClean="0">
-                          <a:latin typeface="Cambria Math" panose="02040503050406030204" pitchFamily="18" charset="0"/>
-                        </a:rPr>
-                        <m:t>.</m:t>
-                      </m:r>
-                      <m:r>
-                        <a:rPr lang="en-US" b="0" i="1" smtClean="0">
-                          <a:latin typeface="Cambria Math" panose="02040503050406030204" pitchFamily="18" charset="0"/>
-                        </a:rPr>
-                        <m:t>01</m:t>
+                        <m:t>=0.01</m:t>
                       </m:r>
                     </m:oMath>
                   </m:oMathPara>
@@ -5997,25 +10020,7 @@
                       <a:rPr lang="en-US" b="0" i="1" smtClean="0">
                         <a:latin typeface="Cambria Math" panose="02040503050406030204" pitchFamily="18" charset="0"/>
                       </a:rPr>
-                      <m:t>h</m:t>
-                    </m:r>
-                    <m:r>
-                      <a:rPr lang="en-US" b="0" i="1" smtClean="0">
-                        <a:latin typeface="Cambria Math" panose="02040503050406030204" pitchFamily="18" charset="0"/>
-                      </a:rPr>
-                      <m:t>𝑒𝑎𝑙𝑡</m:t>
-                    </m:r>
-                    <m:r>
-                      <a:rPr lang="en-US" b="0" i="1" smtClean="0">
-                        <a:latin typeface="Cambria Math" panose="02040503050406030204" pitchFamily="18" charset="0"/>
-                      </a:rPr>
-                      <m:t>h</m:t>
-                    </m:r>
-                    <m:r>
-                      <a:rPr lang="en-US" b="0" i="1" smtClean="0">
-                        <a:latin typeface="Cambria Math" panose="02040503050406030204" pitchFamily="18" charset="0"/>
-                      </a:rPr>
-                      <m:t>𝑦</m:t>
+                      <m:t>h𝑒𝑎𝑙𝑡h𝑦</m:t>
                     </m:r>
                   </m:oMath>
                 </a14:m>
@@ -6063,25 +10068,7 @@
                         <a:rPr lang="en-US" b="0" i="1" smtClean="0">
                           <a:latin typeface="Cambria Math" panose="02040503050406030204" pitchFamily="18" charset="0"/>
                         </a:rPr>
-                        <m:t>=</m:t>
-                      </m:r>
-                      <m:r>
-                        <a:rPr lang="en-US" b="0" i="1" smtClean="0">
-                          <a:latin typeface="Cambria Math" panose="02040503050406030204" pitchFamily="18" charset="0"/>
-                        </a:rPr>
-                        <m:t>0</m:t>
-                      </m:r>
-                      <m:r>
-                        <a:rPr lang="en-US" b="0" i="1" smtClean="0">
-                          <a:latin typeface="Cambria Math" panose="02040503050406030204" pitchFamily="18" charset="0"/>
-                        </a:rPr>
-                        <m:t>.</m:t>
-                      </m:r>
-                      <m:r>
-                        <a:rPr lang="en-US" b="0" i="1" smtClean="0">
-                          <a:latin typeface="Cambria Math" panose="02040503050406030204" pitchFamily="18" charset="0"/>
-                        </a:rPr>
-                        <m:t>1</m:t>
+                        <m:t>=0.1</m:t>
                       </m:r>
                     </m:oMath>
                   </m:oMathPara>
@@ -6119,25 +10106,7 @@
                             <a:rPr lang="en-US" b="0" i="1" smtClean="0">
                               <a:latin typeface="Cambria Math" panose="02040503050406030204" pitchFamily="18" charset="0"/>
                             </a:rPr>
-                            <m:t>h</m:t>
-                          </m:r>
-                          <m:r>
-                            <a:rPr lang="en-US" b="0" i="1" smtClean="0">
-                              <a:latin typeface="Cambria Math" panose="02040503050406030204" pitchFamily="18" charset="0"/>
-                            </a:rPr>
-                            <m:t>𝑒𝑎𝑙𝑡</m:t>
-                          </m:r>
-                          <m:r>
-                            <a:rPr lang="en-US" b="0" i="1" smtClean="0">
-                              <a:latin typeface="Cambria Math" panose="02040503050406030204" pitchFamily="18" charset="0"/>
-                            </a:rPr>
-                            <m:t>h</m:t>
-                          </m:r>
-                          <m:r>
-                            <a:rPr lang="en-US" b="0" i="1" smtClean="0">
-                              <a:latin typeface="Cambria Math" panose="02040503050406030204" pitchFamily="18" charset="0"/>
-                            </a:rPr>
-                            <m:t>𝑦</m:t>
+                            <m:t>h𝑒𝑎𝑙𝑡h𝑦</m:t>
                           </m:r>
                         </m:e>
                       </m:d>
@@ -6145,19 +10114,7 @@
                         <a:rPr lang="en-US" b="0" i="1" smtClean="0">
                           <a:latin typeface="Cambria Math" panose="02040503050406030204" pitchFamily="18" charset="0"/>
                         </a:rPr>
-                        <m:t>=</m:t>
-                      </m:r>
-                      <m:r>
-                        <a:rPr lang="en-US" b="0" i="1" smtClean="0">
-                          <a:latin typeface="Cambria Math" panose="02040503050406030204" pitchFamily="18" charset="0"/>
-                        </a:rPr>
-                        <m:t>1</m:t>
-                      </m:r>
-                      <m:r>
-                        <a:rPr lang="en-US" b="0" i="1" smtClean="0">
-                          <a:latin typeface="Cambria Math" panose="02040503050406030204" pitchFamily="18" charset="0"/>
-                        </a:rPr>
-                        <m:t>−</m:t>
+                        <m:t>=1−</m:t>
                       </m:r>
                       <m:r>
                         <a:rPr lang="en-US" b="0" i="1" smtClean="0">
@@ -6186,25 +10143,7 @@
                         <a:rPr lang="en-US" b="0" i="1" smtClean="0">
                           <a:latin typeface="Cambria Math" panose="02040503050406030204" pitchFamily="18" charset="0"/>
                         </a:rPr>
-                        <m:t>=</m:t>
-                      </m:r>
-                      <m:r>
-                        <a:rPr lang="en-US" b="0" i="1" smtClean="0">
-                          <a:latin typeface="Cambria Math" panose="02040503050406030204" pitchFamily="18" charset="0"/>
-                        </a:rPr>
-                        <m:t>0</m:t>
-                      </m:r>
-                      <m:r>
-                        <a:rPr lang="en-US" b="0" i="1" smtClean="0">
-                          <a:latin typeface="Cambria Math" panose="02040503050406030204" pitchFamily="18" charset="0"/>
-                        </a:rPr>
-                        <m:t>.</m:t>
-                      </m:r>
-                      <m:r>
-                        <a:rPr lang="en-US" b="0" i="1" smtClean="0">
-                          <a:latin typeface="Cambria Math" panose="02040503050406030204" pitchFamily="18" charset="0"/>
-                        </a:rPr>
-                        <m:t>99</m:t>
+                        <m:t>=0.99</m:t>
                       </m:r>
                     </m:oMath>
                   </m:oMathPara>
@@ -6214,7 +10153,7 @@
             </p:txBody>
           </p:sp>
         </mc:Choice>
-        <mc:Fallback>
+        <mc:Fallback xmlns="">
           <p:sp>
             <p:nvSpPr>
               <p:cNvPr id="2" name="TextBox 1">
@@ -7018,8 +10957,8 @@
           </a:p>
         </p:txBody>
       </p:sp>
-      <mc:AlternateContent xmlns:mc="http://schemas.openxmlformats.org/markup-compatibility/2006">
-        <mc:Choice xmlns:a14="http://schemas.microsoft.com/office/drawing/2010/main" Requires="a14">
+      <mc:AlternateContent xmlns:mc="http://schemas.openxmlformats.org/markup-compatibility/2006" xmlns:a14="http://schemas.microsoft.com/office/drawing/2010/main">
+        <mc:Choice Requires="a14">
           <p:sp>
             <p:nvSpPr>
               <p:cNvPr id="4" name="TextBox 3">
@@ -7048,6 +10987,7 @@
               </a:bodyPr>
               <a:lstStyle/>
               <a:p>
+                <a:pPr/>
                 <a14:m>
                   <m:oMathPara xmlns:m="http://schemas.openxmlformats.org/officeDocument/2006/math">
                     <m:oMathParaPr>
@@ -7285,6 +11225,7 @@
                 <a:endParaRPr lang="en-US" b="0" dirty="0"/>
               </a:p>
               <a:p>
+                <a:pPr/>
                 <a14:m>
                   <m:oMathPara xmlns:m="http://schemas.openxmlformats.org/officeDocument/2006/math">
                     <m:oMathParaPr>
@@ -7754,7 +11695,7 @@
             </p:txBody>
           </p:sp>
         </mc:Choice>
-        <mc:Fallback>
+        <mc:Fallback xmlns="">
           <p:sp>
             <p:nvSpPr>
               <p:cNvPr id="4" name="TextBox 3">
@@ -7829,8 +11770,8 @@
           <a:chExt cx="0" cy="0"/>
         </a:xfrm>
       </p:grpSpPr>
-      <mc:AlternateContent xmlns:mc="http://schemas.openxmlformats.org/markup-compatibility/2006">
-        <mc:Choice xmlns:a14="http://schemas.microsoft.com/office/drawing/2010/main" Requires="a14">
+      <mc:AlternateContent xmlns:mc="http://schemas.openxmlformats.org/markup-compatibility/2006" xmlns:a14="http://schemas.microsoft.com/office/drawing/2010/main">
+        <mc:Choice Requires="a14">
           <p:sp>
             <p:nvSpPr>
               <p:cNvPr id="6" name="TextBox 5">
@@ -9399,7 +13340,7 @@
             </p:txBody>
           </p:sp>
         </mc:Choice>
-        <mc:Fallback>
+        <mc:Fallback xmlns="">
           <p:sp>
             <p:nvSpPr>
               <p:cNvPr id="6" name="TextBox 5">
@@ -9444,8 +13385,8 @@
           </p:sp>
         </mc:Fallback>
       </mc:AlternateContent>
-      <mc:AlternateContent xmlns:mc="http://schemas.openxmlformats.org/markup-compatibility/2006">
-        <mc:Choice xmlns:a14="http://schemas.microsoft.com/office/drawing/2010/main" Requires="a14">
+      <mc:AlternateContent xmlns:mc="http://schemas.openxmlformats.org/markup-compatibility/2006" xmlns:a14="http://schemas.microsoft.com/office/drawing/2010/main">
+        <mc:Choice Requires="a14">
           <p:sp>
             <p:nvSpPr>
               <p:cNvPr id="7" name="TextBox 6">
@@ -9497,77 +13438,103 @@
                     </m:oMathParaPr>
                     <m:oMath xmlns:m="http://schemas.openxmlformats.org/officeDocument/2006/math">
                       <m:r>
-                        <a:rPr lang="fa-IR" i="1"/>
+                        <a:rPr lang="fa-IR" i="1">
+                          <a:latin typeface="Cambria Math" panose="02040503050406030204" pitchFamily="18" charset="0"/>
+                        </a:rPr>
                         <m:t>𝑝</m:t>
                       </m:r>
                       <m:d>
                         <m:dPr>
                           <m:ctrlPr>
-                            <a:rPr lang="fa-IR" i="1"/>
+                            <a:rPr lang="fa-IR" i="1">
+                              <a:latin typeface="Cambria Math" panose="02040503050406030204" pitchFamily="18" charset="0"/>
+                            </a:rPr>
                           </m:ctrlPr>
                         </m:dPr>
                         <m:e>
                           <m:sSub>
                             <m:sSubPr>
                               <m:ctrlPr>
-                                <a:rPr lang="fa-IR" i="1"/>
+                                <a:rPr lang="fa-IR" i="1">
+                                  <a:latin typeface="Cambria Math" panose="02040503050406030204" pitchFamily="18" charset="0"/>
+                                </a:rPr>
                               </m:ctrlPr>
                             </m:sSubPr>
                             <m:e>
                               <m:r>
-                                <a:rPr lang="fa-IR" i="1"/>
+                                <a:rPr lang="fa-IR" i="1">
+                                  <a:latin typeface="Cambria Math" panose="02040503050406030204" pitchFamily="18" charset="0"/>
+                                </a:rPr>
                                 <m:t>𝑥</m:t>
                               </m:r>
                             </m:e>
                             <m:sub>
                               <m:r>
-                                <a:rPr lang="fa-IR" i="1"/>
+                                <a:rPr lang="fa-IR" i="1">
+                                  <a:latin typeface="Cambria Math" panose="02040503050406030204" pitchFamily="18" charset="0"/>
+                                </a:rPr>
                                 <m:t>1</m:t>
                               </m:r>
                             </m:sub>
                           </m:sSub>
                           <m:r>
-                            <a:rPr lang="fa-IR" i="1"/>
+                            <a:rPr lang="fa-IR" i="1">
+                              <a:latin typeface="Cambria Math" panose="02040503050406030204" pitchFamily="18" charset="0"/>
+                            </a:rPr>
                             <m:t>,</m:t>
                           </m:r>
                           <m:sSub>
                             <m:sSubPr>
                               <m:ctrlPr>
-                                <a:rPr lang="fa-IR" i="1"/>
+                                <a:rPr lang="fa-IR" i="1">
+                                  <a:latin typeface="Cambria Math" panose="02040503050406030204" pitchFamily="18" charset="0"/>
+                                </a:rPr>
                               </m:ctrlPr>
                             </m:sSubPr>
                             <m:e>
                               <m:r>
-                                <a:rPr lang="fa-IR" i="1"/>
+                                <a:rPr lang="fa-IR" i="1">
+                                  <a:latin typeface="Cambria Math" panose="02040503050406030204" pitchFamily="18" charset="0"/>
+                                </a:rPr>
                                 <m:t>𝑥</m:t>
                               </m:r>
                             </m:e>
                             <m:sub>
                               <m:r>
-                                <a:rPr lang="fa-IR" i="1"/>
+                                <a:rPr lang="fa-IR" i="1">
+                                  <a:latin typeface="Cambria Math" panose="02040503050406030204" pitchFamily="18" charset="0"/>
+                                </a:rPr>
                                 <m:t>2</m:t>
                               </m:r>
                             </m:sub>
                           </m:sSub>
                           <m:r>
-                            <a:rPr lang="fa-IR" i="1"/>
+                            <a:rPr lang="fa-IR" i="1">
+                              <a:latin typeface="Cambria Math" panose="02040503050406030204" pitchFamily="18" charset="0"/>
+                            </a:rPr>
                             <m:t>,…,</m:t>
                           </m:r>
                           <m:sSub>
                             <m:sSubPr>
                               <m:ctrlPr>
-                                <a:rPr lang="fa-IR" i="1"/>
+                                <a:rPr lang="fa-IR" i="1">
+                                  <a:latin typeface="Cambria Math" panose="02040503050406030204" pitchFamily="18" charset="0"/>
+                                </a:rPr>
                               </m:ctrlPr>
                             </m:sSubPr>
                             <m:e>
                               <m:r>
-                                <a:rPr lang="fa-IR" i="1"/>
+                                <a:rPr lang="fa-IR" i="1">
+                                  <a:latin typeface="Cambria Math" panose="02040503050406030204" pitchFamily="18" charset="0"/>
+                                </a:rPr>
                                 <m:t>𝑥</m:t>
                               </m:r>
                             </m:e>
                             <m:sub>
                               <m:r>
-                                <a:rPr lang="fa-IR" i="1"/>
+                                <a:rPr lang="fa-IR" i="1">
+                                  <a:latin typeface="Cambria Math" panose="02040503050406030204" pitchFamily="18" charset="0"/>
+                                </a:rPr>
                                 <m:t>𝑛</m:t>
                               </m:r>
                             </m:sub>
@@ -9577,18 +13544,24 @@
                           <m:sSub>
                             <m:sSubPr>
                               <m:ctrlPr>
-                                <a:rPr lang="fa-IR" i="1"/>
+                                <a:rPr lang="fa-IR" i="1">
+                                  <a:latin typeface="Cambria Math" panose="02040503050406030204" pitchFamily="18" charset="0"/>
+                                </a:rPr>
                               </m:ctrlPr>
                             </m:sSubPr>
                             <m:e>
                               <m:r>
-                                <a:rPr lang="fa-IR" i="1"/>
+                                <a:rPr lang="fa-IR" i="1">
+                                  <a:latin typeface="Cambria Math" panose="02040503050406030204" pitchFamily="18" charset="0"/>
+                                </a:rPr>
                                 <m:t>𝐶</m:t>
                               </m:r>
                             </m:e>
                             <m:sub>
                               <m:r>
-                                <a:rPr lang="fa-IR" i="1"/>
+                                <a:rPr lang="fa-IR" i="1">
+                                  <a:latin typeface="Cambria Math" panose="02040503050406030204" pitchFamily="18" charset="0"/>
+                                </a:rPr>
                                 <m:t>𝑘</m:t>
                               </m:r>
                             </m:sub>
@@ -9596,35 +13569,47 @@
                         </m:e>
                       </m:d>
                       <m:r>
-                        <a:rPr lang="fa-IR" i="1"/>
+                        <a:rPr lang="fa-IR" i="1">
+                          <a:latin typeface="Cambria Math" panose="02040503050406030204" pitchFamily="18" charset="0"/>
+                        </a:rPr>
                         <m:t>=</m:t>
                       </m:r>
                       <m:r>
-                        <a:rPr lang="fa-IR" i="1"/>
+                        <a:rPr lang="fa-IR" i="1">
+                          <a:latin typeface="Cambria Math" panose="02040503050406030204" pitchFamily="18" charset="0"/>
+                        </a:rPr>
                         <m:t>𝑝</m:t>
                       </m:r>
                       <m:d>
                         <m:dPr>
                           <m:ctrlPr>
-                            <a:rPr lang="fa-IR" i="1"/>
+                            <a:rPr lang="fa-IR" i="1">
+                              <a:latin typeface="Cambria Math" panose="02040503050406030204" pitchFamily="18" charset="0"/>
+                            </a:rPr>
                           </m:ctrlPr>
                         </m:dPr>
                         <m:e>
                           <m:sSub>
                             <m:sSubPr>
                               <m:ctrlPr>
-                                <a:rPr lang="fa-IR" i="1"/>
+                                <a:rPr lang="fa-IR" i="1">
+                                  <a:latin typeface="Cambria Math" panose="02040503050406030204" pitchFamily="18" charset="0"/>
+                                </a:rPr>
                               </m:ctrlPr>
                             </m:sSubPr>
                             <m:e>
                               <m:r>
-                                <a:rPr lang="fa-IR" i="1"/>
+                                <a:rPr lang="fa-IR" i="1">
+                                  <a:latin typeface="Cambria Math" panose="02040503050406030204" pitchFamily="18" charset="0"/>
+                                </a:rPr>
                                 <m:t>𝑥</m:t>
                               </m:r>
                             </m:e>
                             <m:sub>
                               <m:r>
-                                <a:rPr lang="fa-IR" i="1"/>
+                                <a:rPr lang="fa-IR" i="1">
+                                  <a:latin typeface="Cambria Math" panose="02040503050406030204" pitchFamily="18" charset="0"/>
+                                </a:rPr>
                                 <m:t>1</m:t>
                               </m:r>
                             </m:sub>
@@ -9634,18 +13619,24 @@
                           <m:sSub>
                             <m:sSubPr>
                               <m:ctrlPr>
-                                <a:rPr lang="fa-IR" i="1"/>
+                                <a:rPr lang="fa-IR" i="1">
+                                  <a:latin typeface="Cambria Math" panose="02040503050406030204" pitchFamily="18" charset="0"/>
+                                </a:rPr>
                               </m:ctrlPr>
                             </m:sSubPr>
                             <m:e>
                               <m:r>
-                                <a:rPr lang="fa-IR" i="1"/>
+                                <a:rPr lang="fa-IR" i="1">
+                                  <a:latin typeface="Cambria Math" panose="02040503050406030204" pitchFamily="18" charset="0"/>
+                                </a:rPr>
                                 <m:t>𝐶</m:t>
                               </m:r>
                             </m:e>
                             <m:sub>
                               <m:r>
-                                <a:rPr lang="fa-IR" i="1"/>
+                                <a:rPr lang="fa-IR" i="1">
+                                  <a:latin typeface="Cambria Math" panose="02040503050406030204" pitchFamily="18" charset="0"/>
+                                </a:rPr>
                                 <m:t>𝑘</m:t>
                               </m:r>
                             </m:sub>
@@ -9653,35 +13644,47 @@
                         </m:e>
                       </m:d>
                       <m:r>
-                        <a:rPr lang="fa-IR" i="1"/>
+                        <a:rPr lang="fa-IR" i="1">
+                          <a:latin typeface="Cambria Math" panose="02040503050406030204" pitchFamily="18" charset="0"/>
+                        </a:rPr>
                         <m:t>.</m:t>
                       </m:r>
                       <m:r>
-                        <a:rPr lang="fa-IR" i="1"/>
+                        <a:rPr lang="fa-IR" i="1">
+                          <a:latin typeface="Cambria Math" panose="02040503050406030204" pitchFamily="18" charset="0"/>
+                        </a:rPr>
                         <m:t>𝑝</m:t>
                       </m:r>
                       <m:d>
                         <m:dPr>
                           <m:ctrlPr>
-                            <a:rPr lang="fa-IR" i="1"/>
+                            <a:rPr lang="fa-IR" i="1">
+                              <a:latin typeface="Cambria Math" panose="02040503050406030204" pitchFamily="18" charset="0"/>
+                            </a:rPr>
                           </m:ctrlPr>
                         </m:dPr>
                         <m:e>
                           <m:sSub>
                             <m:sSubPr>
                               <m:ctrlPr>
-                                <a:rPr lang="fa-IR" i="1"/>
+                                <a:rPr lang="fa-IR" i="1">
+                                  <a:latin typeface="Cambria Math" panose="02040503050406030204" pitchFamily="18" charset="0"/>
+                                </a:rPr>
                               </m:ctrlPr>
                             </m:sSubPr>
                             <m:e>
                               <m:r>
-                                <a:rPr lang="fa-IR" i="1"/>
+                                <a:rPr lang="fa-IR" i="1">
+                                  <a:latin typeface="Cambria Math" panose="02040503050406030204" pitchFamily="18" charset="0"/>
+                                </a:rPr>
                                 <m:t>𝑥</m:t>
                               </m:r>
                             </m:e>
                             <m:sub>
                               <m:r>
-                                <a:rPr lang="fa-IR" i="1"/>
+                                <a:rPr lang="fa-IR" i="1">
+                                  <a:latin typeface="Cambria Math" panose="02040503050406030204" pitchFamily="18" charset="0"/>
+                                </a:rPr>
                                 <m:t>2</m:t>
                               </m:r>
                             </m:sub>
@@ -9691,18 +13694,24 @@
                           <m:sSub>
                             <m:sSubPr>
                               <m:ctrlPr>
-                                <a:rPr lang="fa-IR" i="1"/>
+                                <a:rPr lang="fa-IR" i="1">
+                                  <a:latin typeface="Cambria Math" panose="02040503050406030204" pitchFamily="18" charset="0"/>
+                                </a:rPr>
                               </m:ctrlPr>
                             </m:sSubPr>
                             <m:e>
                               <m:r>
-                                <a:rPr lang="fa-IR" i="1"/>
+                                <a:rPr lang="fa-IR" i="1">
+                                  <a:latin typeface="Cambria Math" panose="02040503050406030204" pitchFamily="18" charset="0"/>
+                                </a:rPr>
                                 <m:t>𝐶</m:t>
                               </m:r>
                             </m:e>
                             <m:sub>
                               <m:r>
-                                <a:rPr lang="fa-IR" i="1"/>
+                                <a:rPr lang="fa-IR" i="1">
+                                  <a:latin typeface="Cambria Math" panose="02040503050406030204" pitchFamily="18" charset="0"/>
+                                </a:rPr>
                                 <m:t>𝑘</m:t>
                               </m:r>
                             </m:sub>
@@ -9710,35 +13719,47 @@
                         </m:e>
                       </m:d>
                       <m:r>
-                        <a:rPr lang="fa-IR" i="1"/>
+                        <a:rPr lang="fa-IR" i="1">
+                          <a:latin typeface="Cambria Math" panose="02040503050406030204" pitchFamily="18" charset="0"/>
+                        </a:rPr>
                         <m:t>….</m:t>
                       </m:r>
                       <m:r>
-                        <a:rPr lang="fa-IR" i="1"/>
+                        <a:rPr lang="fa-IR" i="1">
+                          <a:latin typeface="Cambria Math" panose="02040503050406030204" pitchFamily="18" charset="0"/>
+                        </a:rPr>
                         <m:t>𝑝</m:t>
                       </m:r>
                       <m:d>
                         <m:dPr>
                           <m:ctrlPr>
-                            <a:rPr lang="fa-IR" i="1"/>
+                            <a:rPr lang="fa-IR" i="1">
+                              <a:latin typeface="Cambria Math" panose="02040503050406030204" pitchFamily="18" charset="0"/>
+                            </a:rPr>
                           </m:ctrlPr>
                         </m:dPr>
                         <m:e>
                           <m:sSub>
                             <m:sSubPr>
                               <m:ctrlPr>
-                                <a:rPr lang="fa-IR" i="1"/>
+                                <a:rPr lang="fa-IR" i="1">
+                                  <a:latin typeface="Cambria Math" panose="02040503050406030204" pitchFamily="18" charset="0"/>
+                                </a:rPr>
                               </m:ctrlPr>
                             </m:sSubPr>
                             <m:e>
                               <m:r>
-                                <a:rPr lang="fa-IR" i="1"/>
+                                <a:rPr lang="fa-IR" i="1">
+                                  <a:latin typeface="Cambria Math" panose="02040503050406030204" pitchFamily="18" charset="0"/>
+                                </a:rPr>
                                 <m:t>𝑥</m:t>
                               </m:r>
                             </m:e>
                             <m:sub>
                               <m:r>
-                                <a:rPr lang="fa-IR" i="1"/>
+                                <a:rPr lang="fa-IR" i="1">
+                                  <a:latin typeface="Cambria Math" panose="02040503050406030204" pitchFamily="18" charset="0"/>
+                                </a:rPr>
                                 <m:t>𝑛</m:t>
                               </m:r>
                             </m:sub>
@@ -9748,18 +13769,24 @@
                           <m:sSub>
                             <m:sSubPr>
                               <m:ctrlPr>
-                                <a:rPr lang="fa-IR" i="1"/>
+                                <a:rPr lang="fa-IR" i="1">
+                                  <a:latin typeface="Cambria Math" panose="02040503050406030204" pitchFamily="18" charset="0"/>
+                                </a:rPr>
                               </m:ctrlPr>
                             </m:sSubPr>
                             <m:e>
                               <m:r>
-                                <a:rPr lang="fa-IR" i="1"/>
+                                <a:rPr lang="fa-IR" i="1">
+                                  <a:latin typeface="Cambria Math" panose="02040503050406030204" pitchFamily="18" charset="0"/>
+                                </a:rPr>
                                 <m:t>𝐶</m:t>
                               </m:r>
                             </m:e>
                             <m:sub>
                               <m:r>
-                                <a:rPr lang="fa-IR" i="1"/>
+                                <a:rPr lang="fa-IR" i="1">
+                                  <a:latin typeface="Cambria Math" panose="02040503050406030204" pitchFamily="18" charset="0"/>
+                                </a:rPr>
                                 <m:t>𝑘</m:t>
                               </m:r>
                             </m:sub>
@@ -9767,7 +13794,9 @@
                         </m:e>
                       </m:d>
                       <m:r>
-                        <a:rPr lang="fa-IR" i="1"/>
+                        <a:rPr lang="fa-IR" i="1">
+                          <a:latin typeface="Cambria Math" panose="02040503050406030204" pitchFamily="18" charset="0"/>
+                        </a:rPr>
                         <m:t>=</m:t>
                       </m:r>
                       <m:nary>
@@ -9775,82 +13804,112 @@
                           <m:chr m:val="∏"/>
                           <m:limLoc m:val="undOvr"/>
                           <m:ctrlPr>
-                            <a:rPr lang="fa-IR" i="1"/>
+                            <a:rPr lang="fa-IR" i="1">
+                              <a:latin typeface="Cambria Math" panose="02040503050406030204" pitchFamily="18" charset="0"/>
+                            </a:rPr>
                           </m:ctrlPr>
                         </m:naryPr>
                         <m:sub>
                           <m:r>
-                            <a:rPr lang="fa-IR" i="1"/>
+                            <a:rPr lang="fa-IR" i="1">
+                              <a:latin typeface="Cambria Math" panose="02040503050406030204" pitchFamily="18" charset="0"/>
+                            </a:rPr>
                             <m:t>𝑖</m:t>
                           </m:r>
                           <m:r>
-                            <a:rPr lang="fa-IR" i="1"/>
+                            <a:rPr lang="fa-IR" i="1">
+                              <a:latin typeface="Cambria Math" panose="02040503050406030204" pitchFamily="18" charset="0"/>
+                            </a:rPr>
                             <m:t>=</m:t>
                           </m:r>
                           <m:r>
-                            <a:rPr lang="fa-IR" i="1"/>
+                            <a:rPr lang="fa-IR" i="1">
+                              <a:latin typeface="Cambria Math" panose="02040503050406030204" pitchFamily="18" charset="0"/>
+                            </a:rPr>
                             <m:t>1</m:t>
                           </m:r>
                         </m:sub>
                         <m:sup>
                           <m:r>
-                            <a:rPr lang="fa-IR" i="1"/>
+                            <a:rPr lang="fa-IR" i="1">
+                              <a:latin typeface="Cambria Math" panose="02040503050406030204" pitchFamily="18" charset="0"/>
+                            </a:rPr>
                             <m:t>𝑛</m:t>
                           </m:r>
                         </m:sup>
                         <m:e>
                           <m:r>
-                            <a:rPr lang="fa-IR" i="1"/>
+                            <a:rPr lang="fa-IR" i="1">
+                              <a:latin typeface="Cambria Math" panose="02040503050406030204" pitchFamily="18" charset="0"/>
+                            </a:rPr>
                             <m:t>𝑝</m:t>
                           </m:r>
                           <m:r>
-                            <a:rPr lang="fa-IR" i="1"/>
+                            <a:rPr lang="fa-IR" i="1">
+                              <a:latin typeface="Cambria Math" panose="02040503050406030204" pitchFamily="18" charset="0"/>
+                            </a:rPr>
                             <m:t>(</m:t>
                           </m:r>
                           <m:sSub>
                             <m:sSubPr>
                               <m:ctrlPr>
-                                <a:rPr lang="fa-IR" i="1"/>
+                                <a:rPr lang="fa-IR" i="1">
+                                  <a:latin typeface="Cambria Math" panose="02040503050406030204" pitchFamily="18" charset="0"/>
+                                </a:rPr>
                               </m:ctrlPr>
                             </m:sSubPr>
                             <m:e>
                               <m:r>
-                                <a:rPr lang="fa-IR" i="1"/>
+                                <a:rPr lang="fa-IR" i="1">
+                                  <a:latin typeface="Cambria Math" panose="02040503050406030204" pitchFamily="18" charset="0"/>
+                                </a:rPr>
                                 <m:t>𝑥</m:t>
                               </m:r>
                             </m:e>
                             <m:sub>
                               <m:r>
-                                <a:rPr lang="fa-IR" i="1"/>
+                                <a:rPr lang="fa-IR" i="1">
+                                  <a:latin typeface="Cambria Math" panose="02040503050406030204" pitchFamily="18" charset="0"/>
+                                </a:rPr>
                                 <m:t>𝑖</m:t>
                               </m:r>
                             </m:sub>
                           </m:sSub>
                           <m:r>
-                            <a:rPr lang="fa-IR" i="1"/>
+                            <a:rPr lang="fa-IR" i="1">
+                              <a:latin typeface="Cambria Math" panose="02040503050406030204" pitchFamily="18" charset="0"/>
+                            </a:rPr>
                             <m:t>|</m:t>
                           </m:r>
                           <m:sSub>
                             <m:sSubPr>
                               <m:ctrlPr>
-                                <a:rPr lang="fa-IR" i="1"/>
+                                <a:rPr lang="fa-IR" i="1">
+                                  <a:latin typeface="Cambria Math" panose="02040503050406030204" pitchFamily="18" charset="0"/>
+                                </a:rPr>
                               </m:ctrlPr>
                             </m:sSubPr>
                             <m:e>
                               <m:r>
-                                <a:rPr lang="fa-IR" i="1"/>
+                                <a:rPr lang="fa-IR" i="1">
+                                  <a:latin typeface="Cambria Math" panose="02040503050406030204" pitchFamily="18" charset="0"/>
+                                </a:rPr>
                                 <m:t>𝐶</m:t>
                               </m:r>
                             </m:e>
                             <m:sub>
                               <m:r>
-                                <a:rPr lang="fa-IR" i="1"/>
+                                <a:rPr lang="fa-IR" i="1">
+                                  <a:latin typeface="Cambria Math" panose="02040503050406030204" pitchFamily="18" charset="0"/>
+                                </a:rPr>
                                 <m:t>𝑘</m:t>
                               </m:r>
                             </m:sub>
                           </m:sSub>
                           <m:r>
-                            <a:rPr lang="fa-IR" i="1"/>
+                            <a:rPr lang="fa-IR" i="1">
+                              <a:latin typeface="Cambria Math" panose="02040503050406030204" pitchFamily="18" charset="0"/>
+                            </a:rPr>
                             <m:t>)</m:t>
                           </m:r>
                         </m:e>
@@ -9884,100 +13943,134 @@
                     </m:oMathParaPr>
                     <m:oMath xmlns:m="http://schemas.openxmlformats.org/officeDocument/2006/math">
                       <m:r>
-                        <a:rPr lang="fa-IR" i="1"/>
+                        <a:rPr lang="fa-IR" i="1">
+                          <a:latin typeface="Cambria Math" panose="02040503050406030204" pitchFamily="18" charset="0"/>
+                        </a:rPr>
                         <m:t>𝑝</m:t>
                       </m:r>
                       <m:d>
                         <m:dPr>
                           <m:ctrlPr>
-                            <a:rPr lang="fa-IR" i="1"/>
+                            <a:rPr lang="fa-IR" i="1">
+                              <a:latin typeface="Cambria Math" panose="02040503050406030204" pitchFamily="18" charset="0"/>
+                            </a:rPr>
                           </m:ctrlPr>
                         </m:dPr>
                         <m:e>
                           <m:sSub>
                             <m:sSubPr>
                               <m:ctrlPr>
-                                <a:rPr lang="fa-IR" i="1"/>
+                                <a:rPr lang="fa-IR" i="1">
+                                  <a:latin typeface="Cambria Math" panose="02040503050406030204" pitchFamily="18" charset="0"/>
+                                </a:rPr>
                               </m:ctrlPr>
                             </m:sSubPr>
                             <m:e>
                               <m:r>
-                                <a:rPr lang="fa-IR" i="1"/>
+                                <a:rPr lang="fa-IR" i="1">
+                                  <a:latin typeface="Cambria Math" panose="02040503050406030204" pitchFamily="18" charset="0"/>
+                                </a:rPr>
                                 <m:t>𝐶</m:t>
                               </m:r>
                             </m:e>
                             <m:sub>
                               <m:r>
-                                <a:rPr lang="fa-IR" i="1"/>
+                                <a:rPr lang="fa-IR" i="1">
+                                  <a:latin typeface="Cambria Math" panose="02040503050406030204" pitchFamily="18" charset="0"/>
+                                </a:rPr>
                                 <m:t>𝑘</m:t>
                               </m:r>
                             </m:sub>
                           </m:sSub>
                           <m:r>
-                            <a:rPr lang="fa-IR" i="1"/>
+                            <a:rPr lang="fa-IR" i="1">
+                              <a:latin typeface="Cambria Math" panose="02040503050406030204" pitchFamily="18" charset="0"/>
+                            </a:rPr>
                             <m:t>,</m:t>
                           </m:r>
                           <m:sSub>
                             <m:sSubPr>
                               <m:ctrlPr>
-                                <a:rPr lang="fa-IR" i="1"/>
+                                <a:rPr lang="fa-IR" i="1">
+                                  <a:latin typeface="Cambria Math" panose="02040503050406030204" pitchFamily="18" charset="0"/>
+                                </a:rPr>
                               </m:ctrlPr>
                             </m:sSubPr>
                             <m:e>
                               <m:r>
-                                <a:rPr lang="fa-IR" i="1"/>
+                                <a:rPr lang="fa-IR" i="1">
+                                  <a:latin typeface="Cambria Math" panose="02040503050406030204" pitchFamily="18" charset="0"/>
+                                </a:rPr>
                                 <m:t>𝑥</m:t>
                               </m:r>
                             </m:e>
                             <m:sub>
                               <m:r>
-                                <a:rPr lang="fa-IR" i="1"/>
+                                <a:rPr lang="fa-IR" i="1">
+                                  <a:latin typeface="Cambria Math" panose="02040503050406030204" pitchFamily="18" charset="0"/>
+                                </a:rPr>
                                 <m:t>1</m:t>
                               </m:r>
                             </m:sub>
                           </m:sSub>
                           <m:r>
-                            <a:rPr lang="fa-IR" i="1"/>
+                            <a:rPr lang="fa-IR" i="1">
+                              <a:latin typeface="Cambria Math" panose="02040503050406030204" pitchFamily="18" charset="0"/>
+                            </a:rPr>
                             <m:t>,</m:t>
                           </m:r>
                           <m:sSub>
                             <m:sSubPr>
                               <m:ctrlPr>
-                                <a:rPr lang="fa-IR" i="1"/>
+                                <a:rPr lang="fa-IR" i="1">
+                                  <a:latin typeface="Cambria Math" panose="02040503050406030204" pitchFamily="18" charset="0"/>
+                                </a:rPr>
                               </m:ctrlPr>
                             </m:sSubPr>
                             <m:e>
                               <m:r>
-                                <a:rPr lang="fa-IR" i="1"/>
+                                <a:rPr lang="fa-IR" i="1">
+                                  <a:latin typeface="Cambria Math" panose="02040503050406030204" pitchFamily="18" charset="0"/>
+                                </a:rPr>
                                 <m:t>𝑥</m:t>
                               </m:r>
                             </m:e>
                             <m:sub>
                               <m:r>
-                                <a:rPr lang="fa-IR" i="1"/>
+                                <a:rPr lang="fa-IR" i="1">
+                                  <a:latin typeface="Cambria Math" panose="02040503050406030204" pitchFamily="18" charset="0"/>
+                                </a:rPr>
                                 <m:t>2</m:t>
                               </m:r>
                             </m:sub>
                           </m:sSub>
                           <m:r>
-                            <a:rPr lang="fa-IR" i="1"/>
+                            <a:rPr lang="fa-IR" i="1">
+                              <a:latin typeface="Cambria Math" panose="02040503050406030204" pitchFamily="18" charset="0"/>
+                            </a:rPr>
                             <m:t>,…,</m:t>
                           </m:r>
                           <m:sSub>
                             <m:sSubPr>
                               <m:ctrlPr>
-                                <a:rPr lang="fa-IR" i="1"/>
+                                <a:rPr lang="fa-IR" i="1">
+                                  <a:latin typeface="Cambria Math" panose="02040503050406030204" pitchFamily="18" charset="0"/>
+                                </a:rPr>
                               </m:ctrlPr>
                             </m:sSubPr>
                             <m:e>
                               <m:r>
-                                <a:rPr lang="fa-IR" i="1"/>
+                                <a:rPr lang="fa-IR" i="1">
+                                  <a:latin typeface="Cambria Math" panose="02040503050406030204" pitchFamily="18" charset="0"/>
+                                </a:rPr>
                                 <m:t>𝑥</m:t>
                               </m:r>
                             </m:e>
                             <m:sub>
                               <m:r>
-                                <a:rPr lang="fa-IR" i="1"/>
+                                <a:rPr lang="fa-IR" i="1">
+                                  <a:latin typeface="Cambria Math" panose="02040503050406030204" pitchFamily="18" charset="0"/>
+                                </a:rPr>
                                 <m:t>𝑛</m:t>
                               </m:r>
                             </m:sub>
@@ -9985,35 +14078,47 @@
                         </m:e>
                       </m:d>
                       <m:r>
-                        <a:rPr lang="fa-IR" i="1"/>
+                        <a:rPr lang="fa-IR" i="1">
+                          <a:latin typeface="Cambria Math" panose="02040503050406030204" pitchFamily="18" charset="0"/>
+                        </a:rPr>
                         <m:t>∝</m:t>
                       </m:r>
                       <m:r>
-                        <a:rPr lang="fa-IR" i="1"/>
+                        <a:rPr lang="fa-IR" i="1">
+                          <a:latin typeface="Cambria Math" panose="02040503050406030204" pitchFamily="18" charset="0"/>
+                        </a:rPr>
                         <m:t>𝑝</m:t>
                       </m:r>
                       <m:d>
                         <m:dPr>
                           <m:ctrlPr>
-                            <a:rPr lang="fa-IR" i="1"/>
+                            <a:rPr lang="fa-IR" i="1">
+                              <a:latin typeface="Cambria Math" panose="02040503050406030204" pitchFamily="18" charset="0"/>
+                            </a:rPr>
                           </m:ctrlPr>
                         </m:dPr>
                         <m:e>
                           <m:sSub>
                             <m:sSubPr>
                               <m:ctrlPr>
-                                <a:rPr lang="fa-IR" i="1"/>
+                                <a:rPr lang="fa-IR" i="1">
+                                  <a:latin typeface="Cambria Math" panose="02040503050406030204" pitchFamily="18" charset="0"/>
+                                </a:rPr>
                               </m:ctrlPr>
                             </m:sSubPr>
                             <m:e>
                               <m:r>
-                                <a:rPr lang="fa-IR" i="1"/>
+                                <a:rPr lang="fa-IR" i="1">
+                                  <a:latin typeface="Cambria Math" panose="02040503050406030204" pitchFamily="18" charset="0"/>
+                                </a:rPr>
                                 <m:t>𝐶</m:t>
                               </m:r>
                             </m:e>
                             <m:sub>
                               <m:r>
-                                <a:rPr lang="fa-IR" i="1"/>
+                                <a:rPr lang="fa-IR" i="1">
+                                  <a:latin typeface="Cambria Math" panose="02040503050406030204" pitchFamily="18" charset="0"/>
+                                </a:rPr>
                                 <m:t>𝑘</m:t>
                               </m:r>
                             </m:sub>
@@ -10021,7 +14126,9 @@
                         </m:e>
                       </m:d>
                       <m:r>
-                        <a:rPr lang="fa-IR" i="1"/>
+                        <a:rPr lang="fa-IR" i="1">
+                          <a:latin typeface="Cambria Math" panose="02040503050406030204" pitchFamily="18" charset="0"/>
+                        </a:rPr>
                         <m:t>.</m:t>
                       </m:r>
                       <m:nary>
@@ -10029,82 +14136,112 @@
                           <m:chr m:val="∏"/>
                           <m:limLoc m:val="undOvr"/>
                           <m:ctrlPr>
-                            <a:rPr lang="fa-IR" i="1"/>
+                            <a:rPr lang="fa-IR" i="1">
+                              <a:latin typeface="Cambria Math" panose="02040503050406030204" pitchFamily="18" charset="0"/>
+                            </a:rPr>
                           </m:ctrlPr>
                         </m:naryPr>
                         <m:sub>
                           <m:r>
-                            <a:rPr lang="fa-IR" i="1"/>
+                            <a:rPr lang="fa-IR" i="1">
+                              <a:latin typeface="Cambria Math" panose="02040503050406030204" pitchFamily="18" charset="0"/>
+                            </a:rPr>
                             <m:t>𝑖</m:t>
                           </m:r>
                           <m:r>
-                            <a:rPr lang="fa-IR" i="1"/>
+                            <a:rPr lang="fa-IR" i="1">
+                              <a:latin typeface="Cambria Math" panose="02040503050406030204" pitchFamily="18" charset="0"/>
+                            </a:rPr>
                             <m:t>=</m:t>
                           </m:r>
                           <m:r>
-                            <a:rPr lang="fa-IR" i="1"/>
+                            <a:rPr lang="fa-IR" i="1">
+                              <a:latin typeface="Cambria Math" panose="02040503050406030204" pitchFamily="18" charset="0"/>
+                            </a:rPr>
                             <m:t>1</m:t>
                           </m:r>
                         </m:sub>
                         <m:sup>
                           <m:r>
-                            <a:rPr lang="fa-IR" i="1"/>
+                            <a:rPr lang="fa-IR" i="1">
+                              <a:latin typeface="Cambria Math" panose="02040503050406030204" pitchFamily="18" charset="0"/>
+                            </a:rPr>
                             <m:t>𝑛</m:t>
                           </m:r>
                         </m:sup>
                         <m:e>
                           <m:r>
-                            <a:rPr lang="fa-IR" i="1"/>
+                            <a:rPr lang="fa-IR" i="1">
+                              <a:latin typeface="Cambria Math" panose="02040503050406030204" pitchFamily="18" charset="0"/>
+                            </a:rPr>
                             <m:t>𝑝</m:t>
                           </m:r>
                           <m:r>
-                            <a:rPr lang="fa-IR" i="1"/>
+                            <a:rPr lang="fa-IR" i="1">
+                              <a:latin typeface="Cambria Math" panose="02040503050406030204" pitchFamily="18" charset="0"/>
+                            </a:rPr>
                             <m:t>(</m:t>
                           </m:r>
                           <m:sSub>
                             <m:sSubPr>
                               <m:ctrlPr>
-                                <a:rPr lang="fa-IR" i="1"/>
+                                <a:rPr lang="fa-IR" i="1">
+                                  <a:latin typeface="Cambria Math" panose="02040503050406030204" pitchFamily="18" charset="0"/>
+                                </a:rPr>
                               </m:ctrlPr>
                             </m:sSubPr>
                             <m:e>
                               <m:r>
-                                <a:rPr lang="fa-IR" i="1"/>
+                                <a:rPr lang="fa-IR" i="1">
+                                  <a:latin typeface="Cambria Math" panose="02040503050406030204" pitchFamily="18" charset="0"/>
+                                </a:rPr>
                                 <m:t>𝑥</m:t>
                               </m:r>
                             </m:e>
                             <m:sub>
                               <m:r>
-                                <a:rPr lang="fa-IR" i="1"/>
+                                <a:rPr lang="fa-IR" i="1">
+                                  <a:latin typeface="Cambria Math" panose="02040503050406030204" pitchFamily="18" charset="0"/>
+                                </a:rPr>
                                 <m:t>𝑖</m:t>
                               </m:r>
                             </m:sub>
                           </m:sSub>
                           <m:r>
-                            <a:rPr lang="fa-IR" i="1"/>
+                            <a:rPr lang="fa-IR" i="1">
+                              <a:latin typeface="Cambria Math" panose="02040503050406030204" pitchFamily="18" charset="0"/>
+                            </a:rPr>
                             <m:t>|</m:t>
                           </m:r>
                           <m:sSub>
                             <m:sSubPr>
                               <m:ctrlPr>
-                                <a:rPr lang="fa-IR" i="1"/>
+                                <a:rPr lang="fa-IR" i="1">
+                                  <a:latin typeface="Cambria Math" panose="02040503050406030204" pitchFamily="18" charset="0"/>
+                                </a:rPr>
                               </m:ctrlPr>
                             </m:sSubPr>
                             <m:e>
                               <m:r>
-                                <a:rPr lang="fa-IR" i="1"/>
+                                <a:rPr lang="fa-IR" i="1">
+                                  <a:latin typeface="Cambria Math" panose="02040503050406030204" pitchFamily="18" charset="0"/>
+                                </a:rPr>
                                 <m:t>𝐶</m:t>
                               </m:r>
                             </m:e>
                             <m:sub>
                               <m:r>
-                                <a:rPr lang="fa-IR" i="1"/>
+                                <a:rPr lang="fa-IR" i="1">
+                                  <a:latin typeface="Cambria Math" panose="02040503050406030204" pitchFamily="18" charset="0"/>
+                                </a:rPr>
                                 <m:t>𝑘</m:t>
                               </m:r>
                             </m:sub>
                           </m:sSub>
                           <m:r>
-                            <a:rPr lang="fa-IR" i="1"/>
+                            <a:rPr lang="fa-IR" i="1">
+                              <a:latin typeface="Cambria Math" panose="02040503050406030204" pitchFamily="18" charset="0"/>
+                            </a:rPr>
                             <m:t>)</m:t>
                           </m:r>
                         </m:e>
@@ -10117,7 +14254,7 @@
             </p:txBody>
           </p:sp>
         </mc:Choice>
-        <mc:Fallback>
+        <mc:Fallback xmlns="">
           <p:sp>
             <p:nvSpPr>
               <p:cNvPr id="7" name="TextBox 6">
@@ -10595,8 +14732,8 @@
           <a:chExt cx="0" cy="0"/>
         </a:xfrm>
       </p:grpSpPr>
-      <mc:AlternateContent xmlns:mc="http://schemas.openxmlformats.org/markup-compatibility/2006">
-        <mc:Choice xmlns:a14="http://schemas.microsoft.com/office/drawing/2010/main" Requires="a14">
+      <mc:AlternateContent xmlns:mc="http://schemas.openxmlformats.org/markup-compatibility/2006" xmlns:a14="http://schemas.microsoft.com/office/drawing/2010/main">
+        <mc:Choice Requires="a14">
           <p:sp>
             <p:nvSpPr>
               <p:cNvPr id="6" name="TextBox 5">
@@ -10711,31 +14848,41 @@
                         <m:accPr>
                           <m:chr m:val="̂"/>
                           <m:ctrlPr>
-                            <a:rPr lang="fa-IR" i="1"/>
+                            <a:rPr lang="fa-IR" i="1">
+                              <a:latin typeface="Cambria Math" panose="02040503050406030204" pitchFamily="18" charset="0"/>
+                            </a:rPr>
                           </m:ctrlPr>
                         </m:accPr>
                         <m:e>
                           <m:r>
-                            <a:rPr lang="fa-IR" i="1"/>
+                            <a:rPr lang="fa-IR" i="1">
+                              <a:latin typeface="Cambria Math" panose="02040503050406030204" pitchFamily="18" charset="0"/>
+                            </a:rPr>
                             <m:t>𝑦</m:t>
                           </m:r>
                         </m:e>
                       </m:acc>
                       <m:r>
-                        <a:rPr lang="fa-IR" i="1"/>
+                        <a:rPr lang="fa-IR" i="1">
+                          <a:latin typeface="Cambria Math" panose="02040503050406030204" pitchFamily="18" charset="0"/>
+                        </a:rPr>
                         <m:t>=</m:t>
                       </m:r>
                       <m:func>
                         <m:funcPr>
                           <m:ctrlPr>
-                            <a:rPr lang="fa-IR" i="1"/>
+                            <a:rPr lang="fa-IR" i="1">
+                              <a:latin typeface="Cambria Math" panose="02040503050406030204" pitchFamily="18" charset="0"/>
+                            </a:rPr>
                           </m:ctrlPr>
                         </m:funcPr>
                         <m:fName>
                           <m:limLow>
                             <m:limLowPr>
                               <m:ctrlPr>
-                                <a:rPr lang="fa-IR" i="1"/>
+                                <a:rPr lang="fa-IR" i="1">
+                                  <a:latin typeface="Cambria Math" panose="02040503050406030204" pitchFamily="18" charset="0"/>
+                                </a:rPr>
                               </m:ctrlPr>
                             </m:limLowPr>
                             <m:e>
@@ -10743,33 +14890,47 @@
                                 <m:rPr>
                                   <m:sty m:val="p"/>
                                 </m:rPr>
-                                <a:rPr lang="en-US"/>
+                                <a:rPr lang="en-US">
+                                  <a:latin typeface="Cambria Math" panose="02040503050406030204" pitchFamily="18" charset="0"/>
+                                </a:rPr>
                                 <m:t>argmax</m:t>
                               </m:r>
                             </m:e>
                             <m:lim>
                               <m:r>
-                                <a:rPr lang="fa-IR" i="1"/>
+                                <a:rPr lang="fa-IR" i="1">
+                                  <a:latin typeface="Cambria Math" panose="02040503050406030204" pitchFamily="18" charset="0"/>
+                                </a:rPr>
                                 <m:t>𝑘</m:t>
                               </m:r>
                               <m:r>
-                                <a:rPr lang="fa-IR" i="1"/>
+                                <a:rPr lang="fa-IR" i="1">
+                                  <a:latin typeface="Cambria Math" panose="02040503050406030204" pitchFamily="18" charset="0"/>
+                                </a:rPr>
                                 <m:t>∈{</m:t>
                               </m:r>
                               <m:r>
-                                <a:rPr lang="fa-IR" i="1"/>
+                                <a:rPr lang="fa-IR" i="1">
+                                  <a:latin typeface="Cambria Math" panose="02040503050406030204" pitchFamily="18" charset="0"/>
+                                </a:rPr>
                                 <m:t>1</m:t>
                               </m:r>
                               <m:r>
-                                <a:rPr lang="fa-IR" i="1"/>
+                                <a:rPr lang="fa-IR" i="1">
+                                  <a:latin typeface="Cambria Math" panose="02040503050406030204" pitchFamily="18" charset="0"/>
+                                </a:rPr>
                                 <m:t>,</m:t>
                               </m:r>
                               <m:r>
-                                <a:rPr lang="fa-IR" i="1"/>
+                                <a:rPr lang="fa-IR" i="1">
+                                  <a:latin typeface="Cambria Math" panose="02040503050406030204" pitchFamily="18" charset="0"/>
+                                </a:rPr>
                                 <m:t>𝑘</m:t>
                               </m:r>
                               <m:r>
-                                <a:rPr lang="fa-IR" i="1"/>
+                                <a:rPr lang="fa-IR" i="1">
+                                  <a:latin typeface="Cambria Math" panose="02040503050406030204" pitchFamily="18" charset="0"/>
+                                </a:rPr>
                                 <m:t>}</m:t>
                               </m:r>
                             </m:lim>
@@ -10777,122 +14938,164 @@
                         </m:fName>
                         <m:e>
                           <m:r>
-                            <a:rPr lang="fa-IR" i="1"/>
+                            <a:rPr lang="fa-IR" i="1">
+                              <a:latin typeface="Cambria Math" panose="02040503050406030204" pitchFamily="18" charset="0"/>
+                            </a:rPr>
                             <m:t>𝑝</m:t>
                           </m:r>
                           <m:r>
-                            <a:rPr lang="fa-IR" i="1"/>
+                            <a:rPr lang="fa-IR" i="1">
+                              <a:latin typeface="Cambria Math" panose="02040503050406030204" pitchFamily="18" charset="0"/>
+                            </a:rPr>
                             <m:t>(</m:t>
                           </m:r>
                           <m:sSub>
                             <m:sSubPr>
                               <m:ctrlPr>
-                                <a:rPr lang="fa-IR" i="1"/>
+                                <a:rPr lang="fa-IR" i="1">
+                                  <a:latin typeface="Cambria Math" panose="02040503050406030204" pitchFamily="18" charset="0"/>
+                                </a:rPr>
                               </m:ctrlPr>
                             </m:sSubPr>
                             <m:e>
                               <m:r>
-                                <a:rPr lang="fa-IR" i="1"/>
+                                <a:rPr lang="fa-IR" i="1">
+                                  <a:latin typeface="Cambria Math" panose="02040503050406030204" pitchFamily="18" charset="0"/>
+                                </a:rPr>
                                 <m:t>𝐶</m:t>
                               </m:r>
                             </m:e>
                             <m:sub>
                               <m:r>
-                                <a:rPr lang="fa-IR" i="1"/>
+                                <a:rPr lang="fa-IR" i="1">
+                                  <a:latin typeface="Cambria Math" panose="02040503050406030204" pitchFamily="18" charset="0"/>
+                                </a:rPr>
                                 <m:t>𝑘</m:t>
                               </m:r>
                             </m:sub>
                           </m:sSub>
                           <m:r>
-                            <a:rPr lang="fa-IR" i="1"/>
+                            <a:rPr lang="fa-IR" i="1">
+                              <a:latin typeface="Cambria Math" panose="02040503050406030204" pitchFamily="18" charset="0"/>
+                            </a:rPr>
                             <m:t>|</m:t>
                           </m:r>
                           <m:sSub>
                             <m:sSubPr>
                               <m:ctrlPr>
-                                <a:rPr lang="fa-IR" i="1"/>
+                                <a:rPr lang="fa-IR" i="1">
+                                  <a:latin typeface="Cambria Math" panose="02040503050406030204" pitchFamily="18" charset="0"/>
+                                </a:rPr>
                               </m:ctrlPr>
                             </m:sSubPr>
                             <m:e>
                               <m:r>
-                                <a:rPr lang="fa-IR" i="1"/>
+                                <a:rPr lang="fa-IR" i="1">
+                                  <a:latin typeface="Cambria Math" panose="02040503050406030204" pitchFamily="18" charset="0"/>
+                                </a:rPr>
                                 <m:t>𝑥</m:t>
                               </m:r>
                             </m:e>
                             <m:sub>
                               <m:r>
-                                <a:rPr lang="fa-IR" i="1"/>
+                                <a:rPr lang="fa-IR" i="1">
+                                  <a:latin typeface="Cambria Math" panose="02040503050406030204" pitchFamily="18" charset="0"/>
+                                </a:rPr>
                                 <m:t>1</m:t>
                               </m:r>
                             </m:sub>
                           </m:sSub>
                           <m:r>
-                            <a:rPr lang="fa-IR" i="1"/>
+                            <a:rPr lang="fa-IR" i="1">
+                              <a:latin typeface="Cambria Math" panose="02040503050406030204" pitchFamily="18" charset="0"/>
+                            </a:rPr>
                             <m:t>,</m:t>
                           </m:r>
                           <m:sSub>
                             <m:sSubPr>
                               <m:ctrlPr>
-                                <a:rPr lang="fa-IR" i="1"/>
+                                <a:rPr lang="fa-IR" i="1">
+                                  <a:latin typeface="Cambria Math" panose="02040503050406030204" pitchFamily="18" charset="0"/>
+                                </a:rPr>
                               </m:ctrlPr>
                             </m:sSubPr>
                             <m:e>
                               <m:r>
-                                <a:rPr lang="fa-IR" i="1"/>
+                                <a:rPr lang="fa-IR" i="1">
+                                  <a:latin typeface="Cambria Math" panose="02040503050406030204" pitchFamily="18" charset="0"/>
+                                </a:rPr>
                                 <m:t>𝑥</m:t>
                               </m:r>
                             </m:e>
                             <m:sub>
                               <m:r>
-                                <a:rPr lang="fa-IR" i="1"/>
+                                <a:rPr lang="fa-IR" i="1">
+                                  <a:latin typeface="Cambria Math" panose="02040503050406030204" pitchFamily="18" charset="0"/>
+                                </a:rPr>
                                 <m:t>2</m:t>
                               </m:r>
                             </m:sub>
                           </m:sSub>
                           <m:r>
-                            <a:rPr lang="fa-IR" i="1"/>
+                            <a:rPr lang="fa-IR" i="1">
+                              <a:latin typeface="Cambria Math" panose="02040503050406030204" pitchFamily="18" charset="0"/>
+                            </a:rPr>
                             <m:t>, …, </m:t>
                           </m:r>
                           <m:sSub>
                             <m:sSubPr>
                               <m:ctrlPr>
-                                <a:rPr lang="fa-IR" i="1"/>
+                                <a:rPr lang="fa-IR" i="1">
+                                  <a:latin typeface="Cambria Math" panose="02040503050406030204" pitchFamily="18" charset="0"/>
+                                </a:rPr>
                               </m:ctrlPr>
                             </m:sSubPr>
                             <m:e>
                               <m:r>
-                                <a:rPr lang="fa-IR" i="1"/>
+                                <a:rPr lang="fa-IR" i="1">
+                                  <a:latin typeface="Cambria Math" panose="02040503050406030204" pitchFamily="18" charset="0"/>
+                                </a:rPr>
                                 <m:t>𝑥</m:t>
                               </m:r>
                             </m:e>
                             <m:sub>
                               <m:r>
-                                <a:rPr lang="fa-IR" i="1"/>
+                                <a:rPr lang="fa-IR" i="1">
+                                  <a:latin typeface="Cambria Math" panose="02040503050406030204" pitchFamily="18" charset="0"/>
+                                </a:rPr>
                                 <m:t>𝑛</m:t>
                               </m:r>
                             </m:sub>
                           </m:sSub>
                           <m:r>
-                            <a:rPr lang="fa-IR" i="1"/>
+                            <a:rPr lang="fa-IR" i="1">
+                              <a:latin typeface="Cambria Math" panose="02040503050406030204" pitchFamily="18" charset="0"/>
+                            </a:rPr>
                             <m:t>)</m:t>
                           </m:r>
                         </m:e>
                       </m:func>
                       <m:r>
-                        <a:rPr lang="fa-IR" i="1"/>
+                        <a:rPr lang="fa-IR" i="1">
+                          <a:latin typeface="Cambria Math" panose="02040503050406030204" pitchFamily="18" charset="0"/>
+                        </a:rPr>
                         <m:t>=</m:t>
                       </m:r>
                       <m:func>
                         <m:funcPr>
                           <m:ctrlPr>
-                            <a:rPr lang="fa-IR" i="1"/>
+                            <a:rPr lang="fa-IR" i="1">
+                              <a:latin typeface="Cambria Math" panose="02040503050406030204" pitchFamily="18" charset="0"/>
+                            </a:rPr>
                           </m:ctrlPr>
                         </m:funcPr>
                         <m:fName>
                           <m:limLow>
                             <m:limLowPr>
                               <m:ctrlPr>
-                                <a:rPr lang="fa-IR" i="1"/>
+                                <a:rPr lang="fa-IR" i="1">
+                                  <a:latin typeface="Cambria Math" panose="02040503050406030204" pitchFamily="18" charset="0"/>
+                                </a:rPr>
                               </m:ctrlPr>
                             </m:limLowPr>
                             <m:e>
@@ -10900,33 +15103,47 @@
                                 <m:rPr>
                                   <m:sty m:val="p"/>
                                 </m:rPr>
-                                <a:rPr lang="en-US"/>
+                                <a:rPr lang="en-US">
+                                  <a:latin typeface="Cambria Math" panose="02040503050406030204" pitchFamily="18" charset="0"/>
+                                </a:rPr>
                                 <m:t>argmax</m:t>
                               </m:r>
                             </m:e>
                             <m:lim>
                               <m:r>
-                                <a:rPr lang="fa-IR" i="1"/>
+                                <a:rPr lang="fa-IR" i="1">
+                                  <a:latin typeface="Cambria Math" panose="02040503050406030204" pitchFamily="18" charset="0"/>
+                                </a:rPr>
                                 <m:t>𝑘</m:t>
                               </m:r>
                               <m:r>
-                                <a:rPr lang="fa-IR" i="1"/>
+                                <a:rPr lang="fa-IR" i="1">
+                                  <a:latin typeface="Cambria Math" panose="02040503050406030204" pitchFamily="18" charset="0"/>
+                                </a:rPr>
                                 <m:t>∈{</m:t>
                               </m:r>
                               <m:r>
-                                <a:rPr lang="fa-IR" i="1"/>
+                                <a:rPr lang="fa-IR" i="1">
+                                  <a:latin typeface="Cambria Math" panose="02040503050406030204" pitchFamily="18" charset="0"/>
+                                </a:rPr>
                                 <m:t>1</m:t>
                               </m:r>
                               <m:r>
-                                <a:rPr lang="fa-IR" i="1"/>
+                                <a:rPr lang="fa-IR" i="1">
+                                  <a:latin typeface="Cambria Math" panose="02040503050406030204" pitchFamily="18" charset="0"/>
+                                </a:rPr>
                                 <m:t>,</m:t>
                               </m:r>
                               <m:r>
-                                <a:rPr lang="fa-IR" i="1"/>
+                                <a:rPr lang="fa-IR" i="1">
+                                  <a:latin typeface="Cambria Math" panose="02040503050406030204" pitchFamily="18" charset="0"/>
+                                </a:rPr>
                                 <m:t>𝑘</m:t>
                               </m:r>
                               <m:r>
-                                <a:rPr lang="fa-IR" i="1"/>
+                                <a:rPr lang="fa-IR" i="1">
+                                  <a:latin typeface="Cambria Math" panose="02040503050406030204" pitchFamily="18" charset="0"/>
+                                </a:rPr>
                                 <m:t>}</m:t>
                               </m:r>
                             </m:lim>
@@ -10934,31 +15151,41 @@
                         </m:fName>
                         <m:e>
                           <m:r>
-                            <a:rPr lang="fa-IR" i="1"/>
+                            <a:rPr lang="fa-IR" i="1">
+                              <a:latin typeface="Cambria Math" panose="02040503050406030204" pitchFamily="18" charset="0"/>
+                            </a:rPr>
                             <m:t>𝑝</m:t>
                           </m:r>
                           <m:d>
                             <m:dPr>
                               <m:ctrlPr>
-                                <a:rPr lang="fa-IR" i="1"/>
+                                <a:rPr lang="fa-IR" i="1">
+                                  <a:latin typeface="Cambria Math" panose="02040503050406030204" pitchFamily="18" charset="0"/>
+                                </a:rPr>
                               </m:ctrlPr>
                             </m:dPr>
                             <m:e>
                               <m:sSub>
                                 <m:sSubPr>
                                   <m:ctrlPr>
-                                    <a:rPr lang="fa-IR" i="1"/>
+                                    <a:rPr lang="fa-IR" i="1">
+                                      <a:latin typeface="Cambria Math" panose="02040503050406030204" pitchFamily="18" charset="0"/>
+                                    </a:rPr>
                                   </m:ctrlPr>
                                 </m:sSubPr>
                                 <m:e>
                                   <m:r>
-                                    <a:rPr lang="fa-IR" i="1"/>
+                                    <a:rPr lang="fa-IR" i="1">
+                                      <a:latin typeface="Cambria Math" panose="02040503050406030204" pitchFamily="18" charset="0"/>
+                                    </a:rPr>
                                     <m:t>𝐶</m:t>
                                   </m:r>
                                 </m:e>
                                 <m:sub>
                                   <m:r>
-                                    <a:rPr lang="fa-IR" i="1"/>
+                                    <a:rPr lang="fa-IR" i="1">
+                                      <a:latin typeface="Cambria Math" panose="02040503050406030204" pitchFamily="18" charset="0"/>
+                                    </a:rPr>
                                     <m:t>𝑘</m:t>
                                   </m:r>
                                 </m:sub>
@@ -10966,7 +15193,9 @@
                             </m:e>
                           </m:d>
                           <m:r>
-                            <a:rPr lang="fa-IR" i="1"/>
+                            <a:rPr lang="fa-IR" i="1">
+                              <a:latin typeface="Cambria Math" panose="02040503050406030204" pitchFamily="18" charset="0"/>
+                            </a:rPr>
                             <m:t>.</m:t>
                           </m:r>
                           <m:nary>
@@ -10974,88 +15203,120 @@
                               <m:chr m:val="∏"/>
                               <m:limLoc m:val="undOvr"/>
                               <m:ctrlPr>
-                                <a:rPr lang="fa-IR" i="1"/>
+                                <a:rPr lang="fa-IR" i="1">
+                                  <a:latin typeface="Cambria Math" panose="02040503050406030204" pitchFamily="18" charset="0"/>
+                                </a:rPr>
                               </m:ctrlPr>
                             </m:naryPr>
                             <m:sub>
                               <m:r>
-                                <a:rPr lang="fa-IR" i="1"/>
+                                <a:rPr lang="fa-IR" i="1">
+                                  <a:latin typeface="Cambria Math" panose="02040503050406030204" pitchFamily="18" charset="0"/>
+                                </a:rPr>
                                 <m:t>𝑖</m:t>
                               </m:r>
                               <m:r>
-                                <a:rPr lang="fa-IR" i="1"/>
+                                <a:rPr lang="fa-IR" i="1">
+                                  <a:latin typeface="Cambria Math" panose="02040503050406030204" pitchFamily="18" charset="0"/>
+                                </a:rPr>
                                 <m:t>=</m:t>
                               </m:r>
                               <m:r>
-                                <a:rPr lang="fa-IR" i="1"/>
+                                <a:rPr lang="fa-IR" i="1">
+                                  <a:latin typeface="Cambria Math" panose="02040503050406030204" pitchFamily="18" charset="0"/>
+                                </a:rPr>
                                 <m:t>1</m:t>
                               </m:r>
                             </m:sub>
                             <m:sup>
                               <m:r>
-                                <a:rPr lang="fa-IR" i="1"/>
+                                <a:rPr lang="fa-IR" i="1">
+                                  <a:latin typeface="Cambria Math" panose="02040503050406030204" pitchFamily="18" charset="0"/>
+                                </a:rPr>
                                 <m:t>𝑛</m:t>
                               </m:r>
                             </m:sup>
                             <m:e>
                               <m:r>
-                                <a:rPr lang="fa-IR" i="1"/>
+                                <a:rPr lang="fa-IR" i="1">
+                                  <a:latin typeface="Cambria Math" panose="02040503050406030204" pitchFamily="18" charset="0"/>
+                                </a:rPr>
                                 <m:t>𝑝</m:t>
                               </m:r>
                               <m:r>
-                                <a:rPr lang="fa-IR" i="1"/>
+                                <a:rPr lang="fa-IR" i="1">
+                                  <a:latin typeface="Cambria Math" panose="02040503050406030204" pitchFamily="18" charset="0"/>
+                                </a:rPr>
                                 <m:t>(</m:t>
                               </m:r>
                               <m:sSub>
                                 <m:sSubPr>
                                   <m:ctrlPr>
-                                    <a:rPr lang="fa-IR" i="1"/>
+                                    <a:rPr lang="fa-IR" i="1">
+                                      <a:latin typeface="Cambria Math" panose="02040503050406030204" pitchFamily="18" charset="0"/>
+                                    </a:rPr>
                                   </m:ctrlPr>
                                 </m:sSubPr>
                                 <m:e>
                                   <m:r>
-                                    <a:rPr lang="fa-IR" i="1"/>
+                                    <a:rPr lang="fa-IR" i="1">
+                                      <a:latin typeface="Cambria Math" panose="02040503050406030204" pitchFamily="18" charset="0"/>
+                                    </a:rPr>
                                     <m:t>𝑥</m:t>
                                   </m:r>
                                 </m:e>
                                 <m:sub>
                                   <m:r>
-                                    <a:rPr lang="fa-IR" i="1"/>
+                                    <a:rPr lang="fa-IR" i="1">
+                                      <a:latin typeface="Cambria Math" panose="02040503050406030204" pitchFamily="18" charset="0"/>
+                                    </a:rPr>
                                     <m:t>𝑖</m:t>
                                   </m:r>
                                 </m:sub>
                               </m:sSub>
                               <m:r>
-                                <a:rPr lang="fa-IR" i="1"/>
+                                <a:rPr lang="fa-IR" i="1">
+                                  <a:latin typeface="Cambria Math" panose="02040503050406030204" pitchFamily="18" charset="0"/>
+                                </a:rPr>
                                 <m:t>|</m:t>
                               </m:r>
                               <m:sSub>
                                 <m:sSubPr>
                                   <m:ctrlPr>
-                                    <a:rPr lang="fa-IR" i="1"/>
+                                    <a:rPr lang="fa-IR" i="1">
+                                      <a:latin typeface="Cambria Math" panose="02040503050406030204" pitchFamily="18" charset="0"/>
+                                    </a:rPr>
                                   </m:ctrlPr>
                                 </m:sSubPr>
                                 <m:e>
                                   <m:r>
-                                    <a:rPr lang="fa-IR" i="1"/>
+                                    <a:rPr lang="fa-IR" i="1">
+                                      <a:latin typeface="Cambria Math" panose="02040503050406030204" pitchFamily="18" charset="0"/>
+                                    </a:rPr>
                                     <m:t>𝐶</m:t>
                                   </m:r>
                                 </m:e>
                                 <m:sub>
                                   <m:r>
-                                    <a:rPr lang="fa-IR" i="1"/>
+                                    <a:rPr lang="fa-IR" i="1">
+                                      <a:latin typeface="Cambria Math" panose="02040503050406030204" pitchFamily="18" charset="0"/>
+                                    </a:rPr>
                                     <m:t>𝑘</m:t>
                                   </m:r>
                                 </m:sub>
                               </m:sSub>
                               <m:r>
-                                <a:rPr lang="fa-IR" i="1"/>
+                                <a:rPr lang="fa-IR" i="1">
+                                  <a:latin typeface="Cambria Math" panose="02040503050406030204" pitchFamily="18" charset="0"/>
+                                </a:rPr>
                                 <m:t>)</m:t>
                               </m:r>
                             </m:e>
                           </m:nary>
                           <m:r>
-                            <a:rPr lang="fa-IR"/>
+                            <a:rPr lang="fa-IR">
+                              <a:latin typeface="Cambria Math" panose="02040503050406030204" pitchFamily="18" charset="0"/>
+                            </a:rPr>
                             <m:t> </m:t>
                           </m:r>
                         </m:e>
@@ -11094,12 +15355,16 @@
                       <m:accPr>
                         <m:chr m:val="̂"/>
                         <m:ctrlPr>
-                          <a:rPr lang="fa-IR"/>
+                          <a:rPr lang="fa-IR" i="1">
+                            <a:latin typeface="Cambria Math" panose="02040503050406030204" pitchFamily="18" charset="0"/>
+                          </a:rPr>
                         </m:ctrlPr>
                       </m:accPr>
                       <m:e>
                         <m:r>
-                          <a:rPr lang="fa-IR"/>
+                          <a:rPr lang="fa-IR">
+                            <a:latin typeface="Cambria Math" panose="02040503050406030204" pitchFamily="18" charset="0"/>
+                          </a:rPr>
                           <m:t>𝑦</m:t>
                         </m:r>
                       </m:e>
@@ -11117,31 +15382,41 @@
                 <a14:m>
                   <m:oMath xmlns:m="http://schemas.openxmlformats.org/officeDocument/2006/math">
                     <m:r>
-                      <a:rPr lang="en-US"/>
+                      <a:rPr lang="en-US">
+                        <a:latin typeface="Cambria Math" panose="02040503050406030204" pitchFamily="18" charset="0"/>
+                      </a:rPr>
                       <m:t>𝑝</m:t>
                     </m:r>
                     <m:d>
                       <m:dPr>
                         <m:ctrlPr>
-                          <a:rPr lang="fa-IR"/>
+                          <a:rPr lang="fa-IR" i="1">
+                            <a:latin typeface="Cambria Math" panose="02040503050406030204" pitchFamily="18" charset="0"/>
+                          </a:rPr>
                         </m:ctrlPr>
                       </m:dPr>
                       <m:e>
                         <m:sSub>
                           <m:sSubPr>
                             <m:ctrlPr>
-                              <a:rPr lang="fa-IR"/>
+                              <a:rPr lang="fa-IR" i="1">
+                                <a:latin typeface="Cambria Math" panose="02040503050406030204" pitchFamily="18" charset="0"/>
+                              </a:rPr>
                             </m:ctrlPr>
                           </m:sSubPr>
                           <m:e>
                             <m:r>
-                              <a:rPr lang="fa-IR"/>
+                              <a:rPr lang="fa-IR">
+                                <a:latin typeface="Cambria Math" panose="02040503050406030204" pitchFamily="18" charset="0"/>
+                              </a:rPr>
                               <m:t>𝐶</m:t>
                             </m:r>
                           </m:e>
                           <m:sub>
                             <m:r>
-                              <a:rPr lang="fa-IR"/>
+                              <a:rPr lang="fa-IR">
+                                <a:latin typeface="Cambria Math" panose="02040503050406030204" pitchFamily="18" charset="0"/>
+                              </a:rPr>
                               <m:t>𝑘</m:t>
                             </m:r>
                           </m:sub>
@@ -11149,7 +15424,9 @@
                       </m:e>
                     </m:d>
                     <m:r>
-                      <a:rPr lang="fa-IR"/>
+                      <a:rPr lang="fa-IR">
+                        <a:latin typeface="Cambria Math" panose="02040503050406030204" pitchFamily="18" charset="0"/>
+                      </a:rPr>
                       <m:t>.</m:t>
                     </m:r>
                     <m:nary>
@@ -11157,82 +15434,112 @@
                         <m:chr m:val="∏"/>
                         <m:limLoc m:val="undOvr"/>
                         <m:ctrlPr>
-                          <a:rPr lang="fa-IR"/>
+                          <a:rPr lang="fa-IR" i="1">
+                            <a:latin typeface="Cambria Math" panose="02040503050406030204" pitchFamily="18" charset="0"/>
+                          </a:rPr>
                         </m:ctrlPr>
                       </m:naryPr>
                       <m:sub>
                         <m:r>
-                          <a:rPr lang="fa-IR"/>
+                          <a:rPr lang="fa-IR">
+                            <a:latin typeface="Cambria Math" panose="02040503050406030204" pitchFamily="18" charset="0"/>
+                          </a:rPr>
                           <m:t>𝑖</m:t>
                         </m:r>
                         <m:r>
-                          <a:rPr lang="fa-IR"/>
+                          <a:rPr lang="fa-IR">
+                            <a:latin typeface="Cambria Math" panose="02040503050406030204" pitchFamily="18" charset="0"/>
+                          </a:rPr>
                           <m:t>=</m:t>
                         </m:r>
                         <m:r>
-                          <a:rPr lang="fa-IR"/>
+                          <a:rPr lang="fa-IR">
+                            <a:latin typeface="Cambria Math" panose="02040503050406030204" pitchFamily="18" charset="0"/>
+                          </a:rPr>
                           <m:t>1</m:t>
                         </m:r>
                       </m:sub>
                       <m:sup>
                         <m:r>
-                          <a:rPr lang="fa-IR"/>
+                          <a:rPr lang="fa-IR">
+                            <a:latin typeface="Cambria Math" panose="02040503050406030204" pitchFamily="18" charset="0"/>
+                          </a:rPr>
                           <m:t>𝑛</m:t>
                         </m:r>
                       </m:sup>
                       <m:e>
                         <m:r>
-                          <a:rPr lang="fa-IR"/>
+                          <a:rPr lang="fa-IR">
+                            <a:latin typeface="Cambria Math" panose="02040503050406030204" pitchFamily="18" charset="0"/>
+                          </a:rPr>
                           <m:t>𝑝</m:t>
                         </m:r>
                         <m:r>
-                          <a:rPr lang="fa-IR"/>
+                          <a:rPr lang="fa-IR">
+                            <a:latin typeface="Cambria Math" panose="02040503050406030204" pitchFamily="18" charset="0"/>
+                          </a:rPr>
                           <m:t>(</m:t>
                         </m:r>
                         <m:sSub>
                           <m:sSubPr>
                             <m:ctrlPr>
-                              <a:rPr lang="fa-IR"/>
+                              <a:rPr lang="fa-IR" i="1">
+                                <a:latin typeface="Cambria Math" panose="02040503050406030204" pitchFamily="18" charset="0"/>
+                              </a:rPr>
                             </m:ctrlPr>
                           </m:sSubPr>
                           <m:e>
                             <m:r>
-                              <a:rPr lang="fa-IR"/>
+                              <a:rPr lang="fa-IR">
+                                <a:latin typeface="Cambria Math" panose="02040503050406030204" pitchFamily="18" charset="0"/>
+                              </a:rPr>
                               <m:t>𝑥</m:t>
                             </m:r>
                           </m:e>
                           <m:sub>
                             <m:r>
-                              <a:rPr lang="fa-IR"/>
+                              <a:rPr lang="fa-IR">
+                                <a:latin typeface="Cambria Math" panose="02040503050406030204" pitchFamily="18" charset="0"/>
+                              </a:rPr>
                               <m:t>𝑖</m:t>
                             </m:r>
                           </m:sub>
                         </m:sSub>
                         <m:r>
-                          <a:rPr lang="fa-IR"/>
+                          <a:rPr lang="fa-IR">
+                            <a:latin typeface="Cambria Math" panose="02040503050406030204" pitchFamily="18" charset="0"/>
+                          </a:rPr>
                           <m:t>|</m:t>
                         </m:r>
                         <m:sSub>
                           <m:sSubPr>
                             <m:ctrlPr>
-                              <a:rPr lang="fa-IR"/>
+                              <a:rPr lang="fa-IR" i="1">
+                                <a:latin typeface="Cambria Math" panose="02040503050406030204" pitchFamily="18" charset="0"/>
+                              </a:rPr>
                             </m:ctrlPr>
                           </m:sSubPr>
                           <m:e>
                             <m:r>
-                              <a:rPr lang="fa-IR"/>
+                              <a:rPr lang="fa-IR">
+                                <a:latin typeface="Cambria Math" panose="02040503050406030204" pitchFamily="18" charset="0"/>
+                              </a:rPr>
                               <m:t>𝐶</m:t>
                             </m:r>
                           </m:e>
                           <m:sub>
                             <m:r>
-                              <a:rPr lang="fa-IR"/>
+                              <a:rPr lang="fa-IR">
+                                <a:latin typeface="Cambria Math" panose="02040503050406030204" pitchFamily="18" charset="0"/>
+                              </a:rPr>
                               <m:t>𝑘</m:t>
                             </m:r>
                           </m:sub>
                         </m:sSub>
                         <m:r>
-                          <a:rPr lang="fa-IR"/>
+                          <a:rPr lang="fa-IR">
+                            <a:latin typeface="Cambria Math" panose="02040503050406030204" pitchFamily="18" charset="0"/>
+                          </a:rPr>
                           <m:t>)</m:t>
                         </m:r>
                       </m:e>
@@ -11251,7 +15558,7 @@
             </p:txBody>
           </p:sp>
         </mc:Choice>
-        <mc:Fallback>
+        <mc:Fallback xmlns="">
           <p:sp>
             <p:nvSpPr>
               <p:cNvPr id="6" name="TextBox 5">
@@ -11834,8 +16141,8 @@
           </a:p>
         </p:txBody>
       </p:sp>
-      <mc:AlternateContent xmlns:mc="http://schemas.openxmlformats.org/markup-compatibility/2006">
-        <mc:Choice xmlns:a14="http://schemas.microsoft.com/office/drawing/2010/main" Requires="a14">
+      <mc:AlternateContent xmlns:mc="http://schemas.openxmlformats.org/markup-compatibility/2006" xmlns:a14="http://schemas.microsoft.com/office/drawing/2010/main">
+        <mc:Choice Requires="a14">
           <p:sp>
             <p:nvSpPr>
               <p:cNvPr id="24" name="TextBox 23">
@@ -11864,6 +16171,7 @@
               </a:bodyPr>
               <a:lstStyle/>
               <a:p>
+                <a:pPr/>
                 <a14:m>
                   <m:oMathPara xmlns:m="http://schemas.openxmlformats.org/officeDocument/2006/math">
                     <m:oMathParaPr>
@@ -11920,7 +16228,7 @@
             </p:txBody>
           </p:sp>
         </mc:Choice>
-        <mc:Fallback>
+        <mc:Fallback xmlns="">
           <p:sp>
             <p:nvSpPr>
               <p:cNvPr id="24" name="TextBox 23">
@@ -11965,8 +16273,8 @@
           </p:sp>
         </mc:Fallback>
       </mc:AlternateContent>
-      <mc:AlternateContent xmlns:mc="http://schemas.openxmlformats.org/markup-compatibility/2006">
-        <mc:Choice xmlns:a14="http://schemas.microsoft.com/office/drawing/2010/main" Requires="a14">
+      <mc:AlternateContent xmlns:mc="http://schemas.openxmlformats.org/markup-compatibility/2006" xmlns:a14="http://schemas.microsoft.com/office/drawing/2010/main">
+        <mc:Choice Requires="a14">
           <p:sp>
             <p:nvSpPr>
               <p:cNvPr id="25" name="TextBox 24">
@@ -11995,6 +16303,7 @@
               </a:bodyPr>
               <a:lstStyle/>
               <a:p>
+                <a:pPr/>
                 <a14:m>
                   <m:oMathPara xmlns:m="http://schemas.openxmlformats.org/officeDocument/2006/math">
                     <m:oMathParaPr>
@@ -12015,7 +16324,7 @@
             </p:txBody>
           </p:sp>
         </mc:Choice>
-        <mc:Fallback>
+        <mc:Fallback xmlns="">
           <p:sp>
             <p:nvSpPr>
               <p:cNvPr id="25" name="TextBox 24">
@@ -12060,8 +16369,8 @@
           </p:sp>
         </mc:Fallback>
       </mc:AlternateContent>
-      <mc:AlternateContent xmlns:mc="http://schemas.openxmlformats.org/markup-compatibility/2006">
-        <mc:Choice xmlns:a14="http://schemas.microsoft.com/office/drawing/2010/main" Requires="a14">
+      <mc:AlternateContent xmlns:mc="http://schemas.openxmlformats.org/markup-compatibility/2006" xmlns:a14="http://schemas.microsoft.com/office/drawing/2010/main">
+        <mc:Choice Requires="a14">
           <p:sp>
             <p:nvSpPr>
               <p:cNvPr id="26" name="TextBox 25">
@@ -12090,6 +16399,7 @@
               </a:bodyPr>
               <a:lstStyle/>
               <a:p>
+                <a:pPr/>
                 <a14:m>
                   <m:oMathPara xmlns:m="http://schemas.openxmlformats.org/officeDocument/2006/math">
                     <m:oMathParaPr>
@@ -12110,7 +16420,7 @@
             </p:txBody>
           </p:sp>
         </mc:Choice>
-        <mc:Fallback>
+        <mc:Fallback xmlns="">
           <p:sp>
             <p:nvSpPr>
               <p:cNvPr id="26" name="TextBox 25">
@@ -12155,8 +16465,8 @@
           </p:sp>
         </mc:Fallback>
       </mc:AlternateContent>
-      <mc:AlternateContent xmlns:mc="http://schemas.openxmlformats.org/markup-compatibility/2006">
-        <mc:Choice xmlns:a14="http://schemas.microsoft.com/office/drawing/2010/main" Requires="a14">
+      <mc:AlternateContent xmlns:mc="http://schemas.openxmlformats.org/markup-compatibility/2006" xmlns:a14="http://schemas.microsoft.com/office/drawing/2010/main">
+        <mc:Choice Requires="a14">
           <p:sp>
             <p:nvSpPr>
               <p:cNvPr id="28" name="TextBox 27">
@@ -12349,16 +16659,7 @@
                         <a:ea typeface="Times New Roman" panose="02020603050405020304" pitchFamily="18" charset="0"/>
                         <a:cs typeface="Arial" panose="020B0604020202020204" pitchFamily="34" charset="0"/>
                       </a:rPr>
-                      <m:t>−</m:t>
-                    </m:r>
-                    <m:r>
-                      <a:rPr lang="en-US" sz="1800" i="1">
-                        <a:effectLst/>
-                        <a:latin typeface="Cambria Math" panose="02040503050406030204" pitchFamily="18" charset="0"/>
-                        <a:ea typeface="Times New Roman" panose="02020603050405020304" pitchFamily="18" charset="0"/>
-                        <a:cs typeface="Arial" panose="020B0604020202020204" pitchFamily="34" charset="0"/>
-                      </a:rPr>
-                      <m:t>∞</m:t>
+                      <m:t>−∞</m:t>
                     </m:r>
                   </m:oMath>
                 </a14:m>
@@ -12380,16 +16681,7 @@
                         <a:ea typeface="Times New Roman" panose="02020603050405020304" pitchFamily="18" charset="0"/>
                         <a:cs typeface="Arial" panose="020B0604020202020204" pitchFamily="34" charset="0"/>
                       </a:rPr>
-                      <m:t>+</m:t>
-                    </m:r>
-                    <m:r>
-                      <a:rPr lang="en-US" sz="1800" i="1">
-                        <a:effectLst/>
-                        <a:latin typeface="Cambria Math" panose="02040503050406030204" pitchFamily="18" charset="0"/>
-                        <a:ea typeface="Times New Roman" panose="02020603050405020304" pitchFamily="18" charset="0"/>
-                        <a:cs typeface="Arial" panose="020B0604020202020204" pitchFamily="34" charset="0"/>
-                      </a:rPr>
-                      <m:t>∞</m:t>
+                      <m:t>+∞</m:t>
                     </m:r>
                   </m:oMath>
                 </a14:m>
@@ -12528,7 +16820,7 @@
             </p:txBody>
           </p:sp>
         </mc:Choice>
-        <mc:Fallback>
+        <mc:Fallback xmlns="">
           <p:sp>
             <p:nvSpPr>
               <p:cNvPr id="28" name="TextBox 27">
@@ -12793,8 +17085,8 @@
           <a:chExt cx="0" cy="0"/>
         </a:xfrm>
       </p:grpSpPr>
-      <mc:AlternateContent xmlns:mc="http://schemas.openxmlformats.org/markup-compatibility/2006">
-        <mc:Choice xmlns:a14="http://schemas.microsoft.com/office/drawing/2010/main" Requires="a14">
+      <mc:AlternateContent xmlns:mc="http://schemas.openxmlformats.org/markup-compatibility/2006" xmlns:a14="http://schemas.microsoft.com/office/drawing/2010/main">
+        <mc:Choice Requires="a14">
           <p:sp>
             <p:nvSpPr>
               <p:cNvPr id="6" name="TextBox 5">
@@ -12835,15 +17127,21 @@
                 <a14:m>
                   <m:oMath xmlns:m="http://schemas.openxmlformats.org/officeDocument/2006/math">
                     <m:r>
-                      <a:rPr lang="en-US" i="1"/>
+                      <a:rPr lang="en-US" i="1">
+                        <a:latin typeface="Cambria Math" panose="02040503050406030204" pitchFamily="18" charset="0"/>
+                      </a:rPr>
                       <m:t>𝑚𝑥</m:t>
                     </m:r>
                     <m:r>
-                      <a:rPr lang="en-US" i="1"/>
+                      <a:rPr lang="en-US" i="1">
+                        <a:latin typeface="Cambria Math" panose="02040503050406030204" pitchFamily="18" charset="0"/>
+                      </a:rPr>
                       <m:t>+</m:t>
                     </m:r>
                     <m:r>
-                      <a:rPr lang="en-US" i="1"/>
+                      <a:rPr lang="en-US" i="1">
+                        <a:latin typeface="Cambria Math" panose="02040503050406030204" pitchFamily="18" charset="0"/>
+                      </a:rPr>
                       <m:t>𝑏</m:t>
                     </m:r>
                   </m:oMath>
@@ -12868,7 +17166,9 @@
                       <m:func>
                         <m:funcPr>
                           <m:ctrlPr>
-                            <a:rPr lang="fa-IR" i="1"/>
+                            <a:rPr lang="fa-IR" i="1">
+                              <a:latin typeface="Cambria Math" panose="02040503050406030204" pitchFamily="18" charset="0"/>
+                            </a:rPr>
                           </m:ctrlPr>
                         </m:funcPr>
                         <m:fName>
@@ -12876,7 +17176,9 @@
                             <m:rPr>
                               <m:sty m:val="p"/>
                             </m:rPr>
-                            <a:rPr lang="en-US"/>
+                            <a:rPr lang="en-US">
+                              <a:latin typeface="Cambria Math" panose="02040503050406030204" pitchFamily="18" charset="0"/>
+                            </a:rPr>
                             <m:t>ln</m:t>
                           </m:r>
                         </m:fName>
@@ -12884,33 +17186,45 @@
                           <m:d>
                             <m:dPr>
                               <m:ctrlPr>
-                                <a:rPr lang="fa-IR" i="1"/>
+                                <a:rPr lang="fa-IR" i="1">
+                                  <a:latin typeface="Cambria Math" panose="02040503050406030204" pitchFamily="18" charset="0"/>
+                                </a:rPr>
                               </m:ctrlPr>
                             </m:dPr>
                             <m:e>
                               <m:f>
                                 <m:fPr>
                                   <m:ctrlPr>
-                                    <a:rPr lang="fa-IR" i="1"/>
+                                    <a:rPr lang="fa-IR" i="1">
+                                      <a:latin typeface="Cambria Math" panose="02040503050406030204" pitchFamily="18" charset="0"/>
+                                    </a:rPr>
                                   </m:ctrlPr>
                                 </m:fPr>
                                 <m:num>
                                   <m:r>
-                                    <a:rPr lang="fa-IR" i="1"/>
+                                    <a:rPr lang="fa-IR" i="1">
+                                      <a:latin typeface="Cambria Math" panose="02040503050406030204" pitchFamily="18" charset="0"/>
+                                    </a:rPr>
                                     <m:t>𝑝</m:t>
                                   </m:r>
                                 </m:num>
                                 <m:den>
                                   <m:r>
-                                    <a:rPr lang="fa-IR" i="1"/>
+                                    <a:rPr lang="fa-IR" i="1">
+                                      <a:latin typeface="Cambria Math" panose="02040503050406030204" pitchFamily="18" charset="0"/>
+                                    </a:rPr>
                                     <m:t>1</m:t>
                                   </m:r>
                                   <m:r>
-                                    <a:rPr lang="fa-IR" i="1"/>
+                                    <a:rPr lang="fa-IR" i="1">
+                                      <a:latin typeface="Cambria Math" panose="02040503050406030204" pitchFamily="18" charset="0"/>
+                                    </a:rPr>
                                     <m:t>−</m:t>
                                   </m:r>
                                   <m:r>
-                                    <a:rPr lang="fa-IR" i="1"/>
+                                    <a:rPr lang="fa-IR" i="1">
+                                      <a:latin typeface="Cambria Math" panose="02040503050406030204" pitchFamily="18" charset="0"/>
+                                    </a:rPr>
                                     <m:t>𝑝</m:t>
                                   </m:r>
                                 </m:den>
@@ -12920,19 +17234,27 @@
                         </m:e>
                       </m:func>
                       <m:r>
-                        <a:rPr lang="fa-IR" i="1"/>
+                        <a:rPr lang="fa-IR" i="1">
+                          <a:latin typeface="Cambria Math" panose="02040503050406030204" pitchFamily="18" charset="0"/>
+                        </a:rPr>
                         <m:t>=</m:t>
                       </m:r>
                       <m:r>
-                        <a:rPr lang="fa-IR" i="1"/>
+                        <a:rPr lang="fa-IR" i="1">
+                          <a:latin typeface="Cambria Math" panose="02040503050406030204" pitchFamily="18" charset="0"/>
+                        </a:rPr>
                         <m:t>𝑚𝑥</m:t>
                       </m:r>
                       <m:r>
-                        <a:rPr lang="fa-IR" i="1"/>
+                        <a:rPr lang="fa-IR" i="1">
+                          <a:latin typeface="Cambria Math" panose="02040503050406030204" pitchFamily="18" charset="0"/>
+                        </a:rPr>
                         <m:t>+</m:t>
                       </m:r>
                       <m:r>
-                        <a:rPr lang="fa-IR" i="1"/>
+                        <a:rPr lang="fa-IR" i="1">
+                          <a:latin typeface="Cambria Math" panose="02040503050406030204" pitchFamily="18" charset="0"/>
+                        </a:rPr>
                         <m:t>𝑏</m:t>
                       </m:r>
                     </m:oMath>
@@ -12955,38 +17277,52 @@
                       <m:f>
                         <m:fPr>
                           <m:ctrlPr>
-                            <a:rPr lang="fa-IR" i="1"/>
+                            <a:rPr lang="fa-IR" i="1">
+                              <a:latin typeface="Cambria Math" panose="02040503050406030204" pitchFamily="18" charset="0"/>
+                            </a:rPr>
                           </m:ctrlPr>
                         </m:fPr>
                         <m:num>
                           <m:r>
-                            <a:rPr lang="fa-IR" i="1"/>
+                            <a:rPr lang="fa-IR" i="1">
+                              <a:latin typeface="Cambria Math" panose="02040503050406030204" pitchFamily="18" charset="0"/>
+                            </a:rPr>
                             <m:t>𝑝</m:t>
                           </m:r>
                         </m:num>
                         <m:den>
                           <m:r>
-                            <a:rPr lang="fa-IR" i="1"/>
+                            <a:rPr lang="fa-IR" i="1">
+                              <a:latin typeface="Cambria Math" panose="02040503050406030204" pitchFamily="18" charset="0"/>
+                            </a:rPr>
                             <m:t>1</m:t>
                           </m:r>
                           <m:r>
-                            <a:rPr lang="fa-IR" i="1"/>
+                            <a:rPr lang="fa-IR" i="1">
+                              <a:latin typeface="Cambria Math" panose="02040503050406030204" pitchFamily="18" charset="0"/>
+                            </a:rPr>
                             <m:t>−</m:t>
                           </m:r>
                           <m:r>
-                            <a:rPr lang="fa-IR" i="1"/>
+                            <a:rPr lang="fa-IR" i="1">
+                              <a:latin typeface="Cambria Math" panose="02040503050406030204" pitchFamily="18" charset="0"/>
+                            </a:rPr>
                             <m:t>𝑝</m:t>
                           </m:r>
                         </m:den>
                       </m:f>
                       <m:r>
-                        <a:rPr lang="fa-IR" i="1"/>
+                        <a:rPr lang="fa-IR" i="1">
+                          <a:latin typeface="Cambria Math" panose="02040503050406030204" pitchFamily="18" charset="0"/>
+                        </a:rPr>
                         <m:t>=</m:t>
                       </m:r>
                       <m:sSup>
                         <m:sSupPr>
                           <m:ctrlPr>
-                            <a:rPr lang="fa-IR" i="1"/>
+                            <a:rPr lang="fa-IR" i="1">
+                              <a:latin typeface="Cambria Math" panose="02040503050406030204" pitchFamily="18" charset="0"/>
+                            </a:rPr>
                           </m:ctrlPr>
                         </m:sSupPr>
                         <m:e>
@@ -12994,7 +17330,9 @@
                             <m:rPr>
                               <m:sty m:val="p"/>
                             </m:rPr>
-                            <a:rPr lang="en-US"/>
+                            <a:rPr lang="en-US">
+                              <a:latin typeface="Cambria Math" panose="02040503050406030204" pitchFamily="18" charset="0"/>
+                            </a:rPr>
                             <m:t>e</m:t>
                           </m:r>
                         </m:e>
@@ -13003,18 +17341,24 @@
                             <m:rPr>
                               <m:sty m:val="p"/>
                             </m:rPr>
-                            <a:rPr lang="en-US"/>
+                            <a:rPr lang="en-US">
+                              <a:latin typeface="Cambria Math" panose="02040503050406030204" pitchFamily="18" charset="0"/>
+                            </a:rPr>
                             <m:t>mx</m:t>
                           </m:r>
                           <m:r>
-                            <a:rPr lang="en-US"/>
+                            <a:rPr lang="en-US">
+                              <a:latin typeface="Cambria Math" panose="02040503050406030204" pitchFamily="18" charset="0"/>
+                            </a:rPr>
                             <m:t>+</m:t>
                           </m:r>
                           <m:r>
                             <m:rPr>
                               <m:sty m:val="p"/>
                             </m:rPr>
-                            <a:rPr lang="en-US"/>
+                            <a:rPr lang="en-US">
+                              <a:latin typeface="Cambria Math" panose="02040503050406030204" pitchFamily="18" charset="0"/>
+                            </a:rPr>
                             <m:t>b</m:t>
                           </m:r>
                         </m:sup>
@@ -13037,43 +17381,59 @@
                     </m:oMathParaPr>
                     <m:oMath xmlns:m="http://schemas.openxmlformats.org/officeDocument/2006/math">
                       <m:r>
-                        <a:rPr lang="fa-IR" i="1"/>
+                        <a:rPr lang="fa-IR" i="1">
+                          <a:latin typeface="Cambria Math" panose="02040503050406030204" pitchFamily="18" charset="0"/>
+                        </a:rPr>
                         <m:t>𝑝</m:t>
                       </m:r>
                       <m:r>
-                        <a:rPr lang="fa-IR" i="1"/>
+                        <a:rPr lang="fa-IR" i="1">
+                          <a:latin typeface="Cambria Math" panose="02040503050406030204" pitchFamily="18" charset="0"/>
+                        </a:rPr>
                         <m:t>=</m:t>
                       </m:r>
                       <m:f>
                         <m:fPr>
                           <m:ctrlPr>
-                            <a:rPr lang="fa-IR" i="1"/>
+                            <a:rPr lang="fa-IR" i="1">
+                              <a:latin typeface="Cambria Math" panose="02040503050406030204" pitchFamily="18" charset="0"/>
+                            </a:rPr>
                           </m:ctrlPr>
                         </m:fPr>
                         <m:num>
                           <m:sSup>
                             <m:sSupPr>
                               <m:ctrlPr>
-                                <a:rPr lang="fa-IR" i="1"/>
+                                <a:rPr lang="fa-IR" i="1">
+                                  <a:latin typeface="Cambria Math" panose="02040503050406030204" pitchFamily="18" charset="0"/>
+                                </a:rPr>
                               </m:ctrlPr>
                             </m:sSupPr>
                             <m:e>
                               <m:r>
-                                <a:rPr lang="fa-IR" i="1"/>
+                                <a:rPr lang="fa-IR" i="1">
+                                  <a:latin typeface="Cambria Math" panose="02040503050406030204" pitchFamily="18" charset="0"/>
+                                </a:rPr>
                                 <m:t>𝑒</m:t>
                               </m:r>
                             </m:e>
                             <m:sup>
                               <m:r>
-                                <a:rPr lang="fa-IR" i="1"/>
+                                <a:rPr lang="fa-IR" i="1">
+                                  <a:latin typeface="Cambria Math" panose="02040503050406030204" pitchFamily="18" charset="0"/>
+                                </a:rPr>
                                 <m:t>𝑚𝑥</m:t>
                               </m:r>
                               <m:r>
-                                <a:rPr lang="fa-IR" i="1"/>
+                                <a:rPr lang="fa-IR" i="1">
+                                  <a:latin typeface="Cambria Math" panose="02040503050406030204" pitchFamily="18" charset="0"/>
+                                </a:rPr>
                                 <m:t>+</m:t>
                               </m:r>
                               <m:r>
-                                <a:rPr lang="fa-IR" i="1"/>
+                                <a:rPr lang="fa-IR" i="1">
+                                  <a:latin typeface="Cambria Math" panose="02040503050406030204" pitchFamily="18" charset="0"/>
+                                </a:rPr>
                                 <m:t>𝑏</m:t>
                               </m:r>
                             </m:sup>
@@ -13081,36 +17441,50 @@
                         </m:num>
                         <m:den>
                           <m:r>
-                            <a:rPr lang="fa-IR" i="1"/>
+                            <a:rPr lang="fa-IR" i="1">
+                              <a:latin typeface="Cambria Math" panose="02040503050406030204" pitchFamily="18" charset="0"/>
+                            </a:rPr>
                             <m:t>1</m:t>
                           </m:r>
                           <m:r>
-                            <a:rPr lang="fa-IR" i="1"/>
+                            <a:rPr lang="fa-IR" i="1">
+                              <a:latin typeface="Cambria Math" panose="02040503050406030204" pitchFamily="18" charset="0"/>
+                            </a:rPr>
                             <m:t>+</m:t>
                           </m:r>
                           <m:sSup>
                             <m:sSupPr>
                               <m:ctrlPr>
-                                <a:rPr lang="fa-IR" i="1"/>
+                                <a:rPr lang="fa-IR" i="1">
+                                  <a:latin typeface="Cambria Math" panose="02040503050406030204" pitchFamily="18" charset="0"/>
+                                </a:rPr>
                               </m:ctrlPr>
                             </m:sSupPr>
                             <m:e>
                               <m:r>
-                                <a:rPr lang="fa-IR" i="1"/>
+                                <a:rPr lang="fa-IR" i="1">
+                                  <a:latin typeface="Cambria Math" panose="02040503050406030204" pitchFamily="18" charset="0"/>
+                                </a:rPr>
                                 <m:t>𝑒</m:t>
                               </m:r>
                             </m:e>
                             <m:sup>
                               <m:r>
-                                <a:rPr lang="fa-IR" i="1"/>
+                                <a:rPr lang="fa-IR" i="1">
+                                  <a:latin typeface="Cambria Math" panose="02040503050406030204" pitchFamily="18" charset="0"/>
+                                </a:rPr>
                                 <m:t>𝑚𝑥</m:t>
                               </m:r>
                               <m:r>
-                                <a:rPr lang="fa-IR" i="1"/>
+                                <a:rPr lang="fa-IR" i="1">
+                                  <a:latin typeface="Cambria Math" panose="02040503050406030204" pitchFamily="18" charset="0"/>
+                                </a:rPr>
                                 <m:t>+</m:t>
                               </m:r>
                               <m:r>
-                                <a:rPr lang="fa-IR" i="1"/>
+                                <a:rPr lang="fa-IR" i="1">
+                                  <a:latin typeface="Cambria Math" panose="02040503050406030204" pitchFamily="18" charset="0"/>
+                                </a:rPr>
                                 <m:t>𝑏</m:t>
                               </m:r>
                             </m:sup>
@@ -13118,64 +17492,88 @@
                         </m:den>
                       </m:f>
                       <m:r>
-                        <a:rPr lang="fa-IR" i="1"/>
+                        <a:rPr lang="fa-IR" i="1">
+                          <a:latin typeface="Cambria Math" panose="02040503050406030204" pitchFamily="18" charset="0"/>
+                        </a:rPr>
                         <m:t>=</m:t>
                       </m:r>
                       <m:f>
                         <m:fPr>
                           <m:ctrlPr>
-                            <a:rPr lang="fa-IR" i="1"/>
+                            <a:rPr lang="fa-IR" i="1">
+                              <a:latin typeface="Cambria Math" panose="02040503050406030204" pitchFamily="18" charset="0"/>
+                            </a:rPr>
                           </m:ctrlPr>
                         </m:fPr>
                         <m:num>
                           <m:r>
-                            <a:rPr lang="fa-IR" i="1"/>
+                            <a:rPr lang="fa-IR" i="1">
+                              <a:latin typeface="Cambria Math" panose="02040503050406030204" pitchFamily="18" charset="0"/>
+                            </a:rPr>
                             <m:t>1</m:t>
                           </m:r>
                         </m:num>
                         <m:den>
                           <m:r>
-                            <a:rPr lang="fa-IR" i="1"/>
+                            <a:rPr lang="fa-IR" i="1">
+                              <a:latin typeface="Cambria Math" panose="02040503050406030204" pitchFamily="18" charset="0"/>
+                            </a:rPr>
                             <m:t>1</m:t>
                           </m:r>
                           <m:r>
-                            <a:rPr lang="fa-IR" i="1"/>
+                            <a:rPr lang="fa-IR" i="1">
+                              <a:latin typeface="Cambria Math" panose="02040503050406030204" pitchFamily="18" charset="0"/>
+                            </a:rPr>
                             <m:t>+</m:t>
                           </m:r>
                           <m:sSup>
                             <m:sSupPr>
                               <m:ctrlPr>
-                                <a:rPr lang="fa-IR" i="1"/>
+                                <a:rPr lang="fa-IR" i="1">
+                                  <a:latin typeface="Cambria Math" panose="02040503050406030204" pitchFamily="18" charset="0"/>
+                                </a:rPr>
                               </m:ctrlPr>
                             </m:sSupPr>
                             <m:e>
                               <m:r>
-                                <a:rPr lang="fa-IR" i="1"/>
+                                <a:rPr lang="fa-IR" i="1">
+                                  <a:latin typeface="Cambria Math" panose="02040503050406030204" pitchFamily="18" charset="0"/>
+                                </a:rPr>
                                 <m:t>𝑒</m:t>
                               </m:r>
                             </m:e>
                             <m:sup>
                               <m:r>
-                                <a:rPr lang="fa-IR" i="1"/>
+                                <a:rPr lang="fa-IR" i="1">
+                                  <a:latin typeface="Cambria Math" panose="02040503050406030204" pitchFamily="18" charset="0"/>
+                                </a:rPr>
                                 <m:t>−</m:t>
                               </m:r>
                               <m:d>
                                 <m:dPr>
                                   <m:ctrlPr>
-                                    <a:rPr lang="fa-IR" i="1"/>
+                                    <a:rPr lang="fa-IR" i="1">
+                                      <a:latin typeface="Cambria Math" panose="02040503050406030204" pitchFamily="18" charset="0"/>
+                                    </a:rPr>
                                   </m:ctrlPr>
                                 </m:dPr>
                                 <m:e>
                                   <m:r>
-                                    <a:rPr lang="fa-IR" i="1"/>
+                                    <a:rPr lang="fa-IR" i="1">
+                                      <a:latin typeface="Cambria Math" panose="02040503050406030204" pitchFamily="18" charset="0"/>
+                                    </a:rPr>
                                     <m:t>𝑚𝑥</m:t>
                                   </m:r>
                                   <m:r>
-                                    <a:rPr lang="fa-IR" i="1"/>
+                                    <a:rPr lang="fa-IR" i="1">
+                                      <a:latin typeface="Cambria Math" panose="02040503050406030204" pitchFamily="18" charset="0"/>
+                                    </a:rPr>
                                     <m:t>+</m:t>
                                   </m:r>
                                   <m:r>
-                                    <a:rPr lang="fa-IR" i="1"/>
+                                    <a:rPr lang="fa-IR" i="1">
+                                      <a:latin typeface="Cambria Math" panose="02040503050406030204" pitchFamily="18" charset="0"/>
+                                    </a:rPr>
                                     <m:t>𝑏</m:t>
                                   </m:r>
                                 </m:e>
@@ -13213,66 +17611,90 @@
                 <a14:m>
                   <m:oMath xmlns:m="http://schemas.openxmlformats.org/officeDocument/2006/math">
                     <m:r>
-                      <a:rPr lang="en-US" i="1"/>
+                      <a:rPr lang="en-US" i="1">
+                        <a:latin typeface="Cambria Math" panose="02040503050406030204" pitchFamily="18" charset="0"/>
+                      </a:rPr>
                       <m:t>𝑆</m:t>
                     </m:r>
                     <m:d>
                       <m:dPr>
                         <m:ctrlPr>
-                          <a:rPr lang="fa-IR" i="1"/>
+                          <a:rPr lang="fa-IR" i="1">
+                            <a:latin typeface="Cambria Math" panose="02040503050406030204" pitchFamily="18" charset="0"/>
+                          </a:rPr>
                         </m:ctrlPr>
                       </m:dPr>
                       <m:e>
                         <m:r>
-                          <a:rPr lang="fa-IR" i="1"/>
+                          <a:rPr lang="fa-IR" i="1">
+                            <a:latin typeface="Cambria Math" panose="02040503050406030204" pitchFamily="18" charset="0"/>
+                          </a:rPr>
                           <m:t>𝑥</m:t>
                         </m:r>
                       </m:e>
                     </m:d>
                     <m:r>
-                      <a:rPr lang="fa-IR" i="1"/>
+                      <a:rPr lang="fa-IR" i="1">
+                        <a:latin typeface="Cambria Math" panose="02040503050406030204" pitchFamily="18" charset="0"/>
+                      </a:rPr>
                       <m:t>=</m:t>
                     </m:r>
                     <m:f>
                       <m:fPr>
                         <m:ctrlPr>
-                          <a:rPr lang="fa-IR" i="1"/>
+                          <a:rPr lang="fa-IR" i="1">
+                            <a:latin typeface="Cambria Math" panose="02040503050406030204" pitchFamily="18" charset="0"/>
+                          </a:rPr>
                         </m:ctrlPr>
                       </m:fPr>
                       <m:num>
                         <m:r>
-                          <a:rPr lang="fa-IR" i="1"/>
+                          <a:rPr lang="fa-IR" i="1">
+                            <a:latin typeface="Cambria Math" panose="02040503050406030204" pitchFamily="18" charset="0"/>
+                          </a:rPr>
                           <m:t>1</m:t>
                         </m:r>
                       </m:num>
                       <m:den>
                         <m:r>
-                          <a:rPr lang="fa-IR" i="1"/>
+                          <a:rPr lang="fa-IR" i="1">
+                            <a:latin typeface="Cambria Math" panose="02040503050406030204" pitchFamily="18" charset="0"/>
+                          </a:rPr>
                           <m:t>1</m:t>
                         </m:r>
                         <m:r>
-                          <a:rPr lang="fa-IR" i="1"/>
+                          <a:rPr lang="fa-IR" i="1">
+                            <a:latin typeface="Cambria Math" panose="02040503050406030204" pitchFamily="18" charset="0"/>
+                          </a:rPr>
                           <m:t>+</m:t>
                         </m:r>
                         <m:sSup>
                           <m:sSupPr>
                             <m:ctrlPr>
-                              <a:rPr lang="fa-IR" i="1"/>
+                              <a:rPr lang="fa-IR" i="1">
+                                <a:latin typeface="Cambria Math" panose="02040503050406030204" pitchFamily="18" charset="0"/>
+                              </a:rPr>
                             </m:ctrlPr>
                           </m:sSupPr>
                           <m:e>
                             <m:r>
-                              <a:rPr lang="fa-IR" i="1"/>
+                              <a:rPr lang="fa-IR" i="1">
+                                <a:latin typeface="Cambria Math" panose="02040503050406030204" pitchFamily="18" charset="0"/>
+                              </a:rPr>
                               <m:t>𝑒</m:t>
                             </m:r>
                           </m:e>
                           <m:sup>
                             <m:r>
-                              <a:rPr lang="fa-IR" i="1"/>
+                              <a:rPr lang="fa-IR" i="1">
+                                <a:latin typeface="Cambria Math" panose="02040503050406030204" pitchFamily="18" charset="0"/>
+                              </a:rPr>
                               <m:t>−</m:t>
                             </m:r>
                             <m:r>
-                              <a:rPr lang="fa-IR" i="1"/>
+                              <a:rPr lang="fa-IR" i="1">
+                                <a:latin typeface="Cambria Math" panose="02040503050406030204" pitchFamily="18" charset="0"/>
+                              </a:rPr>
                               <m:t>𝑥</m:t>
                             </m:r>
                           </m:sup>
@@ -13286,7 +17708,7 @@
             </p:txBody>
           </p:sp>
         </mc:Choice>
-        <mc:Fallback>
+        <mc:Fallback xmlns="">
           <p:sp>
             <p:nvSpPr>
               <p:cNvPr id="6" name="TextBox 5">
@@ -13407,7 +17829,7 @@
                                         <p:tgtEl>
                                           <p:spTgt spid="6">
                                             <p:txEl>
-                                              <p:charRg st="285" end="359"/>
+                                              <p:pRg st="5" end="5"/>
                                             </p:txEl>
                                           </p:spTgt>
                                         </p:tgtEl>
